--- a/06-testing_resources_in_recipes.pptx
+++ b/06-testing_resources_in_recipes.pptx
@@ -6,10 +6,10 @@
     <p:sldMasterId id="2147483847" r:id="rId6"/>
   </p:sldMasterIdLst>
   <p:notesMasterIdLst>
-    <p:notesMasterId r:id="rId36"/>
+    <p:notesMasterId r:id="rId38"/>
   </p:notesMasterIdLst>
   <p:handoutMasterIdLst>
-    <p:handoutMasterId r:id="rId37"/>
+    <p:handoutMasterId r:id="rId39"/>
   </p:handoutMasterIdLst>
   <p:sldIdLst>
     <p:sldId id="256" r:id="rId7"/>
@@ -35,12 +35,14 @@
     <p:sldId id="292" r:id="rId27"/>
     <p:sldId id="293" r:id="rId28"/>
     <p:sldId id="296" r:id="rId29"/>
-    <p:sldId id="294" r:id="rId30"/>
-    <p:sldId id="295" r:id="rId31"/>
-    <p:sldId id="275" r:id="rId32"/>
-    <p:sldId id="276" r:id="rId33"/>
-    <p:sldId id="298" r:id="rId34"/>
-    <p:sldId id="267" r:id="rId35"/>
+    <p:sldId id="301" r:id="rId30"/>
+    <p:sldId id="302" r:id="rId31"/>
+    <p:sldId id="294" r:id="rId32"/>
+    <p:sldId id="295" r:id="rId33"/>
+    <p:sldId id="275" r:id="rId34"/>
+    <p:sldId id="276" r:id="rId35"/>
+    <p:sldId id="298" r:id="rId36"/>
+    <p:sldId id="267" r:id="rId37"/>
   </p:sldIdLst>
   <p:sldSz cx="16256000" cy="9144000"/>
   <p:notesSz cx="6858000" cy="9144000"/>
@@ -254,10 +256,9 @@
               <a:defRPr/>
             </a:pPr>
             <a:r>
-              <a:rPr lang="en-US" smtClean="0"/>
+              <a:rPr lang="en-US"/>
               <a:t>Chef Intermediate</a:t>
             </a:r>
-            <a:endParaRPr lang="en-US"/>
           </a:p>
         </p:txBody>
       </p:sp>
@@ -302,7 +303,7 @@
               <a:defRPr/>
             </a:pPr>
             <a:r>
-              <a:rPr lang="en-US" smtClean="0"/>
+              <a:rPr lang="en-US"/>
               <a:t>Chef Software, Inc.</a:t>
             </a:r>
             <a:endParaRPr lang="en-US" dirty="0"/>
@@ -482,7 +483,7 @@
               <a:defRPr/>
             </a:pPr>
             <a:r>
-              <a:rPr lang="en-US" smtClean="0"/>
+              <a:rPr lang="en-US"/>
               <a:t>Chef Software, Inc.</a:t>
             </a:r>
             <a:endParaRPr lang="en-US" dirty="0"/>
@@ -550,38 +551,37 @@
           <a:p>
             <a:pPr lvl="0"/>
             <a:r>
-              <a:rPr lang="en-US" noProof="0" dirty="0" smtClean="0"/>
+              <a:rPr lang="en-US" noProof="0" dirty="0"/>
               <a:t>Click to edit Master text styles</a:t>
             </a:r>
           </a:p>
           <a:p>
             <a:pPr lvl="1"/>
             <a:r>
-              <a:rPr lang="en-US" noProof="0" dirty="0" smtClean="0"/>
+              <a:rPr lang="en-US" noProof="0" dirty="0"/>
               <a:t>Second level</a:t>
             </a:r>
           </a:p>
           <a:p>
             <a:pPr lvl="2"/>
             <a:r>
-              <a:rPr lang="en-US" noProof="0" dirty="0" smtClean="0"/>
+              <a:rPr lang="en-US" noProof="0" dirty="0"/>
               <a:t>Third level</a:t>
             </a:r>
           </a:p>
           <a:p>
             <a:pPr lvl="3"/>
             <a:r>
-              <a:rPr lang="en-US" noProof="0" dirty="0" smtClean="0"/>
+              <a:rPr lang="en-US" noProof="0" dirty="0"/>
               <a:t>Fourth level</a:t>
             </a:r>
           </a:p>
           <a:p>
             <a:pPr lvl="4"/>
             <a:r>
-              <a:rPr lang="en-US" noProof="0" dirty="0" smtClean="0"/>
+              <a:rPr lang="en-US" noProof="0" dirty="0"/>
               <a:t>Fifth level</a:t>
             </a:r>
-            <a:endParaRPr lang="en-US" noProof="0" dirty="0"/>
           </a:p>
         </p:txBody>
       </p:sp>
@@ -626,10 +626,9 @@
               <a:defRPr/>
             </a:pPr>
             <a:r>
-              <a:rPr lang="en-US" smtClean="0"/>
+              <a:rPr lang="en-US"/>
               <a:t>Chef Intermediate</a:t>
             </a:r>
-            <a:endParaRPr lang="en-US"/>
           </a:p>
         </p:txBody>
       </p:sp>
@@ -835,11 +834,11 @@
           <a:lstStyle/>
           <a:p>
             <a:r>
-              <a:rPr lang="en-US" dirty="0" smtClean="0"/>
+              <a:rPr lang="en-US" dirty="0"/>
               <a:t>The</a:t>
             </a:r>
             <a:r>
-              <a:rPr lang="en-US" baseline="0" dirty="0" smtClean="0"/>
+              <a:rPr lang="en-US" baseline="0" dirty="0"/>
               <a:t> default recipe we refactored moved the resources into individual recipes that will promote their ability to be composed in other cookbooks. Now its time to take a look at the resources we defined and explore writing examples to verify their state as well.</a:t>
             </a:r>
             <a:endParaRPr lang="en-US" dirty="0"/>
@@ -890,7 +889,7 @@
               <a:defRPr/>
             </a:pPr>
             <a:r>
-              <a:rPr lang="en-US" smtClean="0"/>
+              <a:rPr lang="en-US"/>
               <a:t>Chef Software, Inc.</a:t>
             </a:r>
             <a:endParaRPr lang="en-US" dirty="0"/>
@@ -955,33 +954,33 @@
           <a:lstStyle/>
           <a:p>
             <a:r>
-              <a:rPr lang="en-US" baseline="0" dirty="0" smtClean="0"/>
+              <a:rPr lang="en-US" baseline="0" dirty="0"/>
               <a:t>Expressing an expectation for the state of resources in the 'Resource Collection' uses a particular matcher. Express the name of the action joined together with the type of the resource and has the parameter that is the name of the resource.</a:t>
             </a:r>
           </a:p>
           <a:p>
-            <a:endParaRPr lang="en-US" baseline="0" dirty="0" smtClean="0"/>
-          </a:p>
-          <a:p>
-            <a:r>
-              <a:rPr lang="en-US" baseline="0" dirty="0" smtClean="0"/>
+            <a:endParaRPr lang="en-US" baseline="0" dirty="0"/>
+          </a:p>
+          <a:p>
+            <a:r>
+              <a:rPr lang="en-US" baseline="0" dirty="0"/>
               <a:t>The expectation defined here is slightly different than the previous example. In the first example the expect uses braces. This is Ruby's shorthand notation to represent a block. The reason in this expectation we want to use a block is that if the chef run were to raise an error we need to catch it. Catching it requires that we wrap the code we want to execute within a block.</a:t>
             </a:r>
           </a:p>
           <a:p>
-            <a:endParaRPr lang="en-US" baseline="0" dirty="0" smtClean="0"/>
-          </a:p>
-          <a:p>
-            <a:r>
-              <a:rPr lang="en-US" baseline="0" dirty="0" smtClean="0"/>
+            <a:endParaRPr lang="en-US" baseline="0" dirty="0"/>
+          </a:p>
+          <a:p>
+            <a:r>
+              <a:rPr lang="en-US" baseline="0" dirty="0"/>
               <a:t>Using the parenthesis is passing the '</a:t>
             </a:r>
             <a:r>
-              <a:rPr lang="en-US" baseline="0" dirty="0" err="1" smtClean="0"/>
+              <a:rPr lang="en-US" baseline="0" dirty="0" err="1"/>
               <a:t>chef_run</a:t>
             </a:r>
             <a:r>
-              <a:rPr lang="en-US" baseline="0" dirty="0" smtClean="0"/>
+              <a:rPr lang="en-US" baseline="0" dirty="0"/>
               <a:t>' helper as a parameter to the 'expect' method. In this instance we do not expect an error to take place and instead want to make assertions on the state of the chef run. If an error were to be raised the expectation would not catch it and instead of the expectation failing you would see an error message.</a:t>
             </a:r>
           </a:p>
@@ -1006,10 +1005,9 @@
               <a:defRPr/>
             </a:pPr>
             <a:r>
-              <a:rPr lang="en-US" smtClean="0"/>
+              <a:rPr lang="en-US"/>
               <a:t>Chef Intermediate</a:t>
             </a:r>
-            <a:endParaRPr lang="en-US"/>
           </a:p>
         </p:txBody>
       </p:sp>
@@ -1032,7 +1030,7 @@
               <a:defRPr/>
             </a:pPr>
             <a:r>
-              <a:rPr lang="en-US" smtClean="0"/>
+              <a:rPr lang="en-US"/>
               <a:t>Chef Software, Inc.</a:t>
             </a:r>
             <a:endParaRPr lang="en-US" dirty="0"/>
@@ -1097,11 +1095,11 @@
           <a:lstStyle/>
           <a:p>
             <a:r>
-              <a:rPr lang="en-US" dirty="0" smtClean="0"/>
+              <a:rPr lang="en-US" dirty="0"/>
               <a:t>When</a:t>
             </a:r>
             <a:r>
-              <a:rPr lang="en-US" baseline="0" dirty="0" smtClean="0"/>
+              <a:rPr lang="en-US" baseline="0" dirty="0"/>
               <a:t> we are done writing this expectation and execute the test suite we see that we now have 2 examples that both pass.</a:t>
             </a:r>
             <a:endParaRPr lang="en-US" dirty="0"/>
@@ -1127,10 +1125,9 @@
               <a:defRPr/>
             </a:pPr>
             <a:r>
-              <a:rPr lang="en-US" smtClean="0"/>
+              <a:rPr lang="en-US"/>
               <a:t>Chef Intermediate</a:t>
             </a:r>
-            <a:endParaRPr lang="en-US"/>
           </a:p>
         </p:txBody>
       </p:sp>
@@ -1153,7 +1150,7 @@
               <a:defRPr/>
             </a:pPr>
             <a:r>
-              <a:rPr lang="en-US" smtClean="0"/>
+              <a:rPr lang="en-US"/>
               <a:t>Chef Software, Inc.</a:t>
             </a:r>
             <a:endParaRPr lang="en-US" dirty="0"/>
@@ -1218,11 +1215,11 @@
           <a:lstStyle/>
           <a:p>
             <a:r>
-              <a:rPr lang="en-US" dirty="0" smtClean="0"/>
+              <a:rPr lang="en-US" dirty="0"/>
               <a:t>We</a:t>
             </a:r>
             <a:r>
-              <a:rPr lang="en-US" baseline="0" dirty="0" smtClean="0"/>
+              <a:rPr lang="en-US" baseline="0" dirty="0"/>
               <a:t> now have an expectation that expresses the state for the install recipe. But before we declare victory it is time to verify that the expectations truly are working.</a:t>
             </a:r>
             <a:endParaRPr lang="en-US" dirty="0"/>
@@ -1248,10 +1245,9 @@
               <a:defRPr/>
             </a:pPr>
             <a:r>
-              <a:rPr lang="en-US" smtClean="0"/>
+              <a:rPr lang="en-US"/>
               <a:t>Chef Intermediate</a:t>
             </a:r>
-            <a:endParaRPr lang="en-US"/>
           </a:p>
         </p:txBody>
       </p:sp>
@@ -1274,7 +1270,7 @@
               <a:defRPr/>
             </a:pPr>
             <a:r>
-              <a:rPr lang="en-US" smtClean="0"/>
+              <a:rPr lang="en-US"/>
               <a:t>Chef Software, Inc.</a:t>
             </a:r>
             <a:endParaRPr lang="en-US" dirty="0"/>
@@ -1339,20 +1335,20 @@
           <a:lstStyle/>
           <a:p>
             <a:r>
-              <a:rPr lang="en-US" dirty="0" smtClean="0"/>
+              <a:rPr lang="en-US" dirty="0"/>
               <a:t>If</a:t>
             </a:r>
             <a:r>
-              <a:rPr lang="en-US" baseline="0" dirty="0" smtClean="0"/>
+              <a:rPr lang="en-US" baseline="0" dirty="0"/>
               <a:t> a test passes and you have never seen it fail. How do you know it works? Without ever seeing a failure there is situation where we could be seeing a 'false positive'. This is because we did not develop this expectation with the test first. In this instance we have not done anything wrong. We simply need to ensure that the expectation we define will fail if we were to modify the code that we are testing.</a:t>
             </a:r>
           </a:p>
           <a:p>
-            <a:endParaRPr lang="en-US" baseline="0" dirty="0" smtClean="0"/>
-          </a:p>
-          <a:p>
-            <a:r>
-              <a:rPr lang="en-US" baseline="0" dirty="0" smtClean="0"/>
+            <a:endParaRPr lang="en-US" baseline="0" dirty="0"/>
+          </a:p>
+          <a:p>
+            <a:r>
+              <a:rPr lang="en-US" baseline="0" dirty="0"/>
               <a:t>To do that it is time for us to return to the recipe and modify it, mutate it, to ensure that the test fails.</a:t>
             </a:r>
           </a:p>
@@ -1377,10 +1373,9 @@
               <a:defRPr/>
             </a:pPr>
             <a:r>
-              <a:rPr lang="en-US" smtClean="0"/>
+              <a:rPr lang="en-US"/>
               <a:t>Chef Intermediate</a:t>
             </a:r>
-            <a:endParaRPr lang="en-US"/>
           </a:p>
         </p:txBody>
       </p:sp>
@@ -1403,7 +1398,7 @@
               <a:defRPr/>
             </a:pPr>
             <a:r>
-              <a:rPr lang="en-US" smtClean="0"/>
+              <a:rPr lang="en-US"/>
               <a:t>Chef Software, Inc.</a:t>
             </a:r>
             <a:endParaRPr lang="en-US" dirty="0"/>
@@ -1468,11 +1463,11 @@
           <a:lstStyle/>
           <a:p>
             <a:r>
-              <a:rPr lang="en-US" dirty="0" smtClean="0"/>
+              <a:rPr lang="en-US" dirty="0"/>
               <a:t>One simple mutation is to</a:t>
             </a:r>
             <a:r>
-              <a:rPr lang="en-US" baseline="0" dirty="0" smtClean="0"/>
+              <a:rPr lang="en-US" baseline="0" dirty="0"/>
               <a:t> remove the resource by commenting it out or removing it. We could also choose to rename the name of the resource.</a:t>
             </a:r>
             <a:endParaRPr lang="en-US" dirty="0"/>
@@ -1498,10 +1493,9 @@
               <a:defRPr/>
             </a:pPr>
             <a:r>
-              <a:rPr lang="en-US" smtClean="0"/>
+              <a:rPr lang="en-US"/>
               <a:t>Chef Intermediate</a:t>
             </a:r>
-            <a:endParaRPr lang="en-US"/>
           </a:p>
         </p:txBody>
       </p:sp>
@@ -1524,7 +1518,7 @@
               <a:defRPr/>
             </a:pPr>
             <a:r>
-              <a:rPr lang="en-US" smtClean="0"/>
+              <a:rPr lang="en-US"/>
               <a:t>Chef Software, Inc.</a:t>
             </a:r>
             <a:endParaRPr lang="en-US" dirty="0"/>
@@ -1589,11 +1583,11 @@
           <a:lstStyle/>
           <a:p>
             <a:r>
-              <a:rPr lang="en-US" dirty="0" smtClean="0"/>
+              <a:rPr lang="en-US" dirty="0"/>
               <a:t>Returning</a:t>
             </a:r>
             <a:r>
-              <a:rPr lang="en-US" baseline="0" dirty="0" smtClean="0"/>
+              <a:rPr lang="en-US" baseline="0" dirty="0"/>
               <a:t> to run the tests we now see that there is an error in the execution. The change that we made to the recipe, the removal of the resource, generates this error. We can state with confidence that the expectation that we defined properly insures our expectations about the 'Resource Collection'.</a:t>
             </a:r>
             <a:endParaRPr lang="en-US" dirty="0"/>
@@ -1619,10 +1613,9 @@
               <a:defRPr/>
             </a:pPr>
             <a:r>
-              <a:rPr lang="en-US" smtClean="0"/>
+              <a:rPr lang="en-US"/>
               <a:t>Chef Intermediate</a:t>
             </a:r>
-            <a:endParaRPr lang="en-US"/>
           </a:p>
         </p:txBody>
       </p:sp>
@@ -1645,7 +1638,7 @@
               <a:defRPr/>
             </a:pPr>
             <a:r>
-              <a:rPr lang="en-US" smtClean="0"/>
+              <a:rPr lang="en-US"/>
               <a:t>Chef Software, Inc.</a:t>
             </a:r>
             <a:endParaRPr lang="en-US" dirty="0"/>
@@ -1710,11 +1703,11 @@
           <a:lstStyle/>
           <a:p>
             <a:r>
-              <a:rPr lang="en-US" dirty="0" smtClean="0"/>
+              <a:rPr lang="en-US" dirty="0"/>
               <a:t>Time to restore</a:t>
             </a:r>
             <a:r>
-              <a:rPr lang="en-US" baseline="0" dirty="0" smtClean="0"/>
+              <a:rPr lang="en-US" baseline="0" dirty="0"/>
               <a:t> the mutation we introduced.</a:t>
             </a:r>
             <a:endParaRPr lang="en-US" dirty="0"/>
@@ -1740,10 +1733,9 @@
               <a:defRPr/>
             </a:pPr>
             <a:r>
-              <a:rPr lang="en-US" smtClean="0"/>
+              <a:rPr lang="en-US"/>
               <a:t>Chef Intermediate</a:t>
             </a:r>
-            <a:endParaRPr lang="en-US"/>
           </a:p>
         </p:txBody>
       </p:sp>
@@ -1766,7 +1758,7 @@
               <a:defRPr/>
             </a:pPr>
             <a:r>
-              <a:rPr lang="en-US" smtClean="0"/>
+              <a:rPr lang="en-US"/>
               <a:t>Chef Software, Inc.</a:t>
             </a:r>
             <a:endParaRPr lang="en-US" dirty="0"/>
@@ -1831,11 +1823,11 @@
           <a:lstStyle/>
           <a:p>
             <a:r>
-              <a:rPr lang="en-US" dirty="0" smtClean="0"/>
+              <a:rPr lang="en-US" dirty="0"/>
               <a:t>Verify</a:t>
             </a:r>
             <a:r>
-              <a:rPr lang="en-US" baseline="0" dirty="0" smtClean="0"/>
+              <a:rPr lang="en-US" baseline="0" dirty="0"/>
               <a:t> that all the examples complete successfully.</a:t>
             </a:r>
             <a:endParaRPr lang="en-US" dirty="0"/>
@@ -1861,10 +1853,9 @@
               <a:defRPr/>
             </a:pPr>
             <a:r>
-              <a:rPr lang="en-US" smtClean="0"/>
+              <a:rPr lang="en-US"/>
               <a:t>Chef Intermediate</a:t>
             </a:r>
-            <a:endParaRPr lang="en-US"/>
           </a:p>
         </p:txBody>
       </p:sp>
@@ -1887,7 +1878,7 @@
               <a:defRPr/>
             </a:pPr>
             <a:r>
-              <a:rPr lang="en-US" smtClean="0"/>
+              <a:rPr lang="en-US"/>
               <a:t>Chef Software, Inc.</a:t>
             </a:r>
             <a:endParaRPr lang="en-US" dirty="0"/>
@@ -1952,7 +1943,7 @@
           <a:lstStyle/>
           <a:p>
             <a:r>
-              <a:rPr lang="en-US" baseline="0" dirty="0" smtClean="0"/>
+              <a:rPr lang="en-US" baseline="0" dirty="0"/>
               <a:t>We walked through ensuring this recipe has the necessary expectations defined.</a:t>
             </a:r>
             <a:endParaRPr lang="en-US" dirty="0"/>
@@ -1978,10 +1969,9 @@
               <a:defRPr/>
             </a:pPr>
             <a:r>
-              <a:rPr lang="en-US" smtClean="0"/>
+              <a:rPr lang="en-US"/>
               <a:t>Chef Intermediate</a:t>
             </a:r>
-            <a:endParaRPr lang="en-US"/>
           </a:p>
         </p:txBody>
       </p:sp>
@@ -2004,7 +1994,7 @@
               <a:defRPr/>
             </a:pPr>
             <a:r>
-              <a:rPr lang="en-US" smtClean="0"/>
+              <a:rPr lang="en-US"/>
               <a:t>Chef Software, Inc.</a:t>
             </a:r>
             <a:endParaRPr lang="en-US" dirty="0"/>
@@ -2069,25 +2059,25 @@
           <a:lstStyle/>
           <a:p>
             <a:r>
-              <a:rPr lang="en-US" dirty="0" smtClean="0"/>
+              <a:rPr lang="en-US" dirty="0"/>
               <a:t>Now it is</a:t>
             </a:r>
             <a:r>
-              <a:rPr lang="en-US" baseline="0" dirty="0" smtClean="0"/>
+              <a:rPr lang="en-US" baseline="0" dirty="0"/>
               <a:t> your turn. Using the same strategy it is time to address the remaining recipes within the cookbook.</a:t>
             </a:r>
-            <a:endParaRPr lang="en-US" dirty="0" smtClean="0"/>
-          </a:p>
-          <a:p>
-            <a:endParaRPr lang="en-US" dirty="0" smtClean="0"/>
-          </a:p>
-          <a:p>
-            <a:r>
-              <a:rPr lang="en-US" dirty="0" smtClean="0"/>
+            <a:endParaRPr lang="en-US" dirty="0"/>
+          </a:p>
+          <a:p>
+            <a:endParaRPr lang="en-US" dirty="0"/>
+          </a:p>
+          <a:p>
+            <a:r>
+              <a:rPr lang="en-US" dirty="0"/>
               <a:t>Instructor Note: Allow 15 minutes to</a:t>
             </a:r>
             <a:r>
-              <a:rPr lang="en-US" baseline="0" dirty="0" smtClean="0"/>
+              <a:rPr lang="en-US" baseline="0" dirty="0"/>
               <a:t> complete this exercise</a:t>
             </a:r>
             <a:endParaRPr lang="en-US" dirty="0"/>
@@ -2113,10 +2103,9 @@
               <a:defRPr/>
             </a:pPr>
             <a:r>
-              <a:rPr lang="en-US" smtClean="0"/>
+              <a:rPr lang="en-US"/>
               <a:t>Chef Intermediate</a:t>
             </a:r>
-            <a:endParaRPr lang="en-US"/>
           </a:p>
         </p:txBody>
       </p:sp>
@@ -2139,7 +2128,7 @@
               <a:defRPr/>
             </a:pPr>
             <a:r>
-              <a:rPr lang="en-US" smtClean="0"/>
+              <a:rPr lang="en-US"/>
               <a:t>Chef Software, Inc.</a:t>
             </a:r>
             <a:endParaRPr lang="en-US" dirty="0"/>
@@ -2204,19 +2193,19 @@
           <a:lstStyle/>
           <a:p>
             <a:r>
-              <a:rPr lang="en-US" dirty="0" smtClean="0"/>
+              <a:rPr lang="en-US" dirty="0"/>
               <a:t>In this module you</a:t>
             </a:r>
             <a:r>
-              <a:rPr lang="en-US" baseline="0" dirty="0" smtClean="0"/>
+              <a:rPr lang="en-US" baseline="0" dirty="0"/>
               <a:t> will learn how to test resources within a recipe using </a:t>
             </a:r>
             <a:r>
-              <a:rPr lang="en-US" baseline="0" dirty="0" err="1" smtClean="0"/>
+              <a:rPr lang="en-US" baseline="0" dirty="0" err="1"/>
               <a:t>ChefSpec</a:t>
             </a:r>
             <a:r>
-              <a:rPr lang="en-US" baseline="0" dirty="0" smtClean="0"/>
+              <a:rPr lang="en-US" baseline="0" dirty="0"/>
               <a:t>.</a:t>
             </a:r>
             <a:endParaRPr lang="en-US" dirty="0"/>
@@ -2242,10 +2231,9 @@
               <a:defRPr/>
             </a:pPr>
             <a:r>
-              <a:rPr lang="en-US" smtClean="0"/>
+              <a:rPr lang="en-US"/>
               <a:t>Chef Intermediate</a:t>
             </a:r>
-            <a:endParaRPr lang="en-US"/>
           </a:p>
         </p:txBody>
       </p:sp>
@@ -2268,7 +2256,7 @@
               <a:defRPr/>
             </a:pPr>
             <a:r>
-              <a:rPr lang="en-US" smtClean="0"/>
+              <a:rPr lang="en-US"/>
               <a:t>Chef Software, Inc.</a:t>
             </a:r>
             <a:endParaRPr lang="en-US" dirty="0"/>
@@ -2332,7 +2320,7 @@
           <a:bodyPr/>
           <a:lstStyle/>
           <a:p>
-            <a:endParaRPr lang="en-US" baseline="0" dirty="0" smtClean="0"/>
+            <a:endParaRPr lang="en-US" baseline="0" dirty="0"/>
           </a:p>
         </p:txBody>
       </p:sp>
@@ -2355,10 +2343,9 @@
               <a:defRPr/>
             </a:pPr>
             <a:r>
-              <a:rPr lang="en-US" smtClean="0"/>
+              <a:rPr lang="en-US"/>
               <a:t>Chef Intermediate</a:t>
             </a:r>
-            <a:endParaRPr lang="en-US"/>
           </a:p>
         </p:txBody>
       </p:sp>
@@ -2381,7 +2368,7 @@
               <a:defRPr/>
             </a:pPr>
             <a:r>
-              <a:rPr lang="en-US" smtClean="0"/>
+              <a:rPr lang="en-US"/>
               <a:t>Chef Software, Inc.</a:t>
             </a:r>
             <a:endParaRPr lang="en-US" dirty="0"/>
@@ -2446,20 +2433,20 @@
           <a:lstStyle/>
           <a:p>
             <a:r>
-              <a:rPr lang="en-US" dirty="0" smtClean="0"/>
+              <a:rPr lang="en-US" dirty="0"/>
               <a:t>Let's review the final resulting</a:t>
             </a:r>
             <a:r>
-              <a:rPr lang="en-US" baseline="0" dirty="0" smtClean="0"/>
+              <a:rPr lang="en-US" baseline="0" dirty="0"/>
               <a:t> specification for only the service recipe. We defined two examples. One that states the expectation that the necessary service has been started. The other states the expectation that the necessary service has been enabled.</a:t>
             </a:r>
           </a:p>
           <a:p>
-            <a:endParaRPr lang="en-US" baseline="0" dirty="0" smtClean="0"/>
-          </a:p>
-          <a:p>
-            <a:r>
-              <a:rPr lang="en-US" baseline="0" dirty="0" smtClean="0"/>
+            <a:endParaRPr lang="en-US" baseline="0" dirty="0"/>
+          </a:p>
+          <a:p>
+            <a:r>
+              <a:rPr lang="en-US" baseline="0" dirty="0"/>
               <a:t>Instructor Note: We are showing the final concluding content and not the workflow.</a:t>
             </a:r>
             <a:endParaRPr lang="en-US" dirty="0"/>
@@ -2485,10 +2472,9 @@
               <a:defRPr/>
             </a:pPr>
             <a:r>
-              <a:rPr lang="en-US" smtClean="0"/>
+              <a:rPr lang="en-US"/>
               <a:t>Chef Intermediate</a:t>
             </a:r>
-            <a:endParaRPr lang="en-US"/>
           </a:p>
         </p:txBody>
       </p:sp>
@@ -2511,7 +2497,7 @@
               <a:defRPr/>
             </a:pPr>
             <a:r>
-              <a:rPr lang="en-US" smtClean="0"/>
+              <a:rPr lang="en-US"/>
               <a:t>Chef Software, Inc.</a:t>
             </a:r>
             <a:endParaRPr lang="en-US" dirty="0"/>
@@ -2576,11 +2562,11 @@
           <a:lstStyle/>
           <a:p>
             <a:r>
-              <a:rPr lang="en-US" dirty="0" smtClean="0"/>
+              <a:rPr lang="en-US" dirty="0"/>
               <a:t>Verifying</a:t>
             </a:r>
             <a:r>
-              <a:rPr lang="en-US" baseline="0" dirty="0" smtClean="0"/>
+              <a:rPr lang="en-US" baseline="0" dirty="0"/>
               <a:t> the examples we see three passing examples.</a:t>
             </a:r>
             <a:endParaRPr lang="en-US" dirty="0"/>
@@ -2606,10 +2592,9 @@
               <a:defRPr/>
             </a:pPr>
             <a:r>
-              <a:rPr lang="en-US" smtClean="0"/>
+              <a:rPr lang="en-US"/>
               <a:t>Chef Intermediate</a:t>
             </a:r>
-            <a:endParaRPr lang="en-US"/>
           </a:p>
         </p:txBody>
       </p:sp>
@@ -2632,7 +2617,7 @@
               <a:defRPr/>
             </a:pPr>
             <a:r>
-              <a:rPr lang="en-US" smtClean="0"/>
+              <a:rPr lang="en-US"/>
               <a:t>Chef Software, Inc.</a:t>
             </a:r>
             <a:endParaRPr lang="en-US" dirty="0"/>
@@ -2697,16 +2682,16 @@
           <a:lstStyle/>
           <a:p>
             <a:r>
-              <a:rPr lang="en-US" baseline="0" dirty="0" smtClean="0"/>
+              <a:rPr lang="en-US" baseline="0" dirty="0"/>
               <a:t>Congratulations. Now you have completed writing unit tests for the remaining resources across all our recipes.</a:t>
             </a:r>
           </a:p>
           <a:p>
-            <a:endParaRPr lang="en-US" baseline="0" dirty="0" smtClean="0"/>
-          </a:p>
-          <a:p>
-            <a:r>
-              <a:rPr lang="en-US" baseline="0" dirty="0" smtClean="0"/>
+            <a:endParaRPr lang="en-US" baseline="0" dirty="0"/>
+          </a:p>
+          <a:p>
+            <a:r>
+              <a:rPr lang="en-US" baseline="0" dirty="0"/>
               <a:t>Instructor Note: We did not review the configuration recipe.</a:t>
             </a:r>
           </a:p>
@@ -2731,10 +2716,9 @@
               <a:defRPr/>
             </a:pPr>
             <a:r>
-              <a:rPr lang="en-US" smtClean="0"/>
+              <a:rPr lang="en-US"/>
               <a:t>Chef Intermediate</a:t>
             </a:r>
-            <a:endParaRPr lang="en-US"/>
           </a:p>
         </p:txBody>
       </p:sp>
@@ -2757,7 +2741,7 @@
               <a:defRPr/>
             </a:pPr>
             <a:r>
-              <a:rPr lang="en-US" smtClean="0"/>
+              <a:rPr lang="en-US"/>
               <a:t>Chef Software, Inc.</a:t>
             </a:r>
             <a:endParaRPr lang="en-US" dirty="0"/>
@@ -2821,47 +2805,7 @@
           <a:bodyPr/>
           <a:lstStyle/>
           <a:p>
-            <a:r>
-              <a:rPr lang="en-US" dirty="0" smtClean="0"/>
-              <a:t>Running</a:t>
-            </a:r>
-            <a:r>
-              <a:rPr lang="en-US" baseline="0" dirty="0" smtClean="0"/>
-              <a:t> '</a:t>
-            </a:r>
-            <a:r>
-              <a:rPr lang="en-US" baseline="0" dirty="0" err="1" smtClean="0"/>
-              <a:t>rspec</a:t>
-            </a:r>
-            <a:r>
-              <a:rPr lang="en-US" baseline="0" dirty="0" smtClean="0"/>
-              <a:t>' as we have during this and the last section has shown that we can provide a file and it will evaluate the examples within that file. Now that we have examples spread across multiple recipes it would be nice to be able to run them all at once. And actually that is how RSpec is designed to work by default. When you run '</a:t>
-            </a:r>
-            <a:r>
-              <a:rPr lang="en-US" baseline="0" dirty="0" err="1" smtClean="0"/>
-              <a:t>rspec</a:t>
-            </a:r>
-            <a:r>
-              <a:rPr lang="en-US" baseline="0" dirty="0" smtClean="0"/>
-              <a:t>' with no paths it will automatically find all specification files defined in the 'spec' directory.</a:t>
-            </a:r>
-          </a:p>
-          <a:p>
-            <a:endParaRPr lang="en-US" baseline="0" dirty="0" smtClean="0"/>
-          </a:p>
-          <a:p>
-            <a:r>
-              <a:rPr lang="en-US" baseline="0" dirty="0" smtClean="0"/>
-              <a:t>It is important to note that all specification files must end with an '_</a:t>
-            </a:r>
-            <a:r>
-              <a:rPr lang="en-US" baseline="0" dirty="0" err="1" smtClean="0"/>
-              <a:t>spec.rb</a:t>
-            </a:r>
-            <a:r>
-              <a:rPr lang="en-US" baseline="0" dirty="0" smtClean="0"/>
-              <a:t>' for them to found by RSpec.</a:t>
-            </a:r>
+            <a:endParaRPr lang="en-US" baseline="0" dirty="0"/>
           </a:p>
         </p:txBody>
       </p:sp>
@@ -2884,10 +2828,9 @@
               <a:defRPr/>
             </a:pPr>
             <a:r>
-              <a:rPr lang="en-US" smtClean="0"/>
+              <a:rPr lang="en-US"/>
               <a:t>Chef Intermediate</a:t>
             </a:r>
-            <a:endParaRPr lang="en-US"/>
           </a:p>
         </p:txBody>
       </p:sp>
@@ -2910,7 +2853,7 @@
               <a:defRPr/>
             </a:pPr>
             <a:r>
-              <a:rPr lang="en-US" smtClean="0"/>
+              <a:rPr lang="en-US"/>
               <a:t>Chef Software, Inc.</a:t>
             </a:r>
             <a:endParaRPr lang="en-US" dirty="0"/>
@@ -2920,7 +2863,7 @@
     </p:spTree>
     <p:extLst>
       <p:ext uri="{BB962C8B-B14F-4D97-AF65-F5344CB8AC3E}">
-        <p14:creationId xmlns:p14="http://schemas.microsoft.com/office/powerpoint/2010/main" val="1996244903"/>
+        <p14:creationId xmlns:p14="http://schemas.microsoft.com/office/powerpoint/2010/main" val="3893739243"/>
       </p:ext>
     </p:extLst>
   </p:cSld>
@@ -2975,81 +2918,23 @@
           <a:lstStyle/>
           <a:p>
             <a:r>
-              <a:rPr lang="en-US" dirty="0" smtClean="0"/>
-              <a:t>Let's</a:t>
-            </a:r>
-            <a:r>
-              <a:rPr lang="en-US" baseline="0" dirty="0" smtClean="0"/>
-              <a:t> verify every example across all the recipe specification files. In this output we see '</a:t>
-            </a:r>
-            <a:r>
-              <a:rPr lang="en-US" baseline="0" dirty="0" err="1" smtClean="0"/>
-              <a:t>rspec</a:t>
-            </a:r>
-            <a:r>
-              <a:rPr lang="en-US" baseline="0" dirty="0" smtClean="0"/>
-              <a:t>' found 8 examples found all of them passing all within 4.29 seconds.</a:t>
-            </a:r>
-          </a:p>
-          <a:p>
-            <a:endParaRPr lang="en-US" baseline="0" dirty="0" smtClean="0"/>
-          </a:p>
-          <a:p>
-            <a:r>
-              <a:rPr lang="en-US" baseline="0" dirty="0" smtClean="0"/>
-              <a:t>The execution time of RSpec varies based on the specifications, the version of </a:t>
-            </a:r>
-            <a:r>
-              <a:rPr lang="en-US" baseline="0" dirty="0" err="1" smtClean="0"/>
-              <a:t>ChefSpec</a:t>
-            </a:r>
-            <a:r>
-              <a:rPr lang="en-US" baseline="0" dirty="0" smtClean="0"/>
-              <a:t>, the power of the workstation, and the platform.</a:t>
-            </a:r>
-          </a:p>
-          <a:p>
-            <a:endParaRPr lang="en-US" baseline="0" dirty="0" smtClean="0"/>
-          </a:p>
-          <a:p>
-            <a:pPr marL="0" marR="0" indent="0" algn="l" defTabSz="1217613" rtl="0" eaLnBrk="1" fontAlgn="base" latinLnBrk="0" hangingPunct="1">
-              <a:lnSpc>
-                <a:spcPct val="90000"/>
-              </a:lnSpc>
-              <a:spcBef>
-                <a:spcPct val="30000"/>
-              </a:spcBef>
-              <a:spcAft>
-                <a:spcPts val="450"/>
-              </a:spcAft>
-              <a:buClrTx/>
-              <a:buSzTx/>
-              <a:buFontTx/>
-              <a:buNone/>
-              <a:tabLst/>
-              <a:defRPr/>
-            </a:pPr>
-            <a:r>
-              <a:rPr lang="en-US" baseline="0" dirty="0" smtClean="0"/>
-              <a:t>Let's have a discussion.</a:t>
-            </a:r>
-          </a:p>
-          <a:p>
-            <a:endParaRPr lang="en-US" baseline="0" dirty="0" smtClean="0"/>
-          </a:p>
-          <a:p>
-            <a:r>
-              <a:rPr lang="en-US" baseline="0" dirty="0" smtClean="0"/>
-              <a:t>Instructor Note: This output was generated on a Amazon Web Services t1.micro running </a:t>
-            </a:r>
-            <a:r>
-              <a:rPr lang="en-US" baseline="0" dirty="0" err="1" smtClean="0"/>
-              <a:t>CentOS</a:t>
-            </a:r>
-            <a:r>
-              <a:rPr lang="en-US" baseline="0" dirty="0" smtClean="0"/>
-              <a:t> 6.7 installed with Chef DK 0.11.0.</a:t>
-            </a:r>
+              <a:rPr lang="en-US" dirty="0"/>
+              <a:t>Let's review the final resulting</a:t>
+            </a:r>
+            <a:r>
+              <a:rPr lang="en-US" baseline="0" dirty="0"/>
+              <a:t> specification for only the service recipe. We defined two examples. One that states the expectation that the necessary service has been started. The other states the expectation that the necessary service has been enabled.</a:t>
+            </a:r>
+          </a:p>
+          <a:p>
+            <a:endParaRPr lang="en-US" baseline="0" dirty="0"/>
+          </a:p>
+          <a:p>
+            <a:r>
+              <a:rPr lang="en-US" baseline="0" dirty="0"/>
+              <a:t>Instructor Note: We are showing the final concluding content and not the workflow.</a:t>
+            </a:r>
+            <a:endParaRPr lang="en-US" dirty="0"/>
           </a:p>
         </p:txBody>
       </p:sp>
@@ -3072,10 +2957,9 @@
               <a:defRPr/>
             </a:pPr>
             <a:r>
-              <a:rPr lang="en-US" smtClean="0"/>
+              <a:rPr lang="en-US"/>
               <a:t>Chef Intermediate</a:t>
             </a:r>
-            <a:endParaRPr lang="en-US"/>
           </a:p>
         </p:txBody>
       </p:sp>
@@ -3098,7 +2982,7 @@
               <a:defRPr/>
             </a:pPr>
             <a:r>
-              <a:rPr lang="en-US" smtClean="0"/>
+              <a:rPr lang="en-US"/>
               <a:t>Chef Software, Inc.</a:t>
             </a:r>
             <a:endParaRPr lang="en-US" dirty="0"/>
@@ -3108,7 +2992,7 @@
     </p:spTree>
     <p:extLst>
       <p:ext uri="{BB962C8B-B14F-4D97-AF65-F5344CB8AC3E}">
-        <p14:creationId xmlns:p14="http://schemas.microsoft.com/office/powerpoint/2010/main" val="407802300"/>
+        <p14:creationId xmlns:p14="http://schemas.microsoft.com/office/powerpoint/2010/main" val="1507785139"/>
       </p:ext>
     </p:extLst>
   </p:cSld>
@@ -3162,28 +3046,47 @@
           <a:bodyPr/>
           <a:lstStyle/>
           <a:p>
-            <a:pPr marL="0" marR="0" indent="0" algn="l" defTabSz="1217613" rtl="0" eaLnBrk="1" fontAlgn="base" latinLnBrk="0" hangingPunct="1">
-              <a:lnSpc>
-                <a:spcPct val="90000"/>
-              </a:lnSpc>
-              <a:spcBef>
-                <a:spcPct val="30000"/>
-              </a:spcBef>
-              <a:spcAft>
-                <a:spcPts val="450"/>
-              </a:spcAft>
-              <a:buClrTx/>
-              <a:buSzTx/>
-              <a:buFontTx/>
-              <a:buNone/>
-              <a:tabLst/>
-              <a:defRPr/>
-            </a:pPr>
-            <a:r>
-              <a:rPr lang="en-US" baseline="0" dirty="0" smtClean="0"/>
-              <a:t>Instructor Note: With large groups I often find it better to have individuals turn to the individuals around them, form groups of whatever size they feel comfortable, and have them take turns asking and answering the questions. When all the groups are done I then open the discussion up to the entire group allowing each group or individuals to share their answers.</a:t>
-            </a:r>
-            <a:endParaRPr lang="en-US" dirty="0" smtClean="0"/>
+            <a:r>
+              <a:rPr lang="en-US" dirty="0"/>
+              <a:t>Running</a:t>
+            </a:r>
+            <a:r>
+              <a:rPr lang="en-US" baseline="0" dirty="0"/>
+              <a:t> '</a:t>
+            </a:r>
+            <a:r>
+              <a:rPr lang="en-US" baseline="0" dirty="0" err="1"/>
+              <a:t>rspec</a:t>
+            </a:r>
+            <a:r>
+              <a:rPr lang="en-US" baseline="0" dirty="0"/>
+              <a:t>' as we have during this and the last section has shown that we can provide a file and it will evaluate the examples within that file. Now that we have examples spread across multiple recipes it would be nice to be able to run them all at once. And actually that is how RSpec is designed to work by default. When you run '</a:t>
+            </a:r>
+            <a:r>
+              <a:rPr lang="en-US" baseline="0" dirty="0" err="1"/>
+              <a:t>rspec</a:t>
+            </a:r>
+            <a:r>
+              <a:rPr lang="en-US" baseline="0" dirty="0"/>
+              <a:t>' with no paths it will automatically find all specification files defined in the 'spec' directory.</a:t>
+            </a:r>
+          </a:p>
+          <a:p>
+            <a:endParaRPr lang="en-US" baseline="0" dirty="0"/>
+          </a:p>
+          <a:p>
+            <a:r>
+              <a:rPr lang="en-US" baseline="0" dirty="0"/>
+              <a:t>It is important to note that all specification files must end with an '_</a:t>
+            </a:r>
+            <a:r>
+              <a:rPr lang="en-US" baseline="0" dirty="0" err="1"/>
+              <a:t>spec.rb</a:t>
+            </a:r>
+            <a:r>
+              <a:rPr lang="en-US" baseline="0" dirty="0"/>
+              <a:t>' for them to found by RSpec.</a:t>
+            </a:r>
           </a:p>
         </p:txBody>
       </p:sp>
@@ -3206,10 +3109,9 @@
               <a:defRPr/>
             </a:pPr>
             <a:r>
-              <a:rPr lang="en-US" smtClean="0"/>
+              <a:rPr lang="en-US"/>
               <a:t>Chef Intermediate</a:t>
             </a:r>
-            <a:endParaRPr lang="en-US"/>
           </a:p>
         </p:txBody>
       </p:sp>
@@ -3232,7 +3134,7 @@
               <a:defRPr/>
             </a:pPr>
             <a:r>
-              <a:rPr lang="en-US" smtClean="0"/>
+              <a:rPr lang="en-US"/>
               <a:t>Chef Software, Inc.</a:t>
             </a:r>
             <a:endParaRPr lang="en-US" dirty="0"/>
@@ -3242,7 +3144,7 @@
     </p:spTree>
     <p:extLst>
       <p:ext uri="{BB962C8B-B14F-4D97-AF65-F5344CB8AC3E}">
-        <p14:creationId xmlns:p14="http://schemas.microsoft.com/office/powerpoint/2010/main" val="1796965812"/>
+        <p14:creationId xmlns:p14="http://schemas.microsoft.com/office/powerpoint/2010/main" val="1996244903"/>
       </p:ext>
     </p:extLst>
   </p:cSld>
@@ -3296,6 +3198,44 @@
           <a:bodyPr/>
           <a:lstStyle/>
           <a:p>
+            <a:r>
+              <a:rPr lang="en-US" dirty="0"/>
+              <a:t>Let's</a:t>
+            </a:r>
+            <a:r>
+              <a:rPr lang="en-US" baseline="0" dirty="0"/>
+              <a:t> verify every example across all the recipe specification files. In this output we see '</a:t>
+            </a:r>
+            <a:r>
+              <a:rPr lang="en-US" baseline="0" dirty="0" err="1"/>
+              <a:t>rspec</a:t>
+            </a:r>
+            <a:r>
+              <a:rPr lang="en-US" baseline="0" dirty="0"/>
+              <a:t>' found 8 examples found all of them passing all within 4.29 seconds.</a:t>
+            </a:r>
+          </a:p>
+          <a:p>
+            <a:endParaRPr lang="en-US" baseline="0" dirty="0"/>
+          </a:p>
+          <a:p>
+            <a:r>
+              <a:rPr lang="en-US" baseline="0" dirty="0"/>
+              <a:t>The execution time of RSpec varies based on the specifications, the version of </a:t>
+            </a:r>
+            <a:r>
+              <a:rPr lang="en-US" baseline="0" dirty="0" err="1"/>
+              <a:t>ChefSpec</a:t>
+            </a:r>
+            <a:r>
+              <a:rPr lang="en-US" baseline="0" dirty="0"/>
+              <a:t>, the power of the workstation, and the platform.</a:t>
+            </a:r>
+          </a:p>
+          <a:p>
+            <a:endParaRPr lang="en-US" baseline="0" dirty="0"/>
+          </a:p>
+          <a:p>
             <a:pPr marL="0" marR="0" indent="0" algn="l" defTabSz="1217613" rtl="0" eaLnBrk="1" fontAlgn="base" latinLnBrk="0" hangingPunct="1">
               <a:lnSpc>
                 <a:spcPct val="90000"/>
@@ -3314,14 +3254,18 @@
               <a:defRPr/>
             </a:pPr>
             <a:r>
-              <a:rPr lang="en-US" dirty="0" smtClean="0"/>
-              <a:t>Before</a:t>
-            </a:r>
-            <a:r>
-              <a:rPr lang="en-US" baseline="0" dirty="0" smtClean="0"/>
-              <a:t> we complete this section, let us pause for questions.</a:t>
-            </a:r>
-            <a:endParaRPr lang="en-US" dirty="0" smtClean="0"/>
+              <a:rPr lang="en-US" baseline="0" dirty="0"/>
+              <a:t>Let's have a discussion.</a:t>
+            </a:r>
+          </a:p>
+          <a:p>
+            <a:endParaRPr lang="en-US" baseline="0" dirty="0"/>
+          </a:p>
+          <a:p>
+            <a:r>
+              <a:rPr lang="en-US" baseline="0" dirty="0"/>
+              <a:t>Instructor Note: This output was generated on a Amazon Web Services t1.micro running CentOS 6.9 installed with Chef DK 0.11.0.</a:t>
+            </a:r>
           </a:p>
         </p:txBody>
       </p:sp>
@@ -3344,10 +3288,9 @@
               <a:defRPr/>
             </a:pPr>
             <a:r>
-              <a:rPr lang="en-US" smtClean="0"/>
+              <a:rPr lang="en-US"/>
               <a:t>Chef Intermediate</a:t>
             </a:r>
-            <a:endParaRPr lang="en-US"/>
           </a:p>
         </p:txBody>
       </p:sp>
@@ -3370,7 +3313,7 @@
               <a:defRPr/>
             </a:pPr>
             <a:r>
-              <a:rPr lang="en-US" smtClean="0"/>
+              <a:rPr lang="en-US"/>
               <a:t>Chef Software, Inc.</a:t>
             </a:r>
             <a:endParaRPr lang="en-US" dirty="0"/>
@@ -3380,7 +3323,7 @@
     </p:spTree>
     <p:extLst>
       <p:ext uri="{BB962C8B-B14F-4D97-AF65-F5344CB8AC3E}">
-        <p14:creationId xmlns:p14="http://schemas.microsoft.com/office/powerpoint/2010/main" val="274177319"/>
+        <p14:creationId xmlns:p14="http://schemas.microsoft.com/office/powerpoint/2010/main" val="407802300"/>
       </p:ext>
     </p:extLst>
   </p:cSld>
@@ -3452,9 +3395,10 @@
               <a:defRPr/>
             </a:pPr>
             <a:r>
-              <a:rPr lang="en-US" baseline="0" dirty="0" smtClean="0"/>
-              <a:t>All of the resources within our recipes have expectations. Now it is time to see the value of the examples that we have defined by returning to the recipes we wrote and introduce a new requirement: using node attributes.</a:t>
-            </a:r>
+              <a:rPr lang="en-US" baseline="0" dirty="0"/>
+              <a:t>Instructor Note: With large groups I often find it better to have individuals turn to the individuals around them, form groups of whatever size they feel comfortable, and have them take turns asking and answering the questions. When all the groups are done I then open the discussion up to the entire group allowing each group or individuals to share their answers.</a:t>
+            </a:r>
+            <a:endParaRPr lang="en-US" dirty="0"/>
           </a:p>
         </p:txBody>
       </p:sp>
@@ -3477,10 +3421,9 @@
               <a:defRPr/>
             </a:pPr>
             <a:r>
-              <a:rPr lang="en-US" smtClean="0"/>
+              <a:rPr lang="en-US"/>
               <a:t>Chef Intermediate</a:t>
             </a:r>
-            <a:endParaRPr lang="en-US"/>
           </a:p>
         </p:txBody>
       </p:sp>
@@ -3503,7 +3446,7 @@
               <a:defRPr/>
             </a:pPr>
             <a:r>
-              <a:rPr lang="en-US" smtClean="0"/>
+              <a:rPr lang="en-US"/>
               <a:t>Chef Software, Inc.</a:t>
             </a:r>
             <a:endParaRPr lang="en-US" dirty="0"/>
@@ -3513,7 +3456,144 @@
     </p:spTree>
     <p:extLst>
       <p:ext uri="{BB962C8B-B14F-4D97-AF65-F5344CB8AC3E}">
-        <p14:creationId xmlns:p14="http://schemas.microsoft.com/office/powerpoint/2010/main" val="1604324334"/>
+        <p14:creationId xmlns:p14="http://schemas.microsoft.com/office/powerpoint/2010/main" val="1796965812"/>
+      </p:ext>
+    </p:extLst>
+  </p:cSld>
+  <p:clrMapOvr>
+    <a:masterClrMapping/>
+  </p:clrMapOvr>
+</p:notes>
+</file>
+
+<file path=ppt/notesSlides/notesSlide29.xml><?xml version="1.0" encoding="utf-8"?>
+<p:notes xmlns:a="http://schemas.openxmlformats.org/drawingml/2006/main" xmlns:r="http://schemas.openxmlformats.org/officeDocument/2006/relationships" xmlns:p="http://schemas.openxmlformats.org/presentationml/2006/main">
+  <p:cSld>
+    <p:spTree>
+      <p:nvGrpSpPr>
+        <p:cNvPr id="1" name=""/>
+        <p:cNvGrpSpPr/>
+        <p:nvPr/>
+      </p:nvGrpSpPr>
+      <p:grpSpPr>
+        <a:xfrm>
+          <a:off x="0" y="0"/>
+          <a:ext cx="0" cy="0"/>
+          <a:chOff x="0" y="0"/>
+          <a:chExt cx="0" cy="0"/>
+        </a:xfrm>
+      </p:grpSpPr>
+      <p:sp>
+        <p:nvSpPr>
+          <p:cNvPr id="2" name="Slide Image Placeholder 1"/>
+          <p:cNvSpPr>
+            <a:spLocks noGrp="1" noRot="1" noChangeAspect="1"/>
+          </p:cNvSpPr>
+          <p:nvPr>
+            <p:ph type="sldImg"/>
+          </p:nvPr>
+        </p:nvSpPr>
+        <p:spPr/>
+      </p:sp>
+      <p:sp>
+        <p:nvSpPr>
+          <p:cNvPr id="3" name="Notes Placeholder 2"/>
+          <p:cNvSpPr>
+            <a:spLocks noGrp="1"/>
+          </p:cNvSpPr>
+          <p:nvPr>
+            <p:ph type="body" idx="1"/>
+          </p:nvPr>
+        </p:nvSpPr>
+        <p:spPr/>
+        <p:txBody>
+          <a:bodyPr/>
+          <a:lstStyle/>
+          <a:p>
+            <a:pPr marL="0" marR="0" indent="0" algn="l" defTabSz="1217613" rtl="0" eaLnBrk="1" fontAlgn="base" latinLnBrk="0" hangingPunct="1">
+              <a:lnSpc>
+                <a:spcPct val="90000"/>
+              </a:lnSpc>
+              <a:spcBef>
+                <a:spcPct val="30000"/>
+              </a:spcBef>
+              <a:spcAft>
+                <a:spcPts val="450"/>
+              </a:spcAft>
+              <a:buClrTx/>
+              <a:buSzTx/>
+              <a:buFontTx/>
+              <a:buNone/>
+              <a:tabLst/>
+              <a:defRPr/>
+            </a:pPr>
+            <a:r>
+              <a:rPr lang="en-US" dirty="0"/>
+              <a:t>Before</a:t>
+            </a:r>
+            <a:r>
+              <a:rPr lang="en-US" baseline="0" dirty="0"/>
+              <a:t> we complete this section, let us pause for questions.</a:t>
+            </a:r>
+            <a:endParaRPr lang="en-US" dirty="0"/>
+          </a:p>
+        </p:txBody>
+      </p:sp>
+      <p:sp>
+        <p:nvSpPr>
+          <p:cNvPr id="5" name="Header Placeholder 4"/>
+          <p:cNvSpPr>
+            <a:spLocks noGrp="1"/>
+          </p:cNvSpPr>
+          <p:nvPr>
+            <p:ph type="hdr" sz="quarter" idx="11"/>
+          </p:nvPr>
+        </p:nvSpPr>
+        <p:spPr/>
+        <p:txBody>
+          <a:bodyPr/>
+          <a:lstStyle/>
+          <a:p>
+            <a:pPr>
+              <a:defRPr/>
+            </a:pPr>
+            <a:r>
+              <a:rPr lang="en-US"/>
+              <a:t>Chef Intermediate</a:t>
+            </a:r>
+          </a:p>
+        </p:txBody>
+      </p:sp>
+      <p:sp>
+        <p:nvSpPr>
+          <p:cNvPr id="7" name="Date Placeholder 6"/>
+          <p:cNvSpPr>
+            <a:spLocks noGrp="1"/>
+          </p:cNvSpPr>
+          <p:nvPr>
+            <p:ph type="dt" idx="13"/>
+          </p:nvPr>
+        </p:nvSpPr>
+        <p:spPr/>
+        <p:txBody>
+          <a:bodyPr/>
+          <a:lstStyle/>
+          <a:p>
+            <a:pPr>
+              <a:defRPr/>
+            </a:pPr>
+            <a:r>
+              <a:rPr lang="en-US"/>
+              <a:t>Chef Software, Inc.</a:t>
+            </a:r>
+            <a:endParaRPr lang="en-US" dirty="0"/>
+          </a:p>
+        </p:txBody>
+      </p:sp>
+    </p:spTree>
+    <p:extLst>
+      <p:ext uri="{BB962C8B-B14F-4D97-AF65-F5344CB8AC3E}">
+        <p14:creationId xmlns:p14="http://schemas.microsoft.com/office/powerpoint/2010/main" val="274177319"/>
       </p:ext>
     </p:extLst>
   </p:cSld>
@@ -3568,11 +3648,11 @@
           <a:lstStyle/>
           <a:p>
             <a:r>
-              <a:rPr lang="en-US" dirty="0" smtClean="0"/>
+              <a:rPr lang="en-US" dirty="0"/>
               <a:t>If</a:t>
             </a:r>
             <a:r>
-              <a:rPr lang="en-US" baseline="0" dirty="0" smtClean="0"/>
+              <a:rPr lang="en-US" baseline="0" dirty="0"/>
               <a:t> we continued to use the mutation testing approach we would find similar problems with in the other recipes that we developed. Together let's work through defining examples for this recipe and then you will have a lab later to complete the remaining recipes.</a:t>
             </a:r>
             <a:endParaRPr lang="en-US" dirty="0"/>
@@ -3598,10 +3678,9 @@
               <a:defRPr/>
             </a:pPr>
             <a:r>
-              <a:rPr lang="en-US" smtClean="0"/>
+              <a:rPr lang="en-US"/>
               <a:t>Chef Intermediate</a:t>
             </a:r>
-            <a:endParaRPr lang="en-US"/>
           </a:p>
         </p:txBody>
       </p:sp>
@@ -3624,7 +3703,7 @@
               <a:defRPr/>
             </a:pPr>
             <a:r>
-              <a:rPr lang="en-US" smtClean="0"/>
+              <a:rPr lang="en-US"/>
               <a:t>Chef Software, Inc.</a:t>
             </a:r>
             <a:endParaRPr lang="en-US" dirty="0"/>
@@ -3635,6 +3714,138 @@
     <p:extLst>
       <p:ext uri="{BB962C8B-B14F-4D97-AF65-F5344CB8AC3E}">
         <p14:creationId xmlns:p14="http://schemas.microsoft.com/office/powerpoint/2010/main" val="1039855174"/>
+      </p:ext>
+    </p:extLst>
+  </p:cSld>
+  <p:clrMapOvr>
+    <a:masterClrMapping/>
+  </p:clrMapOvr>
+</p:notes>
+</file>
+
+<file path=ppt/notesSlides/notesSlide30.xml><?xml version="1.0" encoding="utf-8"?>
+<p:notes xmlns:a="http://schemas.openxmlformats.org/drawingml/2006/main" xmlns:r="http://schemas.openxmlformats.org/officeDocument/2006/relationships" xmlns:p="http://schemas.openxmlformats.org/presentationml/2006/main">
+  <p:cSld>
+    <p:spTree>
+      <p:nvGrpSpPr>
+        <p:cNvPr id="1" name=""/>
+        <p:cNvGrpSpPr/>
+        <p:nvPr/>
+      </p:nvGrpSpPr>
+      <p:grpSpPr>
+        <a:xfrm>
+          <a:off x="0" y="0"/>
+          <a:ext cx="0" cy="0"/>
+          <a:chOff x="0" y="0"/>
+          <a:chExt cx="0" cy="0"/>
+        </a:xfrm>
+      </p:grpSpPr>
+      <p:sp>
+        <p:nvSpPr>
+          <p:cNvPr id="2" name="Slide Image Placeholder 1"/>
+          <p:cNvSpPr>
+            <a:spLocks noGrp="1" noRot="1" noChangeAspect="1"/>
+          </p:cNvSpPr>
+          <p:nvPr>
+            <p:ph type="sldImg"/>
+          </p:nvPr>
+        </p:nvSpPr>
+        <p:spPr/>
+      </p:sp>
+      <p:sp>
+        <p:nvSpPr>
+          <p:cNvPr id="3" name="Notes Placeholder 2"/>
+          <p:cNvSpPr>
+            <a:spLocks noGrp="1"/>
+          </p:cNvSpPr>
+          <p:nvPr>
+            <p:ph type="body" idx="1"/>
+          </p:nvPr>
+        </p:nvSpPr>
+        <p:spPr/>
+        <p:txBody>
+          <a:bodyPr/>
+          <a:lstStyle/>
+          <a:p>
+            <a:pPr marL="0" marR="0" indent="0" algn="l" defTabSz="1217613" rtl="0" eaLnBrk="1" fontAlgn="base" latinLnBrk="0" hangingPunct="1">
+              <a:lnSpc>
+                <a:spcPct val="90000"/>
+              </a:lnSpc>
+              <a:spcBef>
+                <a:spcPct val="30000"/>
+              </a:spcBef>
+              <a:spcAft>
+                <a:spcPts val="450"/>
+              </a:spcAft>
+              <a:buClrTx/>
+              <a:buSzTx/>
+              <a:buFontTx/>
+              <a:buNone/>
+              <a:tabLst/>
+              <a:defRPr/>
+            </a:pPr>
+            <a:r>
+              <a:rPr lang="en-US" baseline="0" dirty="0"/>
+              <a:t>All of the resources within our recipes have expectations. Now it is time to see the value of the examples that we have defined by returning to the recipes we wrote and introduce a new requirement: using node attributes.</a:t>
+            </a:r>
+          </a:p>
+        </p:txBody>
+      </p:sp>
+      <p:sp>
+        <p:nvSpPr>
+          <p:cNvPr id="5" name="Header Placeholder 4"/>
+          <p:cNvSpPr>
+            <a:spLocks noGrp="1"/>
+          </p:cNvSpPr>
+          <p:nvPr>
+            <p:ph type="hdr" sz="quarter" idx="11"/>
+          </p:nvPr>
+        </p:nvSpPr>
+        <p:spPr/>
+        <p:txBody>
+          <a:bodyPr/>
+          <a:lstStyle/>
+          <a:p>
+            <a:pPr>
+              <a:defRPr/>
+            </a:pPr>
+            <a:r>
+              <a:rPr lang="en-US"/>
+              <a:t>Chef Intermediate</a:t>
+            </a:r>
+          </a:p>
+        </p:txBody>
+      </p:sp>
+      <p:sp>
+        <p:nvSpPr>
+          <p:cNvPr id="7" name="Date Placeholder 6"/>
+          <p:cNvSpPr>
+            <a:spLocks noGrp="1"/>
+          </p:cNvSpPr>
+          <p:nvPr>
+            <p:ph type="dt" idx="13"/>
+          </p:nvPr>
+        </p:nvSpPr>
+        <p:spPr/>
+        <p:txBody>
+          <a:bodyPr/>
+          <a:lstStyle/>
+          <a:p>
+            <a:pPr>
+              <a:defRPr/>
+            </a:pPr>
+            <a:r>
+              <a:rPr lang="en-US"/>
+              <a:t>Chef Software, Inc.</a:t>
+            </a:r>
+            <a:endParaRPr lang="en-US" dirty="0"/>
+          </a:p>
+        </p:txBody>
+      </p:sp>
+    </p:spTree>
+    <p:extLst>
+      <p:ext uri="{BB962C8B-B14F-4D97-AF65-F5344CB8AC3E}">
+        <p14:creationId xmlns:p14="http://schemas.microsoft.com/office/powerpoint/2010/main" val="1604324334"/>
       </p:ext>
     </p:extLst>
   </p:cSld>
@@ -3689,11 +3900,11 @@
           <a:lstStyle/>
           <a:p>
             <a:r>
-              <a:rPr lang="en-US" dirty="0" smtClean="0"/>
+              <a:rPr lang="en-US" dirty="0"/>
               <a:t>Back when we generated the recipe with the</a:t>
             </a:r>
             <a:r>
-              <a:rPr lang="en-US" baseline="0" dirty="0" smtClean="0"/>
+              <a:rPr lang="en-US" baseline="0" dirty="0"/>
               <a:t> 'chef' command-line utility a matching specification file was also generated. Similar to the default recipe specification the install recipe specification contains a single example that ensures that the chef run completes without error.</a:t>
             </a:r>
             <a:endParaRPr lang="en-US" dirty="0"/>
@@ -3719,10 +3930,9 @@
               <a:defRPr/>
             </a:pPr>
             <a:r>
-              <a:rPr lang="en-US" smtClean="0"/>
+              <a:rPr lang="en-US"/>
               <a:t>Chef Intermediate</a:t>
             </a:r>
-            <a:endParaRPr lang="en-US"/>
           </a:p>
         </p:txBody>
       </p:sp>
@@ -3745,7 +3955,7 @@
               <a:defRPr/>
             </a:pPr>
             <a:r>
-              <a:rPr lang="en-US" smtClean="0"/>
+              <a:rPr lang="en-US"/>
               <a:t>Chef Software, Inc.</a:t>
             </a:r>
             <a:endParaRPr lang="en-US" dirty="0"/>
@@ -3810,19 +4020,19 @@
           <a:lstStyle/>
           <a:p>
             <a:r>
-              <a:rPr lang="en-US" dirty="0" smtClean="0"/>
+              <a:rPr lang="en-US" dirty="0"/>
               <a:t>Using '</a:t>
             </a:r>
             <a:r>
-              <a:rPr lang="en-US" dirty="0" err="1" smtClean="0"/>
+              <a:rPr lang="en-US" dirty="0" err="1"/>
               <a:t>rspec</a:t>
             </a:r>
             <a:r>
-              <a:rPr lang="en-US" dirty="0" smtClean="0"/>
+              <a:rPr lang="en-US" dirty="0"/>
               <a:t>'</a:t>
             </a:r>
             <a:r>
-              <a:rPr lang="en-US" baseline="0" dirty="0" smtClean="0"/>
+              <a:rPr lang="en-US" baseline="0" dirty="0"/>
               <a:t> we can verify that the one example completes successfully.</a:t>
             </a:r>
             <a:endParaRPr lang="en-US" dirty="0"/>
@@ -3848,10 +4058,9 @@
               <a:defRPr/>
             </a:pPr>
             <a:r>
-              <a:rPr lang="en-US" smtClean="0"/>
+              <a:rPr lang="en-US"/>
               <a:t>Chef Intermediate</a:t>
             </a:r>
-            <a:endParaRPr lang="en-US"/>
           </a:p>
         </p:txBody>
       </p:sp>
@@ -3874,7 +4083,7 @@
               <a:defRPr/>
             </a:pPr>
             <a:r>
-              <a:rPr lang="en-US" smtClean="0"/>
+              <a:rPr lang="en-US"/>
               <a:t>Chef Software, Inc.</a:t>
             </a:r>
             <a:endParaRPr lang="en-US" dirty="0"/>
@@ -3939,18 +4148,18 @@
           <a:lstStyle/>
           <a:p>
             <a:r>
-              <a:rPr lang="en-US" dirty="0" smtClean="0"/>
+              <a:rPr lang="en-US" dirty="0"/>
               <a:t>Again it is important that</a:t>
             </a:r>
             <a:r>
-              <a:rPr lang="en-US" baseline="0" dirty="0" smtClean="0"/>
+              <a:rPr lang="en-US" baseline="0" dirty="0"/>
               <a:t> your tests describe the current system that this recipe is working on. Especially if you </a:t>
             </a:r>
             <a:r>
-              <a:rPr lang="en-US" baseline="0" smtClean="0"/>
+              <a:rPr lang="en-US" baseline="0"/>
               <a:t>build your cookbook to support multiple platforms.</a:t>
             </a:r>
-            <a:endParaRPr lang="en-US" baseline="0" dirty="0" smtClean="0"/>
+            <a:endParaRPr lang="en-US" baseline="0" dirty="0"/>
           </a:p>
         </p:txBody>
       </p:sp>
@@ -3973,10 +4182,9 @@
               <a:defRPr/>
             </a:pPr>
             <a:r>
-              <a:rPr lang="en-US" smtClean="0"/>
+              <a:rPr lang="en-US"/>
               <a:t>Chef Intermediate</a:t>
             </a:r>
-            <a:endParaRPr lang="en-US"/>
           </a:p>
         </p:txBody>
       </p:sp>
@@ -3999,7 +4207,7 @@
               <a:defRPr/>
             </a:pPr>
             <a:r>
-              <a:rPr lang="en-US" smtClean="0"/>
+              <a:rPr lang="en-US"/>
               <a:t>Chef Software, Inc.</a:t>
             </a:r>
             <a:endParaRPr lang="en-US" dirty="0"/>
@@ -4064,19 +4272,19 @@
           <a:lstStyle/>
           <a:p>
             <a:r>
-              <a:rPr lang="en-US" dirty="0" smtClean="0"/>
+              <a:rPr lang="en-US" dirty="0"/>
               <a:t>The</a:t>
             </a:r>
             <a:r>
-              <a:rPr lang="en-US" baseline="0" dirty="0" smtClean="0"/>
+              <a:rPr lang="en-US" baseline="0" dirty="0"/>
               <a:t> </a:t>
             </a:r>
             <a:r>
-              <a:rPr lang="en-US" dirty="0" smtClean="0"/>
+              <a:rPr lang="en-US" dirty="0"/>
               <a:t>install</a:t>
             </a:r>
             <a:r>
-              <a:rPr lang="en-US" baseline="0" dirty="0" smtClean="0"/>
+              <a:rPr lang="en-US" baseline="0" dirty="0"/>
               <a:t> recipe installs the necessary the necessary software for the webserver. We can start by writing a pending example.</a:t>
             </a:r>
             <a:endParaRPr lang="en-US" dirty="0"/>
@@ -4102,10 +4310,9 @@
               <a:defRPr/>
             </a:pPr>
             <a:r>
-              <a:rPr lang="en-US" smtClean="0"/>
+              <a:rPr lang="en-US"/>
               <a:t>Chef Intermediate</a:t>
             </a:r>
-            <a:endParaRPr lang="en-US"/>
           </a:p>
         </p:txBody>
       </p:sp>
@@ -4128,7 +4335,7 @@
               <a:defRPr/>
             </a:pPr>
             <a:r>
-              <a:rPr lang="en-US" smtClean="0"/>
+              <a:rPr lang="en-US"/>
               <a:t>Chef Software, Inc.</a:t>
             </a:r>
             <a:endParaRPr lang="en-US" dirty="0"/>
@@ -4193,19 +4400,19 @@
           <a:lstStyle/>
           <a:p>
             <a:r>
-              <a:rPr lang="en-US" dirty="0" smtClean="0"/>
+              <a:rPr lang="en-US" dirty="0"/>
               <a:t>Now it is</a:t>
             </a:r>
             <a:r>
-              <a:rPr lang="en-US" baseline="0" dirty="0" smtClean="0"/>
+              <a:rPr lang="en-US" baseline="0" dirty="0"/>
               <a:t> time returned to the documentation. Again, the </a:t>
             </a:r>
             <a:r>
-              <a:rPr lang="en-US" baseline="0" dirty="0" err="1" smtClean="0"/>
+              <a:rPr lang="en-US" baseline="0" dirty="0" err="1"/>
               <a:t>ChefSpec</a:t>
             </a:r>
             <a:r>
-              <a:rPr lang="en-US" baseline="0" dirty="0" smtClean="0"/>
+              <a:rPr lang="en-US" baseline="0" dirty="0"/>
               <a:t> documentation contains a lot of examples in the README and the examples directory. Using either of those find an example of an expectation expressing that a packaged is installed.</a:t>
             </a:r>
             <a:endParaRPr lang="en-US" dirty="0"/>
@@ -4231,10 +4438,9 @@
               <a:defRPr/>
             </a:pPr>
             <a:r>
-              <a:rPr lang="en-US" smtClean="0"/>
+              <a:rPr lang="en-US"/>
               <a:t>Chef Intermediate</a:t>
             </a:r>
-            <a:endParaRPr lang="en-US"/>
           </a:p>
         </p:txBody>
       </p:sp>
@@ -4257,7 +4463,7 @@
               <a:defRPr/>
             </a:pPr>
             <a:r>
-              <a:rPr lang="en-US" smtClean="0"/>
+              <a:rPr lang="en-US"/>
               <a:t>Chef Software, Inc.</a:t>
             </a:r>
             <a:endParaRPr lang="en-US" dirty="0"/>
@@ -4322,19 +4528,19 @@
           <a:lstStyle/>
           <a:p>
             <a:r>
-              <a:rPr lang="en-US" dirty="0" smtClean="0"/>
+              <a:rPr lang="en-US" dirty="0"/>
               <a:t>With</a:t>
             </a:r>
             <a:r>
-              <a:rPr lang="en-US" baseline="0" dirty="0" smtClean="0"/>
+              <a:rPr lang="en-US" baseline="0" dirty="0"/>
               <a:t> a good example we found in the documentation we can return to the example and define the example. In our case we want to assert that the the chef run installs the package '</a:t>
             </a:r>
             <a:r>
-              <a:rPr lang="en-US" baseline="0" dirty="0" err="1" smtClean="0"/>
+              <a:rPr lang="en-US" baseline="0" dirty="0" err="1"/>
               <a:t>httpd</a:t>
             </a:r>
             <a:r>
-              <a:rPr lang="en-US" baseline="0" dirty="0" smtClean="0"/>
+              <a:rPr lang="en-US" baseline="0" dirty="0"/>
               <a:t>'.</a:t>
             </a:r>
           </a:p>
@@ -4359,10 +4565,9 @@
               <a:defRPr/>
             </a:pPr>
             <a:r>
-              <a:rPr lang="en-US" smtClean="0"/>
+              <a:rPr lang="en-US"/>
               <a:t>Chef Intermediate</a:t>
             </a:r>
-            <a:endParaRPr lang="en-US"/>
           </a:p>
         </p:txBody>
       </p:sp>
@@ -4385,7 +4590,7 @@
               <a:defRPr/>
             </a:pPr>
             <a:r>
-              <a:rPr lang="en-US" smtClean="0"/>
+              <a:rPr lang="en-US"/>
               <a:t>Chef Software, Inc.</a:t>
             </a:r>
             <a:endParaRPr lang="en-US" dirty="0"/>
@@ -4468,7 +4673,7 @@
           </a:lstStyle>
           <a:p>
             <a:r>
-              <a:rPr lang="en-US" smtClean="0"/>
+              <a:rPr lang="en-US"/>
               <a:t>Click to edit Master title style</a:t>
             </a:r>
             <a:endParaRPr lang="en-US" dirty="0"/>
@@ -4526,7 +4731,7 @@
           <a:p>
             <a:pPr lvl="0"/>
             <a:r>
-              <a:rPr lang="en-US" smtClean="0"/>
+              <a:rPr lang="en-US"/>
               <a:t>Click to edit Master text styles</a:t>
             </a:r>
           </a:p>
@@ -4608,7 +4813,7 @@
           </a:lstStyle>
           <a:p>
             <a:r>
-              <a:rPr lang="en-US" smtClean="0"/>
+              <a:rPr lang="en-US"/>
               <a:t>Click to edit Master title style</a:t>
             </a:r>
             <a:endParaRPr lang="en-US" dirty="0"/>
@@ -4666,7 +4871,7 @@
           <a:p>
             <a:pPr lvl="0"/>
             <a:r>
-              <a:rPr lang="en-US" dirty="0" smtClean="0"/>
+              <a:rPr lang="en-US" dirty="0"/>
               <a:t>source code</a:t>
             </a:r>
           </a:p>
@@ -4712,28 +4917,28 @@
           <a:p>
             <a:pPr lvl="0"/>
             <a:r>
-              <a:rPr lang="en-US" smtClean="0"/>
+              <a:rPr lang="en-US"/>
               <a:t>Click to edit Master text styles</a:t>
             </a:r>
           </a:p>
           <a:p>
             <a:pPr lvl="1"/>
             <a:r>
-              <a:rPr lang="en-US" smtClean="0"/>
+              <a:rPr lang="en-US"/>
               <a:t>Second level</a:t>
             </a:r>
           </a:p>
           <a:p>
             <a:pPr lvl="2"/>
             <a:r>
-              <a:rPr lang="en-US" smtClean="0"/>
+              <a:rPr lang="en-US"/>
               <a:t>Third level</a:t>
             </a:r>
           </a:p>
           <a:p>
             <a:pPr lvl="3"/>
             <a:r>
-              <a:rPr lang="en-US" smtClean="0"/>
+              <a:rPr lang="en-US"/>
               <a:t>Fourth level</a:t>
             </a:r>
           </a:p>
@@ -4777,7 +4982,7 @@
           <a:p>
             <a:pPr lvl="0"/>
             <a:r>
-              <a:rPr lang="en-US" dirty="0" smtClean="0"/>
+              <a:rPr lang="en-US" dirty="0"/>
               <a:t>-</a:t>
             </a:r>
           </a:p>
@@ -4821,7 +5026,7 @@
           <a:p>
             <a:pPr lvl="0"/>
             <a:r>
-              <a:rPr lang="en-US" dirty="0" smtClean="0"/>
+              <a:rPr lang="en-US" dirty="0"/>
               <a:t>+</a:t>
             </a:r>
           </a:p>
@@ -4970,14 +5175,14 @@
           </a:ln>
           <a:extLst>
             <a:ext uri="{909E8E84-426E-40dd-AFC4-6F175D3DCCD1}">
-              <a14:hiddenFill xmlns="" xmlns:a14="http://schemas.microsoft.com/office/drawing/2010/main">
+              <a14:hiddenFill xmlns:a14="http://schemas.microsoft.com/office/drawing/2010/main" xmlns="">
                 <a:solidFill>
                   <a:srgbClr val="FFFFFF"/>
                 </a:solidFill>
               </a14:hiddenFill>
             </a:ext>
             <a:ext uri="{91240B29-F687-4f45-9708-019B960494DF}">
-              <a14:hiddenLine xmlns="" xmlns:a14="http://schemas.microsoft.com/office/drawing/2010/main" w="9525">
+              <a14:hiddenLine xmlns:a14="http://schemas.microsoft.com/office/drawing/2010/main" xmlns="" w="9525">
                 <a:solidFill>
                   <a:srgbClr val="000000"/>
                 </a:solidFill>
@@ -5125,14 +5330,14 @@
           </a:ln>
           <a:extLst>
             <a:ext uri="{909E8E84-426E-40dd-AFC4-6F175D3DCCD1}">
-              <a14:hiddenFill xmlns="" xmlns:a14="http://schemas.microsoft.com/office/drawing/2010/main">
+              <a14:hiddenFill xmlns:a14="http://schemas.microsoft.com/office/drawing/2010/main" xmlns="">
                 <a:solidFill>
                   <a:srgbClr val="FFFFFF"/>
                 </a:solidFill>
               </a14:hiddenFill>
             </a:ext>
             <a:ext uri="{91240B29-F687-4f45-9708-019B960494DF}">
-              <a14:hiddenLine xmlns="" xmlns:a14="http://schemas.microsoft.com/office/drawing/2010/main" w="9525">
+              <a14:hiddenLine xmlns:a14="http://schemas.microsoft.com/office/drawing/2010/main" xmlns="" w="9525">
                 <a:solidFill>
                   <a:srgbClr val="000000"/>
                 </a:solidFill>
@@ -5360,21 +5565,21 @@
           <a:p>
             <a:pPr lvl="0"/>
             <a:r>
-              <a:rPr lang="en-US" smtClean="0"/>
+              <a:rPr lang="en-US"/>
               <a:t>Click to edit Master text styles</a:t>
             </a:r>
           </a:p>
           <a:p>
             <a:pPr lvl="1"/>
             <a:r>
-              <a:rPr lang="en-US" smtClean="0"/>
+              <a:rPr lang="en-US"/>
               <a:t>Second level</a:t>
             </a:r>
           </a:p>
           <a:p>
             <a:pPr lvl="2"/>
             <a:r>
-              <a:rPr lang="en-US" smtClean="0"/>
+              <a:rPr lang="en-US"/>
               <a:t>Third level</a:t>
             </a:r>
           </a:p>
@@ -5420,21 +5625,21 @@
           <a:p>
             <a:pPr lvl="0"/>
             <a:r>
-              <a:rPr lang="en-US" smtClean="0"/>
+              <a:rPr lang="en-US"/>
               <a:t>Click to edit Master text styles</a:t>
             </a:r>
           </a:p>
           <a:p>
             <a:pPr lvl="1"/>
             <a:r>
-              <a:rPr lang="en-US" smtClean="0"/>
+              <a:rPr lang="en-US"/>
               <a:t>Second level</a:t>
             </a:r>
           </a:p>
           <a:p>
             <a:pPr lvl="2"/>
             <a:r>
-              <a:rPr lang="en-US" smtClean="0"/>
+              <a:rPr lang="en-US"/>
               <a:t>Third level</a:t>
             </a:r>
           </a:p>
@@ -5474,7 +5679,7 @@
           <a:p>
             <a:pPr lvl="0"/>
             <a:r>
-              <a:rPr lang="en-US" dirty="0" smtClean="0"/>
+              <a:rPr lang="en-US" dirty="0"/>
               <a:t>A</a:t>
             </a:r>
           </a:p>
@@ -5514,7 +5719,7 @@
           <a:p>
             <a:pPr lvl="0"/>
             <a:r>
-              <a:rPr lang="en-US" dirty="0" smtClean="0"/>
+              <a:rPr lang="en-US" dirty="0"/>
               <a:t>B</a:t>
             </a:r>
           </a:p>
@@ -5623,14 +5828,14 @@
           </a:ln>
           <a:extLst>
             <a:ext uri="{909E8E84-426E-40dd-AFC4-6F175D3DCCD1}">
-              <a14:hiddenFill xmlns="" xmlns:a14="http://schemas.microsoft.com/office/drawing/2010/main">
+              <a14:hiddenFill xmlns:a14="http://schemas.microsoft.com/office/drawing/2010/main" xmlns="">
                 <a:solidFill>
                   <a:srgbClr val="FFFFFF"/>
                 </a:solidFill>
               </a14:hiddenFill>
             </a:ext>
             <a:ext uri="{91240B29-F687-4f45-9708-019B960494DF}">
-              <a14:hiddenLine xmlns="" xmlns:a14="http://schemas.microsoft.com/office/drawing/2010/main" w="9525">
+              <a14:hiddenLine xmlns:a14="http://schemas.microsoft.com/office/drawing/2010/main" xmlns="" w="9525">
                 <a:solidFill>
                   <a:srgbClr val="000000"/>
                 </a:solidFill>
@@ -5793,10 +5998,9 @@
           </a:lstStyle>
           <a:p>
             <a:r>
-              <a:rPr lang="en-US" dirty="0" smtClean="0"/>
+              <a:rPr lang="en-US" dirty="0"/>
               <a:t>Motivation</a:t>
             </a:r>
-            <a:endParaRPr lang="en-US" dirty="0"/>
           </a:p>
         </p:txBody>
       </p:sp>
@@ -5923,7 +6127,7 @@
           </a:lstStyle>
           <a:p>
             <a:r>
-              <a:rPr lang="en-US" dirty="0" smtClean="0"/>
+              <a:rPr lang="en-US" dirty="0"/>
               <a:t>Click to edit Master subtitle style</a:t>
             </a:r>
           </a:p>
@@ -6080,10 +6284,9 @@
           </a:lstStyle>
           <a:p>
             <a:r>
-              <a:rPr lang="en-US" dirty="0" smtClean="0"/>
+              <a:rPr lang="en-US" dirty="0"/>
               <a:t>Problem</a:t>
             </a:r>
-            <a:endParaRPr lang="en-US" dirty="0"/>
           </a:p>
         </p:txBody>
       </p:sp>
@@ -6210,7 +6413,7 @@
           </a:lstStyle>
           <a:p>
             <a:r>
-              <a:rPr lang="en-US" dirty="0" smtClean="0"/>
+              <a:rPr lang="en-US" dirty="0"/>
               <a:t>Click to edit Master subtitle style</a:t>
             </a:r>
           </a:p>
@@ -6283,7 +6486,7 @@
               <a:defRPr/>
             </a:pPr>
             <a:r>
-              <a:rPr lang="en-US" sz="16933" dirty="0" smtClean="0">
+              <a:rPr lang="en-US" sz="16933" dirty="0">
                 <a:ln w="18415" cmpd="sng">
                   <a:solidFill>
                     <a:srgbClr val="FFFFFF"/>
@@ -6302,23 +6505,6 @@
               </a:rPr>
               <a:t>REFERENCE</a:t>
             </a:r>
-            <a:endParaRPr lang="en-US" sz="16933" dirty="0">
-              <a:ln w="18415" cmpd="sng">
-                <a:solidFill>
-                  <a:srgbClr val="FFFFFF"/>
-                </a:solidFill>
-                <a:prstDash val="solid"/>
-              </a:ln>
-              <a:solidFill>
-                <a:schemeClr val="bg2">
-                  <a:lumMod val="95000"/>
-                  <a:alpha val="50000"/>
-                </a:schemeClr>
-              </a:solidFill>
-              <a:latin typeface="+mn-lt"/>
-              <a:ea typeface="+mn-ea"/>
-              <a:cs typeface="+mn-cs"/>
-            </a:endParaRPr>
           </a:p>
         </p:txBody>
       </p:sp>
@@ -6384,10 +6570,9 @@
           </a:lstStyle>
           <a:p>
             <a:r>
-              <a:rPr lang="en-US" dirty="0" smtClean="0"/>
+              <a:rPr lang="en-US" dirty="0"/>
               <a:t>Documentation</a:t>
             </a:r>
-            <a:endParaRPr lang="en-US" dirty="0"/>
           </a:p>
         </p:txBody>
       </p:sp>
@@ -6514,7 +6699,7 @@
           </a:lstStyle>
           <a:p>
             <a:r>
-              <a:rPr lang="en-US" dirty="0" smtClean="0"/>
+              <a:rPr lang="en-US" dirty="0"/>
               <a:t>Click to edit Master subtitle style</a:t>
             </a:r>
           </a:p>
@@ -6554,14 +6739,14 @@
           <a:p>
             <a:pPr lvl="0"/>
             <a:r>
-              <a:rPr lang="en-US" dirty="0" smtClean="0"/>
+              <a:rPr lang="en-US" dirty="0"/>
               <a:t>http://</a:t>
             </a:r>
             <a:r>
-              <a:rPr lang="en-US" dirty="0" err="1" smtClean="0"/>
+              <a:rPr lang="en-US" dirty="0" err="1"/>
               <a:t>docs.chef.io</a:t>
             </a:r>
-            <a:endParaRPr lang="en-US" dirty="0" smtClean="0"/>
+            <a:endParaRPr lang="en-US" dirty="0"/>
           </a:p>
         </p:txBody>
       </p:sp>
@@ -6716,10 +6901,9 @@
           </a:lstStyle>
           <a:p>
             <a:r>
-              <a:rPr lang="en-US" dirty="0" smtClean="0"/>
+              <a:rPr lang="en-US" dirty="0"/>
               <a:t>Concept</a:t>
             </a:r>
-            <a:endParaRPr lang="en-US" dirty="0"/>
           </a:p>
         </p:txBody>
       </p:sp>
@@ -6846,7 +7030,7 @@
           </a:lstStyle>
           <a:p>
             <a:r>
-              <a:rPr lang="en-US" dirty="0" smtClean="0"/>
+              <a:rPr lang="en-US" dirty="0"/>
               <a:t>Click to edit Master subtitle style</a:t>
             </a:r>
           </a:p>
@@ -7003,10 +7187,9 @@
           </a:lstStyle>
           <a:p>
             <a:r>
-              <a:rPr lang="en-US" dirty="0" smtClean="0"/>
+              <a:rPr lang="en-US" dirty="0"/>
               <a:t>Group Exercise</a:t>
             </a:r>
-            <a:endParaRPr lang="en-US" dirty="0"/>
           </a:p>
         </p:txBody>
       </p:sp>
@@ -7051,7 +7234,7 @@
           <a:p>
             <a:pPr lvl="0"/>
             <a:r>
-              <a:rPr lang="en-US" dirty="0" smtClean="0"/>
+              <a:rPr lang="en-US" dirty="0"/>
               <a:t>Click to edit Master text styles</a:t>
             </a:r>
           </a:p>
@@ -7079,14 +7262,14 @@
           </a:ln>
           <a:extLst>
             <a:ext uri="{909E8E84-426E-40dd-AFC4-6F175D3DCCD1}">
-              <a14:hiddenFill xmlns="" xmlns:a14="http://schemas.microsoft.com/office/drawing/2010/main">
+              <a14:hiddenFill xmlns:a14="http://schemas.microsoft.com/office/drawing/2010/main" xmlns="">
                 <a:solidFill>
                   <a:srgbClr val="FFFFFF"/>
                 </a:solidFill>
               </a14:hiddenFill>
             </a:ext>
             <a:ext uri="{91240B29-F687-4f45-9708-019B960494DF}">
-              <a14:hiddenLine xmlns="" xmlns:a14="http://schemas.microsoft.com/office/drawing/2010/main" w="9525">
+              <a14:hiddenLine xmlns:a14="http://schemas.microsoft.com/office/drawing/2010/main" xmlns="" w="9525">
                 <a:solidFill>
                   <a:srgbClr val="000000"/>
                 </a:solidFill>
@@ -7246,28 +7429,28 @@
           <a:p>
             <a:pPr lvl="0"/>
             <a:r>
-              <a:rPr lang="en-US" dirty="0" smtClean="0"/>
+              <a:rPr lang="en-US" dirty="0"/>
               <a:t>Click to edit Master text styles</a:t>
             </a:r>
           </a:p>
           <a:p>
             <a:pPr lvl="1"/>
             <a:r>
-              <a:rPr lang="en-US" dirty="0" smtClean="0"/>
+              <a:rPr lang="en-US" dirty="0"/>
               <a:t>Second level</a:t>
             </a:r>
           </a:p>
           <a:p>
             <a:pPr lvl="2"/>
             <a:r>
-              <a:rPr lang="en-US" dirty="0" smtClean="0"/>
+              <a:rPr lang="en-US" dirty="0"/>
               <a:t>Third level</a:t>
             </a:r>
           </a:p>
           <a:p>
             <a:pPr lvl="3"/>
             <a:r>
-              <a:rPr lang="en-US" dirty="0" smtClean="0"/>
+              <a:rPr lang="en-US" dirty="0"/>
               <a:t>Fourth level</a:t>
             </a:r>
           </a:p>
@@ -7424,10 +7607,9 @@
           </a:lstStyle>
           <a:p>
             <a:r>
-              <a:rPr lang="en-US" dirty="0" smtClean="0"/>
+              <a:rPr lang="en-US" dirty="0"/>
               <a:t>Lab</a:t>
             </a:r>
-            <a:endParaRPr lang="en-US" dirty="0"/>
           </a:p>
         </p:txBody>
       </p:sp>
@@ -7555,7 +7737,7 @@
           </a:lstStyle>
           <a:p>
             <a:r>
-              <a:rPr lang="en-US" dirty="0" smtClean="0"/>
+              <a:rPr lang="en-US" dirty="0"/>
               <a:t>Click to edit Master subtitle style</a:t>
             </a:r>
           </a:p>
@@ -7712,10 +7894,9 @@
           </a:lstStyle>
           <a:p>
             <a:r>
-              <a:rPr lang="en-US" dirty="0" smtClean="0"/>
+              <a:rPr lang="en-US" dirty="0"/>
               <a:t>Commit</a:t>
             </a:r>
-            <a:endParaRPr lang="en-US" dirty="0"/>
           </a:p>
         </p:txBody>
       </p:sp>
@@ -7844,30 +8025,30 @@
           </a:lstStyle>
           <a:p>
             <a:r>
-              <a:rPr lang="en-US" dirty="0" smtClean="0"/>
+              <a:rPr lang="en-US" dirty="0"/>
               <a:t>$ cd repo</a:t>
             </a:r>
           </a:p>
           <a:p>
             <a:r>
-              <a:rPr lang="en-US" dirty="0" smtClean="0"/>
+              <a:rPr lang="en-US" dirty="0"/>
               <a:t>$ git </a:t>
             </a:r>
             <a:r>
-              <a:rPr lang="en-US" dirty="0" err="1" smtClean="0"/>
+              <a:rPr lang="en-US" dirty="0" err="1"/>
               <a:t>init</a:t>
             </a:r>
-            <a:endParaRPr lang="en-US" dirty="0" smtClean="0"/>
-          </a:p>
-          <a:p>
-            <a:r>
-              <a:rPr lang="en-US" dirty="0" smtClean="0"/>
+            <a:endParaRPr lang="en-US" dirty="0"/>
+          </a:p>
+          <a:p>
+            <a:r>
+              <a:rPr lang="en-US" dirty="0"/>
               <a:t>$ git add .</a:t>
             </a:r>
           </a:p>
           <a:p>
             <a:r>
-              <a:rPr lang="en-US" dirty="0" smtClean="0"/>
+              <a:rPr lang="en-US" dirty="0"/>
               <a:t>$ git commit -m "Work Complete"</a:t>
             </a:r>
           </a:p>
@@ -7938,7 +8119,7 @@
           <a:lstStyle/>
           <a:p>
             <a:r>
-              <a:rPr lang="en-US" smtClean="0"/>
+              <a:rPr lang="en-US"/>
               <a:t>Click to edit Master title style</a:t>
             </a:r>
             <a:endParaRPr lang="en-US" dirty="0"/>
@@ -8030,21 +8211,21 @@
           <a:p>
             <a:pPr lvl="0"/>
             <a:r>
-              <a:rPr lang="en-US" smtClean="0"/>
+              <a:rPr lang="en-US"/>
               <a:t>Click to edit Master text styles</a:t>
             </a:r>
           </a:p>
           <a:p>
             <a:pPr lvl="1"/>
             <a:r>
-              <a:rPr lang="en-US" smtClean="0"/>
+              <a:rPr lang="en-US"/>
               <a:t>Second level</a:t>
             </a:r>
           </a:p>
           <a:p>
             <a:pPr lvl="2"/>
             <a:r>
-              <a:rPr lang="en-US" smtClean="0"/>
+              <a:rPr lang="en-US"/>
               <a:t>Third level</a:t>
             </a:r>
           </a:p>
@@ -8117,7 +8298,7 @@
               <a:defRPr/>
             </a:pPr>
             <a:r>
-              <a:rPr lang="en-US" sz="16933" dirty="0" smtClean="0">
+              <a:rPr lang="en-US" sz="16933" dirty="0">
                 <a:ln w="18415" cmpd="sng">
                   <a:solidFill>
                     <a:srgbClr val="FFFFFF"/>
@@ -8136,23 +8317,6 @@
               </a:rPr>
               <a:t>DISCUSSION</a:t>
             </a:r>
-            <a:endParaRPr lang="en-US" sz="16933" dirty="0">
-              <a:ln w="18415" cmpd="sng">
-                <a:solidFill>
-                  <a:srgbClr val="FFFFFF"/>
-                </a:solidFill>
-                <a:prstDash val="solid"/>
-              </a:ln>
-              <a:solidFill>
-                <a:schemeClr val="bg2">
-                  <a:lumMod val="95000"/>
-                  <a:alpha val="50000"/>
-                </a:schemeClr>
-              </a:solidFill>
-              <a:latin typeface="+mn-lt"/>
-              <a:ea typeface="+mn-ea"/>
-              <a:cs typeface="+mn-cs"/>
-            </a:endParaRPr>
           </a:p>
         </p:txBody>
       </p:sp>
@@ -8218,10 +8382,9 @@
           </a:lstStyle>
           <a:p>
             <a:r>
-              <a:rPr lang="en-US" dirty="0" smtClean="0"/>
+              <a:rPr lang="en-US" dirty="0"/>
               <a:t>Discussion</a:t>
             </a:r>
-            <a:endParaRPr lang="en-US" dirty="0"/>
           </a:p>
         </p:txBody>
       </p:sp>
@@ -8348,7 +8511,7 @@
           </a:lstStyle>
           <a:p>
             <a:r>
-              <a:rPr lang="en-US" dirty="0" smtClean="0"/>
+              <a:rPr lang="en-US" dirty="0"/>
               <a:t>Questions</a:t>
             </a:r>
           </a:p>
@@ -8440,14 +8603,14 @@
           </a:ln>
           <a:extLst>
             <a:ext uri="{909E8E84-426E-40dd-AFC4-6F175D3DCCD1}">
-              <a14:hiddenFill xmlns="" xmlns:a14="http://schemas.microsoft.com/office/drawing/2010/main">
+              <a14:hiddenFill xmlns:a14="http://schemas.microsoft.com/office/drawing/2010/main" xmlns="">
                 <a:solidFill>
                   <a:srgbClr val="FFFFFF"/>
                 </a:solidFill>
               </a14:hiddenFill>
             </a:ext>
             <a:ext uri="{91240B29-F687-4f45-9708-019B960494DF}">
-              <a14:hiddenLine xmlns="" xmlns:a14="http://schemas.microsoft.com/office/drawing/2010/main" w="9525">
+              <a14:hiddenLine xmlns:a14="http://schemas.microsoft.com/office/drawing/2010/main" xmlns="" w="9525">
                 <a:solidFill>
                   <a:srgbClr val="000000"/>
                 </a:solidFill>
@@ -8484,7 +8647,7 @@
           </a:lstStyle>
           <a:p>
             <a:r>
-              <a:rPr lang="en-US" smtClean="0"/>
+              <a:rPr lang="en-US"/>
               <a:t>Click to edit Master title style</a:t>
             </a:r>
             <a:endParaRPr lang="en-US" dirty="0"/>
@@ -8557,7 +8720,7 @@
           <a:p>
             <a:pPr lvl="0"/>
             <a:r>
-              <a:rPr lang="en-US" dirty="0" smtClean="0"/>
+              <a:rPr lang="en-US" dirty="0"/>
               <a:t>SOURCE</a:t>
             </a:r>
           </a:p>
@@ -8604,22 +8767,22 @@
           <a:p>
             <a:pPr lvl="0"/>
             <a:r>
-              <a:rPr lang="en-US" dirty="0" smtClean="0"/>
+              <a:rPr lang="en-US" dirty="0"/>
               <a:t>/</a:t>
             </a:r>
             <a:r>
-              <a:rPr lang="en-US" dirty="0" err="1" smtClean="0"/>
+              <a:rPr lang="en-US" dirty="0" err="1"/>
               <a:t>filepath</a:t>
             </a:r>
             <a:r>
-              <a:rPr lang="en-US" dirty="0" smtClean="0"/>
+              <a:rPr lang="en-US" dirty="0"/>
               <a:t>/</a:t>
             </a:r>
             <a:r>
-              <a:rPr lang="en-US" dirty="0" err="1" smtClean="0"/>
+              <a:rPr lang="en-US" dirty="0" err="1"/>
               <a:t>file.rb</a:t>
             </a:r>
-            <a:endParaRPr lang="en-US" dirty="0" smtClean="0"/>
+            <a:endParaRPr lang="en-US" dirty="0"/>
           </a:p>
         </p:txBody>
       </p:sp>
@@ -8664,7 +8827,7 @@
           <a:p>
             <a:pPr lvl="0"/>
             <a:r>
-              <a:rPr lang="en-US" dirty="0" smtClean="0"/>
+              <a:rPr lang="en-US" dirty="0"/>
               <a:t>-</a:t>
             </a:r>
           </a:p>
@@ -8711,7 +8874,7 @@
           <a:p>
             <a:pPr lvl="0"/>
             <a:r>
-              <a:rPr lang="en-US" dirty="0" smtClean="0"/>
+              <a:rPr lang="en-US" dirty="0"/>
               <a:t>+</a:t>
             </a:r>
           </a:p>
@@ -8803,14 +8966,14 @@
           </a:ln>
           <a:extLst>
             <a:ext uri="{909E8E84-426E-40dd-AFC4-6F175D3DCCD1}">
-              <a14:hiddenFill xmlns="" xmlns:a14="http://schemas.microsoft.com/office/drawing/2010/main">
+              <a14:hiddenFill xmlns:a14="http://schemas.microsoft.com/office/drawing/2010/main" xmlns="">
                 <a:solidFill>
                   <a:srgbClr val="FFFFFF"/>
                 </a:solidFill>
               </a14:hiddenFill>
             </a:ext>
             <a:ext uri="{91240B29-F687-4f45-9708-019B960494DF}">
-              <a14:hiddenLine xmlns="" xmlns:a14="http://schemas.microsoft.com/office/drawing/2010/main" w="9525">
+              <a14:hiddenLine xmlns:a14="http://schemas.microsoft.com/office/drawing/2010/main" xmlns="" w="9525">
                 <a:solidFill>
                   <a:srgbClr val="000000"/>
                 </a:solidFill>
@@ -8942,7 +9105,7 @@
           <a:p>
             <a:pPr lvl="0"/>
             <a:r>
-              <a:rPr lang="en-US" dirty="0" smtClean="0"/>
+              <a:rPr lang="en-US" dirty="0"/>
               <a:t>RESULT</a:t>
             </a:r>
           </a:p>
@@ -8989,7 +9152,7 @@
           <a:p>
             <a:pPr lvl="0"/>
             <a:r>
-              <a:rPr lang="en-US" dirty="0" smtClean="0"/>
+              <a:rPr lang="en-US" dirty="0"/>
               <a:t>&gt; command</a:t>
             </a:r>
           </a:p>
@@ -9041,7 +9204,7 @@
           <a:p>
             <a:pPr lvl="0"/>
             <a:r>
-              <a:rPr lang="en-US" dirty="0" smtClean="0"/>
+              <a:rPr lang="en-US" dirty="0"/>
               <a:t> </a:t>
             </a:r>
           </a:p>
@@ -9069,7 +9232,7 @@
           </a:lstStyle>
           <a:p>
             <a:r>
-              <a:rPr lang="en-US" smtClean="0"/>
+              <a:rPr lang="en-US"/>
               <a:t>Click to edit Master title style</a:t>
             </a:r>
             <a:endParaRPr lang="en-US" dirty="0"/>
@@ -9152,7 +9315,7 @@
           </a:lstStyle>
           <a:p>
             <a:r>
-              <a:rPr lang="en-US" smtClean="0"/>
+              <a:rPr lang="en-US"/>
               <a:t>Click to edit Master title style</a:t>
             </a:r>
             <a:endParaRPr lang="en-US" dirty="0"/>
@@ -9216,7 +9379,7 @@
           <a:p>
             <a:pPr lvl="0"/>
             <a:r>
-              <a:rPr lang="en-US" dirty="0" smtClean="0"/>
+              <a:rPr lang="en-US" dirty="0"/>
               <a:t>command or result</a:t>
             </a:r>
           </a:p>
@@ -9262,21 +9425,21 @@
           <a:p>
             <a:pPr lvl="0"/>
             <a:r>
-              <a:rPr lang="en-US" smtClean="0"/>
+              <a:rPr lang="en-US"/>
               <a:t>Click to edit Master text styles</a:t>
             </a:r>
           </a:p>
           <a:p>
             <a:pPr lvl="1"/>
             <a:r>
-              <a:rPr lang="en-US" smtClean="0"/>
+              <a:rPr lang="en-US"/>
               <a:t>Second level</a:t>
             </a:r>
           </a:p>
           <a:p>
             <a:pPr lvl="2"/>
             <a:r>
-              <a:rPr lang="en-US" smtClean="0"/>
+              <a:rPr lang="en-US"/>
               <a:t>Third level</a:t>
             </a:r>
           </a:p>
@@ -9368,14 +9531,14 @@
           </a:ln>
           <a:extLst>
             <a:ext uri="{909E8E84-426E-40dd-AFC4-6F175D3DCCD1}">
-              <a14:hiddenFill xmlns="" xmlns:a14="http://schemas.microsoft.com/office/drawing/2010/main">
+              <a14:hiddenFill xmlns:a14="http://schemas.microsoft.com/office/drawing/2010/main" xmlns="">
                 <a:solidFill>
                   <a:srgbClr val="FFFFFF"/>
                 </a:solidFill>
               </a14:hiddenFill>
             </a:ext>
             <a:ext uri="{91240B29-F687-4f45-9708-019B960494DF}">
-              <a14:hiddenLine xmlns="" xmlns:a14="http://schemas.microsoft.com/office/drawing/2010/main" w="9525">
+              <a14:hiddenLine xmlns:a14="http://schemas.microsoft.com/office/drawing/2010/main" xmlns="" w="9525">
                 <a:solidFill>
                   <a:srgbClr val="000000"/>
                 </a:solidFill>
@@ -9447,7 +9610,7 @@
           </a:lstStyle>
           <a:p>
             <a:r>
-              <a:rPr lang="en-US" smtClean="0"/>
+              <a:rPr lang="en-US"/>
               <a:t>Click to edit Master title style</a:t>
             </a:r>
             <a:endParaRPr lang="en-US" dirty="0"/>
@@ -9541,7 +9704,7 @@
           <a:p>
             <a:pPr lvl="0"/>
             <a:r>
-              <a:rPr lang="en-US" dirty="0" smtClean="0"/>
+              <a:rPr lang="en-US" dirty="0"/>
               <a:t>RESULT</a:t>
             </a:r>
           </a:p>
@@ -9590,7 +9753,7 @@
           <a:p>
             <a:pPr lvl="0"/>
             <a:r>
-              <a:rPr lang="en-US" dirty="0" smtClean="0"/>
+              <a:rPr lang="en-US" dirty="0"/>
               <a:t>&gt; command</a:t>
             </a:r>
           </a:p>
@@ -9642,7 +9805,7 @@
           <a:p>
             <a:pPr lvl="0"/>
             <a:r>
-              <a:rPr lang="en-US" dirty="0" smtClean="0"/>
+              <a:rPr lang="en-US" dirty="0"/>
               <a:t> </a:t>
             </a:r>
           </a:p>
@@ -9724,7 +9887,7 @@
           </a:lstStyle>
           <a:p>
             <a:r>
-              <a:rPr lang="en-US" smtClean="0"/>
+              <a:rPr lang="en-US"/>
               <a:t>Click to edit Master title style</a:t>
             </a:r>
             <a:endParaRPr lang="en-US" dirty="0"/>
@@ -9790,7 +9953,7 @@
           <a:p>
             <a:pPr lvl="0"/>
             <a:r>
-              <a:rPr lang="en-US" dirty="0" smtClean="0"/>
+              <a:rPr lang="en-US" dirty="0"/>
               <a:t>command or result</a:t>
             </a:r>
           </a:p>
@@ -9836,21 +9999,21 @@
           <a:p>
             <a:pPr lvl="0"/>
             <a:r>
-              <a:rPr lang="en-US" smtClean="0"/>
+              <a:rPr lang="en-US"/>
               <a:t>Click to edit Master text styles</a:t>
             </a:r>
           </a:p>
           <a:p>
             <a:pPr lvl="1"/>
             <a:r>
-              <a:rPr lang="en-US" smtClean="0"/>
+              <a:rPr lang="en-US"/>
               <a:t>Second level</a:t>
             </a:r>
           </a:p>
           <a:p>
             <a:pPr lvl="2"/>
             <a:r>
-              <a:rPr lang="en-US" smtClean="0"/>
+              <a:rPr lang="en-US"/>
               <a:t>Third level</a:t>
             </a:r>
           </a:p>
@@ -9942,14 +10105,14 @@
           </a:ln>
           <a:extLst>
             <a:ext uri="{909E8E84-426E-40dd-AFC4-6F175D3DCCD1}">
-              <a14:hiddenFill xmlns="" xmlns:a14="http://schemas.microsoft.com/office/drawing/2010/main">
+              <a14:hiddenFill xmlns:a14="http://schemas.microsoft.com/office/drawing/2010/main" xmlns="">
                 <a:solidFill>
                   <a:srgbClr val="FFFFFF"/>
                 </a:solidFill>
               </a14:hiddenFill>
             </a:ext>
             <a:ext uri="{91240B29-F687-4f45-9708-019B960494DF}">
-              <a14:hiddenLine xmlns="" xmlns:a14="http://schemas.microsoft.com/office/drawing/2010/main" w="9525">
+              <a14:hiddenLine xmlns:a14="http://schemas.microsoft.com/office/drawing/2010/main" xmlns="" w="9525">
                 <a:solidFill>
                   <a:srgbClr val="000000"/>
                 </a:solidFill>
@@ -9986,7 +10149,7 @@
           </a:lstStyle>
           <a:p>
             <a:r>
-              <a:rPr lang="en-US" smtClean="0"/>
+              <a:rPr lang="en-US"/>
               <a:t>Click to edit Master title style</a:t>
             </a:r>
             <a:endParaRPr lang="en-US" dirty="0"/>
@@ -10056,7 +10219,7 @@
           <a:p>
             <a:pPr lvl="0"/>
             <a:r>
-              <a:rPr lang="en-US" dirty="0" smtClean="0"/>
+              <a:rPr lang="en-US" dirty="0"/>
               <a:t>SOURCE</a:t>
             </a:r>
           </a:p>
@@ -10100,22 +10263,22 @@
           <a:p>
             <a:pPr lvl="0"/>
             <a:r>
-              <a:rPr lang="en-US" dirty="0" smtClean="0"/>
+              <a:rPr lang="en-US" dirty="0"/>
               <a:t>/</a:t>
             </a:r>
             <a:r>
-              <a:rPr lang="en-US" dirty="0" err="1" smtClean="0"/>
+              <a:rPr lang="en-US" dirty="0" err="1"/>
               <a:t>filepath</a:t>
             </a:r>
             <a:r>
-              <a:rPr lang="en-US" dirty="0" smtClean="0"/>
+              <a:rPr lang="en-US" dirty="0"/>
               <a:t>/</a:t>
             </a:r>
             <a:r>
-              <a:rPr lang="en-US" dirty="0" err="1" smtClean="0"/>
+              <a:rPr lang="en-US" dirty="0" err="1"/>
               <a:t>file.rb</a:t>
             </a:r>
-            <a:endParaRPr lang="en-US" dirty="0" smtClean="0"/>
+            <a:endParaRPr lang="en-US" dirty="0"/>
           </a:p>
         </p:txBody>
       </p:sp>
@@ -10157,7 +10320,7 @@
           <a:p>
             <a:pPr lvl="0"/>
             <a:r>
-              <a:rPr lang="en-US" dirty="0" smtClean="0"/>
+              <a:rPr lang="en-US" dirty="0"/>
               <a:t>-</a:t>
             </a:r>
           </a:p>
@@ -10201,7 +10364,7 @@
           <a:p>
             <a:pPr lvl="0"/>
             <a:r>
-              <a:rPr lang="en-US" dirty="0" smtClean="0"/>
+              <a:rPr lang="en-US" dirty="0"/>
               <a:t>+</a:t>
             </a:r>
           </a:p>
@@ -10283,7 +10446,7 @@
           </a:lstStyle>
           <a:p>
             <a:r>
-              <a:rPr lang="en-US" smtClean="0"/>
+              <a:rPr lang="en-US"/>
               <a:t>Click to edit Master title style</a:t>
             </a:r>
             <a:endParaRPr lang="en-US" dirty="0"/>
@@ -10341,7 +10504,7 @@
           <a:p>
             <a:pPr lvl="0"/>
             <a:r>
-              <a:rPr lang="en-US" dirty="0" smtClean="0"/>
+              <a:rPr lang="en-US" dirty="0"/>
               <a:t>source code without a file</a:t>
             </a:r>
           </a:p>
@@ -10385,7 +10548,7 @@
           <a:p>
             <a:pPr lvl="0"/>
             <a:r>
-              <a:rPr lang="en-US" dirty="0" smtClean="0"/>
+              <a:rPr lang="en-US" dirty="0"/>
               <a:t>-</a:t>
             </a:r>
           </a:p>
@@ -10429,7 +10592,7 @@
           <a:p>
             <a:pPr lvl="0"/>
             <a:r>
-              <a:rPr lang="en-US" dirty="0" smtClean="0"/>
+              <a:rPr lang="en-US" dirty="0"/>
               <a:t>+</a:t>
             </a:r>
           </a:p>
@@ -10511,7 +10674,7 @@
           </a:lstStyle>
           <a:p>
             <a:r>
-              <a:rPr lang="en-US" smtClean="0"/>
+              <a:rPr lang="en-US"/>
               <a:t>Click to edit Master title style</a:t>
             </a:r>
             <a:endParaRPr lang="en-US" dirty="0"/>
@@ -10569,7 +10732,7 @@
           <a:p>
             <a:pPr lvl="0"/>
             <a:r>
-              <a:rPr lang="en-US" dirty="0" smtClean="0"/>
+              <a:rPr lang="en-US" dirty="0"/>
               <a:t>source code</a:t>
             </a:r>
           </a:p>
@@ -10615,21 +10778,21 @@
           <a:p>
             <a:pPr lvl="0"/>
             <a:r>
-              <a:rPr lang="en-US" smtClean="0"/>
+              <a:rPr lang="en-US"/>
               <a:t>Click to edit Master text styles</a:t>
             </a:r>
           </a:p>
           <a:p>
             <a:pPr lvl="1"/>
             <a:r>
-              <a:rPr lang="en-US" smtClean="0"/>
+              <a:rPr lang="en-US"/>
               <a:t>Second level</a:t>
             </a:r>
           </a:p>
           <a:p>
             <a:pPr lvl="2"/>
             <a:r>
-              <a:rPr lang="en-US" smtClean="0"/>
+              <a:rPr lang="en-US"/>
               <a:t>Third level</a:t>
             </a:r>
           </a:p>
@@ -10673,7 +10836,7 @@
           <a:p>
             <a:pPr lvl="0"/>
             <a:r>
-              <a:rPr lang="en-US" dirty="0" smtClean="0"/>
+              <a:rPr lang="en-US" dirty="0"/>
               <a:t>-</a:t>
             </a:r>
           </a:p>
@@ -10717,7 +10880,7 @@
           <a:p>
             <a:pPr lvl="0"/>
             <a:r>
-              <a:rPr lang="en-US" dirty="0" smtClean="0"/>
+              <a:rPr lang="en-US" dirty="0"/>
               <a:t>+</a:t>
             </a:r>
           </a:p>
@@ -10800,7 +10963,7 @@
           <a:lstStyle/>
           <a:p>
             <a:r>
-              <a:rPr lang="en-CA" dirty="0" smtClean="0"/>
+              <a:rPr lang="en-CA" dirty="0"/>
               <a:t>Title Text</a:t>
             </a:r>
             <a:endParaRPr lang="en-US" dirty="0"/>
@@ -10834,21 +10997,21 @@
           <a:p>
             <a:pPr lvl="0"/>
             <a:r>
-              <a:rPr lang="en-US" dirty="0" smtClean="0"/>
+              <a:rPr lang="en-US" dirty="0"/>
               <a:t>Click to edit Master text styles</a:t>
             </a:r>
           </a:p>
           <a:p>
             <a:pPr lvl="1"/>
             <a:r>
-              <a:rPr lang="en-US" dirty="0" smtClean="0"/>
+              <a:rPr lang="en-US" dirty="0"/>
               <a:t>Second level</a:t>
             </a:r>
           </a:p>
           <a:p>
             <a:pPr lvl="2"/>
             <a:r>
-              <a:rPr lang="en-US" dirty="0" smtClean="0"/>
+              <a:rPr lang="en-US" dirty="0"/>
               <a:t>Third level</a:t>
             </a:r>
           </a:p>
@@ -10889,14 +11052,14 @@
           </a:ln>
           <a:extLst>
             <a:ext uri="{909E8E84-426E-40dd-AFC4-6F175D3DCCD1}">
-              <a14:hiddenFill xmlns="" xmlns:a14="http://schemas.microsoft.com/office/drawing/2010/main">
+              <a14:hiddenFill xmlns:a14="http://schemas.microsoft.com/office/drawing/2010/main" xmlns="">
                 <a:solidFill>
                   <a:srgbClr val="FFFFFF"/>
                 </a:solidFill>
               </a14:hiddenFill>
             </a:ext>
             <a:ext uri="{91240B29-F687-4f45-9708-019B960494DF}">
-              <a14:hiddenLine xmlns="" xmlns:a14="http://schemas.microsoft.com/office/drawing/2010/main" w="9525">
+              <a14:hiddenLine xmlns:a14="http://schemas.microsoft.com/office/drawing/2010/main" xmlns="" w="9525">
                 <a:solidFill>
                   <a:srgbClr val="000000"/>
                 </a:solidFill>
@@ -10976,7 +11139,7 @@
               <a:defRPr/>
             </a:pPr>
             <a:r>
-              <a:rPr lang="en-US" dirty="0" smtClean="0">
+              <a:rPr lang="en-US" dirty="0">
                 <a:solidFill>
                   <a:srgbClr val="7D868C"/>
                 </a:solidFill>
@@ -10987,7 +11150,7 @@
               <a:t>©</a:t>
             </a:r>
             <a:r>
-              <a:rPr lang="is-IS" dirty="0" smtClean="0">
+              <a:rPr lang="is-IS" dirty="0">
                 <a:solidFill>
                   <a:srgbClr val="7D868C"/>
                 </a:solidFill>
@@ -10998,17 +11161,6 @@
               <a:t>2017</a:t>
             </a:r>
             <a:r>
-              <a:rPr lang="en-US" dirty="0" smtClean="0">
-                <a:solidFill>
-                  <a:srgbClr val="7D868C"/>
-                </a:solidFill>
-                <a:latin typeface="+mn-lt"/>
-                <a:ea typeface="+mn-ea"/>
-                <a:cs typeface="+mn-cs"/>
-              </a:rPr>
-              <a:t> </a:t>
-            </a:r>
-            <a:r>
               <a:rPr lang="en-US" dirty="0">
                 <a:solidFill>
                   <a:srgbClr val="7D868C"/>
@@ -11017,7 +11169,7 @@
                 <a:ea typeface="+mn-ea"/>
                 <a:cs typeface="+mn-cs"/>
               </a:rPr>
-              <a:t>Chef Software Inc</a:t>
+              <a:t> Chef Software Inc</a:t>
             </a:r>
             <a:r>
               <a:rPr lang="en-US" dirty="0">
@@ -11085,18 +11237,7 @@
                 <a:ea typeface="+mn-ea"/>
                 <a:cs typeface="+mn-cs"/>
               </a:rPr>
-              <a:t>6</a:t>
-            </a:r>
-            <a:r>
-              <a:rPr lang="en-US" dirty="0" smtClean="0">
-                <a:solidFill>
-                  <a:srgbClr val="7F7F7F"/>
-                </a:solidFill>
-                <a:latin typeface="+mn-lt"/>
-                <a:ea typeface="+mn-ea"/>
-                <a:cs typeface="+mn-cs"/>
-              </a:rPr>
-              <a:t>-</a:t>
+              <a:t>6-</a:t>
             </a:r>
             <a:fld id="{F0B79B2F-E1DD-4D43-95B3-EA08C411D807}" type="slidenum">
               <a:rPr lang="en-US" smtClean="0">
@@ -11149,13 +11290,6 @@
   <p:transition spd="med">
     <p:fade/>
   </p:transition>
-  <p:timing>
-    <p:tnLst>
-      <p:par>
-        <p:cTn id="1" dur="indefinite" restart="never" nodeType="tmRoot"/>
-      </p:par>
-    </p:tnLst>
-  </p:timing>
   <p:hf hdr="0" dt="0"/>
   <p:txStyles>
     <p:titleStyle>
@@ -11638,7 +11772,7 @@
           <a:lstStyle/>
           <a:p>
             <a:r>
-              <a:rPr lang="en-CA" dirty="0" smtClean="0"/>
+              <a:rPr lang="en-CA" dirty="0"/>
               <a:t>Title Text</a:t>
             </a:r>
             <a:endParaRPr lang="en-US" dirty="0"/>
@@ -11680,14 +11814,14 @@
           </a:ln>
           <a:extLst>
             <a:ext uri="{909E8E84-426E-40dd-AFC4-6F175D3DCCD1}">
-              <a14:hiddenFill xmlns="" xmlns:a14="http://schemas.microsoft.com/office/drawing/2010/main">
+              <a14:hiddenFill xmlns:a14="http://schemas.microsoft.com/office/drawing/2010/main" xmlns="">
                 <a:solidFill>
                   <a:srgbClr val="FFFFFF"/>
                 </a:solidFill>
               </a14:hiddenFill>
             </a:ext>
             <a:ext uri="{91240B29-F687-4f45-9708-019B960494DF}">
-              <a14:hiddenLine xmlns="" xmlns:a14="http://schemas.microsoft.com/office/drawing/2010/main" w="9525">
+              <a14:hiddenLine xmlns:a14="http://schemas.microsoft.com/office/drawing/2010/main" xmlns="" w="9525">
                 <a:solidFill>
                   <a:srgbClr val="000000"/>
                 </a:solidFill>
@@ -11767,7 +11901,7 @@
               <a:defRPr/>
             </a:pPr>
             <a:r>
-              <a:rPr lang="en-US" dirty="0" smtClean="0">
+              <a:rPr lang="en-US" dirty="0">
                 <a:solidFill>
                   <a:srgbClr val="7D868C"/>
                 </a:solidFill>
@@ -11778,7 +11912,7 @@
               <a:t>©</a:t>
             </a:r>
             <a:r>
-              <a:rPr lang="is-IS" dirty="0" smtClean="0">
+              <a:rPr lang="is-IS" dirty="0">
                 <a:solidFill>
                   <a:srgbClr val="7D868C"/>
                 </a:solidFill>
@@ -11789,17 +11923,6 @@
               <a:t>2017</a:t>
             </a:r>
             <a:r>
-              <a:rPr lang="en-US" dirty="0" smtClean="0">
-                <a:solidFill>
-                  <a:srgbClr val="7D868C"/>
-                </a:solidFill>
-                <a:latin typeface="+mn-lt"/>
-                <a:ea typeface="+mn-ea"/>
-                <a:cs typeface="+mn-cs"/>
-              </a:rPr>
-              <a:t> </a:t>
-            </a:r>
-            <a:r>
               <a:rPr lang="en-US" dirty="0">
                 <a:solidFill>
                   <a:srgbClr val="7D868C"/>
@@ -11808,7 +11931,7 @@
                 <a:ea typeface="+mn-ea"/>
                 <a:cs typeface="+mn-cs"/>
               </a:rPr>
-              <a:t>Chef Software Inc</a:t>
+              <a:t> Chef Software Inc</a:t>
             </a:r>
             <a:r>
               <a:rPr lang="en-US" dirty="0">
@@ -11876,18 +11999,7 @@
                 <a:ea typeface="+mn-ea"/>
                 <a:cs typeface="+mn-cs"/>
               </a:rPr>
-              <a:t>6</a:t>
-            </a:r>
-            <a:r>
-              <a:rPr lang="en-US" dirty="0" smtClean="0">
-                <a:solidFill>
-                  <a:srgbClr val="7F7F7F"/>
-                </a:solidFill>
-                <a:latin typeface="+mn-lt"/>
-                <a:ea typeface="+mn-ea"/>
-                <a:cs typeface="+mn-cs"/>
-              </a:rPr>
-              <a:t>-</a:t>
+              <a:t>6-</a:t>
             </a:r>
             <a:fld id="{F0B79B2F-E1DD-4D43-95B3-EA08C411D807}" type="slidenum">
               <a:rPr lang="en-US" smtClean="0">
@@ -12012,13 +12124,6 @@
   <p:transition spd="med">
     <p:fade/>
   </p:transition>
-  <p:timing>
-    <p:tnLst>
-      <p:par>
-        <p:cTn id="1" dur="indefinite" restart="never" nodeType="tmRoot"/>
-      </p:par>
-    </p:tnLst>
-  </p:timing>
   <p:hf hdr="0" dt="0"/>
   <p:txStyles>
     <p:titleStyle>
@@ -12511,13 +12616,6 @@
   <p:transition spd="med">
     <p:fade/>
   </p:transition>
-  <p:timing>
-    <p:tnLst>
-      <p:par>
-        <p:cTn id="1" dur="indefinite" restart="never" nodeType="tmRoot"/>
-      </p:par>
-    </p:tnLst>
-  </p:timing>
 </p:sld>
 </file>
 
@@ -12554,10 +12652,9 @@
           <a:lstStyle/>
           <a:p>
             <a:r>
-              <a:rPr lang="en-US" dirty="0" smtClean="0"/>
+              <a:rPr lang="en-US" dirty="0"/>
               <a:t>Write the Test to Verify the Package</a:t>
             </a:r>
-            <a:endParaRPr lang="en-US" dirty="0"/>
           </a:p>
         </p:txBody>
       </p:sp>
@@ -12580,11 +12677,7 @@
           <a:p>
             <a:r>
               <a:rPr lang="en-US" dirty="0"/>
-              <a:t> </a:t>
-            </a:r>
-            <a:r>
-              <a:rPr lang="en-US" dirty="0" smtClean="0"/>
-              <a:t>   # ... START OF THE SPEC FILE ...</a:t>
+              <a:t>    # ... START OF THE SPEC FILE ...</a:t>
             </a:r>
           </a:p>
           <a:p>
@@ -12626,72 +12719,66 @@
           <a:p>
             <a:r>
               <a:rPr lang="en-US" dirty="0"/>
-              <a:t>    </a:t>
-            </a:r>
-            <a:r>
-              <a:rPr lang="en-US" dirty="0" smtClean="0"/>
+              <a:t>    end</a:t>
+            </a:r>
+          </a:p>
+          <a:p>
+            <a:endParaRPr lang="en-US" dirty="0"/>
+          </a:p>
+          <a:p>
+            <a:r>
+              <a:rPr lang="en-US" dirty="0"/>
+              <a:t>    it 'installs the necessary package' do</a:t>
+            </a:r>
+          </a:p>
+          <a:p>
+            <a:r>
+              <a:rPr lang="en-US" dirty="0"/>
+              <a:t>      expect(</a:t>
+            </a:r>
+            <a:r>
+              <a:rPr lang="en-US" dirty="0" err="1"/>
+              <a:t>chef_run</a:t>
+            </a:r>
+            <a:r>
+              <a:rPr lang="en-US" dirty="0"/>
+              <a:t>).to </a:t>
+            </a:r>
+            <a:r>
+              <a:rPr lang="en-US" dirty="0" err="1"/>
+              <a:t>install_package</a:t>
+            </a:r>
+            <a:r>
+              <a:rPr lang="en-US" dirty="0"/>
+              <a:t>('</a:t>
+            </a:r>
+            <a:r>
+              <a:rPr lang="en-US" dirty="0" err="1"/>
+              <a:t>httpd</a:t>
+            </a:r>
+            <a:r>
+              <a:rPr lang="en-US" dirty="0"/>
+              <a:t>')</a:t>
+            </a:r>
+          </a:p>
+          <a:p>
+            <a:r>
+              <a:rPr lang="en-US" dirty="0"/>
+              <a:t>    end</a:t>
+            </a:r>
+          </a:p>
+          <a:p>
+            <a:r>
+              <a:rPr lang="en-US" dirty="0"/>
+              <a:t>  end</a:t>
+            </a:r>
+          </a:p>
+          <a:p>
+            <a:r>
+              <a:rPr lang="en-US" dirty="0"/>
               <a:t>end</a:t>
             </a:r>
           </a:p>
-          <a:p>
-            <a:endParaRPr lang="en-US" dirty="0"/>
-          </a:p>
-          <a:p>
-            <a:r>
-              <a:rPr lang="en-US" dirty="0" smtClean="0"/>
-              <a:t>    it 'installs the necessary package' do</a:t>
-            </a:r>
-          </a:p>
-          <a:p>
-            <a:r>
-              <a:rPr lang="en-US" dirty="0" smtClean="0"/>
-              <a:t>      expect(</a:t>
-            </a:r>
-            <a:r>
-              <a:rPr lang="en-US" dirty="0" err="1" smtClean="0"/>
-              <a:t>chef_run</a:t>
-            </a:r>
-            <a:r>
-              <a:rPr lang="en-US" dirty="0" smtClean="0"/>
-              <a:t>).to </a:t>
-            </a:r>
-            <a:r>
-              <a:rPr lang="en-US" dirty="0" err="1" smtClean="0"/>
-              <a:t>install_package</a:t>
-            </a:r>
-            <a:r>
-              <a:rPr lang="en-US" dirty="0" smtClean="0"/>
-              <a:t>('</a:t>
-            </a:r>
-            <a:r>
-              <a:rPr lang="en-US" dirty="0" err="1" smtClean="0"/>
-              <a:t>httpd</a:t>
-            </a:r>
-            <a:r>
-              <a:rPr lang="en-US" dirty="0" smtClean="0"/>
-              <a:t>')</a:t>
-            </a:r>
-            <a:endParaRPr lang="en-US" dirty="0"/>
-          </a:p>
-          <a:p>
-            <a:r>
-              <a:rPr lang="en-US" dirty="0" smtClean="0"/>
-              <a:t>    end</a:t>
-            </a:r>
-            <a:endParaRPr lang="en-US" dirty="0"/>
-          </a:p>
-          <a:p>
-            <a:r>
-              <a:rPr lang="en-US" dirty="0"/>
-              <a:t>  end</a:t>
-            </a:r>
-          </a:p>
-          <a:p>
-            <a:r>
-              <a:rPr lang="en-US" dirty="0"/>
-              <a:t>end</a:t>
-            </a:r>
-          </a:p>
         </p:txBody>
       </p:sp>
       <p:sp>
@@ -12710,11 +12797,11 @@
           <a:lstStyle/>
           <a:p>
             <a:r>
-              <a:rPr lang="en-US" dirty="0" smtClean="0"/>
+              <a:rPr lang="en-US" dirty="0"/>
               <a:t>~/apache/spec/unit/recipes/</a:t>
             </a:r>
             <a:r>
-              <a:rPr lang="en-US" dirty="0" err="1" smtClean="0"/>
+              <a:rPr lang="en-US" dirty="0" err="1"/>
               <a:t>install_spec.rb</a:t>
             </a:r>
             <a:endParaRPr lang="en-US" dirty="0"/>
@@ -12907,7 +12994,7 @@
           <a:p>
             <a:pPr algn="ctr"/>
             <a:r>
-              <a:rPr lang="en-US" sz="2800" dirty="0" smtClean="0">
+              <a:rPr lang="en-US" sz="2800" dirty="0">
                 <a:solidFill>
                   <a:schemeClr val="bg1"/>
                 </a:solidFill>
@@ -13103,7 +13190,7 @@
           <a:p>
             <a:pPr algn="ctr"/>
             <a:r>
-              <a:rPr lang="en-US" sz="2800" dirty="0" smtClean="0">
+              <a:rPr lang="en-US" sz="2800" dirty="0">
                 <a:solidFill>
                   <a:schemeClr val="bg1"/>
                 </a:solidFill>
@@ -13299,7 +13386,7 @@
           <a:p>
             <a:pPr algn="ctr"/>
             <a:r>
-              <a:rPr lang="en-US" sz="2800" dirty="0" smtClean="0">
+              <a:rPr lang="en-US" sz="2800" dirty="0">
                 <a:solidFill>
                   <a:schemeClr val="bg1"/>
                 </a:solidFill>
@@ -13572,7 +13659,7 @@
           <a:lstStyle/>
           <a:p>
             <a:pPr algn="ctr" defTabSz="914099"/>
-            <a:endParaRPr lang="en-US" sz="2400" dirty="0" err="1" smtClean="0">
+            <a:endParaRPr lang="en-US" sz="2400" dirty="0" err="1">
               <a:gradFill>
                 <a:gsLst>
                   <a:gs pos="0">
@@ -13637,7 +13724,7 @@
           <a:lstStyle/>
           <a:p>
             <a:pPr algn="ctr" defTabSz="914099"/>
-            <a:endParaRPr lang="en-US" sz="2400" dirty="0" err="1" smtClean="0">
+            <a:endParaRPr lang="en-US" sz="2400" dirty="0" err="1">
               <a:gradFill>
                 <a:gsLst>
                   <a:gs pos="0">
@@ -13702,7 +13789,7 @@
           <a:lstStyle/>
           <a:p>
             <a:pPr algn="ctr" defTabSz="914099"/>
-            <a:endParaRPr lang="en-US" sz="2400" dirty="0" err="1" smtClean="0">
+            <a:endParaRPr lang="en-US" sz="2400" dirty="0" err="1">
               <a:gradFill>
                 <a:gsLst>
                   <a:gs pos="0">
@@ -13767,7 +13854,7 @@
           <a:lstStyle/>
           <a:p>
             <a:pPr algn="ctr" defTabSz="914099"/>
-            <a:endParaRPr lang="en-US" sz="2400" dirty="0" err="1" smtClean="0">
+            <a:endParaRPr lang="en-US" sz="2400" dirty="0" err="1">
               <a:gradFill>
                 <a:gsLst>
                   <a:gs pos="0">
@@ -13796,13 +13883,6 @@
   <p:transition spd="med">
     <p:fade/>
   </p:transition>
-  <p:timing>
-    <p:tnLst>
-      <p:par>
-        <p:cTn id="1" dur="indefinite" restart="never" nodeType="tmRoot"/>
-      </p:par>
-    </p:tnLst>
-  </p:timing>
 </p:sld>
 </file>
 
@@ -13876,19 +13956,19 @@
           <a:lstStyle/>
           <a:p>
             <a:r>
-              <a:rPr lang="en-US" dirty="0" smtClean="0"/>
+              <a:rPr lang="en-US" dirty="0"/>
               <a:t>&gt; chef exec </a:t>
             </a:r>
             <a:r>
-              <a:rPr lang="en-US" dirty="0" err="1" smtClean="0"/>
+              <a:rPr lang="en-US" dirty="0" err="1"/>
               <a:t>rspec</a:t>
             </a:r>
             <a:r>
-              <a:rPr lang="en-US" dirty="0" smtClean="0"/>
+              <a:rPr lang="en-US" dirty="0"/>
               <a:t> spec/unit/recipes/</a:t>
             </a:r>
             <a:r>
-              <a:rPr lang="en-US" dirty="0" err="1" smtClean="0"/>
+              <a:rPr lang="en-US" dirty="0" err="1"/>
               <a:t>install_spec.rb</a:t>
             </a:r>
             <a:endParaRPr lang="en-US" dirty="0"/>
@@ -13935,10 +14015,9 @@
           <a:lstStyle/>
           <a:p>
             <a:r>
-              <a:rPr lang="en-US" dirty="0" smtClean="0"/>
+              <a:rPr lang="en-US" dirty="0"/>
               <a:t>Execute the Test to See it Pass</a:t>
             </a:r>
-            <a:endParaRPr lang="en-US" dirty="0"/>
           </a:p>
         </p:txBody>
       </p:sp>
@@ -13955,13 +14034,6 @@
   <p:transition spd="med">
     <p:fade/>
   </p:transition>
-  <p:timing>
-    <p:tnLst>
-      <p:par>
-        <p:cTn id="1" dur="indefinite" restart="never" nodeType="tmRoot"/>
-      </p:par>
-    </p:tnLst>
-  </p:timing>
 </p:sld>
 </file>
 
@@ -14000,10 +14072,9 @@
           <a:lstStyle/>
           <a:p>
             <a:r>
-              <a:rPr lang="en-US" dirty="0" smtClean="0"/>
+              <a:rPr lang="en-US" dirty="0"/>
               <a:t>Testing Remaining Resources</a:t>
             </a:r>
-            <a:endParaRPr lang="en-US" dirty="0"/>
           </a:p>
         </p:txBody>
       </p:sp>
@@ -14049,7 +14120,7 @@
               <a:buChar char="ü"/>
             </a:pPr>
             <a:r>
-              <a:rPr lang="en-US" dirty="0" smtClean="0"/>
+              <a:rPr lang="en-US" dirty="0"/>
               <a:t>Write and execute tests for the Install recipe</a:t>
             </a:r>
           </a:p>
@@ -14059,7 +14130,7 @@
               <a:buChar char="q"/>
             </a:pPr>
             <a:r>
-              <a:rPr lang="en-US" dirty="0" smtClean="0"/>
+              <a:rPr lang="en-US" dirty="0"/>
               <a:t>Verify the test validates the recipe</a:t>
             </a:r>
           </a:p>
@@ -14078,13 +14149,6 @@
   <p:transition spd="med">
     <p:fade/>
   </p:transition>
-  <p:timing>
-    <p:tnLst>
-      <p:par>
-        <p:cTn id="1" dur="indefinite" restart="never" nodeType="tmRoot"/>
-      </p:par>
-    </p:tnLst>
-  </p:timing>
 </p:sld>
 </file>
 
@@ -14123,10 +14187,9 @@
           <a:lstStyle/>
           <a:p>
             <a:r>
-              <a:rPr lang="en-US" dirty="0" smtClean="0"/>
+              <a:rPr lang="en-US" dirty="0"/>
               <a:t>It's Quiet. Too Quiet.</a:t>
             </a:r>
-            <a:endParaRPr lang="en-US" dirty="0"/>
           </a:p>
         </p:txBody>
       </p:sp>
@@ -14146,10 +14209,9 @@
           <a:lstStyle/>
           <a:p>
             <a:r>
-              <a:rPr lang="en-US" dirty="0" smtClean="0"/>
+              <a:rPr lang="en-US" dirty="0"/>
               <a:t>When a test passes immediately without having to write code (or if the code has already been written) it is time to be concerned. This is one of those moments we should ensure that the tests are working by mutating that code.</a:t>
             </a:r>
-            <a:endParaRPr lang="en-US" dirty="0"/>
           </a:p>
         </p:txBody>
       </p:sp>
@@ -14166,13 +14228,6 @@
   <p:transition spd="med">
     <p:fade/>
   </p:transition>
-  <p:timing>
-    <p:tnLst>
-      <p:par>
-        <p:cTn id="1" dur="indefinite" restart="never" nodeType="tmRoot"/>
-      </p:par>
-    </p:tnLst>
-  </p:timing>
 </p:sld>
 </file>
 
@@ -14209,10 +14264,9 @@
           <a:lstStyle/>
           <a:p>
             <a:r>
-              <a:rPr lang="en-US" dirty="0" smtClean="0"/>
+              <a:rPr lang="en-US" dirty="0"/>
               <a:t>Comment Out the Resource</a:t>
             </a:r>
-            <a:endParaRPr lang="en-US" dirty="0"/>
           </a:p>
         </p:txBody>
       </p:sp>
@@ -14239,13 +14293,8 @@
           <a:p>
             <a:r>
               <a:rPr lang="en-US" dirty="0"/>
-              <a:t># Cookbook Name:: </a:t>
-            </a:r>
-            <a:r>
-              <a:rPr lang="en-US" dirty="0" smtClean="0"/>
-              <a:t>apache</a:t>
-            </a:r>
-            <a:endParaRPr lang="en-US" dirty="0"/>
+              <a:t># Cookbook Name:: apache</a:t>
+            </a:r>
           </a:p>
           <a:p>
             <a:r>
@@ -14265,26 +14314,18 @@
               <a:t># Copyright (c) </a:t>
             </a:r>
             <a:r>
-              <a:rPr lang="is-IS" dirty="0" smtClean="0"/>
+              <a:rPr lang="is-IS" dirty="0"/>
               <a:t>2017</a:t>
             </a:r>
             <a:r>
-              <a:rPr lang="en-US" dirty="0" smtClean="0"/>
-              <a:t> </a:t>
-            </a:r>
-            <a:r>
-              <a:rPr lang="en-US" dirty="0"/>
-              <a:t>The Authors, All Rights Reserved.</a:t>
-            </a:r>
-          </a:p>
-          <a:p>
-            <a:r>
-              <a:rPr lang="en-US" dirty="0" smtClean="0"/>
-              <a:t># package </a:t>
-            </a:r>
-            <a:r>
-              <a:rPr lang="en-US" dirty="0"/>
-              <a:t>'</a:t>
+              <a:rPr lang="en-US" dirty="0"/>
+              <a:t> The Authors, All Rights Reserved.</a:t>
+            </a:r>
+          </a:p>
+          <a:p>
+            <a:r>
+              <a:rPr lang="en-US" dirty="0"/>
+              <a:t># package '</a:t>
             </a:r>
             <a:r>
               <a:rPr lang="en-US" dirty="0" err="1"/>
@@ -14313,11 +14354,11 @@
           <a:lstStyle/>
           <a:p>
             <a:r>
-              <a:rPr lang="en-US" dirty="0" smtClean="0"/>
+              <a:rPr lang="en-US" dirty="0"/>
               <a:t>~/apache/recipes/</a:t>
             </a:r>
             <a:r>
-              <a:rPr lang="en-US" dirty="0" err="1" smtClean="0"/>
+              <a:rPr lang="en-US" dirty="0" err="1"/>
               <a:t>install.rb</a:t>
             </a:r>
             <a:endParaRPr lang="en-US" dirty="0"/>
@@ -14361,13 +14402,6 @@
   <p:transition spd="med">
     <p:fade/>
   </p:transition>
-  <p:timing>
-    <p:tnLst>
-      <p:par>
-        <p:cTn id="1" dur="indefinite" restart="never" nodeType="tmRoot"/>
-      </p:par>
-    </p:tnLst>
-  </p:timing>
 </p:sld>
 </file>
 
@@ -14423,23 +14457,7 @@
           <a:p>
             <a:r>
               <a:rPr lang="en-US" dirty="0"/>
-              <a:t>  1) </a:t>
-            </a:r>
-            <a:r>
-              <a:rPr lang="en-US" dirty="0" smtClean="0"/>
-              <a:t>apache::</a:t>
-            </a:r>
-            <a:r>
-              <a:rPr lang="en-US" dirty="0"/>
-              <a:t>install When all attributes are default, on an </a:t>
-            </a:r>
-            <a:r>
-              <a:rPr lang="en-US" dirty="0" smtClean="0"/>
-              <a:t>CentOS 6.7 installs </a:t>
-            </a:r>
-            <a:r>
-              <a:rPr lang="en-US" dirty="0"/>
-              <a:t>the appropriate package</a:t>
+              <a:t>  1) apache::install When all attributes are default, on an CentOS 6.9 installs the appropriate package</a:t>
             </a:r>
           </a:p>
           <a:p>
@@ -14483,13 +14501,8 @@
             </a:r>
             <a:r>
               <a:rPr lang="en-US" dirty="0"/>
-              <a:t>]" with action :install to be in Chef run. Other package resources</a:t>
-            </a:r>
-            <a:r>
-              <a:rPr lang="en-US" dirty="0" smtClean="0"/>
-              <a:t>:</a:t>
-            </a:r>
-            <a:endParaRPr lang="en-US" dirty="0"/>
+              <a:t>]" with action :install to be in Chef run. Other package resources:</a:t>
+            </a:r>
           </a:p>
         </p:txBody>
       </p:sp>
@@ -14509,19 +14522,19 @@
           <a:lstStyle/>
           <a:p>
             <a:r>
-              <a:rPr lang="en-US" dirty="0" smtClean="0"/>
+              <a:rPr lang="en-US" dirty="0"/>
               <a:t>&gt; chef exec </a:t>
             </a:r>
             <a:r>
-              <a:rPr lang="en-US" dirty="0" err="1" smtClean="0"/>
+              <a:rPr lang="en-US" dirty="0" err="1"/>
               <a:t>rspec</a:t>
             </a:r>
             <a:r>
-              <a:rPr lang="en-US" dirty="0" smtClean="0"/>
+              <a:rPr lang="en-US" dirty="0"/>
               <a:t> spec/unit/recipes/</a:t>
             </a:r>
             <a:r>
-              <a:rPr lang="en-US" dirty="0" err="1" smtClean="0"/>
+              <a:rPr lang="en-US" dirty="0" err="1"/>
               <a:t>install_spec.rb</a:t>
             </a:r>
             <a:endParaRPr lang="en-US" dirty="0"/>
@@ -14568,10 +14581,9 @@
           <a:lstStyle/>
           <a:p>
             <a:r>
-              <a:rPr lang="en-US" dirty="0" smtClean="0"/>
+              <a:rPr lang="en-US" dirty="0"/>
               <a:t>Execute the Test to See it Fail</a:t>
             </a:r>
-            <a:endParaRPr lang="en-US" dirty="0"/>
           </a:p>
         </p:txBody>
       </p:sp>
@@ -14588,13 +14600,6 @@
   <p:transition spd="med">
     <p:fade/>
   </p:transition>
-  <p:timing>
-    <p:tnLst>
-      <p:par>
-        <p:cTn id="1" dur="indefinite" restart="never" nodeType="tmRoot"/>
-      </p:par>
-    </p:tnLst>
-  </p:timing>
 </p:sld>
 </file>
 
@@ -14631,10 +14636,9 @@
           <a:lstStyle/>
           <a:p>
             <a:r>
-              <a:rPr lang="en-US" dirty="0" smtClean="0"/>
+              <a:rPr lang="en-US" dirty="0"/>
               <a:t>Uncomment Out the Resource</a:t>
             </a:r>
-            <a:endParaRPr lang="en-US" dirty="0"/>
           </a:p>
         </p:txBody>
       </p:sp>
@@ -14661,13 +14665,8 @@
           <a:p>
             <a:r>
               <a:rPr lang="en-US" dirty="0"/>
-              <a:t># Cookbook Name:: </a:t>
-            </a:r>
-            <a:r>
-              <a:rPr lang="en-US" dirty="0" smtClean="0"/>
-              <a:t>apache</a:t>
-            </a:r>
-            <a:endParaRPr lang="en-US" dirty="0"/>
+              <a:t># Cookbook Name:: apache</a:t>
+            </a:r>
           </a:p>
           <a:p>
             <a:r>
@@ -14687,26 +14686,18 @@
               <a:t># Copyright (c) </a:t>
             </a:r>
             <a:r>
-              <a:rPr lang="is-IS" dirty="0" smtClean="0"/>
+              <a:rPr lang="is-IS" dirty="0"/>
               <a:t>2017</a:t>
             </a:r>
             <a:r>
-              <a:rPr lang="en-US" dirty="0" smtClean="0"/>
-              <a:t> </a:t>
-            </a:r>
-            <a:r>
-              <a:rPr lang="en-US" dirty="0"/>
-              <a:t>The Authors, All Rights Reserved.</a:t>
-            </a:r>
-          </a:p>
-          <a:p>
-            <a:r>
-              <a:rPr lang="en-US" dirty="0" smtClean="0"/>
-              <a:t>package </a:t>
-            </a:r>
-            <a:r>
-              <a:rPr lang="en-US" dirty="0"/>
-              <a:t>'</a:t>
+              <a:rPr lang="en-US" dirty="0"/>
+              <a:t> The Authors, All Rights Reserved.</a:t>
+            </a:r>
+          </a:p>
+          <a:p>
+            <a:r>
+              <a:rPr lang="en-US" dirty="0"/>
+              <a:t>package '</a:t>
             </a:r>
             <a:r>
               <a:rPr lang="en-US" dirty="0" err="1"/>
@@ -14735,11 +14726,11 @@
           <a:lstStyle/>
           <a:p>
             <a:r>
-              <a:rPr lang="en-US" dirty="0" smtClean="0"/>
+              <a:rPr lang="en-US" dirty="0"/>
               <a:t>~/apache/recipes/</a:t>
             </a:r>
             <a:r>
-              <a:rPr lang="en-US" dirty="0" err="1" smtClean="0"/>
+              <a:rPr lang="en-US" dirty="0" err="1"/>
               <a:t>install.rb</a:t>
             </a:r>
             <a:endParaRPr lang="en-US" dirty="0"/>
@@ -14783,13 +14774,6 @@
   <p:transition spd="med">
     <p:fade/>
   </p:transition>
-  <p:timing>
-    <p:tnLst>
-      <p:par>
-        <p:cTn id="1" dur="indefinite" restart="never" nodeType="tmRoot"/>
-      </p:par>
-    </p:tnLst>
-  </p:timing>
 </p:sld>
 </file>
 
@@ -14863,19 +14847,19 @@
           <a:lstStyle/>
           <a:p>
             <a:r>
-              <a:rPr lang="en-US" dirty="0" smtClean="0"/>
+              <a:rPr lang="en-US" dirty="0"/>
               <a:t>&gt; chef exec </a:t>
             </a:r>
             <a:r>
-              <a:rPr lang="en-US" dirty="0" err="1" smtClean="0"/>
+              <a:rPr lang="en-US" dirty="0" err="1"/>
               <a:t>rspec</a:t>
             </a:r>
             <a:r>
-              <a:rPr lang="en-US" dirty="0" smtClean="0"/>
+              <a:rPr lang="en-US" dirty="0"/>
               <a:t> spec/unit/recipes/</a:t>
             </a:r>
             <a:r>
-              <a:rPr lang="en-US" dirty="0" err="1" smtClean="0"/>
+              <a:rPr lang="en-US" dirty="0" err="1"/>
               <a:t>install_spec.rb</a:t>
             </a:r>
             <a:endParaRPr lang="en-US" dirty="0"/>
@@ -14922,10 +14906,9 @@
           <a:lstStyle/>
           <a:p>
             <a:r>
-              <a:rPr lang="en-US" dirty="0" smtClean="0"/>
+              <a:rPr lang="en-US" dirty="0"/>
               <a:t>Execute the Test to See it Pass</a:t>
             </a:r>
-            <a:endParaRPr lang="en-US" dirty="0"/>
           </a:p>
         </p:txBody>
       </p:sp>
@@ -14942,13 +14925,6 @@
   <p:transition spd="med">
     <p:fade/>
   </p:transition>
-  <p:timing>
-    <p:tnLst>
-      <p:par>
-        <p:cTn id="1" dur="indefinite" restart="never" nodeType="tmRoot"/>
-      </p:par>
-    </p:tnLst>
-  </p:timing>
 </p:sld>
 </file>
 
@@ -14987,10 +14963,9 @@
           <a:lstStyle/>
           <a:p>
             <a:r>
-              <a:rPr lang="en-US" dirty="0" smtClean="0"/>
+              <a:rPr lang="en-US" dirty="0"/>
               <a:t>Testing Remaining Resources</a:t>
             </a:r>
-            <a:endParaRPr lang="en-US" dirty="0"/>
           </a:p>
         </p:txBody>
       </p:sp>
@@ -15011,13 +14986,8 @@
           <a:p>
             <a:r>
               <a:rPr lang="en-US" dirty="0"/>
-              <a:t>No r</a:t>
-            </a:r>
-            <a:r>
-              <a:rPr lang="en-US" dirty="0" smtClean="0"/>
-              <a:t>esources left behind!</a:t>
-            </a:r>
-            <a:endParaRPr lang="en-US" dirty="0"/>
+              <a:t>No resources left behind!</a:t>
+            </a:r>
           </a:p>
         </p:txBody>
       </p:sp>
@@ -15041,7 +15011,7 @@
               <a:buChar char="ü"/>
             </a:pPr>
             <a:r>
-              <a:rPr lang="en-US" dirty="0" smtClean="0"/>
+              <a:rPr lang="en-US" dirty="0"/>
               <a:t>Write and execute tests for the Install recipe</a:t>
             </a:r>
           </a:p>
@@ -15051,7 +15021,7 @@
               <a:buChar char="ü"/>
             </a:pPr>
             <a:r>
-              <a:rPr lang="en-US" dirty="0" smtClean="0"/>
+              <a:rPr lang="en-US" dirty="0"/>
               <a:t>Verify the test validates the recipe</a:t>
             </a:r>
           </a:p>
@@ -15070,13 +15040,6 @@
   <p:transition spd="med">
     <p:fade/>
   </p:transition>
-  <p:timing>
-    <p:tnLst>
-      <p:par>
-        <p:cTn id="1" dur="indefinite" restart="never" nodeType="tmRoot"/>
-      </p:par>
-    </p:tnLst>
-  </p:timing>
 </p:sld>
 </file>
 
@@ -15115,10 +15078,9 @@
           <a:lstStyle/>
           <a:p>
             <a:r>
-              <a:rPr lang="en-US" dirty="0" smtClean="0"/>
+              <a:rPr lang="en-US" dirty="0"/>
               <a:t>Test the Remaining Recipes</a:t>
             </a:r>
-            <a:endParaRPr lang="en-US" dirty="0"/>
           </a:p>
         </p:txBody>
       </p:sp>
@@ -15148,7 +15110,7 @@
               </a:lnSpc>
             </a:pPr>
             <a:r>
-              <a:rPr lang="en-US" dirty="0" smtClean="0"/>
+              <a:rPr lang="en-US" dirty="0"/>
               <a:t>Write a pending example</a:t>
             </a:r>
           </a:p>
@@ -15159,15 +15121,15 @@
               </a:lnSpc>
             </a:pPr>
             <a:r>
-              <a:rPr lang="en-US" dirty="0" smtClean="0"/>
+              <a:rPr lang="en-US" dirty="0"/>
               <a:t>Find the </a:t>
             </a:r>
             <a:r>
-              <a:rPr lang="en-US" dirty="0" err="1" smtClean="0"/>
+              <a:rPr lang="en-US" dirty="0" err="1"/>
               <a:t>ChefSpec</a:t>
             </a:r>
             <a:r>
-              <a:rPr lang="en-US" dirty="0" smtClean="0"/>
+              <a:rPr lang="en-US" dirty="0"/>
               <a:t> implementation</a:t>
             </a:r>
           </a:p>
@@ -15178,7 +15140,7 @@
               </a:lnSpc>
             </a:pPr>
             <a:r>
-              <a:rPr lang="en-US" dirty="0" smtClean="0"/>
+              <a:rPr lang="en-US" dirty="0"/>
               <a:t>Verify that the new example passes</a:t>
             </a:r>
           </a:p>
@@ -15189,7 +15151,7 @@
               </a:lnSpc>
             </a:pPr>
             <a:r>
-              <a:rPr lang="en-US" dirty="0" smtClean="0"/>
+              <a:rPr lang="en-US" dirty="0"/>
               <a:t>Mutate the recipe to generate a failure</a:t>
             </a:r>
           </a:p>
@@ -15200,7 +15162,7 @@
               </a:lnSpc>
             </a:pPr>
             <a:r>
-              <a:rPr lang="en-US" dirty="0" smtClean="0"/>
+              <a:rPr lang="en-US" dirty="0"/>
               <a:t>Restore the code in the recipe</a:t>
             </a:r>
           </a:p>
@@ -15211,7 +15173,7 @@
               </a:lnSpc>
             </a:pPr>
             <a:r>
-              <a:rPr lang="en-US" dirty="0" smtClean="0"/>
+              <a:rPr lang="en-US" dirty="0"/>
               <a:t>Verify that all examples pass</a:t>
             </a:r>
           </a:p>
@@ -15249,21 +15211,8 @@
             </a:pPr>
             <a:r>
               <a:rPr lang="en-US" b="1" dirty="0"/>
-              <a:t>Repeat this </a:t>
-            </a:r>
-            <a:r>
-              <a:rPr lang="en-US" b="1" dirty="0" smtClean="0"/>
-              <a:t>series </a:t>
-            </a:r>
-            <a:r>
-              <a:rPr lang="en-US" b="1" dirty="0"/>
-              <a:t>of steps </a:t>
-            </a:r>
-            <a:r>
-              <a:rPr lang="en-US" b="1" dirty="0" smtClean="0"/>
-              <a:t>for the configuration recipe and service recipe</a:t>
-            </a:r>
-            <a:endParaRPr lang="en-US" b="1" dirty="0"/>
+              <a:t>Repeat this series of steps for the configuration recipe and service recipe</a:t>
+            </a:r>
           </a:p>
         </p:txBody>
       </p:sp>
@@ -15280,13 +15229,6 @@
   <p:transition spd="med">
     <p:fade/>
   </p:transition>
-  <p:timing>
-    <p:tnLst>
-      <p:par>
-        <p:cTn id="1" dur="indefinite" restart="never" nodeType="tmRoot"/>
-      </p:par>
-    </p:tnLst>
-  </p:timing>
 </p:sld>
 </file>
 
@@ -15323,10 +15265,9 @@
           <a:lstStyle/>
           <a:p>
             <a:r>
-              <a:rPr lang="en-US" dirty="0" smtClean="0"/>
+              <a:rPr lang="en-US" dirty="0"/>
               <a:t>Objectives</a:t>
             </a:r>
-            <a:endParaRPr lang="en-US" dirty="0"/>
           </a:p>
         </p:txBody>
       </p:sp>
@@ -15346,7 +15287,7 @@
           <a:lstStyle/>
           <a:p>
             <a:r>
-              <a:rPr lang="en-US" dirty="0" smtClean="0"/>
+              <a:rPr lang="en-US" dirty="0"/>
               <a:t>After completing this module, you should be able to:</a:t>
             </a:r>
           </a:p>
@@ -15359,11 +15300,11 @@
               <a:buChar char="Ø"/>
             </a:pPr>
             <a:r>
-              <a:rPr lang="en-US" dirty="0" smtClean="0"/>
+              <a:rPr lang="en-US" dirty="0"/>
               <a:t>Test resources within a recipe using </a:t>
             </a:r>
             <a:r>
-              <a:rPr lang="en-US" dirty="0" err="1" smtClean="0"/>
+              <a:rPr lang="en-US" dirty="0" err="1"/>
               <a:t>ChefSpec</a:t>
             </a:r>
             <a:endParaRPr lang="en-US" dirty="0"/>
@@ -15383,13 +15324,6 @@
   <p:transition spd="med">
     <p:fade/>
   </p:transition>
-  <p:timing>
-    <p:tnLst>
-      <p:par>
-        <p:cTn id="1" dur="indefinite" restart="never" nodeType="tmRoot"/>
-      </p:par>
-    </p:tnLst>
-  </p:timing>
 </p:sld>
 </file>
 
@@ -15426,18 +15360,17 @@
           <a:lstStyle/>
           <a:p>
             <a:r>
-              <a:rPr lang="en-US" dirty="0" smtClean="0"/>
+              <a:rPr lang="en-US" dirty="0"/>
               <a:t>Update the </a:t>
             </a:r>
             <a:r>
-              <a:rPr lang="en-US" dirty="0" err="1" smtClean="0"/>
+              <a:rPr lang="en-US" dirty="0" err="1"/>
               <a:t>ChefSpec</a:t>
             </a:r>
             <a:r>
-              <a:rPr lang="en-US" dirty="0" smtClean="0"/>
+              <a:rPr lang="en-US" dirty="0"/>
               <a:t> Platform</a:t>
             </a:r>
-            <a:endParaRPr lang="en-US" dirty="0"/>
           </a:p>
         </p:txBody>
       </p:sp>
@@ -15477,29 +15410,13 @@
           <a:p>
             <a:r>
               <a:rPr lang="en-US" dirty="0"/>
-              <a:t>describe 'apache</a:t>
-            </a:r>
-            <a:r>
-              <a:rPr lang="en-US" dirty="0" smtClean="0"/>
-              <a:t>::install' </a:t>
-            </a:r>
-            <a:r>
-              <a:rPr lang="en-US" dirty="0"/>
-              <a:t>do</a:t>
-            </a:r>
-          </a:p>
-          <a:p>
-            <a:r>
-              <a:rPr lang="en-US" dirty="0"/>
-              <a:t>  context 'When all attributes are default, on an </a:t>
-            </a:r>
-            <a:r>
-              <a:rPr lang="en-US" dirty="0" smtClean="0"/>
-              <a:t>CentOS 6.7' </a:t>
-            </a:r>
-            <a:r>
-              <a:rPr lang="en-US" dirty="0"/>
-              <a:t>do</a:t>
+              <a:t>describe 'apache::service' do</a:t>
+            </a:r>
+          </a:p>
+          <a:p>
+            <a:r>
+              <a:rPr lang="en-US" dirty="0"/>
+              <a:t>  context 'When all attributes are default, on an CentOS 6.9' do</a:t>
             </a:r>
           </a:p>
           <a:p>
@@ -15535,21 +15452,8 @@
             </a:r>
             <a:r>
               <a:rPr lang="en-US" dirty="0"/>
-              <a:t>(platform: </a:t>
-            </a:r>
-            <a:r>
-              <a:rPr lang="en-US" dirty="0" smtClean="0"/>
-              <a:t>'centos', </a:t>
-            </a:r>
-            <a:r>
-              <a:rPr lang="en-US" dirty="0"/>
-              <a:t>version: </a:t>
-            </a:r>
-            <a:r>
-              <a:rPr lang="en-US" dirty="0" smtClean="0"/>
-              <a:t>'6.7')</a:t>
-            </a:r>
-            <a:endParaRPr lang="en-US" dirty="0"/>
+              <a:t>(platform: 'centos', version: '6.9')</a:t>
+            </a:r>
           </a:p>
           <a:p>
             <a:r>
@@ -15651,11 +15555,11 @@
           <a:lstStyle/>
           <a:p>
             <a:r>
-              <a:rPr lang="en-US" dirty="0" smtClean="0"/>
+              <a:rPr lang="en-US" dirty="0"/>
               <a:t>~/apache/spec/unit/recipes/</a:t>
             </a:r>
             <a:r>
-              <a:rPr lang="en-US" dirty="0" err="1" smtClean="0"/>
+              <a:rPr lang="en-US" dirty="0" err="1"/>
               <a:t>service_spec.rb</a:t>
             </a:r>
             <a:endParaRPr lang="en-US" dirty="0"/>
@@ -15683,10 +15587,9 @@
           <a:lstStyle/>
           <a:p>
             <a:r>
-              <a:rPr lang="en-US" dirty="0" smtClean="0"/>
+              <a:rPr lang="en-US" dirty="0"/>
               <a:t>+</a:t>
             </a:r>
-            <a:endParaRPr lang="en-US" dirty="0"/>
           </a:p>
         </p:txBody>
       </p:sp>
@@ -15711,10 +15614,9 @@
           <a:lstStyle/>
           <a:p>
             <a:r>
-              <a:rPr lang="en-US" dirty="0" smtClean="0"/>
+              <a:rPr lang="en-US" dirty="0"/>
               <a:t>+</a:t>
             </a:r>
-            <a:endParaRPr lang="en-US" dirty="0"/>
           </a:p>
         </p:txBody>
       </p:sp>
@@ -15731,13 +15633,6 @@
   <p:transition spd="med">
     <p:fade/>
   </p:transition>
-  <p:timing>
-    <p:tnLst>
-      <p:par>
-        <p:cTn id="1" dur="indefinite" restart="never" nodeType="tmRoot"/>
-      </p:par>
-    </p:tnLst>
-  </p:timing>
 </p:sld>
 </file>
 
@@ -15774,21 +15669,144 @@
           <a:lstStyle/>
           <a:p>
             <a:r>
-              <a:rPr lang="en-US" dirty="0" smtClean="0"/>
+              <a:rPr lang="en-US" dirty="0"/>
               <a:t>Write the Tests to Verify the Service</a:t>
             </a:r>
+          </a:p>
+        </p:txBody>
+      </p:sp>
+      <p:sp>
+        <p:nvSpPr>
+          <p:cNvPr id="3" name="Content Placeholder 2"/>
+          <p:cNvSpPr>
+            <a:spLocks noGrp="1"/>
+          </p:cNvSpPr>
+          <p:nvPr>
+            <p:ph sz="quarter" idx="10"/>
+          </p:nvPr>
+        </p:nvSpPr>
+        <p:spPr/>
+        <p:txBody>
+          <a:bodyPr/>
+          <a:lstStyle/>
+          <a:p>
+            <a:r>
+              <a:rPr lang="en-US" dirty="0"/>
+              <a:t> # ... START OF THE SPEC FILE ...</a:t>
+            </a:r>
+          </a:p>
+          <a:p>
             <a:endParaRPr lang="en-US" dirty="0"/>
           </a:p>
-        </p:txBody>
-      </p:sp>
-      <p:sp>
-        <p:nvSpPr>
-          <p:cNvPr id="3" name="Content Placeholder 2"/>
-          <p:cNvSpPr>
-            <a:spLocks noGrp="1"/>
-          </p:cNvSpPr>
-          <p:nvPr>
-            <p:ph sz="quarter" idx="10"/>
+          <a:p>
+            <a:r>
+              <a:rPr lang="en-US" dirty="0"/>
+              <a:t>    it 'starts the necessary service' do</a:t>
+            </a:r>
+          </a:p>
+          <a:p>
+            <a:r>
+              <a:rPr lang="en-US" dirty="0"/>
+              <a:t>      expect(</a:t>
+            </a:r>
+            <a:r>
+              <a:rPr lang="en-US" dirty="0" err="1"/>
+              <a:t>chef_run</a:t>
+            </a:r>
+            <a:r>
+              <a:rPr lang="en-US" dirty="0"/>
+              <a:t>).to </a:t>
+            </a:r>
+            <a:r>
+              <a:rPr lang="en-US" dirty="0" err="1"/>
+              <a:t>start_service</a:t>
+            </a:r>
+            <a:r>
+              <a:rPr lang="en-US" dirty="0"/>
+              <a:t>('</a:t>
+            </a:r>
+            <a:r>
+              <a:rPr lang="en-US" dirty="0" err="1"/>
+              <a:t>httpd</a:t>
+            </a:r>
+            <a:r>
+              <a:rPr lang="en-US" dirty="0"/>
+              <a:t>')</a:t>
+            </a:r>
+          </a:p>
+          <a:p>
+            <a:r>
+              <a:rPr lang="en-US" dirty="0"/>
+              <a:t>    end</a:t>
+            </a:r>
+          </a:p>
+          <a:p>
+            <a:endParaRPr lang="en-US" dirty="0"/>
+          </a:p>
+          <a:p>
+            <a:r>
+              <a:rPr lang="en-US" dirty="0"/>
+              <a:t>    it 'enables the necessary service' do</a:t>
+            </a:r>
+          </a:p>
+          <a:p>
+            <a:r>
+              <a:rPr lang="en-US" dirty="0"/>
+              <a:t>      expect(</a:t>
+            </a:r>
+            <a:r>
+              <a:rPr lang="en-US" dirty="0" err="1"/>
+              <a:t>chef_run</a:t>
+            </a:r>
+            <a:r>
+              <a:rPr lang="en-US" dirty="0"/>
+              <a:t>).to </a:t>
+            </a:r>
+            <a:r>
+              <a:rPr lang="en-US" dirty="0" err="1"/>
+              <a:t>enable_service</a:t>
+            </a:r>
+            <a:r>
+              <a:rPr lang="en-US" dirty="0"/>
+              <a:t>('</a:t>
+            </a:r>
+            <a:r>
+              <a:rPr lang="en-US" dirty="0" err="1"/>
+              <a:t>httpd</a:t>
+            </a:r>
+            <a:r>
+              <a:rPr lang="en-US" dirty="0"/>
+              <a:t>')</a:t>
+            </a:r>
+          </a:p>
+          <a:p>
+            <a:r>
+              <a:rPr lang="en-US" dirty="0"/>
+              <a:t>    end</a:t>
+            </a:r>
+          </a:p>
+          <a:p>
+            <a:r>
+              <a:rPr lang="en-US" dirty="0"/>
+              <a:t>  end</a:t>
+            </a:r>
+          </a:p>
+          <a:p>
+            <a:r>
+              <a:rPr lang="en-US" dirty="0"/>
+              <a:t>end</a:t>
+            </a:r>
+          </a:p>
+        </p:txBody>
+      </p:sp>
+      <p:sp>
+        <p:nvSpPr>
+          <p:cNvPr id="4" name="Text Placeholder 3"/>
+          <p:cNvSpPr>
+            <a:spLocks noGrp="1"/>
+          </p:cNvSpPr>
+          <p:nvPr>
+            <p:ph type="body" sz="quarter" idx="11"/>
           </p:nvPr>
         </p:nvSpPr>
         <p:spPr/>
@@ -15798,145 +15816,10 @@
           <a:p>
             <a:r>
               <a:rPr lang="en-US" dirty="0"/>
-              <a:t> # ... START OF THE SPEC FILE ..</a:t>
-            </a:r>
-            <a:r>
-              <a:rPr lang="en-US" dirty="0" smtClean="0"/>
-              <a:t>.</a:t>
-            </a:r>
-          </a:p>
-          <a:p>
-            <a:endParaRPr lang="en-US" dirty="0"/>
-          </a:p>
-          <a:p>
-            <a:r>
-              <a:rPr lang="en-US" dirty="0"/>
-              <a:t>    it </a:t>
-            </a:r>
-            <a:r>
-              <a:rPr lang="en-US" dirty="0" smtClean="0"/>
-              <a:t>'starts the necessary service' do</a:t>
-            </a:r>
-          </a:p>
-          <a:p>
-            <a:r>
-              <a:rPr lang="en-US" dirty="0" smtClean="0"/>
-              <a:t>      expect(</a:t>
-            </a:r>
-            <a:r>
-              <a:rPr lang="en-US" dirty="0" err="1" smtClean="0"/>
-              <a:t>chef_run</a:t>
-            </a:r>
-            <a:r>
-              <a:rPr lang="en-US" dirty="0" smtClean="0"/>
-              <a:t>).to </a:t>
-            </a:r>
-            <a:r>
-              <a:rPr lang="en-US" dirty="0" err="1" smtClean="0"/>
-              <a:t>start_service</a:t>
-            </a:r>
-            <a:r>
-              <a:rPr lang="en-US" dirty="0" smtClean="0"/>
-              <a:t>('</a:t>
-            </a:r>
-            <a:r>
-              <a:rPr lang="en-US" dirty="0" err="1" smtClean="0"/>
-              <a:t>httpd</a:t>
-            </a:r>
-            <a:r>
-              <a:rPr lang="en-US" dirty="0" smtClean="0"/>
-              <a:t>')</a:t>
-            </a:r>
-            <a:endParaRPr lang="en-US" dirty="0"/>
-          </a:p>
-          <a:p>
-            <a:r>
-              <a:rPr lang="en-US" dirty="0" smtClean="0"/>
-              <a:t>    end</a:t>
-            </a:r>
-          </a:p>
-          <a:p>
-            <a:endParaRPr lang="en-US" dirty="0"/>
-          </a:p>
-          <a:p>
-            <a:r>
-              <a:rPr lang="en-US" dirty="0" smtClean="0"/>
-              <a:t>    it 'enables the necessary service' do</a:t>
-            </a:r>
-          </a:p>
-          <a:p>
-            <a:r>
-              <a:rPr lang="en-US" dirty="0" smtClean="0"/>
-              <a:t>      expect(</a:t>
-            </a:r>
-            <a:r>
-              <a:rPr lang="en-US" dirty="0" err="1" smtClean="0"/>
-              <a:t>chef_run</a:t>
-            </a:r>
-            <a:r>
-              <a:rPr lang="en-US" dirty="0" smtClean="0"/>
-              <a:t>).to </a:t>
-            </a:r>
-            <a:r>
-              <a:rPr lang="en-US" dirty="0" err="1" smtClean="0"/>
-              <a:t>enable_service</a:t>
-            </a:r>
-            <a:r>
-              <a:rPr lang="en-US" dirty="0" smtClean="0"/>
-              <a:t>('</a:t>
-            </a:r>
-            <a:r>
-              <a:rPr lang="en-US" dirty="0" err="1" smtClean="0"/>
-              <a:t>httpd</a:t>
-            </a:r>
-            <a:r>
-              <a:rPr lang="en-US" dirty="0" smtClean="0"/>
-              <a:t>')</a:t>
-            </a:r>
-            <a:endParaRPr lang="en-US" dirty="0"/>
-          </a:p>
-          <a:p>
-            <a:r>
-              <a:rPr lang="en-US" dirty="0" smtClean="0"/>
-              <a:t>    end</a:t>
-            </a:r>
-            <a:endParaRPr lang="en-US" dirty="0"/>
-          </a:p>
-          <a:p>
-            <a:r>
-              <a:rPr lang="en-US" dirty="0"/>
-              <a:t>  end</a:t>
-            </a:r>
-          </a:p>
-          <a:p>
-            <a:r>
-              <a:rPr lang="en-US" dirty="0"/>
-              <a:t>end</a:t>
-            </a:r>
-          </a:p>
-        </p:txBody>
-      </p:sp>
-      <p:sp>
-        <p:nvSpPr>
-          <p:cNvPr id="4" name="Text Placeholder 3"/>
-          <p:cNvSpPr>
-            <a:spLocks noGrp="1"/>
-          </p:cNvSpPr>
-          <p:nvPr>
-            <p:ph type="body" sz="quarter" idx="11"/>
-          </p:nvPr>
-        </p:nvSpPr>
-        <p:spPr/>
-        <p:txBody>
-          <a:bodyPr/>
-          <a:lstStyle/>
-          <a:p>
-            <a:r>
-              <a:rPr lang="en-US" dirty="0" smtClean="0"/>
               <a:t>~/apache/spec/unit/recipes/</a:t>
             </a:r>
             <a:r>
-              <a:rPr lang="en-US" dirty="0" err="1" smtClean="0"/>
+              <a:rPr lang="en-US" dirty="0" err="1"/>
               <a:t>service_spec.rb</a:t>
             </a:r>
             <a:endParaRPr lang="en-US" dirty="0"/>
@@ -15980,13 +15863,6 @@
   <p:transition spd="med">
     <p:fade/>
   </p:transition>
-  <p:timing>
-    <p:tnLst>
-      <p:par>
-        <p:cTn id="1" dur="indefinite" restart="never" nodeType="tmRoot"/>
-      </p:par>
-    </p:tnLst>
-  </p:timing>
 </p:sld>
 </file>
 
@@ -16060,19 +15936,19 @@
           <a:lstStyle/>
           <a:p>
             <a:r>
-              <a:rPr lang="en-US" dirty="0" smtClean="0"/>
+              <a:rPr lang="en-US" dirty="0"/>
               <a:t>&gt; chef exec </a:t>
             </a:r>
             <a:r>
-              <a:rPr lang="en-US" dirty="0" err="1" smtClean="0"/>
+              <a:rPr lang="en-US" dirty="0" err="1"/>
               <a:t>rspec</a:t>
             </a:r>
             <a:r>
-              <a:rPr lang="en-US" dirty="0" smtClean="0"/>
+              <a:rPr lang="en-US" dirty="0"/>
               <a:t> spec/unit/recipes/</a:t>
             </a:r>
             <a:r>
-              <a:rPr lang="en-US" dirty="0" err="1" smtClean="0"/>
+              <a:rPr lang="en-US" dirty="0" err="1"/>
               <a:t>service_spec.rb</a:t>
             </a:r>
             <a:endParaRPr lang="en-US" dirty="0"/>
@@ -16119,18 +15995,17 @@
           <a:lstStyle/>
           <a:p>
             <a:r>
-              <a:rPr lang="en-US" dirty="0" smtClean="0"/>
+              <a:rPr lang="en-US" dirty="0"/>
               <a:t>Execute </a:t>
             </a:r>
             <a:r>
-              <a:rPr lang="en-US" smtClean="0"/>
+              <a:rPr lang="en-US"/>
               <a:t>the Tests to </a:t>
             </a:r>
             <a:r>
-              <a:rPr lang="en-US" dirty="0" smtClean="0"/>
+              <a:rPr lang="en-US" dirty="0"/>
               <a:t>See it Pass</a:t>
             </a:r>
-            <a:endParaRPr lang="en-US" dirty="0"/>
           </a:p>
         </p:txBody>
       </p:sp>
@@ -16147,13 +16022,6 @@
   <p:transition spd="med">
     <p:fade/>
   </p:transition>
-  <p:timing>
-    <p:tnLst>
-      <p:par>
-        <p:cTn id="1" dur="indefinite" restart="never" nodeType="tmRoot"/>
-      </p:par>
-    </p:tnLst>
-  </p:timing>
 </p:sld>
 </file>
 
@@ -16192,10 +16060,9 @@
           <a:lstStyle/>
           <a:p>
             <a:r>
-              <a:rPr lang="en-US" dirty="0" smtClean="0"/>
+              <a:rPr lang="en-US" dirty="0"/>
               <a:t>Test the Remaining Recipes</a:t>
             </a:r>
-            <a:endParaRPr lang="en-US" dirty="0"/>
           </a:p>
         </p:txBody>
       </p:sp>
@@ -16222,7 +16089,7 @@
               <a:buChar char="ü"/>
             </a:pPr>
             <a:r>
-              <a:rPr lang="en-US" dirty="0" smtClean="0"/>
+              <a:rPr lang="en-US" dirty="0"/>
               <a:t>Write a pending example</a:t>
             </a:r>
           </a:p>
@@ -16235,15 +16102,15 @@
               <a:buChar char="ü"/>
             </a:pPr>
             <a:r>
-              <a:rPr lang="en-US" dirty="0" smtClean="0"/>
+              <a:rPr lang="en-US" dirty="0"/>
               <a:t>Find the </a:t>
             </a:r>
             <a:r>
-              <a:rPr lang="en-US" dirty="0" err="1" smtClean="0"/>
+              <a:rPr lang="en-US" dirty="0" err="1"/>
               <a:t>ChefSpec</a:t>
             </a:r>
             <a:r>
-              <a:rPr lang="en-US" dirty="0" smtClean="0"/>
+              <a:rPr lang="en-US" dirty="0"/>
               <a:t> implementation</a:t>
             </a:r>
           </a:p>
@@ -16256,7 +16123,7 @@
               <a:buChar char="ü"/>
             </a:pPr>
             <a:r>
-              <a:rPr lang="en-US" dirty="0" smtClean="0"/>
+              <a:rPr lang="en-US" dirty="0"/>
               <a:t>Verify that the new example passes</a:t>
             </a:r>
           </a:p>
@@ -16269,7 +16136,7 @@
               <a:buChar char="ü"/>
             </a:pPr>
             <a:r>
-              <a:rPr lang="en-US" dirty="0" smtClean="0"/>
+              <a:rPr lang="en-US" dirty="0"/>
               <a:t>Mutate the recipe to generate a failure</a:t>
             </a:r>
           </a:p>
@@ -16282,7 +16149,7 @@
               <a:buChar char="ü"/>
             </a:pPr>
             <a:r>
-              <a:rPr lang="en-US" dirty="0" smtClean="0"/>
+              <a:rPr lang="en-US" dirty="0"/>
               <a:t>Restore the code in the recipe</a:t>
             </a:r>
           </a:p>
@@ -16295,7 +16162,7 @@
               <a:buChar char="ü"/>
             </a:pPr>
             <a:r>
-              <a:rPr lang="en-US" dirty="0" smtClean="0"/>
+              <a:rPr lang="en-US" dirty="0"/>
               <a:t>Verify that all examples pass</a:t>
             </a:r>
           </a:p>
@@ -16333,21 +16200,8 @@
             </a:pPr>
             <a:r>
               <a:rPr lang="en-US" b="1" dirty="0"/>
-              <a:t>Repeat this </a:t>
-            </a:r>
-            <a:r>
-              <a:rPr lang="en-US" b="1" dirty="0" smtClean="0"/>
-              <a:t>series </a:t>
-            </a:r>
-            <a:r>
-              <a:rPr lang="en-US" b="1" dirty="0"/>
-              <a:t>of steps </a:t>
-            </a:r>
-            <a:r>
-              <a:rPr lang="en-US" b="1" dirty="0" smtClean="0"/>
-              <a:t>for the configuration recipe and service recipe</a:t>
-            </a:r>
-            <a:endParaRPr lang="en-US" b="1" dirty="0"/>
+              <a:t>Repeat this series of steps for the configuration recipe and service recipe</a:t>
+            </a:r>
           </a:p>
         </p:txBody>
       </p:sp>
@@ -16364,13 +16218,6 @@
   <p:transition spd="med">
     <p:fade/>
   </p:transition>
-  <p:timing>
-    <p:tnLst>
-      <p:par>
-        <p:cTn id="1" dur="indefinite" restart="never" nodeType="tmRoot"/>
-      </p:par>
-    </p:tnLst>
-  </p:timing>
 </p:sld>
 </file>
 
@@ -16398,32 +16245,202 @@
             <a:spLocks noGrp="1"/>
           </p:cNvSpPr>
           <p:nvPr>
-            <p:ph type="ctrTitle"/>
+            <p:ph type="title"/>
           </p:nvPr>
         </p:nvSpPr>
         <p:spPr/>
         <p:txBody>
+          <a:bodyPr/>
+          <a:lstStyle/>
+          <a:p>
+            <a:r>
+              <a:rPr lang="en-US" dirty="0"/>
+              <a:t>Update the </a:t>
+            </a:r>
+            <a:r>
+              <a:rPr lang="en-US" dirty="0" err="1"/>
+              <a:t>ChefSpec</a:t>
+            </a:r>
+            <a:r>
+              <a:rPr lang="en-US" dirty="0"/>
+              <a:t> Platform</a:t>
+            </a:r>
+          </a:p>
+        </p:txBody>
+      </p:sp>
+      <p:sp>
+        <p:nvSpPr>
+          <p:cNvPr id="3" name="Content Placeholder 2"/>
+          <p:cNvSpPr>
+            <a:spLocks noGrp="1"/>
+          </p:cNvSpPr>
+          <p:nvPr>
+            <p:ph sz="quarter" idx="10"/>
+          </p:nvPr>
+        </p:nvSpPr>
+        <p:spPr/>
+        <p:txBody>
           <a:bodyPr>
-            <a:normAutofit fontScale="90000"/>
+            <a:normAutofit fontScale="85000" lnSpcReduction="20000"/>
           </a:bodyPr>
           <a:lstStyle/>
           <a:p>
             <a:r>
-              <a:rPr lang="en-US" dirty="0" err="1" smtClean="0"/>
-              <a:t>rspec</a:t>
-            </a:r>
+              <a:rPr lang="en-US" dirty="0"/>
+              <a:t>require '</a:t>
+            </a:r>
+            <a:r>
+              <a:rPr lang="en-US" dirty="0" err="1"/>
+              <a:t>spec_helper</a:t>
+            </a:r>
+            <a:r>
+              <a:rPr lang="en-US" dirty="0"/>
+              <a:t>'</a:t>
+            </a:r>
+          </a:p>
+          <a:p>
             <a:endParaRPr lang="en-US" dirty="0"/>
           </a:p>
-        </p:txBody>
-      </p:sp>
-      <p:sp>
-        <p:nvSpPr>
-          <p:cNvPr id="3" name="Subtitle 2"/>
-          <p:cNvSpPr>
-            <a:spLocks noGrp="1"/>
-          </p:cNvSpPr>
-          <p:nvPr>
-            <p:ph type="subTitle" idx="1"/>
+          <a:p>
+            <a:r>
+              <a:rPr lang="en-US" dirty="0"/>
+              <a:t>describe 'apache::configuration' do</a:t>
+            </a:r>
+          </a:p>
+          <a:p>
+            <a:r>
+              <a:rPr lang="en-US" dirty="0"/>
+              <a:t>  context 'When all attributes are default, on an CentOS 6.9' do</a:t>
+            </a:r>
+          </a:p>
+          <a:p>
+            <a:r>
+              <a:rPr lang="en-US" dirty="0"/>
+              <a:t>    let(:</a:t>
+            </a:r>
+            <a:r>
+              <a:rPr lang="en-US" dirty="0" err="1"/>
+              <a:t>chef_run</a:t>
+            </a:r>
+            <a:r>
+              <a:rPr lang="en-US" dirty="0"/>
+              <a:t>) do</a:t>
+            </a:r>
+          </a:p>
+          <a:p>
+            <a:r>
+              <a:rPr lang="en-US" dirty="0"/>
+              <a:t>      runner = </a:t>
+            </a:r>
+            <a:r>
+              <a:rPr lang="en-US" dirty="0" err="1"/>
+              <a:t>ChefSpec</a:t>
+            </a:r>
+            <a:r>
+              <a:rPr lang="en-US" dirty="0"/>
+              <a:t>::</a:t>
+            </a:r>
+            <a:r>
+              <a:rPr lang="en-US" dirty="0" err="1"/>
+              <a:t>ServerRunner.new</a:t>
+            </a:r>
+            <a:r>
+              <a:rPr lang="en-US" dirty="0"/>
+              <a:t>(platform: 'centos', version: '6.9')</a:t>
+            </a:r>
+          </a:p>
+          <a:p>
+            <a:r>
+              <a:rPr lang="en-US" dirty="0"/>
+              <a:t>      </a:t>
+            </a:r>
+            <a:r>
+              <a:rPr lang="en-US" dirty="0" err="1"/>
+              <a:t>runner.converge</a:t>
+            </a:r>
+            <a:r>
+              <a:rPr lang="en-US" dirty="0"/>
+              <a:t>(</a:t>
+            </a:r>
+            <a:r>
+              <a:rPr lang="en-US" dirty="0" err="1"/>
+              <a:t>described_recipe</a:t>
+            </a:r>
+            <a:r>
+              <a:rPr lang="en-US" dirty="0"/>
+              <a:t>)</a:t>
+            </a:r>
+          </a:p>
+          <a:p>
+            <a:r>
+              <a:rPr lang="en-US" dirty="0"/>
+              <a:t>    end</a:t>
+            </a:r>
+          </a:p>
+          <a:p>
+            <a:endParaRPr lang="en-US" dirty="0"/>
+          </a:p>
+          <a:p>
+            <a:r>
+              <a:rPr lang="en-US" dirty="0"/>
+              <a:t>    it 'converges successfully' do</a:t>
+            </a:r>
+          </a:p>
+          <a:p>
+            <a:r>
+              <a:rPr lang="en-US" dirty="0"/>
+              <a:t>      expect { </a:t>
+            </a:r>
+            <a:r>
+              <a:rPr lang="en-US" dirty="0" err="1"/>
+              <a:t>chef_run</a:t>
+            </a:r>
+            <a:r>
+              <a:rPr lang="en-US" dirty="0"/>
+              <a:t> }.</a:t>
+            </a:r>
+            <a:r>
+              <a:rPr lang="en-US" dirty="0" err="1"/>
+              <a:t>to_not</a:t>
+            </a:r>
+            <a:r>
+              <a:rPr lang="en-US" dirty="0"/>
+              <a:t> </a:t>
+            </a:r>
+            <a:r>
+              <a:rPr lang="en-US" dirty="0" err="1"/>
+              <a:t>raise_error</a:t>
+            </a:r>
+            <a:endParaRPr lang="en-US" dirty="0"/>
+          </a:p>
+          <a:p>
+            <a:r>
+              <a:rPr lang="en-US" dirty="0"/>
+              <a:t>    end</a:t>
+            </a:r>
+          </a:p>
+          <a:p>
+            <a:r>
+              <a:rPr lang="en-US" dirty="0"/>
+              <a:t>  end</a:t>
+            </a:r>
+          </a:p>
+          <a:p>
+            <a:r>
+              <a:rPr lang="en-US" dirty="0"/>
+              <a:t>end</a:t>
+            </a:r>
+          </a:p>
+        </p:txBody>
+      </p:sp>
+      <p:sp>
+        <p:nvSpPr>
+          <p:cNvPr id="4" name="Text Placeholder 3"/>
+          <p:cNvSpPr>
+            <a:spLocks noGrp="1"/>
+          </p:cNvSpPr>
+          <p:nvPr>
+            <p:ph type="body" sz="quarter" idx="11"/>
           </p:nvPr>
         </p:nvSpPr>
         <p:spPr/>
@@ -16432,52 +16449,75 @@
           <a:lstStyle/>
           <a:p>
             <a:r>
-              <a:rPr lang="en-US" dirty="0" smtClean="0"/>
-              <a:t>When you run </a:t>
-            </a:r>
-            <a:r>
-              <a:rPr lang="en-US" b="1" dirty="0" err="1" smtClean="0">
-                <a:latin typeface="Courier New"/>
-                <a:cs typeface="Courier New"/>
-              </a:rPr>
-              <a:t>rspec</a:t>
-            </a:r>
-            <a:r>
-              <a:rPr lang="en-US" dirty="0" smtClean="0"/>
-              <a:t> without any paths it will automatically find and execute all the </a:t>
-            </a:r>
-            <a:r>
-              <a:rPr lang="en-US" i="1" dirty="0" smtClean="0"/>
-              <a:t>"_</a:t>
-            </a:r>
-            <a:r>
-              <a:rPr lang="en-US" i="1" dirty="0" err="1" smtClean="0"/>
-              <a:t>spec.rb</a:t>
-            </a:r>
-            <a:r>
-              <a:rPr lang="en-US" i="1" dirty="0" smtClean="0"/>
-              <a:t>"</a:t>
-            </a:r>
-            <a:r>
-              <a:rPr lang="en-US" dirty="0" smtClean="0"/>
-              <a:t> files within the '</a:t>
-            </a:r>
-            <a:r>
-              <a:rPr lang="en-US" i="1" dirty="0" smtClean="0"/>
-              <a:t>spec</a:t>
-            </a:r>
-            <a:r>
-              <a:rPr lang="en-US" dirty="0" smtClean="0"/>
-              <a:t>' directory.</a:t>
+              <a:rPr lang="en-US" dirty="0"/>
+              <a:t>~/apache/spec/unit/recipes/</a:t>
+            </a:r>
+            <a:r>
+              <a:rPr lang="en-US" dirty="0" err="1"/>
+              <a:t>configuration_spec.rb</a:t>
             </a:r>
             <a:endParaRPr lang="en-US" dirty="0"/>
+          </a:p>
+        </p:txBody>
+      </p:sp>
+      <p:sp>
+        <p:nvSpPr>
+          <p:cNvPr id="6" name="Text Placeholder 5"/>
+          <p:cNvSpPr>
+            <a:spLocks noGrp="1"/>
+          </p:cNvSpPr>
+          <p:nvPr>
+            <p:ph type="body" sz="quarter" idx="13"/>
+          </p:nvPr>
+        </p:nvSpPr>
+        <p:spPr>
+          <a:xfrm>
+            <a:off x="1135042" y="4051300"/>
+            <a:ext cx="14404273" cy="457201"/>
+          </a:xfrm>
+        </p:spPr>
+        <p:txBody>
+          <a:bodyPr/>
+          <a:lstStyle/>
+          <a:p>
+            <a:r>
+              <a:rPr lang="en-US" dirty="0"/>
+              <a:t>+</a:t>
+            </a:r>
+          </a:p>
+        </p:txBody>
+      </p:sp>
+      <p:sp>
+        <p:nvSpPr>
+          <p:cNvPr id="7" name="Text Placeholder 5"/>
+          <p:cNvSpPr>
+            <a:spLocks noGrp="1"/>
+          </p:cNvSpPr>
+          <p:nvPr>
+            <p:ph type="body" sz="quarter" idx="13"/>
+          </p:nvPr>
+        </p:nvSpPr>
+        <p:spPr>
+          <a:xfrm>
+            <a:off x="1135042" y="3238500"/>
+            <a:ext cx="14404273" cy="479840"/>
+          </a:xfrm>
+        </p:spPr>
+        <p:txBody>
+          <a:bodyPr/>
+          <a:lstStyle/>
+          <a:p>
+            <a:r>
+              <a:rPr lang="en-US" dirty="0"/>
+              <a:t>+</a:t>
+            </a:r>
           </a:p>
         </p:txBody>
       </p:sp>
     </p:spTree>
     <p:extLst>
       <p:ext uri="{BB962C8B-B14F-4D97-AF65-F5344CB8AC3E}">
-        <p14:creationId xmlns:p14="http://schemas.microsoft.com/office/powerpoint/2010/main" val="1420318714"/>
+        <p14:creationId xmlns:p14="http://schemas.microsoft.com/office/powerpoint/2010/main" val="999470467"/>
       </p:ext>
     </p:extLst>
   </p:cSld>
@@ -16487,13 +16527,6 @@
   <p:transition spd="med">
     <p:fade/>
   </p:transition>
-  <p:timing>
-    <p:tnLst>
-      <p:par>
-        <p:cTn id="1" dur="indefinite" restart="never" nodeType="tmRoot"/>
-      </p:par>
-    </p:tnLst>
-  </p:timing>
 </p:sld>
 </file>
 
@@ -16516,7 +16549,29 @@
       </p:grpSpPr>
       <p:sp>
         <p:nvSpPr>
-          <p:cNvPr id="2" name="Content Placeholder 1"/>
+          <p:cNvPr id="2" name="Title 1"/>
+          <p:cNvSpPr>
+            <a:spLocks noGrp="1"/>
+          </p:cNvSpPr>
+          <p:nvPr>
+            <p:ph type="title"/>
+          </p:nvPr>
+        </p:nvSpPr>
+        <p:spPr/>
+        <p:txBody>
+          <a:bodyPr/>
+          <a:lstStyle/>
+          <a:p>
+            <a:r>
+              <a:rPr lang="en-US" dirty="0"/>
+              <a:t>Write the Tests to Verify the Service</a:t>
+            </a:r>
+          </a:p>
+        </p:txBody>
+      </p:sp>
+      <p:sp>
+        <p:nvSpPr>
+          <p:cNvPr id="3" name="Content Placeholder 2"/>
           <p:cNvSpPr>
             <a:spLocks noGrp="1"/>
           </p:cNvSpPr>
@@ -16526,72 +16581,124 @@
         </p:nvSpPr>
         <p:spPr/>
         <p:txBody>
+          <a:bodyPr>
+            <a:normAutofit/>
+          </a:bodyPr>
+          <a:lstStyle/>
+          <a:p>
+            <a:r>
+              <a:rPr lang="en-US" sz="1800" dirty="0"/>
+              <a:t> # ... START OF THE SPEC FILE ...</a:t>
+            </a:r>
+          </a:p>
+          <a:p>
+            <a:endParaRPr lang="en-US" sz="1800" dirty="0"/>
+          </a:p>
+          <a:p>
+            <a:r>
+              <a:rPr lang="en-US" sz="1800" dirty="0"/>
+              <a:t>    it 'creates the index.html' do</a:t>
+            </a:r>
+          </a:p>
+          <a:p>
+            <a:r>
+              <a:rPr lang="en-US" sz="1800" dirty="0"/>
+              <a:t>      expect(</a:t>
+            </a:r>
+            <a:r>
+              <a:rPr lang="en-US" sz="1800" dirty="0" err="1"/>
+              <a:t>chef_run</a:t>
+            </a:r>
+            <a:r>
+              <a:rPr lang="en-US" sz="1800" dirty="0"/>
+              <a:t>).to </a:t>
+            </a:r>
+            <a:r>
+              <a:rPr lang="en-US" sz="1800" dirty="0" err="1"/>
+              <a:t>render_file</a:t>
+            </a:r>
+            <a:r>
+              <a:rPr lang="en-US" sz="1800" dirty="0"/>
+              <a:t>('/</a:t>
+            </a:r>
+            <a:r>
+              <a:rPr lang="en-US" sz="1800" dirty="0" err="1"/>
+              <a:t>var</a:t>
+            </a:r>
+            <a:r>
+              <a:rPr lang="en-US" sz="1800" dirty="0"/>
+              <a:t>/www/html/index.html').</a:t>
+            </a:r>
+            <a:r>
+              <a:rPr lang="en-US" sz="1800" dirty="0" err="1"/>
+              <a:t>with_content</a:t>
+            </a:r>
+            <a:r>
+              <a:rPr lang="en-US" sz="1800" dirty="0"/>
+              <a:t>('&lt;h1&gt;Welcome Home!&lt;/h1&gt;')</a:t>
+            </a:r>
+          </a:p>
+          <a:p>
+            <a:r>
+              <a:rPr lang="en-US" sz="1800" dirty="0"/>
+              <a:t>    end</a:t>
+            </a:r>
+          </a:p>
+          <a:p>
+            <a:r>
+              <a:rPr lang="en-US" sz="1800" dirty="0"/>
+              <a:t>  end</a:t>
+            </a:r>
+          </a:p>
+          <a:p>
+            <a:r>
+              <a:rPr lang="en-US" sz="1800" dirty="0"/>
+              <a:t>end</a:t>
+            </a:r>
+          </a:p>
+        </p:txBody>
+      </p:sp>
+      <p:sp>
+        <p:nvSpPr>
+          <p:cNvPr id="4" name="Text Placeholder 3"/>
+          <p:cNvSpPr>
+            <a:spLocks noGrp="1"/>
+          </p:cNvSpPr>
+          <p:nvPr>
+            <p:ph type="body" sz="quarter" idx="11"/>
+          </p:nvPr>
+        </p:nvSpPr>
+        <p:spPr/>
+        <p:txBody>
           <a:bodyPr/>
           <a:lstStyle/>
           <a:p>
             <a:r>
               <a:rPr lang="en-US" dirty="0"/>
-              <a:t>........</a:t>
-            </a:r>
-          </a:p>
-          <a:p>
+              <a:t>~/apache/spec/unit/recipes/</a:t>
+            </a:r>
+            <a:r>
+              <a:rPr lang="en-US" dirty="0" err="1"/>
+              <a:t>configuration_spec.rb</a:t>
+            </a:r>
             <a:endParaRPr lang="en-US" dirty="0"/>
           </a:p>
-          <a:p>
-            <a:r>
-              <a:rPr lang="en-US" dirty="0"/>
-              <a:t>Finished in 2.08 seconds (files took 4.29 seconds to load)</a:t>
-            </a:r>
-          </a:p>
-          <a:p>
-            <a:r>
-              <a:rPr lang="en-US" dirty="0"/>
-              <a:t>8 examples, 0 failures</a:t>
-            </a:r>
-          </a:p>
-        </p:txBody>
-      </p:sp>
-      <p:sp>
-        <p:nvSpPr>
-          <p:cNvPr id="3" name="Text Placeholder 2"/>
-          <p:cNvSpPr>
-            <a:spLocks noGrp="1"/>
-          </p:cNvSpPr>
-          <p:nvPr>
-            <p:ph type="body" sz="quarter" idx="11"/>
-          </p:nvPr>
-        </p:nvSpPr>
-        <p:spPr/>
-        <p:txBody>
-          <a:bodyPr/>
-          <a:lstStyle/>
-          <a:p>
-            <a:r>
-              <a:rPr lang="en-US" dirty="0" smtClean="0"/>
-              <a:t>&gt; chef exec </a:t>
-            </a:r>
-            <a:r>
-              <a:rPr lang="en-US" dirty="0" err="1" smtClean="0"/>
-              <a:t>rspec</a:t>
-            </a:r>
-            <a:endParaRPr lang="en-US" dirty="0"/>
-          </a:p>
-        </p:txBody>
-      </p:sp>
-      <p:sp>
-        <p:nvSpPr>
-          <p:cNvPr id="4" name="Content Placeholder 3"/>
-          <p:cNvSpPr>
-            <a:spLocks noGrp="1"/>
-          </p:cNvSpPr>
-          <p:nvPr>
-            <p:ph sz="quarter" idx="12"/>
+        </p:txBody>
+      </p:sp>
+      <p:sp>
+        <p:nvSpPr>
+          <p:cNvPr id="6" name="Text Placeholder 5"/>
+          <p:cNvSpPr>
+            <a:spLocks noGrp="1"/>
+          </p:cNvSpPr>
+          <p:nvPr>
+            <p:ph type="body" sz="quarter" idx="13"/>
           </p:nvPr>
         </p:nvSpPr>
         <p:spPr>
           <a:xfrm>
-            <a:off x="1127883" y="3884682"/>
-            <a:ext cx="14420850" cy="557213"/>
+            <a:off x="1139359" y="2884911"/>
+            <a:ext cx="14404273" cy="1110619"/>
           </a:xfrm>
         </p:spPr>
         <p:txBody>
@@ -16599,42 +16706,13 @@
           <a:lstStyle/>
           <a:p>
             <a:endParaRPr lang="en-US" dirty="0"/>
-          </a:p>
-        </p:txBody>
-      </p:sp>
-      <p:sp>
-        <p:nvSpPr>
-          <p:cNvPr id="5" name="Title 4"/>
-          <p:cNvSpPr>
-            <a:spLocks noGrp="1"/>
-          </p:cNvSpPr>
-          <p:nvPr>
-            <p:ph type="title"/>
-          </p:nvPr>
-        </p:nvSpPr>
-        <p:spPr/>
-        <p:txBody>
-          <a:bodyPr>
-            <a:normAutofit fontScale="90000"/>
-          </a:bodyPr>
-          <a:lstStyle/>
-          <a:p>
-            <a:r>
-              <a:rPr lang="en-US" dirty="0" smtClean="0"/>
-              <a:t>Execute All the Tests in the </a:t>
-            </a:r>
-            <a:r>
-              <a:rPr lang="en-US" smtClean="0"/>
-              <a:t>Spec Directory</a:t>
-            </a:r>
-            <a:endParaRPr lang="en-US"/>
           </a:p>
         </p:txBody>
       </p:sp>
     </p:spTree>
     <p:extLst>
       <p:ext uri="{BB962C8B-B14F-4D97-AF65-F5344CB8AC3E}">
-        <p14:creationId xmlns:p14="http://schemas.microsoft.com/office/powerpoint/2010/main" val="3067141347"/>
+        <p14:creationId xmlns:p14="http://schemas.microsoft.com/office/powerpoint/2010/main" val="1850138728"/>
       </p:ext>
     </p:extLst>
   </p:cSld>
@@ -16644,13 +16722,6 @@
   <p:transition spd="med">
     <p:fade/>
   </p:transition>
-  <p:timing>
-    <p:tnLst>
-      <p:par>
-        <p:cTn id="1" dur="indefinite" restart="never" nodeType="tmRoot"/>
-      </p:par>
-    </p:tnLst>
-  </p:timing>
 </p:sld>
 </file>
 
@@ -16689,8 +16760,8 @@
           <a:lstStyle/>
           <a:p>
             <a:r>
-              <a:rPr lang="en-US" dirty="0" smtClean="0"/>
-              <a:t>Discussion</a:t>
+              <a:rPr lang="en-US" dirty="0" err="1"/>
+              <a:t>rspec</a:t>
             </a:r>
             <a:endParaRPr lang="en-US" dirty="0"/>
           </a:p>
@@ -16712,17 +16783,51 @@
           <a:lstStyle/>
           <a:p>
             <a:r>
-              <a:rPr lang="en-US" dirty="0" smtClean="0"/>
-              <a:t>What value does it bring to validate that the resources take the appropriate action?</a:t>
-            </a:r>
-            <a:endParaRPr lang="en-US" dirty="0"/>
+              <a:rPr lang="en-US" dirty="0"/>
+              <a:t>When you run </a:t>
+            </a:r>
+            <a:r>
+              <a:rPr lang="en-US" b="1" dirty="0" err="1">
+                <a:latin typeface="Courier New"/>
+                <a:cs typeface="Courier New"/>
+              </a:rPr>
+              <a:t>rspec</a:t>
+            </a:r>
+            <a:r>
+              <a:rPr lang="en-US" dirty="0"/>
+              <a:t> without any paths it will automatically find and execute all the </a:t>
+            </a:r>
+            <a:r>
+              <a:rPr lang="en-US" i="1" dirty="0"/>
+              <a:t>"_</a:t>
+            </a:r>
+            <a:r>
+              <a:rPr lang="en-US" i="1" dirty="0" err="1"/>
+              <a:t>spec.rb</a:t>
+            </a:r>
+            <a:r>
+              <a:rPr lang="en-US" i="1" dirty="0"/>
+              <a:t>"</a:t>
+            </a:r>
+            <a:r>
+              <a:rPr lang="en-US" dirty="0"/>
+              <a:t> files within the '</a:t>
+            </a:r>
+            <a:r>
+              <a:rPr lang="en-US" i="1" dirty="0"/>
+              <a:t>spec</a:t>
+            </a:r>
+            <a:r>
+              <a:rPr lang="en-US" dirty="0"/>
+              <a:t>' directory.</a:t>
+            </a:r>
           </a:p>
         </p:txBody>
       </p:sp>
     </p:spTree>
     <p:extLst>
       <p:ext uri="{BB962C8B-B14F-4D97-AF65-F5344CB8AC3E}">
-        <p14:creationId xmlns:p14="http://schemas.microsoft.com/office/powerpoint/2010/main" val="108599519"/>
+        <p14:creationId xmlns:p14="http://schemas.microsoft.com/office/powerpoint/2010/main" val="1420318714"/>
       </p:ext>
     </p:extLst>
   </p:cSld>
@@ -16732,13 +16837,6 @@
   <p:transition spd="med">
     <p:fade/>
   </p:transition>
-  <p:timing>
-    <p:tnLst>
-      <p:par>
-        <p:cTn id="1" dur="indefinite" restart="never" nodeType="tmRoot"/>
-      </p:par>
-    </p:tnLst>
-  </p:timing>
 </p:sld>
 </file>
 
@@ -16761,12 +16859,100 @@
       </p:grpSpPr>
       <p:sp>
         <p:nvSpPr>
-          <p:cNvPr id="2" name="Title 1"/>
-          <p:cNvSpPr>
-            <a:spLocks noGrp="1"/>
-          </p:cNvSpPr>
-          <p:nvPr>
-            <p:ph type="ctrTitle"/>
+          <p:cNvPr id="2" name="Content Placeholder 1"/>
+          <p:cNvSpPr>
+            <a:spLocks noGrp="1"/>
+          </p:cNvSpPr>
+          <p:nvPr>
+            <p:ph sz="quarter" idx="10"/>
+          </p:nvPr>
+        </p:nvSpPr>
+        <p:spPr/>
+        <p:txBody>
+          <a:bodyPr/>
+          <a:lstStyle/>
+          <a:p>
+            <a:r>
+              <a:rPr lang="en-US" dirty="0"/>
+              <a:t>.........</a:t>
+            </a:r>
+          </a:p>
+          <a:p>
+            <a:endParaRPr lang="en-US" dirty="0"/>
+          </a:p>
+          <a:p>
+            <a:r>
+              <a:rPr lang="en-US" dirty="0"/>
+              <a:t>Finished in 2.39 seconds (files took 4.03 seconds to load)</a:t>
+            </a:r>
+          </a:p>
+          <a:p>
+            <a:r>
+              <a:rPr lang="en-US" dirty="0"/>
+              <a:t>9 examples, 0 failures</a:t>
+            </a:r>
+          </a:p>
+        </p:txBody>
+      </p:sp>
+      <p:sp>
+        <p:nvSpPr>
+          <p:cNvPr id="3" name="Text Placeholder 2"/>
+          <p:cNvSpPr>
+            <a:spLocks noGrp="1"/>
+          </p:cNvSpPr>
+          <p:nvPr>
+            <p:ph type="body" sz="quarter" idx="11"/>
+          </p:nvPr>
+        </p:nvSpPr>
+        <p:spPr/>
+        <p:txBody>
+          <a:bodyPr/>
+          <a:lstStyle/>
+          <a:p>
+            <a:r>
+              <a:rPr lang="en-US" dirty="0"/>
+              <a:t>&gt; chef exec </a:t>
+            </a:r>
+            <a:r>
+              <a:rPr lang="en-US" dirty="0" err="1"/>
+              <a:t>rspec</a:t>
+            </a:r>
+            <a:endParaRPr lang="en-US" dirty="0"/>
+          </a:p>
+        </p:txBody>
+      </p:sp>
+      <p:sp>
+        <p:nvSpPr>
+          <p:cNvPr id="4" name="Content Placeholder 3"/>
+          <p:cNvSpPr>
+            <a:spLocks noGrp="1"/>
+          </p:cNvSpPr>
+          <p:nvPr>
+            <p:ph sz="quarter" idx="12"/>
+          </p:nvPr>
+        </p:nvSpPr>
+        <p:spPr>
+          <a:xfrm>
+            <a:off x="1127883" y="3884682"/>
+            <a:ext cx="14420850" cy="557213"/>
+          </a:xfrm>
+        </p:spPr>
+        <p:txBody>
+          <a:bodyPr/>
+          <a:lstStyle/>
+          <a:p>
+            <a:endParaRPr lang="en-US" dirty="0"/>
+          </a:p>
+        </p:txBody>
+      </p:sp>
+      <p:sp>
+        <p:nvSpPr>
+          <p:cNvPr id="5" name="Title 4"/>
+          <p:cNvSpPr>
+            <a:spLocks noGrp="1"/>
+          </p:cNvSpPr>
+          <p:nvPr>
+            <p:ph type="title"/>
           </p:nvPr>
         </p:nvSpPr>
         <p:spPr/>
@@ -16777,40 +16963,20 @@
           <a:lstStyle/>
           <a:p>
             <a:r>
-              <a:rPr lang="en-US" dirty="0" smtClean="0"/>
-              <a:t>Q&amp;A</a:t>
-            </a:r>
-            <a:endParaRPr lang="en-US" dirty="0"/>
-          </a:p>
-        </p:txBody>
-      </p:sp>
-      <p:sp>
-        <p:nvSpPr>
-          <p:cNvPr id="3" name="Subtitle 2"/>
-          <p:cNvSpPr>
-            <a:spLocks noGrp="1"/>
-          </p:cNvSpPr>
-          <p:nvPr>
-            <p:ph type="subTitle" idx="1"/>
-          </p:nvPr>
-        </p:nvSpPr>
-        <p:spPr/>
-        <p:txBody>
-          <a:bodyPr/>
-          <a:lstStyle/>
-          <a:p>
-            <a:r>
-              <a:rPr lang="en-US" dirty="0" smtClean="0"/>
-              <a:t>What questions can we answer for you?</a:t>
-            </a:r>
-            <a:endParaRPr lang="en-US" dirty="0"/>
+              <a:rPr lang="en-US" dirty="0"/>
+              <a:t>Execute All the Tests in the </a:t>
+            </a:r>
+            <a:r>
+              <a:rPr lang="en-US"/>
+              <a:t>Spec Directory</a:t>
+            </a:r>
           </a:p>
         </p:txBody>
       </p:sp>
     </p:spTree>
     <p:extLst>
       <p:ext uri="{BB962C8B-B14F-4D97-AF65-F5344CB8AC3E}">
-        <p14:creationId xmlns:p14="http://schemas.microsoft.com/office/powerpoint/2010/main" val="2653257375"/>
+        <p14:creationId xmlns:p14="http://schemas.microsoft.com/office/powerpoint/2010/main" val="3067141347"/>
       </p:ext>
     </p:extLst>
   </p:cSld>
@@ -16820,13 +16986,6 @@
   <p:transition spd="med">
     <p:fade/>
   </p:transition>
-  <p:timing>
-    <p:tnLst>
-      <p:par>
-        <p:cTn id="1" dur="indefinite" restart="never" nodeType="tmRoot"/>
-      </p:par>
-    </p:tnLst>
-  </p:timing>
 </p:sld>
 </file>
 
@@ -16849,6 +17008,279 @@
       </p:grpSpPr>
       <p:sp>
         <p:nvSpPr>
+          <p:cNvPr id="2" name="Title 1"/>
+          <p:cNvSpPr>
+            <a:spLocks noGrp="1"/>
+          </p:cNvSpPr>
+          <p:nvPr>
+            <p:ph type="ctrTitle"/>
+          </p:nvPr>
+        </p:nvSpPr>
+        <p:spPr/>
+        <p:txBody>
+          <a:bodyPr>
+            <a:normAutofit fontScale="90000"/>
+          </a:bodyPr>
+          <a:lstStyle/>
+          <a:p>
+            <a:r>
+              <a:rPr lang="en-US" dirty="0"/>
+              <a:t>Discussion</a:t>
+            </a:r>
+          </a:p>
+        </p:txBody>
+      </p:sp>
+      <p:sp>
+        <p:nvSpPr>
+          <p:cNvPr id="3" name="Subtitle 2"/>
+          <p:cNvSpPr>
+            <a:spLocks noGrp="1"/>
+          </p:cNvSpPr>
+          <p:nvPr>
+            <p:ph type="subTitle" idx="1"/>
+          </p:nvPr>
+        </p:nvSpPr>
+        <p:spPr/>
+        <p:txBody>
+          <a:bodyPr/>
+          <a:lstStyle/>
+          <a:p>
+            <a:r>
+              <a:rPr lang="en-US" dirty="0"/>
+              <a:t>What value does it bring to validate that the resources take the appropriate action?</a:t>
+            </a:r>
+          </a:p>
+        </p:txBody>
+      </p:sp>
+    </p:spTree>
+    <p:extLst>
+      <p:ext uri="{BB962C8B-B14F-4D97-AF65-F5344CB8AC3E}">
+        <p14:creationId xmlns:p14="http://schemas.microsoft.com/office/powerpoint/2010/main" val="108599519"/>
+      </p:ext>
+    </p:extLst>
+  </p:cSld>
+  <p:clrMapOvr>
+    <a:masterClrMapping/>
+  </p:clrMapOvr>
+  <p:transition spd="med">
+    <p:fade/>
+  </p:transition>
+</p:sld>
+</file>
+
+<file path=ppt/slides/slide29.xml><?xml version="1.0" encoding="utf-8"?>
+<p:sld xmlns:a="http://schemas.openxmlformats.org/drawingml/2006/main" xmlns:r="http://schemas.openxmlformats.org/officeDocument/2006/relationships" xmlns:p="http://schemas.openxmlformats.org/presentationml/2006/main">
+  <p:cSld>
+    <p:spTree>
+      <p:nvGrpSpPr>
+        <p:cNvPr id="1" name=""/>
+        <p:cNvGrpSpPr/>
+        <p:nvPr/>
+      </p:nvGrpSpPr>
+      <p:grpSpPr>
+        <a:xfrm>
+          <a:off x="0" y="0"/>
+          <a:ext cx="0" cy="0"/>
+          <a:chOff x="0" y="0"/>
+          <a:chExt cx="0" cy="0"/>
+        </a:xfrm>
+      </p:grpSpPr>
+      <p:sp>
+        <p:nvSpPr>
+          <p:cNvPr id="2" name="Title 1"/>
+          <p:cNvSpPr>
+            <a:spLocks noGrp="1"/>
+          </p:cNvSpPr>
+          <p:nvPr>
+            <p:ph type="ctrTitle"/>
+          </p:nvPr>
+        </p:nvSpPr>
+        <p:spPr/>
+        <p:txBody>
+          <a:bodyPr>
+            <a:normAutofit fontScale="90000"/>
+          </a:bodyPr>
+          <a:lstStyle/>
+          <a:p>
+            <a:r>
+              <a:rPr lang="en-US" dirty="0"/>
+              <a:t>Q&amp;A</a:t>
+            </a:r>
+          </a:p>
+        </p:txBody>
+      </p:sp>
+      <p:sp>
+        <p:nvSpPr>
+          <p:cNvPr id="3" name="Subtitle 2"/>
+          <p:cNvSpPr>
+            <a:spLocks noGrp="1"/>
+          </p:cNvSpPr>
+          <p:nvPr>
+            <p:ph type="subTitle" idx="1"/>
+          </p:nvPr>
+        </p:nvSpPr>
+        <p:spPr/>
+        <p:txBody>
+          <a:bodyPr/>
+          <a:lstStyle/>
+          <a:p>
+            <a:r>
+              <a:rPr lang="en-US" dirty="0"/>
+              <a:t>What questions can we answer for you?</a:t>
+            </a:r>
+          </a:p>
+        </p:txBody>
+      </p:sp>
+    </p:spTree>
+    <p:extLst>
+      <p:ext uri="{BB962C8B-B14F-4D97-AF65-F5344CB8AC3E}">
+        <p14:creationId xmlns:p14="http://schemas.microsoft.com/office/powerpoint/2010/main" val="2653257375"/>
+      </p:ext>
+    </p:extLst>
+  </p:cSld>
+  <p:clrMapOvr>
+    <a:masterClrMapping/>
+  </p:clrMapOvr>
+  <p:transition spd="med">
+    <p:fade/>
+  </p:transition>
+</p:sld>
+</file>
+
+<file path=ppt/slides/slide3.xml><?xml version="1.0" encoding="utf-8"?>
+<p:sld xmlns:a="http://schemas.openxmlformats.org/drawingml/2006/main" xmlns:r="http://schemas.openxmlformats.org/officeDocument/2006/relationships" xmlns:p="http://schemas.openxmlformats.org/presentationml/2006/main">
+  <p:cSld>
+    <p:spTree>
+      <p:nvGrpSpPr>
+        <p:cNvPr id="1" name=""/>
+        <p:cNvGrpSpPr/>
+        <p:nvPr/>
+      </p:nvGrpSpPr>
+      <p:grpSpPr>
+        <a:xfrm>
+          <a:off x="0" y="0"/>
+          <a:ext cx="0" cy="0"/>
+          <a:chOff x="0" y="0"/>
+          <a:chExt cx="0" cy="0"/>
+        </a:xfrm>
+      </p:grpSpPr>
+      <p:sp>
+        <p:nvSpPr>
+          <p:cNvPr id="2" name="Title 1"/>
+          <p:cNvSpPr>
+            <a:spLocks noGrp="1"/>
+          </p:cNvSpPr>
+          <p:nvPr>
+            <p:ph type="ctrTitle"/>
+          </p:nvPr>
+        </p:nvSpPr>
+        <p:spPr/>
+        <p:txBody>
+          <a:bodyPr>
+            <a:normAutofit fontScale="90000"/>
+          </a:bodyPr>
+          <a:lstStyle/>
+          <a:p>
+            <a:r>
+              <a:rPr lang="en-US" dirty="0"/>
+              <a:t>Testing Remaining Resources</a:t>
+            </a:r>
+          </a:p>
+        </p:txBody>
+      </p:sp>
+      <p:sp>
+        <p:nvSpPr>
+          <p:cNvPr id="3" name="Content Placeholder 2"/>
+          <p:cNvSpPr>
+            <a:spLocks noGrp="1"/>
+          </p:cNvSpPr>
+          <p:nvPr>
+            <p:ph sz="quarter" idx="11"/>
+          </p:nvPr>
+        </p:nvSpPr>
+        <p:spPr/>
+        <p:txBody>
+          <a:bodyPr/>
+          <a:lstStyle/>
+          <a:p>
+            <a:r>
+              <a:rPr lang="en-US" dirty="0"/>
+              <a:t>No resources left behind!</a:t>
+            </a:r>
+          </a:p>
+        </p:txBody>
+      </p:sp>
+      <p:sp>
+        <p:nvSpPr>
+          <p:cNvPr id="4" name="Text Placeholder 3"/>
+          <p:cNvSpPr>
+            <a:spLocks noGrp="1"/>
+          </p:cNvSpPr>
+          <p:nvPr>
+            <p:ph type="body" sz="quarter" idx="10"/>
+          </p:nvPr>
+        </p:nvSpPr>
+        <p:spPr/>
+        <p:txBody>
+          <a:bodyPr/>
+          <a:lstStyle/>
+          <a:p>
+            <a:pPr marL="342900" indent="-342900">
+              <a:buFont typeface="Wingdings" charset="2"/>
+              <a:buChar char="q"/>
+            </a:pPr>
+            <a:r>
+              <a:rPr lang="en-US" dirty="0"/>
+              <a:t>Write and execute tests for the Install recipe</a:t>
+            </a:r>
+          </a:p>
+          <a:p>
+            <a:pPr marL="342900" indent="-342900">
+              <a:buFont typeface="Wingdings" charset="2"/>
+              <a:buChar char="q"/>
+            </a:pPr>
+            <a:r>
+              <a:rPr lang="en-US" dirty="0"/>
+              <a:t>Verify the test validates the recipe</a:t>
+            </a:r>
+          </a:p>
+        </p:txBody>
+      </p:sp>
+    </p:spTree>
+    <p:extLst>
+      <p:ext uri="{BB962C8B-B14F-4D97-AF65-F5344CB8AC3E}">
+        <p14:creationId xmlns:p14="http://schemas.microsoft.com/office/powerpoint/2010/main" val="978935682"/>
+      </p:ext>
+    </p:extLst>
+  </p:cSld>
+  <p:clrMapOvr>
+    <a:masterClrMapping/>
+  </p:clrMapOvr>
+  <p:transition spd="med">
+    <p:fade/>
+  </p:transition>
+</p:sld>
+</file>
+
+<file path=ppt/slides/slide30.xml><?xml version="1.0" encoding="utf-8"?>
+<p:sld xmlns:a="http://schemas.openxmlformats.org/drawingml/2006/main" xmlns:r="http://schemas.openxmlformats.org/officeDocument/2006/relationships" xmlns:p="http://schemas.openxmlformats.org/presentationml/2006/main">
+  <p:cSld>
+    <p:spTree>
+      <p:nvGrpSpPr>
+        <p:cNvPr id="1" name=""/>
+        <p:cNvGrpSpPr/>
+        <p:nvPr/>
+      </p:nvGrpSpPr>
+      <p:grpSpPr>
+        <a:xfrm>
+          <a:off x="0" y="0"/>
+          <a:ext cx="0" cy="0"/>
+          <a:chOff x="0" y="0"/>
+          <a:chExt cx="0" cy="0"/>
+        </a:xfrm>
+      </p:grpSpPr>
+      <p:sp>
+        <p:nvSpPr>
           <p:cNvPr id="2" name="Content Placeholder 1"/>
           <p:cNvSpPr>
             <a:spLocks noGrp="1"/>
@@ -16863,30 +17295,30 @@
           <a:lstStyle/>
           <a:p>
             <a:r>
-              <a:rPr lang="en-US" smtClean="0"/>
+              <a:rPr lang="en-US"/>
               <a:t>Introduction</a:t>
             </a:r>
           </a:p>
           <a:p>
             <a:r>
-              <a:rPr lang="en-US" smtClean="0"/>
+              <a:rPr lang="en-US"/>
               <a:t>Why Write Tests? Why is that Hard?</a:t>
             </a:r>
           </a:p>
           <a:p>
             <a:r>
-              <a:rPr lang="en-US" smtClean="0"/>
+              <a:rPr lang="en-US"/>
               <a:t>Writing a Test First</a:t>
             </a:r>
           </a:p>
           <a:p>
             <a:r>
-              <a:rPr lang="en-US" smtClean="0"/>
+              <a:rPr lang="en-US"/>
               <a:t>Refactoring Cookbooks with Tests</a:t>
             </a:r>
           </a:p>
           <a:p>
-            <a:endParaRPr lang="en-US" dirty="0" smtClean="0"/>
+            <a:endParaRPr lang="en-US" dirty="0"/>
           </a:p>
         </p:txBody>
       </p:sp>
@@ -16906,39 +17338,61 @@
           <a:lstStyle/>
           <a:p>
             <a:r>
-              <a:rPr lang="en-US" dirty="0" smtClean="0"/>
+              <a:rPr lang="en-US" dirty="0"/>
               <a:t>Faster Feedback with Unit Testing</a:t>
             </a:r>
           </a:p>
           <a:p>
             <a:r>
-              <a:rPr lang="en-US" dirty="0" smtClean="0"/>
+              <a:rPr lang="en-US" dirty="0"/>
               <a:t>Testing Resources in Recipes</a:t>
             </a:r>
           </a:p>
           <a:p>
             <a:r>
-              <a:rPr lang="en-US" b="1" dirty="0" smtClean="0"/>
+              <a:rPr lang="en-US" b="1" dirty="0"/>
               <a:t>Refactoring to Attributes</a:t>
             </a:r>
           </a:p>
           <a:p>
             <a:r>
-              <a:rPr lang="en-US" dirty="0" smtClean="0"/>
+              <a:rPr lang="en-US" dirty="0"/>
               <a:t>Refactoring to Multiple Platforms</a:t>
             </a:r>
+          </a:p>
+        </p:txBody>
+      </p:sp>
+      <p:sp>
+        <p:nvSpPr>
+          <p:cNvPr id="4" name="Text Placeholder 3"/>
+          <p:cNvSpPr>
+            <a:spLocks noGrp="1"/>
+          </p:cNvSpPr>
+          <p:nvPr>
+            <p:ph type="body" sz="quarter" idx="15"/>
+          </p:nvPr>
+        </p:nvSpPr>
+        <p:spPr/>
+        <p:txBody>
+          <a:bodyPr/>
+          <a:lstStyle/>
+          <a:p>
+            <a:r>
+              <a:rPr lang="en-US"/>
+              <a:t>Morning</a:t>
+            </a:r>
             <a:endParaRPr lang="en-US" dirty="0"/>
           </a:p>
         </p:txBody>
       </p:sp>
       <p:sp>
         <p:nvSpPr>
-          <p:cNvPr id="4" name="Text Placeholder 3"/>
-          <p:cNvSpPr>
-            <a:spLocks noGrp="1"/>
-          </p:cNvSpPr>
-          <p:nvPr>
-            <p:ph type="body" sz="quarter" idx="15"/>
+          <p:cNvPr id="5" name="Text Placeholder 4"/>
+          <p:cNvSpPr>
+            <a:spLocks noGrp="1"/>
+          </p:cNvSpPr>
+          <p:nvPr>
+            <p:ph type="body" sz="quarter" idx="16"/>
           </p:nvPr>
         </p:nvSpPr>
         <p:spPr/>
@@ -16947,30 +17401,7 @@
           <a:lstStyle/>
           <a:p>
             <a:r>
-              <a:rPr lang="en-US" smtClean="0"/>
-              <a:t>Morning</a:t>
-            </a:r>
-            <a:endParaRPr lang="en-US" dirty="0"/>
-          </a:p>
-        </p:txBody>
-      </p:sp>
-      <p:sp>
-        <p:nvSpPr>
-          <p:cNvPr id="5" name="Text Placeholder 4"/>
-          <p:cNvSpPr>
-            <a:spLocks noGrp="1"/>
-          </p:cNvSpPr>
-          <p:nvPr>
-            <p:ph type="body" sz="quarter" idx="16"/>
-          </p:nvPr>
-        </p:nvSpPr>
-        <p:spPr/>
-        <p:txBody>
-          <a:bodyPr/>
-          <a:lstStyle/>
-          <a:p>
-            <a:r>
-              <a:rPr lang="en-US" smtClean="0"/>
+              <a:rPr lang="en-US"/>
               <a:t>Afternoon</a:t>
             </a:r>
             <a:endParaRPr lang="en-US" dirty="0"/>
@@ -16990,17 +17421,10 @@
   <p:transition spd="med">
     <p:fade/>
   </p:transition>
-  <p:timing>
-    <p:tnLst>
-      <p:par>
-        <p:cTn id="1" dur="indefinite" restart="never" nodeType="tmRoot"/>
-      </p:par>
-    </p:tnLst>
-  </p:timing>
 </p:sld>
 </file>
 
-<file path=ppt/slides/slide29.xml><?xml version="1.0" encoding="utf-8"?>
+<file path=ppt/slides/slide31.xml><?xml version="1.0" encoding="utf-8"?>
 <p:sld xmlns:a="http://schemas.openxmlformats.org/drawingml/2006/main" xmlns:r="http://schemas.openxmlformats.org/officeDocument/2006/relationships" xmlns:p="http://schemas.openxmlformats.org/presentationml/2006/main">
   <p:cSld>
     <p:spTree>
@@ -17030,136 +17454,6 @@
   <p:transition spd="med">
     <p:fade/>
   </p:transition>
-  <p:timing>
-    <p:tnLst>
-      <p:par>
-        <p:cTn id="1" dur="indefinite" restart="never" nodeType="tmRoot"/>
-      </p:par>
-    </p:tnLst>
-  </p:timing>
-</p:sld>
-</file>
-
-<file path=ppt/slides/slide3.xml><?xml version="1.0" encoding="utf-8"?>
-<p:sld xmlns:a="http://schemas.openxmlformats.org/drawingml/2006/main" xmlns:r="http://schemas.openxmlformats.org/officeDocument/2006/relationships" xmlns:p="http://schemas.openxmlformats.org/presentationml/2006/main">
-  <p:cSld>
-    <p:spTree>
-      <p:nvGrpSpPr>
-        <p:cNvPr id="1" name=""/>
-        <p:cNvGrpSpPr/>
-        <p:nvPr/>
-      </p:nvGrpSpPr>
-      <p:grpSpPr>
-        <a:xfrm>
-          <a:off x="0" y="0"/>
-          <a:ext cx="0" cy="0"/>
-          <a:chOff x="0" y="0"/>
-          <a:chExt cx="0" cy="0"/>
-        </a:xfrm>
-      </p:grpSpPr>
-      <p:sp>
-        <p:nvSpPr>
-          <p:cNvPr id="2" name="Title 1"/>
-          <p:cNvSpPr>
-            <a:spLocks noGrp="1"/>
-          </p:cNvSpPr>
-          <p:nvPr>
-            <p:ph type="ctrTitle"/>
-          </p:nvPr>
-        </p:nvSpPr>
-        <p:spPr/>
-        <p:txBody>
-          <a:bodyPr>
-            <a:normAutofit fontScale="90000"/>
-          </a:bodyPr>
-          <a:lstStyle/>
-          <a:p>
-            <a:r>
-              <a:rPr lang="en-US" dirty="0" smtClean="0"/>
-              <a:t>Testing Remaining Resources</a:t>
-            </a:r>
-            <a:endParaRPr lang="en-US" dirty="0"/>
-          </a:p>
-        </p:txBody>
-      </p:sp>
-      <p:sp>
-        <p:nvSpPr>
-          <p:cNvPr id="3" name="Content Placeholder 2"/>
-          <p:cNvSpPr>
-            <a:spLocks noGrp="1"/>
-          </p:cNvSpPr>
-          <p:nvPr>
-            <p:ph sz="quarter" idx="11"/>
-          </p:nvPr>
-        </p:nvSpPr>
-        <p:spPr/>
-        <p:txBody>
-          <a:bodyPr/>
-          <a:lstStyle/>
-          <a:p>
-            <a:r>
-              <a:rPr lang="en-US" dirty="0"/>
-              <a:t>No resources left behind!</a:t>
-            </a:r>
-          </a:p>
-        </p:txBody>
-      </p:sp>
-      <p:sp>
-        <p:nvSpPr>
-          <p:cNvPr id="4" name="Text Placeholder 3"/>
-          <p:cNvSpPr>
-            <a:spLocks noGrp="1"/>
-          </p:cNvSpPr>
-          <p:nvPr>
-            <p:ph type="body" sz="quarter" idx="10"/>
-          </p:nvPr>
-        </p:nvSpPr>
-        <p:spPr/>
-        <p:txBody>
-          <a:bodyPr/>
-          <a:lstStyle/>
-          <a:p>
-            <a:pPr marL="342900" indent="-342900">
-              <a:buFont typeface="Wingdings" charset="2"/>
-              <a:buChar char="q"/>
-            </a:pPr>
-            <a:r>
-              <a:rPr lang="en-US" dirty="0" smtClean="0"/>
-              <a:t>Write and execute tests for the Install recipe</a:t>
-            </a:r>
-          </a:p>
-          <a:p>
-            <a:pPr marL="342900" indent="-342900">
-              <a:buFont typeface="Wingdings" charset="2"/>
-              <a:buChar char="q"/>
-            </a:pPr>
-            <a:r>
-              <a:rPr lang="en-US" dirty="0" smtClean="0"/>
-              <a:t>Verify the test validates the recipe</a:t>
-            </a:r>
-          </a:p>
-        </p:txBody>
-      </p:sp>
-    </p:spTree>
-    <p:extLst>
-      <p:ext uri="{BB962C8B-B14F-4D97-AF65-F5344CB8AC3E}">
-        <p14:creationId xmlns:p14="http://schemas.microsoft.com/office/powerpoint/2010/main" val="978935682"/>
-      </p:ext>
-    </p:extLst>
-  </p:cSld>
-  <p:clrMapOvr>
-    <a:masterClrMapping/>
-  </p:clrMapOvr>
-  <p:transition spd="med">
-    <p:fade/>
-  </p:transition>
-  <p:timing>
-    <p:tnLst>
-      <p:par>
-        <p:cTn id="1" dur="indefinite" restart="never" nodeType="tmRoot"/>
-      </p:par>
-    </p:tnLst>
-  </p:timing>
 </p:sld>
 </file>
 
@@ -17220,24 +17514,16 @@
           <a:p>
             <a:r>
               <a:rPr lang="en-US" dirty="0"/>
-              <a:t>    └── </a:t>
-            </a:r>
-            <a:r>
-              <a:rPr lang="en-US" dirty="0" smtClean="0"/>
-              <a:t>recipes</a:t>
-            </a:r>
-          </a:p>
-          <a:p>
-            <a:r>
-              <a:rPr lang="en-US" dirty="0" smtClean="0"/>
-              <a:t>        </a:t>
-            </a:r>
-            <a:r>
-              <a:rPr lang="en-US" dirty="0"/>
-              <a:t>├── </a:t>
-            </a:r>
-            <a:r>
-              <a:rPr lang="en-US" dirty="0" err="1" smtClean="0"/>
+              <a:t>    └── recipes</a:t>
+            </a:r>
+          </a:p>
+          <a:p>
+            <a:r>
+              <a:rPr lang="en-US" dirty="0"/>
+              <a:t>        ├── </a:t>
+            </a:r>
+            <a:r>
+              <a:rPr lang="en-US" dirty="0" err="1"/>
               <a:t>configuration_spec.rb</a:t>
             </a:r>
             <a:endParaRPr lang="en-US" dirty="0"/>
@@ -17293,10 +17579,9 @@
           <a:lstStyle/>
           <a:p>
             <a:r>
-              <a:rPr lang="en-US" dirty="0" smtClean="0"/>
+              <a:rPr lang="en-US" dirty="0"/>
               <a:t>&gt; tree spec</a:t>
             </a:r>
-            <a:endParaRPr lang="en-US" dirty="0"/>
           </a:p>
         </p:txBody>
       </p:sp>
@@ -17340,10 +17625,9 @@
           <a:lstStyle/>
           <a:p>
             <a:r>
-              <a:rPr lang="en-US" dirty="0" smtClean="0"/>
+              <a:rPr lang="en-US" dirty="0"/>
               <a:t>Generated Recipes Also Generate Specs</a:t>
             </a:r>
-            <a:endParaRPr lang="en-US" dirty="0"/>
           </a:p>
         </p:txBody>
       </p:sp>
@@ -17360,13 +17644,6 @@
   <p:transition spd="med">
     <p:fade/>
   </p:transition>
-  <p:timing>
-    <p:tnLst>
-      <p:par>
-        <p:cTn id="1" dur="indefinite" restart="never" nodeType="tmRoot"/>
-      </p:par>
-    </p:tnLst>
-  </p:timing>
 </p:sld>
 </file>
 
@@ -17403,15 +17680,14 @@
           <a:lstStyle/>
           <a:p>
             <a:r>
-              <a:rPr lang="en-US" dirty="0" smtClean="0"/>
+              <a:rPr lang="en-US" dirty="0"/>
               <a:t>.</a:t>
             </a:r>
+          </a:p>
+          <a:p>
             <a:endParaRPr lang="en-US" dirty="0"/>
           </a:p>
           <a:p>
-            <a:endParaRPr lang="en-US" dirty="0"/>
-          </a:p>
-          <a:p>
             <a:r>
               <a:rPr lang="en-US" dirty="0"/>
               <a:t>Finished in 0.46874 seconds (files took 4.24 seconds to load)</a:t>
@@ -17441,19 +17717,19 @@
           <a:lstStyle/>
           <a:p>
             <a:r>
-              <a:rPr lang="en-US" dirty="0" smtClean="0"/>
+              <a:rPr lang="en-US" dirty="0"/>
               <a:t>&gt; chef exec </a:t>
             </a:r>
             <a:r>
-              <a:rPr lang="en-US" dirty="0" err="1" smtClean="0"/>
+              <a:rPr lang="en-US" dirty="0" err="1"/>
               <a:t>rspec</a:t>
             </a:r>
             <a:r>
-              <a:rPr lang="en-US" dirty="0" smtClean="0"/>
+              <a:rPr lang="en-US" dirty="0"/>
               <a:t> spec/unit/recipes/</a:t>
             </a:r>
             <a:r>
-              <a:rPr lang="en-US" dirty="0" err="1" smtClean="0"/>
+              <a:rPr lang="en-US" dirty="0" err="1"/>
               <a:t>install_spec.rb</a:t>
             </a:r>
             <a:endParaRPr lang="en-US" dirty="0"/>
@@ -17500,10 +17776,9 @@
           <a:lstStyle/>
           <a:p>
             <a:r>
-              <a:rPr lang="en-US" dirty="0" smtClean="0"/>
+              <a:rPr lang="en-US" dirty="0"/>
               <a:t>Execute the Install Specification</a:t>
             </a:r>
-            <a:endParaRPr lang="en-US" dirty="0"/>
           </a:p>
         </p:txBody>
       </p:sp>
@@ -17520,13 +17795,6 @@
   <p:transition spd="med">
     <p:fade/>
   </p:transition>
-  <p:timing>
-    <p:tnLst>
-      <p:par>
-        <p:cTn id="1" dur="indefinite" restart="never" nodeType="tmRoot"/>
-      </p:par>
-    </p:tnLst>
-  </p:timing>
 </p:sld>
 </file>
 
@@ -17563,18 +17831,17 @@
           <a:lstStyle/>
           <a:p>
             <a:r>
-              <a:rPr lang="en-US" dirty="0" smtClean="0"/>
+              <a:rPr lang="en-US" dirty="0"/>
               <a:t>Update the </a:t>
             </a:r>
             <a:r>
-              <a:rPr lang="en-US" dirty="0" err="1" smtClean="0"/>
+              <a:rPr lang="en-US" dirty="0" err="1"/>
               <a:t>ChefSpec</a:t>
             </a:r>
             <a:r>
-              <a:rPr lang="en-US" dirty="0" smtClean="0"/>
+              <a:rPr lang="en-US" dirty="0"/>
               <a:t> Platform</a:t>
             </a:r>
-            <a:endParaRPr lang="en-US" dirty="0"/>
           </a:p>
         </p:txBody>
       </p:sp>
@@ -17614,29 +17881,13 @@
           <a:p>
             <a:r>
               <a:rPr lang="en-US" dirty="0"/>
-              <a:t>describe 'apache</a:t>
-            </a:r>
-            <a:r>
-              <a:rPr lang="en-US" dirty="0" smtClean="0"/>
-              <a:t>::install' </a:t>
-            </a:r>
-            <a:r>
-              <a:rPr lang="en-US" dirty="0"/>
-              <a:t>do</a:t>
-            </a:r>
-          </a:p>
-          <a:p>
-            <a:r>
-              <a:rPr lang="en-US" dirty="0"/>
-              <a:t>  context 'When all attributes are default, on an </a:t>
-            </a:r>
-            <a:r>
-              <a:rPr lang="en-US" dirty="0" smtClean="0"/>
-              <a:t>CentOS 6.7' </a:t>
-            </a:r>
-            <a:r>
-              <a:rPr lang="en-US" dirty="0"/>
-              <a:t>do</a:t>
+              <a:t>describe 'apache::install' do</a:t>
+            </a:r>
+          </a:p>
+          <a:p>
+            <a:r>
+              <a:rPr lang="en-US" dirty="0"/>
+              <a:t>  context 'When all attributes are default, on an CentOS 6.9' do</a:t>
             </a:r>
           </a:p>
           <a:p>
@@ -17672,21 +17923,8 @@
             </a:r>
             <a:r>
               <a:rPr lang="en-US" dirty="0"/>
-              <a:t>(platform: </a:t>
-            </a:r>
-            <a:r>
-              <a:rPr lang="en-US" dirty="0" smtClean="0"/>
-              <a:t>'centos', </a:t>
-            </a:r>
-            <a:r>
-              <a:rPr lang="en-US" dirty="0"/>
-              <a:t>version: </a:t>
-            </a:r>
-            <a:r>
-              <a:rPr lang="en-US" dirty="0" smtClean="0"/>
-              <a:t>'6.7')</a:t>
-            </a:r>
-            <a:endParaRPr lang="en-US" dirty="0"/>
+              <a:t>(platform: 'centos', version: '6.9')</a:t>
+            </a:r>
           </a:p>
           <a:p>
             <a:r>
@@ -17788,11 +18026,11 @@
           <a:lstStyle/>
           <a:p>
             <a:r>
-              <a:rPr lang="en-US" dirty="0" smtClean="0"/>
+              <a:rPr lang="en-US" dirty="0"/>
               <a:t>~/apache/spec/unit/recipes/</a:t>
             </a:r>
             <a:r>
-              <a:rPr lang="en-US" dirty="0" err="1" smtClean="0"/>
+              <a:rPr lang="en-US" dirty="0" err="1"/>
               <a:t>install_spec.rb</a:t>
             </a:r>
             <a:endParaRPr lang="en-US" dirty="0"/>
@@ -17820,10 +18058,9 @@
           <a:lstStyle/>
           <a:p>
             <a:r>
-              <a:rPr lang="en-US" dirty="0" smtClean="0"/>
+              <a:rPr lang="en-US" dirty="0"/>
               <a:t>+</a:t>
             </a:r>
-            <a:endParaRPr lang="en-US" dirty="0"/>
           </a:p>
         </p:txBody>
       </p:sp>
@@ -17848,10 +18085,9 @@
           <a:lstStyle/>
           <a:p>
             <a:r>
-              <a:rPr lang="en-US" dirty="0" smtClean="0"/>
+              <a:rPr lang="en-US" dirty="0"/>
               <a:t>+</a:t>
             </a:r>
-            <a:endParaRPr lang="en-US" dirty="0"/>
           </a:p>
         </p:txBody>
       </p:sp>
@@ -17868,13 +18104,6 @@
   <p:transition spd="med">
     <p:fade/>
   </p:transition>
-  <p:timing>
-    <p:tnLst>
-      <p:par>
-        <p:cTn id="1" dur="indefinite" restart="never" nodeType="tmRoot"/>
-      </p:par>
-    </p:tnLst>
-  </p:timing>
 </p:sld>
 </file>
 
@@ -17911,10 +18140,9 @@
           <a:lstStyle/>
           <a:p>
             <a:r>
-              <a:rPr lang="en-US" dirty="0" smtClean="0"/>
+              <a:rPr lang="en-US" dirty="0"/>
               <a:t>Add a Pending Test to Verify the Package</a:t>
             </a:r>
-            <a:endParaRPr lang="en-US" dirty="0"/>
           </a:p>
         </p:txBody>
       </p:sp>
@@ -17937,11 +18165,7 @@
           <a:p>
             <a:r>
               <a:rPr lang="en-US" dirty="0"/>
-              <a:t> </a:t>
-            </a:r>
-            <a:r>
-              <a:rPr lang="en-US" dirty="0" smtClean="0"/>
-              <a:t>   # ... START OF THE SPEC FILE ...</a:t>
+              <a:t>    # ... START OF THE SPEC FILE ...</a:t>
             </a:r>
           </a:p>
           <a:p>
@@ -17983,39 +18207,30 @@
           <a:p>
             <a:r>
               <a:rPr lang="en-US" dirty="0"/>
-              <a:t>    </a:t>
-            </a:r>
-            <a:r>
-              <a:rPr lang="en-US" dirty="0" smtClean="0"/>
+              <a:t>    end</a:t>
+            </a:r>
+          </a:p>
+          <a:p>
+            <a:endParaRPr lang="en-US" dirty="0"/>
+          </a:p>
+          <a:p>
+            <a:r>
+              <a:rPr lang="en-US" dirty="0"/>
+              <a:t>    it 'installs the necessary package'</a:t>
+            </a:r>
+          </a:p>
+          <a:p>
+            <a:r>
+              <a:rPr lang="en-US" dirty="0"/>
+              <a:t>  end</a:t>
+            </a:r>
+          </a:p>
+          <a:p>
+            <a:r>
+              <a:rPr lang="en-US" dirty="0"/>
               <a:t>end</a:t>
             </a:r>
           </a:p>
-          <a:p>
-            <a:endParaRPr lang="en-US" dirty="0"/>
-          </a:p>
-          <a:p>
-            <a:r>
-              <a:rPr lang="en-US" dirty="0" smtClean="0"/>
-              <a:t>    it 'installs the necessary package'</a:t>
-            </a:r>
-          </a:p>
-          <a:p>
-            <a:r>
-              <a:rPr lang="en-US" dirty="0"/>
-              <a:t> </a:t>
-            </a:r>
-            <a:r>
-              <a:rPr lang="en-US" dirty="0" smtClean="0"/>
-              <a:t> end</a:t>
-            </a:r>
-            <a:endParaRPr lang="en-US" dirty="0"/>
-          </a:p>
-          <a:p>
-            <a:r>
-              <a:rPr lang="en-US" dirty="0"/>
-              <a:t>end</a:t>
-            </a:r>
-          </a:p>
         </p:txBody>
       </p:sp>
       <p:sp>
@@ -18034,11 +18249,11 @@
           <a:lstStyle/>
           <a:p>
             <a:r>
-              <a:rPr lang="en-US" dirty="0" smtClean="0"/>
+              <a:rPr lang="en-US" dirty="0"/>
               <a:t>~/apache/spec/unit/recipes/</a:t>
             </a:r>
             <a:r>
-              <a:rPr lang="en-US" dirty="0" err="1" smtClean="0"/>
+              <a:rPr lang="en-US" dirty="0" err="1"/>
               <a:t>install_spec.rb</a:t>
             </a:r>
             <a:endParaRPr lang="en-US" dirty="0"/>
@@ -18066,10 +18281,9 @@
           <a:lstStyle/>
           <a:p>
             <a:r>
-              <a:rPr lang="en-US" dirty="0" smtClean="0"/>
+              <a:rPr lang="en-US" dirty="0"/>
               <a:t>+</a:t>
             </a:r>
-            <a:endParaRPr lang="en-US" dirty="0"/>
           </a:p>
         </p:txBody>
       </p:sp>
@@ -18086,13 +18300,6 @@
   <p:transition spd="med">
     <p:fade/>
   </p:transition>
-  <p:timing>
-    <p:tnLst>
-      <p:par>
-        <p:cTn id="1" dur="indefinite" restart="never" nodeType="tmRoot"/>
-      </p:par>
-    </p:tnLst>
-  </p:timing>
 </p:sld>
 </file>
 
@@ -18131,14 +18338,13 @@
           <a:lstStyle/>
           <a:p>
             <a:r>
-              <a:rPr lang="en-US" dirty="0" err="1" smtClean="0"/>
+              <a:rPr lang="en-US" dirty="0" err="1"/>
               <a:t>ChefSpec</a:t>
             </a:r>
             <a:r>
-              <a:rPr lang="en-US" dirty="0" smtClean="0"/>
+              <a:rPr lang="en-US" dirty="0"/>
               <a:t> Documentation</a:t>
             </a:r>
-            <a:endParaRPr lang="en-US" dirty="0"/>
           </a:p>
         </p:txBody>
       </p:sp>
@@ -18158,10 +18364,9 @@
           <a:lstStyle/>
           <a:p>
             <a:r>
-              <a:rPr lang="en-US" dirty="0" smtClean="0"/>
+              <a:rPr lang="en-US" dirty="0"/>
               <a:t>Find within the documentation examples of testing packages</a:t>
             </a:r>
-            <a:endParaRPr lang="en-US" dirty="0"/>
           </a:p>
         </p:txBody>
       </p:sp>
@@ -18229,13 +18434,6 @@
   <p:transition spd="med">
     <p:fade/>
   </p:transition>
-  <p:timing>
-    <p:tnLst>
-      <p:par>
-        <p:cTn id="1" dur="indefinite" restart="never" nodeType="tmRoot"/>
-      </p:par>
-    </p:tnLst>
-  </p:timing>
 </p:sld>
 </file>
 
@@ -18272,10 +18470,9 @@
           <a:lstStyle/>
           <a:p>
             <a:r>
-              <a:rPr lang="en-US" dirty="0" smtClean="0"/>
+              <a:rPr lang="en-US" dirty="0"/>
               <a:t>Write the Test to Verify the Package</a:t>
             </a:r>
-            <a:endParaRPr lang="en-US" dirty="0"/>
           </a:p>
         </p:txBody>
       </p:sp>
@@ -18298,11 +18495,7 @@
           <a:p>
             <a:r>
               <a:rPr lang="en-US" dirty="0"/>
-              <a:t> </a:t>
-            </a:r>
-            <a:r>
-              <a:rPr lang="en-US" dirty="0" smtClean="0"/>
-              <a:t>   # ... START OF THE SPEC FILE ...</a:t>
+              <a:t>    # ... START OF THE SPEC FILE ...</a:t>
             </a:r>
           </a:p>
           <a:p>
@@ -18344,72 +18537,66 @@
           <a:p>
             <a:r>
               <a:rPr lang="en-US" dirty="0"/>
-              <a:t>    </a:t>
-            </a:r>
-            <a:r>
-              <a:rPr lang="en-US" dirty="0" smtClean="0"/>
+              <a:t>    end</a:t>
+            </a:r>
+          </a:p>
+          <a:p>
+            <a:endParaRPr lang="en-US" dirty="0"/>
+          </a:p>
+          <a:p>
+            <a:r>
+              <a:rPr lang="en-US" dirty="0"/>
+              <a:t>    it 'installs the necessary package' do</a:t>
+            </a:r>
+          </a:p>
+          <a:p>
+            <a:r>
+              <a:rPr lang="en-US" dirty="0"/>
+              <a:t>      expect(</a:t>
+            </a:r>
+            <a:r>
+              <a:rPr lang="en-US" dirty="0" err="1"/>
+              <a:t>chef_run</a:t>
+            </a:r>
+            <a:r>
+              <a:rPr lang="en-US" dirty="0"/>
+              <a:t>).to </a:t>
+            </a:r>
+            <a:r>
+              <a:rPr lang="en-US" dirty="0" err="1"/>
+              <a:t>install_package</a:t>
+            </a:r>
+            <a:r>
+              <a:rPr lang="en-US" dirty="0"/>
+              <a:t>('</a:t>
+            </a:r>
+            <a:r>
+              <a:rPr lang="en-US" dirty="0" err="1"/>
+              <a:t>httpd</a:t>
+            </a:r>
+            <a:r>
+              <a:rPr lang="en-US" dirty="0"/>
+              <a:t>')</a:t>
+            </a:r>
+          </a:p>
+          <a:p>
+            <a:r>
+              <a:rPr lang="en-US" dirty="0"/>
+              <a:t>    end</a:t>
+            </a:r>
+          </a:p>
+          <a:p>
+            <a:r>
+              <a:rPr lang="en-US" dirty="0"/>
+              <a:t>  end</a:t>
+            </a:r>
+          </a:p>
+          <a:p>
+            <a:r>
+              <a:rPr lang="en-US" dirty="0"/>
               <a:t>end</a:t>
             </a:r>
           </a:p>
-          <a:p>
-            <a:endParaRPr lang="en-US" dirty="0"/>
-          </a:p>
-          <a:p>
-            <a:r>
-              <a:rPr lang="en-US" dirty="0" smtClean="0"/>
-              <a:t>    it 'installs the necessary package' do</a:t>
-            </a:r>
-          </a:p>
-          <a:p>
-            <a:r>
-              <a:rPr lang="en-US" dirty="0" smtClean="0"/>
-              <a:t>      expect(</a:t>
-            </a:r>
-            <a:r>
-              <a:rPr lang="en-US" dirty="0" err="1" smtClean="0"/>
-              <a:t>chef_run</a:t>
-            </a:r>
-            <a:r>
-              <a:rPr lang="en-US" dirty="0" smtClean="0"/>
-              <a:t>).to </a:t>
-            </a:r>
-            <a:r>
-              <a:rPr lang="en-US" dirty="0" err="1" smtClean="0"/>
-              <a:t>install_package</a:t>
-            </a:r>
-            <a:r>
-              <a:rPr lang="en-US" dirty="0" smtClean="0"/>
-              <a:t>('</a:t>
-            </a:r>
-            <a:r>
-              <a:rPr lang="en-US" dirty="0" err="1" smtClean="0"/>
-              <a:t>httpd</a:t>
-            </a:r>
-            <a:r>
-              <a:rPr lang="en-US" dirty="0" smtClean="0"/>
-              <a:t>')</a:t>
-            </a:r>
-            <a:endParaRPr lang="en-US" dirty="0"/>
-          </a:p>
-          <a:p>
-            <a:r>
-              <a:rPr lang="en-US" dirty="0" smtClean="0"/>
-              <a:t>    end</a:t>
-            </a:r>
-            <a:endParaRPr lang="en-US" dirty="0"/>
-          </a:p>
-          <a:p>
-            <a:r>
-              <a:rPr lang="en-US" dirty="0"/>
-              <a:t>  end</a:t>
-            </a:r>
-          </a:p>
-          <a:p>
-            <a:r>
-              <a:rPr lang="en-US" dirty="0"/>
-              <a:t>end</a:t>
-            </a:r>
-          </a:p>
         </p:txBody>
       </p:sp>
       <p:sp>
@@ -18428,11 +18615,11 @@
           <a:lstStyle/>
           <a:p>
             <a:r>
-              <a:rPr lang="en-US" dirty="0" smtClean="0"/>
+              <a:rPr lang="en-US" dirty="0"/>
               <a:t>~/apache/spec/unit/recipes/</a:t>
             </a:r>
             <a:r>
-              <a:rPr lang="en-US" dirty="0" err="1" smtClean="0"/>
+              <a:rPr lang="en-US" dirty="0" err="1"/>
               <a:t>install_spec.rb</a:t>
             </a:r>
             <a:endParaRPr lang="en-US" dirty="0"/>
@@ -18476,13 +18663,6 @@
   <p:transition spd="med">
     <p:fade/>
   </p:transition>
-  <p:timing>
-    <p:tnLst>
-      <p:par>
-        <p:cTn id="1" dur="indefinite" restart="never" nodeType="tmRoot"/>
-      </p:par>
-    </p:tnLst>
-  </p:timing>
 </p:sld>
 </file>
 
@@ -19817,6 +19997,52 @@
 </file>
 
 <file path=customXml/item1.xml><?xml version="1.0" encoding="utf-8"?>
+<?mso-contentType ?>
+<spe:Receivers xmlns:spe="http://schemas.microsoft.com/sharepoint/events">
+  <Receiver>
+    <Name>Document ID Generator</Name>
+    <Synchronization>Synchronous</Synchronization>
+    <Type>10001</Type>
+    <SequenceNumber>1000</SequenceNumber>
+    <Assembly>Microsoft.Office.DocumentManagement, Version=14.0.0.0, Culture=neutral, PublicKeyToken=71e9bce111e9429c</Assembly>
+    <Class>Microsoft.Office.DocumentManagement.Internal.DocIdHandler</Class>
+    <Data/>
+    <Filter/>
+  </Receiver>
+  <Receiver>
+    <Name>Document ID Generator</Name>
+    <Synchronization>Synchronous</Synchronization>
+    <Type>10002</Type>
+    <SequenceNumber>1001</SequenceNumber>
+    <Assembly>Microsoft.Office.DocumentManagement, Version=14.0.0.0, Culture=neutral, PublicKeyToken=71e9bce111e9429c</Assembly>
+    <Class>Microsoft.Office.DocumentManagement.Internal.DocIdHandler</Class>
+    <Data/>
+    <Filter/>
+  </Receiver>
+  <Receiver>
+    <Name>Document ID Generator</Name>
+    <Synchronization>Synchronous</Synchronization>
+    <Type>10004</Type>
+    <SequenceNumber>1002</SequenceNumber>
+    <Assembly>Microsoft.Office.DocumentManagement, Version=14.0.0.0, Culture=neutral, PublicKeyToken=71e9bce111e9429c</Assembly>
+    <Class>Microsoft.Office.DocumentManagement.Internal.DocIdHandler</Class>
+    <Data/>
+    <Filter/>
+  </Receiver>
+  <Receiver>
+    <Name>Document ID Generator</Name>
+    <Synchronization>Synchronous</Synchronization>
+    <Type>10006</Type>
+    <SequenceNumber>1003</SequenceNumber>
+    <Assembly>Microsoft.Office.DocumentManagement, Version=14.0.0.0, Culture=neutral, PublicKeyToken=71e9bce111e9429c</Assembly>
+    <Class>Microsoft.Office.DocumentManagement.Internal.DocIdHandler</Class>
+    <Data/>
+    <Filter/>
+  </Receiver>
+</spe:Receivers>
+</file>
+
+<file path=customXml/item2.xml><?xml version="1.0" encoding="utf-8"?>
 <ct:contentTypeSchema xmlns:ct="http://schemas.microsoft.com/office/2006/metadata/contentType" xmlns:ma="http://schemas.microsoft.com/office/2006/metadata/properties/metaAttributes" ct:_="" ma:_="" ma:contentTypeName="Document" ma:contentTypeID="0x0101000812F700BE7F874999720E88173FE491" ma:contentTypeVersion="0" ma:contentTypeDescription="Create a new document." ma:contentTypeScope="" ma:versionID="3f79f408e2ca720b7aba6e0e32464d0c">
   <xsd:schema xmlns:xsd="http://www.w3.org/2001/XMLSchema" xmlns:xs="http://www.w3.org/2001/XMLSchema" xmlns:p="http://schemas.microsoft.com/office/2006/metadata/properties" xmlns:ns2="7bb5d761-a2ea-4873-95f7-7a6658fb3ef0" targetNamespace="http://schemas.microsoft.com/office/2006/metadata/properties" ma:root="true" ma:fieldsID="1e062cd38ba31e406bfc4340fbc7f87a" ns2:_="">
     <xsd:import namespace="7bb5d761-a2ea-4873-95f7-7a6658fb3ef0"/>
@@ -19961,62 +20187,7 @@
 </ct:contentTypeSchema>
 </file>
 
-<file path=customXml/item2.xml><?xml version="1.0" encoding="utf-8"?>
-<?mso-contentType ?>
-<spe:Receivers xmlns:spe="http://schemas.microsoft.com/sharepoint/events">
-  <Receiver>
-    <Name>Document ID Generator</Name>
-    <Synchronization>Synchronous</Synchronization>
-    <Type>10001</Type>
-    <SequenceNumber>1000</SequenceNumber>
-    <Assembly>Microsoft.Office.DocumentManagement, Version=14.0.0.0, Culture=neutral, PublicKeyToken=71e9bce111e9429c</Assembly>
-    <Class>Microsoft.Office.DocumentManagement.Internal.DocIdHandler</Class>
-    <Data/>
-    <Filter/>
-  </Receiver>
-  <Receiver>
-    <Name>Document ID Generator</Name>
-    <Synchronization>Synchronous</Synchronization>
-    <Type>10002</Type>
-    <SequenceNumber>1001</SequenceNumber>
-    <Assembly>Microsoft.Office.DocumentManagement, Version=14.0.0.0, Culture=neutral, PublicKeyToken=71e9bce111e9429c</Assembly>
-    <Class>Microsoft.Office.DocumentManagement.Internal.DocIdHandler</Class>
-    <Data/>
-    <Filter/>
-  </Receiver>
-  <Receiver>
-    <Name>Document ID Generator</Name>
-    <Synchronization>Synchronous</Synchronization>
-    <Type>10004</Type>
-    <SequenceNumber>1002</SequenceNumber>
-    <Assembly>Microsoft.Office.DocumentManagement, Version=14.0.0.0, Culture=neutral, PublicKeyToken=71e9bce111e9429c</Assembly>
-    <Class>Microsoft.Office.DocumentManagement.Internal.DocIdHandler</Class>
-    <Data/>
-    <Filter/>
-  </Receiver>
-  <Receiver>
-    <Name>Document ID Generator</Name>
-    <Synchronization>Synchronous</Synchronization>
-    <Type>10006</Type>
-    <SequenceNumber>1003</SequenceNumber>
-    <Assembly>Microsoft.Office.DocumentManagement, Version=14.0.0.0, Culture=neutral, PublicKeyToken=71e9bce111e9429c</Assembly>
-    <Class>Microsoft.Office.DocumentManagement.Internal.DocIdHandler</Class>
-    <Data/>
-    <Filter/>
-  </Receiver>
-</spe:Receivers>
-</file>
-
 <file path=customXml/item3.xml><?xml version="1.0" encoding="utf-8"?>
-<?mso-contentType ?>
-<FormTemplates xmlns="http://schemas.microsoft.com/sharepoint/v3/contenttype/forms">
-  <Display>DocumentLibraryForm</Display>
-  <Edit>DocumentLibraryForm</Edit>
-  <New>DocumentLibraryForm</New>
-</FormTemplates>
-</file>
-
-<file path=customXml/item4.xml><?xml version="1.0" encoding="utf-8"?>
 <p:properties xmlns:p="http://schemas.microsoft.com/office/2006/metadata/properties" xmlns:xsi="http://www.w3.org/2001/XMLSchema-instance" xmlns:pc="http://schemas.microsoft.com/office/infopath/2007/PartnerControls">
   <documentManagement>
     <_dlc_DocId xmlns="7bb5d761-a2ea-4873-95f7-7a6658fb3ef0">M4CWTKMW727E-592-73</_dlc_DocId>
@@ -20028,7 +20199,24 @@
 </p:properties>
 </file>
 
+<file path=customXml/item4.xml><?xml version="1.0" encoding="utf-8"?>
+<?mso-contentType ?>
+<FormTemplates xmlns="http://schemas.microsoft.com/sharepoint/v3/contenttype/forms">
+  <Display>DocumentLibraryForm</Display>
+  <Edit>DocumentLibraryForm</Edit>
+  <New>DocumentLibraryForm</New>
+</FormTemplates>
+</file>
+
 <file path=customXml/itemProps1.xml><?xml version="1.0" encoding="utf-8"?>
+<ds:datastoreItem xmlns:ds="http://schemas.openxmlformats.org/officeDocument/2006/customXml" ds:itemID="{B13EBC30-FE27-4C6A-B723-23FC2188F7DC}">
+  <ds:schemaRefs>
+    <ds:schemaRef ds:uri="http://schemas.microsoft.com/sharepoint/events"/>
+  </ds:schemaRefs>
+</ds:datastoreItem>
+</file>
+
+<file path=customXml/itemProps2.xml><?xml version="1.0" encoding="utf-8"?>
 <ds:datastoreItem xmlns:ds="http://schemas.openxmlformats.org/officeDocument/2006/customXml" ds:itemID="{164479E5-0B02-49AC-B79E-EC1D6164DDD3}">
   <ds:schemaRefs>
     <ds:schemaRef ds:uri="http://schemas.microsoft.com/office/2006/metadata/contentType"/>
@@ -20046,23 +20234,7 @@
 </ds:datastoreItem>
 </file>
 
-<file path=customXml/itemProps2.xml><?xml version="1.0" encoding="utf-8"?>
-<ds:datastoreItem xmlns:ds="http://schemas.openxmlformats.org/officeDocument/2006/customXml" ds:itemID="{B13EBC30-FE27-4C6A-B723-23FC2188F7DC}">
-  <ds:schemaRefs>
-    <ds:schemaRef ds:uri="http://schemas.microsoft.com/sharepoint/events"/>
-  </ds:schemaRefs>
-</ds:datastoreItem>
-</file>
-
 <file path=customXml/itemProps3.xml><?xml version="1.0" encoding="utf-8"?>
-<ds:datastoreItem xmlns:ds="http://schemas.openxmlformats.org/officeDocument/2006/customXml" ds:itemID="{5CDEB364-43EC-4510-9881-539C2A3FCE9E}">
-  <ds:schemaRefs>
-    <ds:schemaRef ds:uri="http://schemas.microsoft.com/sharepoint/v3/contenttype/forms"/>
-  </ds:schemaRefs>
-</ds:datastoreItem>
-</file>
-
-<file path=customXml/itemProps4.xml><?xml version="1.0" encoding="utf-8"?>
 <ds:datastoreItem xmlns:ds="http://schemas.openxmlformats.org/officeDocument/2006/customXml" ds:itemID="{6921749B-AEB7-461B-845F-603CABD25259}">
   <ds:schemaRefs>
     <ds:schemaRef ds:uri="7bb5d761-a2ea-4873-95f7-7a6658fb3ef0"/>
@@ -20076,4 +20248,12 @@
     <ds:schemaRef ds:uri="http://www.w3.org/XML/1998/namespace"/>
   </ds:schemaRefs>
 </ds:datastoreItem>
+</file>
+
+<file path=customXml/itemProps4.xml><?xml version="1.0" encoding="utf-8"?>
+<ds:datastoreItem xmlns:ds="http://schemas.openxmlformats.org/officeDocument/2006/customXml" ds:itemID="{5CDEB364-43EC-4510-9881-539C2A3FCE9E}">
+  <ds:schemaRefs>
+    <ds:schemaRef ds:uri="http://schemas.microsoft.com/sharepoint/v3/contenttype/forms"/>
+  </ds:schemaRefs>
+</ds:datastoreItem>
 </file>
--- a/06-testing_resources_in_recipes.pptx
+++ b/06-testing_resources_in_recipes.pptx
@@ -6,10 +6,10 @@
     <p:sldMasterId id="2147483847" r:id="rId6"/>
   </p:sldMasterIdLst>
   <p:notesMasterIdLst>
-    <p:notesMasterId r:id="rId38"/>
+    <p:notesMasterId r:id="rId41"/>
   </p:notesMasterIdLst>
   <p:handoutMasterIdLst>
-    <p:handoutMasterId r:id="rId39"/>
+    <p:handoutMasterId r:id="rId42"/>
   </p:handoutMasterIdLst>
   <p:sldIdLst>
     <p:sldId id="256" r:id="rId7"/>
@@ -18,31 +18,34 @@
     <p:sldId id="280" r:id="rId10"/>
     <p:sldId id="282" r:id="rId11"/>
     <p:sldId id="281" r:id="rId12"/>
-    <p:sldId id="299" r:id="rId13"/>
-    <p:sldId id="283" r:id="rId14"/>
-    <p:sldId id="284" r:id="rId15"/>
-    <p:sldId id="297" r:id="rId16"/>
-    <p:sldId id="285" r:id="rId17"/>
-    <p:sldId id="278" r:id="rId18"/>
-    <p:sldId id="286" r:id="rId19"/>
-    <p:sldId id="287" r:id="rId20"/>
-    <p:sldId id="288" r:id="rId21"/>
-    <p:sldId id="289" r:id="rId22"/>
-    <p:sldId id="290" r:id="rId23"/>
-    <p:sldId id="279" r:id="rId24"/>
-    <p:sldId id="291" r:id="rId25"/>
-    <p:sldId id="300" r:id="rId26"/>
-    <p:sldId id="292" r:id="rId27"/>
-    <p:sldId id="293" r:id="rId28"/>
-    <p:sldId id="296" r:id="rId29"/>
-    <p:sldId id="301" r:id="rId30"/>
-    <p:sldId id="302" r:id="rId31"/>
-    <p:sldId id="294" r:id="rId32"/>
-    <p:sldId id="295" r:id="rId33"/>
-    <p:sldId id="275" r:id="rId34"/>
-    <p:sldId id="276" r:id="rId35"/>
-    <p:sldId id="298" r:id="rId36"/>
-    <p:sldId id="267" r:id="rId37"/>
+    <p:sldId id="303" r:id="rId13"/>
+    <p:sldId id="299" r:id="rId14"/>
+    <p:sldId id="283" r:id="rId15"/>
+    <p:sldId id="284" r:id="rId16"/>
+    <p:sldId id="297" r:id="rId17"/>
+    <p:sldId id="285" r:id="rId18"/>
+    <p:sldId id="278" r:id="rId19"/>
+    <p:sldId id="286" r:id="rId20"/>
+    <p:sldId id="287" r:id="rId21"/>
+    <p:sldId id="288" r:id="rId22"/>
+    <p:sldId id="289" r:id="rId23"/>
+    <p:sldId id="290" r:id="rId24"/>
+    <p:sldId id="279" r:id="rId25"/>
+    <p:sldId id="291" r:id="rId26"/>
+    <p:sldId id="300" r:id="rId27"/>
+    <p:sldId id="304" r:id="rId28"/>
+    <p:sldId id="292" r:id="rId29"/>
+    <p:sldId id="293" r:id="rId30"/>
+    <p:sldId id="296" r:id="rId31"/>
+    <p:sldId id="301" r:id="rId32"/>
+    <p:sldId id="305" r:id="rId33"/>
+    <p:sldId id="302" r:id="rId34"/>
+    <p:sldId id="294" r:id="rId35"/>
+    <p:sldId id="295" r:id="rId36"/>
+    <p:sldId id="275" r:id="rId37"/>
+    <p:sldId id="276" r:id="rId38"/>
+    <p:sldId id="298" r:id="rId39"/>
+    <p:sldId id="267" r:id="rId40"/>
   </p:sldIdLst>
   <p:sldSz cx="16256000" cy="9144000"/>
   <p:notesSz cx="6858000" cy="9144000"/>
@@ -954,34 +957,20 @@
           <a:lstStyle/>
           <a:p>
             <a:r>
+              <a:rPr lang="en-US" dirty="0"/>
+              <a:t>With</a:t>
+            </a:r>
+            <a:r>
               <a:rPr lang="en-US" baseline="0" dirty="0"/>
-              <a:t>Expressing an expectation for the state of resources in the 'Resource Collection' uses a particular matcher. Express the name of the action joined together with the type of the resource and has the parameter that is the name of the resource.</a:t>
-            </a:r>
-          </a:p>
-          <a:p>
-            <a:endParaRPr lang="en-US" baseline="0" dirty="0"/>
-          </a:p>
-          <a:p>
+              <a:t> a good example we found in the documentation we can return to the example and define the example. In our case we want to assert that the the chef run installs the package '</a:t>
+            </a:r>
+            <a:r>
+              <a:rPr lang="en-US" baseline="0" dirty="0" err="1"/>
+              <a:t>httpd</a:t>
+            </a:r>
             <a:r>
               <a:rPr lang="en-US" baseline="0" dirty="0"/>
-              <a:t>The expectation defined here is slightly different than the previous example. In the first example the expect uses braces. This is Ruby's shorthand notation to represent a block. The reason in this expectation we want to use a block is that if the chef run were to raise an error we need to catch it. Catching it requires that we wrap the code we want to execute within a block.</a:t>
-            </a:r>
-          </a:p>
-          <a:p>
-            <a:endParaRPr lang="en-US" baseline="0" dirty="0"/>
-          </a:p>
-          <a:p>
-            <a:r>
-              <a:rPr lang="en-US" baseline="0" dirty="0"/>
-              <a:t>Using the parenthesis is passing the '</a:t>
-            </a:r>
-            <a:r>
-              <a:rPr lang="en-US" baseline="0" dirty="0" err="1"/>
-              <a:t>chef_run</a:t>
-            </a:r>
-            <a:r>
-              <a:rPr lang="en-US" baseline="0" dirty="0"/>
-              <a:t>' helper as a parameter to the 'expect' method. In this instance we do not expect an error to take place and instead want to make assertions on the state of the chef run. If an error were to be raised the expectation would not catch it and instead of the expectation failing you would see an error message.</a:t>
+              <a:t>'.</a:t>
             </a:r>
           </a:p>
         </p:txBody>
@@ -1040,7 +1029,7 @@
     </p:spTree>
     <p:extLst>
       <p:ext uri="{BB962C8B-B14F-4D97-AF65-F5344CB8AC3E}">
-        <p14:creationId xmlns:p14="http://schemas.microsoft.com/office/powerpoint/2010/main" val="1429502673"/>
+        <p14:creationId xmlns:p14="http://schemas.microsoft.com/office/powerpoint/2010/main" val="747941588"/>
       </p:ext>
     </p:extLst>
   </p:cSld>
@@ -1095,14 +1084,35 @@
           <a:lstStyle/>
           <a:p>
             <a:r>
-              <a:rPr lang="en-US" dirty="0"/>
-              <a:t>When</a:t>
-            </a:r>
-            <a:r>
               <a:rPr lang="en-US" baseline="0" dirty="0"/>
-              <a:t> we are done writing this expectation and execute the test suite we see that we now have 2 examples that both pass.</a:t>
-            </a:r>
-            <a:endParaRPr lang="en-US" dirty="0"/>
+              <a:t>Expressing an expectation for the state of resources in the 'Resource Collection' uses a particular matcher. Express the name of the action joined together with the type of the resource and has the parameter that is the name of the resource.</a:t>
+            </a:r>
+          </a:p>
+          <a:p>
+            <a:endParaRPr lang="en-US" baseline="0" dirty="0"/>
+          </a:p>
+          <a:p>
+            <a:r>
+              <a:rPr lang="en-US" baseline="0" dirty="0"/>
+              <a:t>The expectation defined here is slightly different than the previous example. In the first example the expect uses braces. This is Ruby's shorthand notation to represent a block. The reason in this expectation we want to use a block is that if the chef run were to raise an error we need to catch it. Catching it requires that we wrap the code we want to execute within a block.</a:t>
+            </a:r>
+          </a:p>
+          <a:p>
+            <a:endParaRPr lang="en-US" baseline="0" dirty="0"/>
+          </a:p>
+          <a:p>
+            <a:r>
+              <a:rPr lang="en-US" baseline="0" dirty="0"/>
+              <a:t>Using the parenthesis is passing the '</a:t>
+            </a:r>
+            <a:r>
+              <a:rPr lang="en-US" baseline="0" dirty="0" err="1"/>
+              <a:t>chef_run</a:t>
+            </a:r>
+            <a:r>
+              <a:rPr lang="en-US" baseline="0" dirty="0"/>
+              <a:t>' helper as a parameter to the 'expect' method. In this instance we do not expect an error to take place and instead want to make assertions on the state of the chef run. If an error were to be raised the expectation would not catch it and instead of the expectation failing you would see an error message.</a:t>
+            </a:r>
           </a:p>
         </p:txBody>
       </p:sp>
@@ -1160,7 +1170,7 @@
     </p:spTree>
     <p:extLst>
       <p:ext uri="{BB962C8B-B14F-4D97-AF65-F5344CB8AC3E}">
-        <p14:creationId xmlns:p14="http://schemas.microsoft.com/office/powerpoint/2010/main" val="1570003116"/>
+        <p14:creationId xmlns:p14="http://schemas.microsoft.com/office/powerpoint/2010/main" val="1429502673"/>
       </p:ext>
     </p:extLst>
   </p:cSld>
@@ -1216,11 +1226,11 @@
           <a:p>
             <a:r>
               <a:rPr lang="en-US" dirty="0"/>
-              <a:t>We</a:t>
+              <a:t>When</a:t>
             </a:r>
             <a:r>
               <a:rPr lang="en-US" baseline="0" dirty="0"/>
-              <a:t> now have an expectation that expresses the state for the install recipe. But before we declare victory it is time to verify that the expectations truly are working.</a:t>
+              <a:t> we are done writing this expectation and execute the test suite we see that we now have 2 examples that both pass.</a:t>
             </a:r>
             <a:endParaRPr lang="en-US" dirty="0"/>
           </a:p>
@@ -1280,7 +1290,7 @@
     </p:spTree>
     <p:extLst>
       <p:ext uri="{BB962C8B-B14F-4D97-AF65-F5344CB8AC3E}">
-        <p14:creationId xmlns:p14="http://schemas.microsoft.com/office/powerpoint/2010/main" val="923774716"/>
+        <p14:creationId xmlns:p14="http://schemas.microsoft.com/office/powerpoint/2010/main" val="1570003116"/>
       </p:ext>
     </p:extLst>
   </p:cSld>
@@ -1336,21 +1346,13 @@
           <a:p>
             <a:r>
               <a:rPr lang="en-US" dirty="0"/>
-              <a:t>If</a:t>
+              <a:t>We</a:t>
             </a:r>
             <a:r>
               <a:rPr lang="en-US" baseline="0" dirty="0"/>
-              <a:t> a test passes and you have never seen it fail. How do you know it works? Without ever seeing a failure there is situation where we could be seeing a 'false positive'. This is because we did not develop this expectation with the test first. In this instance we have not done anything wrong. We simply need to ensure that the expectation we define will fail if we were to modify the code that we are testing.</a:t>
-            </a:r>
-          </a:p>
-          <a:p>
-            <a:endParaRPr lang="en-US" baseline="0" dirty="0"/>
-          </a:p>
-          <a:p>
-            <a:r>
-              <a:rPr lang="en-US" baseline="0" dirty="0"/>
-              <a:t>To do that it is time for us to return to the recipe and modify it, mutate it, to ensure that the test fails.</a:t>
-            </a:r>
+              <a:t> now have an expectation that expresses the state for the install recipe. But before we declare victory it is time to verify that the expectations truly are working.</a:t>
+            </a:r>
+            <a:endParaRPr lang="en-US" dirty="0"/>
           </a:p>
         </p:txBody>
       </p:sp>
@@ -1408,7 +1410,7 @@
     </p:spTree>
     <p:extLst>
       <p:ext uri="{BB962C8B-B14F-4D97-AF65-F5344CB8AC3E}">
-        <p14:creationId xmlns:p14="http://schemas.microsoft.com/office/powerpoint/2010/main" val="89391254"/>
+        <p14:creationId xmlns:p14="http://schemas.microsoft.com/office/powerpoint/2010/main" val="923774716"/>
       </p:ext>
     </p:extLst>
   </p:cSld>
@@ -1464,13 +1466,21 @@
           <a:p>
             <a:r>
               <a:rPr lang="en-US" dirty="0"/>
-              <a:t>One simple mutation is to</a:t>
+              <a:t>If</a:t>
             </a:r>
             <a:r>
               <a:rPr lang="en-US" baseline="0" dirty="0"/>
-              <a:t> remove the resource by commenting it out or removing it. We could also choose to rename the name of the resource.</a:t>
-            </a:r>
-            <a:endParaRPr lang="en-US" dirty="0"/>
+              <a:t> a test passes and you have never seen it fail. How do you know it works? Without ever seeing a failure there is situation where we could be seeing a 'false positive'. This is because we did not develop this expectation with the test first. In this instance we have not done anything wrong. We simply need to ensure that the expectation we define will fail if we were to modify the code that we are testing.</a:t>
+            </a:r>
+          </a:p>
+          <a:p>
+            <a:endParaRPr lang="en-US" baseline="0" dirty="0"/>
+          </a:p>
+          <a:p>
+            <a:r>
+              <a:rPr lang="en-US" baseline="0" dirty="0"/>
+              <a:t>To do that it is time for us to return to the recipe and modify it, mutate it, to ensure that the test fails.</a:t>
+            </a:r>
           </a:p>
         </p:txBody>
       </p:sp>
@@ -1528,7 +1538,7 @@
     </p:spTree>
     <p:extLst>
       <p:ext uri="{BB962C8B-B14F-4D97-AF65-F5344CB8AC3E}">
-        <p14:creationId xmlns:p14="http://schemas.microsoft.com/office/powerpoint/2010/main" val="1949758909"/>
+        <p14:creationId xmlns:p14="http://schemas.microsoft.com/office/powerpoint/2010/main" val="89391254"/>
       </p:ext>
     </p:extLst>
   </p:cSld>
@@ -1584,11 +1594,11 @@
           <a:p>
             <a:r>
               <a:rPr lang="en-US" dirty="0"/>
-              <a:t>Returning</a:t>
+              <a:t>One simple mutation is to</a:t>
             </a:r>
             <a:r>
               <a:rPr lang="en-US" baseline="0" dirty="0"/>
-              <a:t> to run the tests we now see that there is an error in the execution. The change that we made to the recipe, the removal of the resource, generates this error. We can state with confidence that the expectation that we defined properly insures our expectations about the 'Resource Collection'.</a:t>
+              <a:t> remove the resource by commenting it out or removing it. We could also choose to rename the name of the resource.</a:t>
             </a:r>
             <a:endParaRPr lang="en-US" dirty="0"/>
           </a:p>
@@ -1648,7 +1658,7 @@
     </p:spTree>
     <p:extLst>
       <p:ext uri="{BB962C8B-B14F-4D97-AF65-F5344CB8AC3E}">
-        <p14:creationId xmlns:p14="http://schemas.microsoft.com/office/powerpoint/2010/main" val="1282210074"/>
+        <p14:creationId xmlns:p14="http://schemas.microsoft.com/office/powerpoint/2010/main" val="1949758909"/>
       </p:ext>
     </p:extLst>
   </p:cSld>
@@ -1704,11 +1714,11 @@
           <a:p>
             <a:r>
               <a:rPr lang="en-US" dirty="0"/>
-              <a:t>Time to restore</a:t>
+              <a:t>Returning</a:t>
             </a:r>
             <a:r>
               <a:rPr lang="en-US" baseline="0" dirty="0"/>
-              <a:t> the mutation we introduced.</a:t>
+              <a:t> to run the tests we now see that there is an error in the execution. The change that we made to the recipe, the removal of the resource, generates this error. We can state with confidence that the expectation that we defined properly insures our expectations about the 'Resource Collection'.</a:t>
             </a:r>
             <a:endParaRPr lang="en-US" dirty="0"/>
           </a:p>
@@ -1768,7 +1778,7 @@
     </p:spTree>
     <p:extLst>
       <p:ext uri="{BB962C8B-B14F-4D97-AF65-F5344CB8AC3E}">
-        <p14:creationId xmlns:p14="http://schemas.microsoft.com/office/powerpoint/2010/main" val="216102085"/>
+        <p14:creationId xmlns:p14="http://schemas.microsoft.com/office/powerpoint/2010/main" val="1282210074"/>
       </p:ext>
     </p:extLst>
   </p:cSld>
@@ -1824,11 +1834,11 @@
           <a:p>
             <a:r>
               <a:rPr lang="en-US" dirty="0"/>
-              <a:t>Verify</a:t>
+              <a:t>Time to restore</a:t>
             </a:r>
             <a:r>
               <a:rPr lang="en-US" baseline="0" dirty="0"/>
-              <a:t> that all the examples complete successfully.</a:t>
+              <a:t> the mutation we introduced.</a:t>
             </a:r>
             <a:endParaRPr lang="en-US" dirty="0"/>
           </a:p>
@@ -1888,7 +1898,7 @@
     </p:spTree>
     <p:extLst>
       <p:ext uri="{BB962C8B-B14F-4D97-AF65-F5344CB8AC3E}">
-        <p14:creationId xmlns:p14="http://schemas.microsoft.com/office/powerpoint/2010/main" val="295343095"/>
+        <p14:creationId xmlns:p14="http://schemas.microsoft.com/office/powerpoint/2010/main" val="216102085"/>
       </p:ext>
     </p:extLst>
   </p:cSld>
@@ -1943,8 +1953,12 @@
           <a:lstStyle/>
           <a:p>
             <a:r>
+              <a:rPr lang="en-US" dirty="0"/>
+              <a:t>Verify</a:t>
+            </a:r>
+            <a:r>
               <a:rPr lang="en-US" baseline="0" dirty="0"/>
-              <a:t>We walked through ensuring this recipe has the necessary expectations defined.</a:t>
+              <a:t> that all the examples complete successfully.</a:t>
             </a:r>
             <a:endParaRPr lang="en-US" dirty="0"/>
           </a:p>
@@ -2004,7 +2018,7 @@
     </p:spTree>
     <p:extLst>
       <p:ext uri="{BB962C8B-B14F-4D97-AF65-F5344CB8AC3E}">
-        <p14:creationId xmlns:p14="http://schemas.microsoft.com/office/powerpoint/2010/main" val="1120353567"/>
+        <p14:creationId xmlns:p14="http://schemas.microsoft.com/office/powerpoint/2010/main" val="295343095"/>
       </p:ext>
     </p:extLst>
   </p:cSld>
@@ -2059,26 +2073,8 @@
           <a:lstStyle/>
           <a:p>
             <a:r>
-              <a:rPr lang="en-US" dirty="0"/>
-              <a:t>Now it is</a:t>
-            </a:r>
-            <a:r>
               <a:rPr lang="en-US" baseline="0" dirty="0"/>
-              <a:t> your turn. Using the same strategy it is time to address the remaining recipes within the cookbook.</a:t>
-            </a:r>
-            <a:endParaRPr lang="en-US" dirty="0"/>
-          </a:p>
-          <a:p>
-            <a:endParaRPr lang="en-US" dirty="0"/>
-          </a:p>
-          <a:p>
-            <a:r>
-              <a:rPr lang="en-US" dirty="0"/>
-              <a:t>Instructor Note: Allow 15 minutes to</a:t>
-            </a:r>
-            <a:r>
-              <a:rPr lang="en-US" baseline="0" dirty="0"/>
-              <a:t> complete this exercise</a:t>
+              <a:t>We walked through ensuring this recipe has the necessary expectations defined.</a:t>
             </a:r>
             <a:endParaRPr lang="en-US" dirty="0"/>
           </a:p>
@@ -2138,7 +2134,7 @@
     </p:spTree>
     <p:extLst>
       <p:ext uri="{BB962C8B-B14F-4D97-AF65-F5344CB8AC3E}">
-        <p14:creationId xmlns:p14="http://schemas.microsoft.com/office/powerpoint/2010/main" val="1157713287"/>
+        <p14:creationId xmlns:p14="http://schemas.microsoft.com/office/powerpoint/2010/main" val="1120353567"/>
       </p:ext>
     </p:extLst>
   </p:cSld>
@@ -2320,7 +2316,29 @@
           <a:bodyPr/>
           <a:lstStyle/>
           <a:p>
-            <a:endParaRPr lang="en-US" baseline="0" dirty="0"/>
+            <a:r>
+              <a:rPr lang="en-US" dirty="0"/>
+              <a:t>Now it is</a:t>
+            </a:r>
+            <a:r>
+              <a:rPr lang="en-US" baseline="0" dirty="0"/>
+              <a:t> your turn. Using the same strategy it is time to address the remaining recipes within the cookbook.</a:t>
+            </a:r>
+            <a:endParaRPr lang="en-US" dirty="0"/>
+          </a:p>
+          <a:p>
+            <a:endParaRPr lang="en-US" dirty="0"/>
+          </a:p>
+          <a:p>
+            <a:r>
+              <a:rPr lang="en-US" dirty="0"/>
+              <a:t>Instructor Note: Allow 15 minutes to</a:t>
+            </a:r>
+            <a:r>
+              <a:rPr lang="en-US" baseline="0" dirty="0"/>
+              <a:t> complete this exercise</a:t>
+            </a:r>
+            <a:endParaRPr lang="en-US" dirty="0"/>
           </a:p>
         </p:txBody>
       </p:sp>
@@ -2378,7 +2396,7 @@
     </p:spTree>
     <p:extLst>
       <p:ext uri="{BB962C8B-B14F-4D97-AF65-F5344CB8AC3E}">
-        <p14:creationId xmlns:p14="http://schemas.microsoft.com/office/powerpoint/2010/main" val="1679214650"/>
+        <p14:creationId xmlns:p14="http://schemas.microsoft.com/office/powerpoint/2010/main" val="1157713287"/>
       </p:ext>
     </p:extLst>
   </p:cSld>
@@ -2432,24 +2450,7 @@
           <a:bodyPr/>
           <a:lstStyle/>
           <a:p>
-            <a:r>
-              <a:rPr lang="en-US" dirty="0"/>
-              <a:t>Let's review the final resulting</a:t>
-            </a:r>
-            <a:r>
-              <a:rPr lang="en-US" baseline="0" dirty="0"/>
-              <a:t> specification for only the service recipe. We defined two examples. One that states the expectation that the necessary service has been started. The other states the expectation that the necessary service has been enabled.</a:t>
-            </a:r>
-          </a:p>
-          <a:p>
             <a:endParaRPr lang="en-US" baseline="0" dirty="0"/>
-          </a:p>
-          <a:p>
-            <a:r>
-              <a:rPr lang="en-US" baseline="0" dirty="0"/>
-              <a:t>Instructor Note: We are showing the final concluding content and not the workflow.</a:t>
-            </a:r>
-            <a:endParaRPr lang="en-US" dirty="0"/>
           </a:p>
         </p:txBody>
       </p:sp>
@@ -2507,7 +2508,7 @@
     </p:spTree>
     <p:extLst>
       <p:ext uri="{BB962C8B-B14F-4D97-AF65-F5344CB8AC3E}">
-        <p14:creationId xmlns:p14="http://schemas.microsoft.com/office/powerpoint/2010/main" val="447585381"/>
+        <p14:creationId xmlns:p14="http://schemas.microsoft.com/office/powerpoint/2010/main" val="1679214650"/>
       </p:ext>
     </p:extLst>
   </p:cSld>
@@ -2561,15 +2562,7 @@
           <a:bodyPr/>
           <a:lstStyle/>
           <a:p>
-            <a:r>
-              <a:rPr lang="en-US" dirty="0"/>
-              <a:t>Verifying</a:t>
-            </a:r>
-            <a:r>
-              <a:rPr lang="en-US" baseline="0" dirty="0"/>
-              <a:t> the examples we see three passing examples.</a:t>
-            </a:r>
-            <a:endParaRPr lang="en-US" dirty="0"/>
+            <a:endParaRPr lang="en-US" baseline="0" dirty="0"/>
           </a:p>
         </p:txBody>
       </p:sp>
@@ -2627,7 +2620,7 @@
     </p:spTree>
     <p:extLst>
       <p:ext uri="{BB962C8B-B14F-4D97-AF65-F5344CB8AC3E}">
-        <p14:creationId xmlns:p14="http://schemas.microsoft.com/office/powerpoint/2010/main" val="825794145"/>
+        <p14:creationId xmlns:p14="http://schemas.microsoft.com/office/powerpoint/2010/main" val="405528120"/>
       </p:ext>
     </p:extLst>
   </p:cSld>
@@ -2682,8 +2675,12 @@
           <a:lstStyle/>
           <a:p>
             <a:r>
+              <a:rPr lang="en-US" dirty="0"/>
+              <a:t>Let's review the final resulting</a:t>
+            </a:r>
+            <a:r>
               <a:rPr lang="en-US" baseline="0" dirty="0"/>
-              <a:t>Congratulations. Now you have completed writing unit tests for the remaining resources across all our recipes.</a:t>
+              <a:t> specification for only the service recipe. We defined two examples. One that states the expectation that the necessary service has been started. The other states the expectation that the necessary service has been enabled.</a:t>
             </a:r>
           </a:p>
           <a:p>
@@ -2692,8 +2689,9 @@
           <a:p>
             <a:r>
               <a:rPr lang="en-US" baseline="0" dirty="0"/>
-              <a:t>Instructor Note: We did not review the configuration recipe.</a:t>
-            </a:r>
+              <a:t>Instructor Note: We are showing the final concluding content and not the workflow.</a:t>
+            </a:r>
+            <a:endParaRPr lang="en-US" dirty="0"/>
           </a:p>
         </p:txBody>
       </p:sp>
@@ -2751,7 +2749,7 @@
     </p:spTree>
     <p:extLst>
       <p:ext uri="{BB962C8B-B14F-4D97-AF65-F5344CB8AC3E}">
-        <p14:creationId xmlns:p14="http://schemas.microsoft.com/office/powerpoint/2010/main" val="272318191"/>
+        <p14:creationId xmlns:p14="http://schemas.microsoft.com/office/powerpoint/2010/main" val="447585381"/>
       </p:ext>
     </p:extLst>
   </p:cSld>
@@ -2805,7 +2803,15 @@
           <a:bodyPr/>
           <a:lstStyle/>
           <a:p>
-            <a:endParaRPr lang="en-US" baseline="0" dirty="0"/>
+            <a:r>
+              <a:rPr lang="en-US" dirty="0"/>
+              <a:t>Verifying</a:t>
+            </a:r>
+            <a:r>
+              <a:rPr lang="en-US" baseline="0" dirty="0"/>
+              <a:t> the examples we see three passing examples.</a:t>
+            </a:r>
+            <a:endParaRPr lang="en-US" dirty="0"/>
           </a:p>
         </p:txBody>
       </p:sp>
@@ -2863,7 +2869,7 @@
     </p:spTree>
     <p:extLst>
       <p:ext uri="{BB962C8B-B14F-4D97-AF65-F5344CB8AC3E}">
-        <p14:creationId xmlns:p14="http://schemas.microsoft.com/office/powerpoint/2010/main" val="3893739243"/>
+        <p14:creationId xmlns:p14="http://schemas.microsoft.com/office/powerpoint/2010/main" val="825794145"/>
       </p:ext>
     </p:extLst>
   </p:cSld>
@@ -2918,12 +2924,8 @@
           <a:lstStyle/>
           <a:p>
             <a:r>
-              <a:rPr lang="en-US" dirty="0"/>
-              <a:t>Let's review the final resulting</a:t>
-            </a:r>
-            <a:r>
               <a:rPr lang="en-US" baseline="0" dirty="0"/>
-              <a:t> specification for only the service recipe. We defined two examples. One that states the expectation that the necessary service has been started. The other states the expectation that the necessary service has been enabled.</a:t>
+              <a:t>Congratulations. Now you have completed writing unit tests for the remaining resources across all our recipes.</a:t>
             </a:r>
           </a:p>
           <a:p>
@@ -2932,9 +2934,8 @@
           <a:p>
             <a:r>
               <a:rPr lang="en-US" baseline="0" dirty="0"/>
-              <a:t>Instructor Note: We are showing the final concluding content and not the workflow.</a:t>
-            </a:r>
-            <a:endParaRPr lang="en-US" dirty="0"/>
+              <a:t>Instructor Note: We did not review the configuration recipe.</a:t>
+            </a:r>
           </a:p>
         </p:txBody>
       </p:sp>
@@ -2992,7 +2993,7 @@
     </p:spTree>
     <p:extLst>
       <p:ext uri="{BB962C8B-B14F-4D97-AF65-F5344CB8AC3E}">
-        <p14:creationId xmlns:p14="http://schemas.microsoft.com/office/powerpoint/2010/main" val="1507785139"/>
+        <p14:creationId xmlns:p14="http://schemas.microsoft.com/office/powerpoint/2010/main" val="272318191"/>
       </p:ext>
     </p:extLst>
   </p:cSld>
@@ -3046,47 +3047,7 @@
           <a:bodyPr/>
           <a:lstStyle/>
           <a:p>
-            <a:r>
-              <a:rPr lang="en-US" dirty="0"/>
-              <a:t>Running</a:t>
-            </a:r>
-            <a:r>
-              <a:rPr lang="en-US" baseline="0" dirty="0"/>
-              <a:t> '</a:t>
-            </a:r>
-            <a:r>
-              <a:rPr lang="en-US" baseline="0" dirty="0" err="1"/>
-              <a:t>rspec</a:t>
-            </a:r>
-            <a:r>
-              <a:rPr lang="en-US" baseline="0" dirty="0"/>
-              <a:t>' as we have during this and the last section has shown that we can provide a file and it will evaluate the examples within that file. Now that we have examples spread across multiple recipes it would be nice to be able to run them all at once. And actually that is how RSpec is designed to work by default. When you run '</a:t>
-            </a:r>
-            <a:r>
-              <a:rPr lang="en-US" baseline="0" dirty="0" err="1"/>
-              <a:t>rspec</a:t>
-            </a:r>
-            <a:r>
-              <a:rPr lang="en-US" baseline="0" dirty="0"/>
-              <a:t>' with no paths it will automatically find all specification files defined in the 'spec' directory.</a:t>
-            </a:r>
-          </a:p>
-          <a:p>
             <a:endParaRPr lang="en-US" baseline="0" dirty="0"/>
-          </a:p>
-          <a:p>
-            <a:r>
-              <a:rPr lang="en-US" baseline="0" dirty="0"/>
-              <a:t>It is important to note that all specification files must end with an '_</a:t>
-            </a:r>
-            <a:r>
-              <a:rPr lang="en-US" baseline="0" dirty="0" err="1"/>
-              <a:t>spec.rb</a:t>
-            </a:r>
-            <a:r>
-              <a:rPr lang="en-US" baseline="0" dirty="0"/>
-              <a:t>' for them to found by RSpec.</a:t>
-            </a:r>
           </a:p>
         </p:txBody>
       </p:sp>
@@ -3144,7 +3105,7 @@
     </p:spTree>
     <p:extLst>
       <p:ext uri="{BB962C8B-B14F-4D97-AF65-F5344CB8AC3E}">
-        <p14:creationId xmlns:p14="http://schemas.microsoft.com/office/powerpoint/2010/main" val="1996244903"/>
+        <p14:creationId xmlns:p14="http://schemas.microsoft.com/office/powerpoint/2010/main" val="3893739243"/>
       </p:ext>
     </p:extLst>
   </p:cSld>
@@ -3198,74 +3159,7 @@
           <a:bodyPr/>
           <a:lstStyle/>
           <a:p>
-            <a:r>
-              <a:rPr lang="en-US" dirty="0"/>
-              <a:t>Let's</a:t>
-            </a:r>
-            <a:r>
-              <a:rPr lang="en-US" baseline="0" dirty="0"/>
-              <a:t> verify every example across all the recipe specification files. In this output we see '</a:t>
-            </a:r>
-            <a:r>
-              <a:rPr lang="en-US" baseline="0" dirty="0" err="1"/>
-              <a:t>rspec</a:t>
-            </a:r>
-            <a:r>
-              <a:rPr lang="en-US" baseline="0" dirty="0"/>
-              <a:t>' found 8 examples found all of them passing all within 4.29 seconds.</a:t>
-            </a:r>
-          </a:p>
-          <a:p>
             <a:endParaRPr lang="en-US" baseline="0" dirty="0"/>
-          </a:p>
-          <a:p>
-            <a:r>
-              <a:rPr lang="en-US" baseline="0" dirty="0"/>
-              <a:t>The execution time of RSpec varies based on the specifications, the version of </a:t>
-            </a:r>
-            <a:r>
-              <a:rPr lang="en-US" baseline="0" dirty="0" err="1"/>
-              <a:t>ChefSpec</a:t>
-            </a:r>
-            <a:r>
-              <a:rPr lang="en-US" baseline="0" dirty="0"/>
-              <a:t>, the power of the workstation, and the platform.</a:t>
-            </a:r>
-          </a:p>
-          <a:p>
-            <a:endParaRPr lang="en-US" baseline="0" dirty="0"/>
-          </a:p>
-          <a:p>
-            <a:pPr marL="0" marR="0" indent="0" algn="l" defTabSz="1217613" rtl="0" eaLnBrk="1" fontAlgn="base" latinLnBrk="0" hangingPunct="1">
-              <a:lnSpc>
-                <a:spcPct val="90000"/>
-              </a:lnSpc>
-              <a:spcBef>
-                <a:spcPct val="30000"/>
-              </a:spcBef>
-              <a:spcAft>
-                <a:spcPts val="450"/>
-              </a:spcAft>
-              <a:buClrTx/>
-              <a:buSzTx/>
-              <a:buFontTx/>
-              <a:buNone/>
-              <a:tabLst/>
-              <a:defRPr/>
-            </a:pPr>
-            <a:r>
-              <a:rPr lang="en-US" baseline="0" dirty="0"/>
-              <a:t>Let's have a discussion.</a:t>
-            </a:r>
-          </a:p>
-          <a:p>
-            <a:endParaRPr lang="en-US" baseline="0" dirty="0"/>
-          </a:p>
-          <a:p>
-            <a:r>
-              <a:rPr lang="en-US" baseline="0" dirty="0"/>
-              <a:t>Instructor Note: This output was generated on a Amazon Web Services t1.micro running CentOS 6.9 installed with Chef DK 0.11.0.</a:t>
-            </a:r>
           </a:p>
         </p:txBody>
       </p:sp>
@@ -3323,7 +3217,7 @@
     </p:spTree>
     <p:extLst>
       <p:ext uri="{BB962C8B-B14F-4D97-AF65-F5344CB8AC3E}">
-        <p14:creationId xmlns:p14="http://schemas.microsoft.com/office/powerpoint/2010/main" val="407802300"/>
+        <p14:creationId xmlns:p14="http://schemas.microsoft.com/office/powerpoint/2010/main" val="433859015"/>
       </p:ext>
     </p:extLst>
   </p:cSld>
@@ -3377,26 +3271,22 @@
           <a:bodyPr/>
           <a:lstStyle/>
           <a:p>
-            <a:pPr marL="0" marR="0" indent="0" algn="l" defTabSz="1217613" rtl="0" eaLnBrk="1" fontAlgn="base" latinLnBrk="0" hangingPunct="1">
-              <a:lnSpc>
-                <a:spcPct val="90000"/>
-              </a:lnSpc>
-              <a:spcBef>
-                <a:spcPct val="30000"/>
-              </a:spcBef>
-              <a:spcAft>
-                <a:spcPts val="450"/>
-              </a:spcAft>
-              <a:buClrTx/>
-              <a:buSzTx/>
-              <a:buFontTx/>
-              <a:buNone/>
-              <a:tabLst/>
-              <a:defRPr/>
-            </a:pPr>
+            <a:r>
+              <a:rPr lang="en-US" dirty="0"/>
+              <a:t>Let's review the final resulting</a:t>
+            </a:r>
             <a:r>
               <a:rPr lang="en-US" baseline="0" dirty="0"/>
-              <a:t>Instructor Note: With large groups I often find it better to have individuals turn to the individuals around them, form groups of whatever size they feel comfortable, and have them take turns asking and answering the questions. When all the groups are done I then open the discussion up to the entire group allowing each group or individuals to share their answers.</a:t>
+              <a:t> specification for only the service recipe. We defined two examples. One that states the expectation that the necessary service has been started. The other states the expectation that the necessary service has been enabled.</a:t>
+            </a:r>
+          </a:p>
+          <a:p>
+            <a:endParaRPr lang="en-US" baseline="0" dirty="0"/>
+          </a:p>
+          <a:p>
+            <a:r>
+              <a:rPr lang="en-US" baseline="0" dirty="0"/>
+              <a:t>Instructor Note: We are showing the final concluding content and not the workflow.</a:t>
             </a:r>
             <a:endParaRPr lang="en-US" dirty="0"/>
           </a:p>
@@ -3456,7 +3346,7 @@
     </p:spTree>
     <p:extLst>
       <p:ext uri="{BB962C8B-B14F-4D97-AF65-F5344CB8AC3E}">
-        <p14:creationId xmlns:p14="http://schemas.microsoft.com/office/powerpoint/2010/main" val="1796965812"/>
+        <p14:creationId xmlns:p14="http://schemas.microsoft.com/office/powerpoint/2010/main" val="1507785139"/>
       </p:ext>
     </p:extLst>
   </p:cSld>
@@ -3510,32 +3400,47 @@
           <a:bodyPr/>
           <a:lstStyle/>
           <a:p>
-            <a:pPr marL="0" marR="0" indent="0" algn="l" defTabSz="1217613" rtl="0" eaLnBrk="1" fontAlgn="base" latinLnBrk="0" hangingPunct="1">
-              <a:lnSpc>
-                <a:spcPct val="90000"/>
-              </a:lnSpc>
-              <a:spcBef>
-                <a:spcPct val="30000"/>
-              </a:spcBef>
-              <a:spcAft>
-                <a:spcPts val="450"/>
-              </a:spcAft>
-              <a:buClrTx/>
-              <a:buSzTx/>
-              <a:buFontTx/>
-              <a:buNone/>
-              <a:tabLst/>
-              <a:defRPr/>
-            </a:pPr>
-            <a:r>
-              <a:rPr lang="en-US" dirty="0"/>
-              <a:t>Before</a:t>
+            <a:r>
+              <a:rPr lang="en-US" dirty="0"/>
+              <a:t>Running</a:t>
             </a:r>
             <a:r>
               <a:rPr lang="en-US" baseline="0" dirty="0"/>
-              <a:t> we complete this section, let us pause for questions.</a:t>
-            </a:r>
-            <a:endParaRPr lang="en-US" dirty="0"/>
+              <a:t> '</a:t>
+            </a:r>
+            <a:r>
+              <a:rPr lang="en-US" baseline="0" dirty="0" err="1"/>
+              <a:t>rspec</a:t>
+            </a:r>
+            <a:r>
+              <a:rPr lang="en-US" baseline="0" dirty="0"/>
+              <a:t>' as we have during this and the last section has shown that we can provide a file and it will evaluate the examples within that file. Now that we have examples spread across multiple recipes it would be nice to be able to run them all at once. And actually that is how RSpec is designed to work by default. When you run '</a:t>
+            </a:r>
+            <a:r>
+              <a:rPr lang="en-US" baseline="0" dirty="0" err="1"/>
+              <a:t>rspec</a:t>
+            </a:r>
+            <a:r>
+              <a:rPr lang="en-US" baseline="0" dirty="0"/>
+              <a:t>' with no paths it will automatically find all specification files defined in the 'spec' directory.</a:t>
+            </a:r>
+          </a:p>
+          <a:p>
+            <a:endParaRPr lang="en-US" baseline="0" dirty="0"/>
+          </a:p>
+          <a:p>
+            <a:r>
+              <a:rPr lang="en-US" baseline="0" dirty="0"/>
+              <a:t>It is important to note that all specification files must end with an '_</a:t>
+            </a:r>
+            <a:r>
+              <a:rPr lang="en-US" baseline="0" dirty="0" err="1"/>
+              <a:t>spec.rb</a:t>
+            </a:r>
+            <a:r>
+              <a:rPr lang="en-US" baseline="0" dirty="0"/>
+              <a:t>' for them to found by RSpec.</a:t>
+            </a:r>
           </a:p>
         </p:txBody>
       </p:sp>
@@ -3593,7 +3498,7 @@
     </p:spTree>
     <p:extLst>
       <p:ext uri="{BB962C8B-B14F-4D97-AF65-F5344CB8AC3E}">
-        <p14:creationId xmlns:p14="http://schemas.microsoft.com/office/powerpoint/2010/main" val="274177319"/>
+        <p14:creationId xmlns:p14="http://schemas.microsoft.com/office/powerpoint/2010/main" val="1996244903"/>
       </p:ext>
     </p:extLst>
   </p:cSld>
@@ -3767,6 +3672,455 @@
           <a:bodyPr/>
           <a:lstStyle/>
           <a:p>
+            <a:r>
+              <a:rPr lang="en-US" dirty="0"/>
+              <a:t>Let's</a:t>
+            </a:r>
+            <a:r>
+              <a:rPr lang="en-US" baseline="0" dirty="0"/>
+              <a:t> verify every example across all the recipe specification files. In this output we see '</a:t>
+            </a:r>
+            <a:r>
+              <a:rPr lang="en-US" baseline="0" dirty="0" err="1"/>
+              <a:t>rspec</a:t>
+            </a:r>
+            <a:r>
+              <a:rPr lang="en-US" baseline="0" dirty="0"/>
+              <a:t>' found 8 examples found all of them passing all within 4.29 seconds.</a:t>
+            </a:r>
+          </a:p>
+          <a:p>
+            <a:endParaRPr lang="en-US" baseline="0" dirty="0"/>
+          </a:p>
+          <a:p>
+            <a:r>
+              <a:rPr lang="en-US" baseline="0" dirty="0"/>
+              <a:t>The execution time of RSpec varies based on the specifications, the version of </a:t>
+            </a:r>
+            <a:r>
+              <a:rPr lang="en-US" baseline="0" dirty="0" err="1"/>
+              <a:t>ChefSpec</a:t>
+            </a:r>
+            <a:r>
+              <a:rPr lang="en-US" baseline="0" dirty="0"/>
+              <a:t>, the power of the workstation, and the platform.</a:t>
+            </a:r>
+          </a:p>
+          <a:p>
+            <a:endParaRPr lang="en-US" baseline="0" dirty="0"/>
+          </a:p>
+          <a:p>
+            <a:pPr marL="0" marR="0" indent="0" algn="l" defTabSz="1217613" rtl="0" eaLnBrk="1" fontAlgn="base" latinLnBrk="0" hangingPunct="1">
+              <a:lnSpc>
+                <a:spcPct val="90000"/>
+              </a:lnSpc>
+              <a:spcBef>
+                <a:spcPct val="30000"/>
+              </a:spcBef>
+              <a:spcAft>
+                <a:spcPts val="450"/>
+              </a:spcAft>
+              <a:buClrTx/>
+              <a:buSzTx/>
+              <a:buFontTx/>
+              <a:buNone/>
+              <a:tabLst/>
+              <a:defRPr/>
+            </a:pPr>
+            <a:r>
+              <a:rPr lang="en-US" baseline="0" dirty="0"/>
+              <a:t>Let's have a discussion.</a:t>
+            </a:r>
+          </a:p>
+          <a:p>
+            <a:endParaRPr lang="en-US" baseline="0" dirty="0"/>
+          </a:p>
+          <a:p>
+            <a:r>
+              <a:rPr lang="en-US" baseline="0" dirty="0"/>
+              <a:t>Instructor Note: This output was generated on a Amazon Web Services t1.micro running CentOS 6.9 installed with Chef DK 0.11.0.</a:t>
+            </a:r>
+          </a:p>
+        </p:txBody>
+      </p:sp>
+      <p:sp>
+        <p:nvSpPr>
+          <p:cNvPr id="5" name="Header Placeholder 4"/>
+          <p:cNvSpPr>
+            <a:spLocks noGrp="1"/>
+          </p:cNvSpPr>
+          <p:nvPr>
+            <p:ph type="hdr" sz="quarter" idx="11"/>
+          </p:nvPr>
+        </p:nvSpPr>
+        <p:spPr/>
+        <p:txBody>
+          <a:bodyPr/>
+          <a:lstStyle/>
+          <a:p>
+            <a:pPr>
+              <a:defRPr/>
+            </a:pPr>
+            <a:r>
+              <a:rPr lang="en-US"/>
+              <a:t>Chef Intermediate</a:t>
+            </a:r>
+          </a:p>
+        </p:txBody>
+      </p:sp>
+      <p:sp>
+        <p:nvSpPr>
+          <p:cNvPr id="7" name="Date Placeholder 6"/>
+          <p:cNvSpPr>
+            <a:spLocks noGrp="1"/>
+          </p:cNvSpPr>
+          <p:nvPr>
+            <p:ph type="dt" idx="13"/>
+          </p:nvPr>
+        </p:nvSpPr>
+        <p:spPr/>
+        <p:txBody>
+          <a:bodyPr/>
+          <a:lstStyle/>
+          <a:p>
+            <a:pPr>
+              <a:defRPr/>
+            </a:pPr>
+            <a:r>
+              <a:rPr lang="en-US"/>
+              <a:t>Chef Software, Inc.</a:t>
+            </a:r>
+            <a:endParaRPr lang="en-US" dirty="0"/>
+          </a:p>
+        </p:txBody>
+      </p:sp>
+    </p:spTree>
+    <p:extLst>
+      <p:ext uri="{BB962C8B-B14F-4D97-AF65-F5344CB8AC3E}">
+        <p14:creationId xmlns:p14="http://schemas.microsoft.com/office/powerpoint/2010/main" val="407802300"/>
+      </p:ext>
+    </p:extLst>
+  </p:cSld>
+  <p:clrMapOvr>
+    <a:masterClrMapping/>
+  </p:clrMapOvr>
+</p:notes>
+</file>
+
+<file path=ppt/notesSlides/notesSlide31.xml><?xml version="1.0" encoding="utf-8"?>
+<p:notes xmlns:a="http://schemas.openxmlformats.org/drawingml/2006/main" xmlns:r="http://schemas.openxmlformats.org/officeDocument/2006/relationships" xmlns:p="http://schemas.openxmlformats.org/presentationml/2006/main">
+  <p:cSld>
+    <p:spTree>
+      <p:nvGrpSpPr>
+        <p:cNvPr id="1" name=""/>
+        <p:cNvGrpSpPr/>
+        <p:nvPr/>
+      </p:nvGrpSpPr>
+      <p:grpSpPr>
+        <a:xfrm>
+          <a:off x="0" y="0"/>
+          <a:ext cx="0" cy="0"/>
+          <a:chOff x="0" y="0"/>
+          <a:chExt cx="0" cy="0"/>
+        </a:xfrm>
+      </p:grpSpPr>
+      <p:sp>
+        <p:nvSpPr>
+          <p:cNvPr id="2" name="Slide Image Placeholder 1"/>
+          <p:cNvSpPr>
+            <a:spLocks noGrp="1" noRot="1" noChangeAspect="1"/>
+          </p:cNvSpPr>
+          <p:nvPr>
+            <p:ph type="sldImg"/>
+          </p:nvPr>
+        </p:nvSpPr>
+        <p:spPr/>
+      </p:sp>
+      <p:sp>
+        <p:nvSpPr>
+          <p:cNvPr id="3" name="Notes Placeholder 2"/>
+          <p:cNvSpPr>
+            <a:spLocks noGrp="1"/>
+          </p:cNvSpPr>
+          <p:nvPr>
+            <p:ph type="body" idx="1"/>
+          </p:nvPr>
+        </p:nvSpPr>
+        <p:spPr/>
+        <p:txBody>
+          <a:bodyPr/>
+          <a:lstStyle/>
+          <a:p>
+            <a:pPr marL="0" marR="0" indent="0" algn="l" defTabSz="1217613" rtl="0" eaLnBrk="1" fontAlgn="base" latinLnBrk="0" hangingPunct="1">
+              <a:lnSpc>
+                <a:spcPct val="90000"/>
+              </a:lnSpc>
+              <a:spcBef>
+                <a:spcPct val="30000"/>
+              </a:spcBef>
+              <a:spcAft>
+                <a:spcPts val="450"/>
+              </a:spcAft>
+              <a:buClrTx/>
+              <a:buSzTx/>
+              <a:buFontTx/>
+              <a:buNone/>
+              <a:tabLst/>
+              <a:defRPr/>
+            </a:pPr>
+            <a:r>
+              <a:rPr lang="en-US" baseline="0" dirty="0"/>
+              <a:t>Instructor Note: With large groups I often find it better to have individuals turn to the individuals around them, form groups of whatever size they feel comfortable, and have them take turns asking and answering the questions. When all the groups are done I then open the discussion up to the entire group allowing each group or individuals to share their answers.</a:t>
+            </a:r>
+            <a:endParaRPr lang="en-US" dirty="0"/>
+          </a:p>
+        </p:txBody>
+      </p:sp>
+      <p:sp>
+        <p:nvSpPr>
+          <p:cNvPr id="5" name="Header Placeholder 4"/>
+          <p:cNvSpPr>
+            <a:spLocks noGrp="1"/>
+          </p:cNvSpPr>
+          <p:nvPr>
+            <p:ph type="hdr" sz="quarter" idx="11"/>
+          </p:nvPr>
+        </p:nvSpPr>
+        <p:spPr/>
+        <p:txBody>
+          <a:bodyPr/>
+          <a:lstStyle/>
+          <a:p>
+            <a:pPr>
+              <a:defRPr/>
+            </a:pPr>
+            <a:r>
+              <a:rPr lang="en-US"/>
+              <a:t>Chef Intermediate</a:t>
+            </a:r>
+          </a:p>
+        </p:txBody>
+      </p:sp>
+      <p:sp>
+        <p:nvSpPr>
+          <p:cNvPr id="7" name="Date Placeholder 6"/>
+          <p:cNvSpPr>
+            <a:spLocks noGrp="1"/>
+          </p:cNvSpPr>
+          <p:nvPr>
+            <p:ph type="dt" idx="13"/>
+          </p:nvPr>
+        </p:nvSpPr>
+        <p:spPr/>
+        <p:txBody>
+          <a:bodyPr/>
+          <a:lstStyle/>
+          <a:p>
+            <a:pPr>
+              <a:defRPr/>
+            </a:pPr>
+            <a:r>
+              <a:rPr lang="en-US"/>
+              <a:t>Chef Software, Inc.</a:t>
+            </a:r>
+            <a:endParaRPr lang="en-US" dirty="0"/>
+          </a:p>
+        </p:txBody>
+      </p:sp>
+    </p:spTree>
+    <p:extLst>
+      <p:ext uri="{BB962C8B-B14F-4D97-AF65-F5344CB8AC3E}">
+        <p14:creationId xmlns:p14="http://schemas.microsoft.com/office/powerpoint/2010/main" val="1796965812"/>
+      </p:ext>
+    </p:extLst>
+  </p:cSld>
+  <p:clrMapOvr>
+    <a:masterClrMapping/>
+  </p:clrMapOvr>
+</p:notes>
+</file>
+
+<file path=ppt/notesSlides/notesSlide32.xml><?xml version="1.0" encoding="utf-8"?>
+<p:notes xmlns:a="http://schemas.openxmlformats.org/drawingml/2006/main" xmlns:r="http://schemas.openxmlformats.org/officeDocument/2006/relationships" xmlns:p="http://schemas.openxmlformats.org/presentationml/2006/main">
+  <p:cSld>
+    <p:spTree>
+      <p:nvGrpSpPr>
+        <p:cNvPr id="1" name=""/>
+        <p:cNvGrpSpPr/>
+        <p:nvPr/>
+      </p:nvGrpSpPr>
+      <p:grpSpPr>
+        <a:xfrm>
+          <a:off x="0" y="0"/>
+          <a:ext cx="0" cy="0"/>
+          <a:chOff x="0" y="0"/>
+          <a:chExt cx="0" cy="0"/>
+        </a:xfrm>
+      </p:grpSpPr>
+      <p:sp>
+        <p:nvSpPr>
+          <p:cNvPr id="2" name="Slide Image Placeholder 1"/>
+          <p:cNvSpPr>
+            <a:spLocks noGrp="1" noRot="1" noChangeAspect="1"/>
+          </p:cNvSpPr>
+          <p:nvPr>
+            <p:ph type="sldImg"/>
+          </p:nvPr>
+        </p:nvSpPr>
+        <p:spPr/>
+      </p:sp>
+      <p:sp>
+        <p:nvSpPr>
+          <p:cNvPr id="3" name="Notes Placeholder 2"/>
+          <p:cNvSpPr>
+            <a:spLocks noGrp="1"/>
+          </p:cNvSpPr>
+          <p:nvPr>
+            <p:ph type="body" idx="1"/>
+          </p:nvPr>
+        </p:nvSpPr>
+        <p:spPr/>
+        <p:txBody>
+          <a:bodyPr/>
+          <a:lstStyle/>
+          <a:p>
+            <a:pPr marL="0" marR="0" indent="0" algn="l" defTabSz="1217613" rtl="0" eaLnBrk="1" fontAlgn="base" latinLnBrk="0" hangingPunct="1">
+              <a:lnSpc>
+                <a:spcPct val="90000"/>
+              </a:lnSpc>
+              <a:spcBef>
+                <a:spcPct val="30000"/>
+              </a:spcBef>
+              <a:spcAft>
+                <a:spcPts val="450"/>
+              </a:spcAft>
+              <a:buClrTx/>
+              <a:buSzTx/>
+              <a:buFontTx/>
+              <a:buNone/>
+              <a:tabLst/>
+              <a:defRPr/>
+            </a:pPr>
+            <a:r>
+              <a:rPr lang="en-US" dirty="0"/>
+              <a:t>Before</a:t>
+            </a:r>
+            <a:r>
+              <a:rPr lang="en-US" baseline="0" dirty="0"/>
+              <a:t> we complete this section, let us pause for questions.</a:t>
+            </a:r>
+            <a:endParaRPr lang="en-US" dirty="0"/>
+          </a:p>
+        </p:txBody>
+      </p:sp>
+      <p:sp>
+        <p:nvSpPr>
+          <p:cNvPr id="5" name="Header Placeholder 4"/>
+          <p:cNvSpPr>
+            <a:spLocks noGrp="1"/>
+          </p:cNvSpPr>
+          <p:nvPr>
+            <p:ph type="hdr" sz="quarter" idx="11"/>
+          </p:nvPr>
+        </p:nvSpPr>
+        <p:spPr/>
+        <p:txBody>
+          <a:bodyPr/>
+          <a:lstStyle/>
+          <a:p>
+            <a:pPr>
+              <a:defRPr/>
+            </a:pPr>
+            <a:r>
+              <a:rPr lang="en-US"/>
+              <a:t>Chef Intermediate</a:t>
+            </a:r>
+          </a:p>
+        </p:txBody>
+      </p:sp>
+      <p:sp>
+        <p:nvSpPr>
+          <p:cNvPr id="7" name="Date Placeholder 6"/>
+          <p:cNvSpPr>
+            <a:spLocks noGrp="1"/>
+          </p:cNvSpPr>
+          <p:nvPr>
+            <p:ph type="dt" idx="13"/>
+          </p:nvPr>
+        </p:nvSpPr>
+        <p:spPr/>
+        <p:txBody>
+          <a:bodyPr/>
+          <a:lstStyle/>
+          <a:p>
+            <a:pPr>
+              <a:defRPr/>
+            </a:pPr>
+            <a:r>
+              <a:rPr lang="en-US"/>
+              <a:t>Chef Software, Inc.</a:t>
+            </a:r>
+            <a:endParaRPr lang="en-US" dirty="0"/>
+          </a:p>
+        </p:txBody>
+      </p:sp>
+    </p:spTree>
+    <p:extLst>
+      <p:ext uri="{BB962C8B-B14F-4D97-AF65-F5344CB8AC3E}">
+        <p14:creationId xmlns:p14="http://schemas.microsoft.com/office/powerpoint/2010/main" val="274177319"/>
+      </p:ext>
+    </p:extLst>
+  </p:cSld>
+  <p:clrMapOvr>
+    <a:masterClrMapping/>
+  </p:clrMapOvr>
+</p:notes>
+</file>
+
+<file path=ppt/notesSlides/notesSlide33.xml><?xml version="1.0" encoding="utf-8"?>
+<p:notes xmlns:a="http://schemas.openxmlformats.org/drawingml/2006/main" xmlns:r="http://schemas.openxmlformats.org/officeDocument/2006/relationships" xmlns:p="http://schemas.openxmlformats.org/presentationml/2006/main">
+  <p:cSld>
+    <p:spTree>
+      <p:nvGrpSpPr>
+        <p:cNvPr id="1" name=""/>
+        <p:cNvGrpSpPr/>
+        <p:nvPr/>
+      </p:nvGrpSpPr>
+      <p:grpSpPr>
+        <a:xfrm>
+          <a:off x="0" y="0"/>
+          <a:ext cx="0" cy="0"/>
+          <a:chOff x="0" y="0"/>
+          <a:chExt cx="0" cy="0"/>
+        </a:xfrm>
+      </p:grpSpPr>
+      <p:sp>
+        <p:nvSpPr>
+          <p:cNvPr id="2" name="Slide Image Placeholder 1"/>
+          <p:cNvSpPr>
+            <a:spLocks noGrp="1" noRot="1" noChangeAspect="1"/>
+          </p:cNvSpPr>
+          <p:nvPr>
+            <p:ph type="sldImg"/>
+          </p:nvPr>
+        </p:nvSpPr>
+        <p:spPr/>
+      </p:sp>
+      <p:sp>
+        <p:nvSpPr>
+          <p:cNvPr id="3" name="Notes Placeholder 2"/>
+          <p:cNvSpPr>
+            <a:spLocks noGrp="1"/>
+          </p:cNvSpPr>
+          <p:nvPr>
+            <p:ph type="body" idx="1"/>
+          </p:nvPr>
+        </p:nvSpPr>
+        <p:spPr/>
+        <p:txBody>
+          <a:bodyPr/>
+          <a:lstStyle/>
+          <a:p>
             <a:pPr marL="0" marR="0" indent="0" algn="l" defTabSz="1217613" rtl="0" eaLnBrk="1" fontAlgn="base" latinLnBrk="0" hangingPunct="1">
               <a:lnSpc>
                 <a:spcPct val="90000"/>
@@ -4273,21 +4627,17 @@
           <a:p>
             <a:r>
               <a:rPr lang="en-US" dirty="0"/>
-              <a:t>The</a:t>
+              <a:t>Again it is important that</a:t>
             </a:r>
             <a:r>
               <a:rPr lang="en-US" baseline="0" dirty="0"/>
-              <a:t> </a:t>
-            </a:r>
-            <a:r>
-              <a:rPr lang="en-US" dirty="0"/>
-              <a:t>install</a:t>
-            </a:r>
-            <a:r>
-              <a:rPr lang="en-US" baseline="0" dirty="0"/>
-              <a:t> recipe installs the necessary the necessary software for the webserver. We can start by writing a pending example.</a:t>
-            </a:r>
-            <a:endParaRPr lang="en-US" dirty="0"/>
+              <a:t> your tests describe the current system that this recipe is working on. Especially if you </a:t>
+            </a:r>
+            <a:r>
+              <a:rPr lang="en-US" baseline="0"/>
+              <a:t>build your cookbook to support multiple platforms.</a:t>
+            </a:r>
+            <a:endParaRPr lang="en-US" baseline="0" dirty="0"/>
           </a:p>
         </p:txBody>
       </p:sp>
@@ -4345,7 +4695,7 @@
     </p:spTree>
     <p:extLst>
       <p:ext uri="{BB962C8B-B14F-4D97-AF65-F5344CB8AC3E}">
-        <p14:creationId xmlns:p14="http://schemas.microsoft.com/office/powerpoint/2010/main" val="354564336"/>
+        <p14:creationId xmlns:p14="http://schemas.microsoft.com/office/powerpoint/2010/main" val="3524541675"/>
       </p:ext>
     </p:extLst>
   </p:cSld>
@@ -4401,19 +4751,19 @@
           <a:p>
             <a:r>
               <a:rPr lang="en-US" dirty="0"/>
-              <a:t>Now it is</a:t>
+              <a:t>The</a:t>
             </a:r>
             <a:r>
               <a:rPr lang="en-US" baseline="0" dirty="0"/>
-              <a:t> time returned to the documentation. Again, the </a:t>
-            </a:r>
-            <a:r>
-              <a:rPr lang="en-US" baseline="0" dirty="0" err="1"/>
-              <a:t>ChefSpec</a:t>
+              <a:t> </a:t>
+            </a:r>
+            <a:r>
+              <a:rPr lang="en-US" dirty="0"/>
+              <a:t>install</a:t>
             </a:r>
             <a:r>
               <a:rPr lang="en-US" baseline="0" dirty="0"/>
-              <a:t> documentation contains a lot of examples in the README and the examples directory. Using either of those find an example of an expectation expressing that a packaged is installed.</a:t>
+              <a:t> recipe installs the necessary the necessary software for the webserver. We can start by writing a pending example.</a:t>
             </a:r>
             <a:endParaRPr lang="en-US" dirty="0"/>
           </a:p>
@@ -4473,7 +4823,7 @@
     </p:spTree>
     <p:extLst>
       <p:ext uri="{BB962C8B-B14F-4D97-AF65-F5344CB8AC3E}">
-        <p14:creationId xmlns:p14="http://schemas.microsoft.com/office/powerpoint/2010/main" val="1227206995"/>
+        <p14:creationId xmlns:p14="http://schemas.microsoft.com/office/powerpoint/2010/main" val="354564336"/>
       </p:ext>
     </p:extLst>
   </p:cSld>
@@ -4529,20 +4879,21 @@
           <a:p>
             <a:r>
               <a:rPr lang="en-US" dirty="0"/>
-              <a:t>With</a:t>
+              <a:t>Now it is</a:t>
             </a:r>
             <a:r>
               <a:rPr lang="en-US" baseline="0" dirty="0"/>
-              <a:t> a good example we found in the documentation we can return to the example and define the example. In our case we want to assert that the the chef run installs the package '</a:t>
+              <a:t> time returned to the documentation. Again, the </a:t>
             </a:r>
             <a:r>
               <a:rPr lang="en-US" baseline="0" dirty="0" err="1"/>
-              <a:t>httpd</a:t>
+              <a:t>ChefSpec</a:t>
             </a:r>
             <a:r>
               <a:rPr lang="en-US" baseline="0" dirty="0"/>
-              <a:t>'.</a:t>
-            </a:r>
+              <a:t> documentation contains a lot of examples in the README and the examples directory. Using either of those find an example of an expectation expressing that a packaged is installed.</a:t>
+            </a:r>
+            <a:endParaRPr lang="en-US" dirty="0"/>
           </a:p>
         </p:txBody>
       </p:sp>
@@ -4600,7 +4951,7 @@
     </p:spTree>
     <p:extLst>
       <p:ext uri="{BB962C8B-B14F-4D97-AF65-F5344CB8AC3E}">
-        <p14:creationId xmlns:p14="http://schemas.microsoft.com/office/powerpoint/2010/main" val="747941588"/>
+        <p14:creationId xmlns:p14="http://schemas.microsoft.com/office/powerpoint/2010/main" val="1227206995"/>
       </p:ext>
     </p:extLst>
   </p:cSld>
@@ -5175,14 +5526,14 @@
           </a:ln>
           <a:extLst>
             <a:ext uri="{909E8E84-426E-40dd-AFC4-6F175D3DCCD1}">
-              <a14:hiddenFill xmlns:a14="http://schemas.microsoft.com/office/drawing/2010/main" xmlns="">
+              <a14:hiddenFill xmlns="" xmlns:a14="http://schemas.microsoft.com/office/drawing/2010/main">
                 <a:solidFill>
                   <a:srgbClr val="FFFFFF"/>
                 </a:solidFill>
               </a14:hiddenFill>
             </a:ext>
             <a:ext uri="{91240B29-F687-4f45-9708-019B960494DF}">
-              <a14:hiddenLine xmlns:a14="http://schemas.microsoft.com/office/drawing/2010/main" xmlns="" w="9525">
+              <a14:hiddenLine xmlns="" xmlns:a14="http://schemas.microsoft.com/office/drawing/2010/main" w="9525">
                 <a:solidFill>
                   <a:srgbClr val="000000"/>
                 </a:solidFill>
@@ -5330,14 +5681,14 @@
           </a:ln>
           <a:extLst>
             <a:ext uri="{909E8E84-426E-40dd-AFC4-6F175D3DCCD1}">
-              <a14:hiddenFill xmlns:a14="http://schemas.microsoft.com/office/drawing/2010/main" xmlns="">
+              <a14:hiddenFill xmlns="" xmlns:a14="http://schemas.microsoft.com/office/drawing/2010/main">
                 <a:solidFill>
                   <a:srgbClr val="FFFFFF"/>
                 </a:solidFill>
               </a14:hiddenFill>
             </a:ext>
             <a:ext uri="{91240B29-F687-4f45-9708-019B960494DF}">
-              <a14:hiddenLine xmlns:a14="http://schemas.microsoft.com/office/drawing/2010/main" xmlns="" w="9525">
+              <a14:hiddenLine xmlns="" xmlns:a14="http://schemas.microsoft.com/office/drawing/2010/main" w="9525">
                 <a:solidFill>
                   <a:srgbClr val="000000"/>
                 </a:solidFill>
@@ -5828,14 +6179,14 @@
           </a:ln>
           <a:extLst>
             <a:ext uri="{909E8E84-426E-40dd-AFC4-6F175D3DCCD1}">
-              <a14:hiddenFill xmlns:a14="http://schemas.microsoft.com/office/drawing/2010/main" xmlns="">
+              <a14:hiddenFill xmlns="" xmlns:a14="http://schemas.microsoft.com/office/drawing/2010/main">
                 <a:solidFill>
                   <a:srgbClr val="FFFFFF"/>
                 </a:solidFill>
               </a14:hiddenFill>
             </a:ext>
             <a:ext uri="{91240B29-F687-4f45-9708-019B960494DF}">
-              <a14:hiddenLine xmlns:a14="http://schemas.microsoft.com/office/drawing/2010/main" xmlns="" w="9525">
+              <a14:hiddenLine xmlns="" xmlns:a14="http://schemas.microsoft.com/office/drawing/2010/main" w="9525">
                 <a:solidFill>
                   <a:srgbClr val="000000"/>
                 </a:solidFill>
@@ -7262,14 +7613,14 @@
           </a:ln>
           <a:extLst>
             <a:ext uri="{909E8E84-426E-40dd-AFC4-6F175D3DCCD1}">
-              <a14:hiddenFill xmlns:a14="http://schemas.microsoft.com/office/drawing/2010/main" xmlns="">
+              <a14:hiddenFill xmlns="" xmlns:a14="http://schemas.microsoft.com/office/drawing/2010/main">
                 <a:solidFill>
                   <a:srgbClr val="FFFFFF"/>
                 </a:solidFill>
               </a14:hiddenFill>
             </a:ext>
             <a:ext uri="{91240B29-F687-4f45-9708-019B960494DF}">
-              <a14:hiddenLine xmlns:a14="http://schemas.microsoft.com/office/drawing/2010/main" xmlns="" w="9525">
+              <a14:hiddenLine xmlns="" xmlns:a14="http://schemas.microsoft.com/office/drawing/2010/main" w="9525">
                 <a:solidFill>
                   <a:srgbClr val="000000"/>
                 </a:solidFill>
@@ -8603,14 +8954,14 @@
           </a:ln>
           <a:extLst>
             <a:ext uri="{909E8E84-426E-40dd-AFC4-6F175D3DCCD1}">
-              <a14:hiddenFill xmlns:a14="http://schemas.microsoft.com/office/drawing/2010/main" xmlns="">
+              <a14:hiddenFill xmlns="" xmlns:a14="http://schemas.microsoft.com/office/drawing/2010/main">
                 <a:solidFill>
                   <a:srgbClr val="FFFFFF"/>
                 </a:solidFill>
               </a14:hiddenFill>
             </a:ext>
             <a:ext uri="{91240B29-F687-4f45-9708-019B960494DF}">
-              <a14:hiddenLine xmlns:a14="http://schemas.microsoft.com/office/drawing/2010/main" xmlns="" w="9525">
+              <a14:hiddenLine xmlns="" xmlns:a14="http://schemas.microsoft.com/office/drawing/2010/main" w="9525">
                 <a:solidFill>
                   <a:srgbClr val="000000"/>
                 </a:solidFill>
@@ -8966,14 +9317,14 @@
           </a:ln>
           <a:extLst>
             <a:ext uri="{909E8E84-426E-40dd-AFC4-6F175D3DCCD1}">
-              <a14:hiddenFill xmlns:a14="http://schemas.microsoft.com/office/drawing/2010/main" xmlns="">
+              <a14:hiddenFill xmlns="" xmlns:a14="http://schemas.microsoft.com/office/drawing/2010/main">
                 <a:solidFill>
                   <a:srgbClr val="FFFFFF"/>
                 </a:solidFill>
               </a14:hiddenFill>
             </a:ext>
             <a:ext uri="{91240B29-F687-4f45-9708-019B960494DF}">
-              <a14:hiddenLine xmlns:a14="http://schemas.microsoft.com/office/drawing/2010/main" xmlns="" w="9525">
+              <a14:hiddenLine xmlns="" xmlns:a14="http://schemas.microsoft.com/office/drawing/2010/main" w="9525">
                 <a:solidFill>
                   <a:srgbClr val="000000"/>
                 </a:solidFill>
@@ -9531,14 +9882,14 @@
           </a:ln>
           <a:extLst>
             <a:ext uri="{909E8E84-426E-40dd-AFC4-6F175D3DCCD1}">
-              <a14:hiddenFill xmlns:a14="http://schemas.microsoft.com/office/drawing/2010/main" xmlns="">
+              <a14:hiddenFill xmlns="" xmlns:a14="http://schemas.microsoft.com/office/drawing/2010/main">
                 <a:solidFill>
                   <a:srgbClr val="FFFFFF"/>
                 </a:solidFill>
               </a14:hiddenFill>
             </a:ext>
             <a:ext uri="{91240B29-F687-4f45-9708-019B960494DF}">
-              <a14:hiddenLine xmlns:a14="http://schemas.microsoft.com/office/drawing/2010/main" xmlns="" w="9525">
+              <a14:hiddenLine xmlns="" xmlns:a14="http://schemas.microsoft.com/office/drawing/2010/main" w="9525">
                 <a:solidFill>
                   <a:srgbClr val="000000"/>
                 </a:solidFill>
@@ -10105,14 +10456,14 @@
           </a:ln>
           <a:extLst>
             <a:ext uri="{909E8E84-426E-40dd-AFC4-6F175D3DCCD1}">
-              <a14:hiddenFill xmlns:a14="http://schemas.microsoft.com/office/drawing/2010/main" xmlns="">
+              <a14:hiddenFill xmlns="" xmlns:a14="http://schemas.microsoft.com/office/drawing/2010/main">
                 <a:solidFill>
                   <a:srgbClr val="FFFFFF"/>
                 </a:solidFill>
               </a14:hiddenFill>
             </a:ext>
             <a:ext uri="{91240B29-F687-4f45-9708-019B960494DF}">
-              <a14:hiddenLine xmlns:a14="http://schemas.microsoft.com/office/drawing/2010/main" xmlns="" w="9525">
+              <a14:hiddenLine xmlns="" xmlns:a14="http://schemas.microsoft.com/office/drawing/2010/main" w="9525">
                 <a:solidFill>
                   <a:srgbClr val="000000"/>
                 </a:solidFill>
@@ -11052,14 +11403,14 @@
           </a:ln>
           <a:extLst>
             <a:ext uri="{909E8E84-426E-40dd-AFC4-6F175D3DCCD1}">
-              <a14:hiddenFill xmlns:a14="http://schemas.microsoft.com/office/drawing/2010/main" xmlns="">
+              <a14:hiddenFill xmlns="" xmlns:a14="http://schemas.microsoft.com/office/drawing/2010/main">
                 <a:solidFill>
                   <a:srgbClr val="FFFFFF"/>
                 </a:solidFill>
               </a14:hiddenFill>
             </a:ext>
             <a:ext uri="{91240B29-F687-4f45-9708-019B960494DF}">
-              <a14:hiddenLine xmlns:a14="http://schemas.microsoft.com/office/drawing/2010/main" xmlns="" w="9525">
+              <a14:hiddenLine xmlns="" xmlns:a14="http://schemas.microsoft.com/office/drawing/2010/main" w="9525">
                 <a:solidFill>
                   <a:srgbClr val="000000"/>
                 </a:solidFill>
@@ -11814,14 +12165,14 @@
           </a:ln>
           <a:extLst>
             <a:ext uri="{909E8E84-426E-40dd-AFC4-6F175D3DCCD1}">
-              <a14:hiddenFill xmlns:a14="http://schemas.microsoft.com/office/drawing/2010/main" xmlns="">
+              <a14:hiddenFill xmlns="" xmlns:a14="http://schemas.microsoft.com/office/drawing/2010/main">
                 <a:solidFill>
                   <a:srgbClr val="FFFFFF"/>
                 </a:solidFill>
               </a14:hiddenFill>
             </a:ext>
             <a:ext uri="{91240B29-F687-4f45-9708-019B960494DF}">
-              <a14:hiddenLine xmlns:a14="http://schemas.microsoft.com/office/drawing/2010/main" xmlns="" w="9525">
+              <a14:hiddenLine xmlns="" xmlns:a14="http://schemas.microsoft.com/office/drawing/2010/main" w="9525">
                 <a:solidFill>
                   <a:srgbClr val="000000"/>
                 </a:solidFill>
@@ -12810,6 +13161,235 @@
       </p:sp>
       <p:sp>
         <p:nvSpPr>
+          <p:cNvPr id="7" name="Text Placeholder 6"/>
+          <p:cNvSpPr>
+            <a:spLocks noGrp="1"/>
+          </p:cNvSpPr>
+          <p:nvPr>
+            <p:ph type="body" sz="quarter" idx="13"/>
+          </p:nvPr>
+        </p:nvSpPr>
+        <p:spPr>
+          <a:xfrm>
+            <a:off x="1135042" y="5318232"/>
+            <a:ext cx="14404273" cy="1529185"/>
+          </a:xfrm>
+        </p:spPr>
+        <p:txBody>
+          <a:bodyPr/>
+          <a:lstStyle/>
+          <a:p>
+            <a:endParaRPr lang="en-US" dirty="0"/>
+          </a:p>
+        </p:txBody>
+      </p:sp>
+    </p:spTree>
+    <p:extLst>
+      <p:ext uri="{BB962C8B-B14F-4D97-AF65-F5344CB8AC3E}">
+        <p14:creationId xmlns:p14="http://schemas.microsoft.com/office/powerpoint/2010/main" val="860134783"/>
+      </p:ext>
+    </p:extLst>
+  </p:cSld>
+  <p:clrMapOvr>
+    <a:masterClrMapping/>
+  </p:clrMapOvr>
+  <p:transition spd="med">
+    <p:fade/>
+  </p:transition>
+</p:sld>
+</file>
+
+<file path=ppt/slides/slide11.xml><?xml version="1.0" encoding="utf-8"?>
+<p:sld xmlns:a="http://schemas.openxmlformats.org/drawingml/2006/main" xmlns:r="http://schemas.openxmlformats.org/officeDocument/2006/relationships" xmlns:p="http://schemas.openxmlformats.org/presentationml/2006/main">
+  <p:cSld>
+    <p:spTree>
+      <p:nvGrpSpPr>
+        <p:cNvPr id="1" name=""/>
+        <p:cNvGrpSpPr/>
+        <p:nvPr/>
+      </p:nvGrpSpPr>
+      <p:grpSpPr>
+        <a:xfrm>
+          <a:off x="0" y="0"/>
+          <a:ext cx="0" cy="0"/>
+          <a:chOff x="0" y="0"/>
+          <a:chExt cx="0" cy="0"/>
+        </a:xfrm>
+      </p:grpSpPr>
+      <p:sp>
+        <p:nvSpPr>
+          <p:cNvPr id="5" name="Title 4"/>
+          <p:cNvSpPr>
+            <a:spLocks noGrp="1"/>
+          </p:cNvSpPr>
+          <p:nvPr>
+            <p:ph type="title"/>
+          </p:nvPr>
+        </p:nvSpPr>
+        <p:spPr/>
+        <p:txBody>
+          <a:bodyPr/>
+          <a:lstStyle/>
+          <a:p>
+            <a:r>
+              <a:rPr lang="en-US" dirty="0"/>
+              <a:t>Write the Test to Verify the Package</a:t>
+            </a:r>
+          </a:p>
+        </p:txBody>
+      </p:sp>
+      <p:sp>
+        <p:nvSpPr>
+          <p:cNvPr id="3" name="Content Placeholder 2"/>
+          <p:cNvSpPr>
+            <a:spLocks noGrp="1"/>
+          </p:cNvSpPr>
+          <p:nvPr>
+            <p:ph sz="quarter" idx="10"/>
+          </p:nvPr>
+        </p:nvSpPr>
+        <p:spPr/>
+        <p:txBody>
+          <a:bodyPr>
+            <a:normAutofit/>
+          </a:bodyPr>
+          <a:lstStyle/>
+          <a:p>
+            <a:r>
+              <a:rPr lang="en-US" dirty="0"/>
+              <a:t>    # ... START OF THE SPEC FILE ...</a:t>
+            </a:r>
+          </a:p>
+          <a:p>
+            <a:endParaRPr lang="en-US" dirty="0"/>
+          </a:p>
+          <a:p>
+            <a:r>
+              <a:rPr lang="en-US" dirty="0"/>
+              <a:t>    it 'converges successfully' do</a:t>
+            </a:r>
+          </a:p>
+          <a:p>
+            <a:r>
+              <a:rPr lang="en-US" dirty="0"/>
+              <a:t>      expect { </a:t>
+            </a:r>
+            <a:r>
+              <a:rPr lang="en-US" dirty="0" err="1"/>
+              <a:t>chef_run</a:t>
+            </a:r>
+            <a:r>
+              <a:rPr lang="en-US" dirty="0"/>
+              <a:t> }.</a:t>
+            </a:r>
+            <a:r>
+              <a:rPr lang="en-US" dirty="0" err="1"/>
+              <a:t>to_not</a:t>
+            </a:r>
+            <a:r>
+              <a:rPr lang="en-US" dirty="0"/>
+              <a:t> </a:t>
+            </a:r>
+            <a:r>
+              <a:rPr lang="en-US" dirty="0" err="1"/>
+              <a:t>raise_error</a:t>
+            </a:r>
+            <a:endParaRPr lang="en-US" dirty="0"/>
+          </a:p>
+          <a:p>
+            <a:r>
+              <a:rPr lang="en-US" dirty="0"/>
+              <a:t>    end</a:t>
+            </a:r>
+          </a:p>
+          <a:p>
+            <a:endParaRPr lang="en-US" dirty="0"/>
+          </a:p>
+          <a:p>
+            <a:r>
+              <a:rPr lang="en-US" dirty="0"/>
+              <a:t>    it 'installs the necessary package' do</a:t>
+            </a:r>
+          </a:p>
+          <a:p>
+            <a:r>
+              <a:rPr lang="en-US" dirty="0"/>
+              <a:t>      expect(</a:t>
+            </a:r>
+            <a:r>
+              <a:rPr lang="en-US" dirty="0" err="1"/>
+              <a:t>chef_run</a:t>
+            </a:r>
+            <a:r>
+              <a:rPr lang="en-US" dirty="0"/>
+              <a:t>).to </a:t>
+            </a:r>
+            <a:r>
+              <a:rPr lang="en-US" dirty="0" err="1"/>
+              <a:t>install_package</a:t>
+            </a:r>
+            <a:r>
+              <a:rPr lang="en-US" dirty="0"/>
+              <a:t>('</a:t>
+            </a:r>
+            <a:r>
+              <a:rPr lang="en-US" dirty="0" err="1"/>
+              <a:t>httpd</a:t>
+            </a:r>
+            <a:r>
+              <a:rPr lang="en-US" dirty="0"/>
+              <a:t>')</a:t>
+            </a:r>
+          </a:p>
+          <a:p>
+            <a:r>
+              <a:rPr lang="en-US" dirty="0"/>
+              <a:t>    end</a:t>
+            </a:r>
+          </a:p>
+          <a:p>
+            <a:r>
+              <a:rPr lang="en-US" dirty="0"/>
+              <a:t>  end</a:t>
+            </a:r>
+          </a:p>
+          <a:p>
+            <a:r>
+              <a:rPr lang="en-US" dirty="0"/>
+              <a:t>end</a:t>
+            </a:r>
+          </a:p>
+        </p:txBody>
+      </p:sp>
+      <p:sp>
+        <p:nvSpPr>
+          <p:cNvPr id="4" name="Text Placeholder 3"/>
+          <p:cNvSpPr>
+            <a:spLocks noGrp="1"/>
+          </p:cNvSpPr>
+          <p:nvPr>
+            <p:ph type="body" sz="quarter" idx="11"/>
+          </p:nvPr>
+        </p:nvSpPr>
+        <p:spPr/>
+        <p:txBody>
+          <a:bodyPr/>
+          <a:lstStyle/>
+          <a:p>
+            <a:r>
+              <a:rPr lang="en-US" dirty="0"/>
+              <a:t>~/apache/spec/unit/recipes/</a:t>
+            </a:r>
+            <a:r>
+              <a:rPr lang="en-US" dirty="0" err="1"/>
+              <a:t>install_spec.rb</a:t>
+            </a:r>
+            <a:endParaRPr lang="en-US" dirty="0"/>
+          </a:p>
+        </p:txBody>
+      </p:sp>
+      <p:sp>
+        <p:nvSpPr>
           <p:cNvPr id="6" name="Content Placeholder 3"/>
           <p:cNvSpPr txBox="1">
             <a:spLocks/>
@@ -13886,157 +14466,6 @@
 </p:sld>
 </file>
 
-<file path=ppt/slides/slide11.xml><?xml version="1.0" encoding="utf-8"?>
-<p:sld xmlns:a="http://schemas.openxmlformats.org/drawingml/2006/main" xmlns:r="http://schemas.openxmlformats.org/officeDocument/2006/relationships" xmlns:p="http://schemas.openxmlformats.org/presentationml/2006/main">
-  <p:cSld>
-    <p:spTree>
-      <p:nvGrpSpPr>
-        <p:cNvPr id="1" name=""/>
-        <p:cNvGrpSpPr/>
-        <p:nvPr/>
-      </p:nvGrpSpPr>
-      <p:grpSpPr>
-        <a:xfrm>
-          <a:off x="0" y="0"/>
-          <a:ext cx="0" cy="0"/>
-          <a:chOff x="0" y="0"/>
-          <a:chExt cx="0" cy="0"/>
-        </a:xfrm>
-      </p:grpSpPr>
-      <p:sp>
-        <p:nvSpPr>
-          <p:cNvPr id="2" name="Content Placeholder 1"/>
-          <p:cNvSpPr>
-            <a:spLocks noGrp="1"/>
-          </p:cNvSpPr>
-          <p:nvPr>
-            <p:ph sz="quarter" idx="10"/>
-          </p:nvPr>
-        </p:nvSpPr>
-        <p:spPr/>
-        <p:txBody>
-          <a:bodyPr/>
-          <a:lstStyle/>
-          <a:p>
-            <a:r>
-              <a:rPr lang="en-US" dirty="0"/>
-              <a:t>..</a:t>
-            </a:r>
-          </a:p>
-          <a:p>
-            <a:endParaRPr lang="en-US" dirty="0"/>
-          </a:p>
-          <a:p>
-            <a:r>
-              <a:rPr lang="en-US" dirty="0"/>
-              <a:t>Finished in 0.73662 seconds (files took 4.4 seconds to load)</a:t>
-            </a:r>
-          </a:p>
-          <a:p>
-            <a:r>
-              <a:rPr lang="en-US" dirty="0"/>
-              <a:t>2 examples, 0 failures</a:t>
-            </a:r>
-          </a:p>
-        </p:txBody>
-      </p:sp>
-      <p:sp>
-        <p:nvSpPr>
-          <p:cNvPr id="3" name="Text Placeholder 2"/>
-          <p:cNvSpPr>
-            <a:spLocks noGrp="1"/>
-          </p:cNvSpPr>
-          <p:nvPr>
-            <p:ph type="body" sz="quarter" idx="11"/>
-          </p:nvPr>
-        </p:nvSpPr>
-        <p:spPr/>
-        <p:txBody>
-          <a:bodyPr/>
-          <a:lstStyle/>
-          <a:p>
-            <a:r>
-              <a:rPr lang="en-US" dirty="0"/>
-              <a:t>&gt; chef exec </a:t>
-            </a:r>
-            <a:r>
-              <a:rPr lang="en-US" dirty="0" err="1"/>
-              <a:t>rspec</a:t>
-            </a:r>
-            <a:r>
-              <a:rPr lang="en-US" dirty="0"/>
-              <a:t> spec/unit/recipes/</a:t>
-            </a:r>
-            <a:r>
-              <a:rPr lang="en-US" dirty="0" err="1"/>
-              <a:t>install_spec.rb</a:t>
-            </a:r>
-            <a:endParaRPr lang="en-US" dirty="0"/>
-          </a:p>
-        </p:txBody>
-      </p:sp>
-      <p:sp>
-        <p:nvSpPr>
-          <p:cNvPr id="7" name="Content Placeholder 6"/>
-          <p:cNvSpPr>
-            <a:spLocks noGrp="1"/>
-          </p:cNvSpPr>
-          <p:nvPr>
-            <p:ph sz="quarter" idx="12"/>
-          </p:nvPr>
-        </p:nvSpPr>
-        <p:spPr>
-          <a:xfrm>
-            <a:off x="1127883" y="3874099"/>
-            <a:ext cx="14420850" cy="557213"/>
-          </a:xfrm>
-        </p:spPr>
-        <p:txBody>
-          <a:bodyPr/>
-          <a:lstStyle/>
-          <a:p>
-            <a:endParaRPr lang="en-US" dirty="0"/>
-          </a:p>
-        </p:txBody>
-      </p:sp>
-      <p:sp>
-        <p:nvSpPr>
-          <p:cNvPr id="6" name="Title 5"/>
-          <p:cNvSpPr>
-            <a:spLocks noGrp="1"/>
-          </p:cNvSpPr>
-          <p:nvPr>
-            <p:ph type="title"/>
-          </p:nvPr>
-        </p:nvSpPr>
-        <p:spPr/>
-        <p:txBody>
-          <a:bodyPr/>
-          <a:lstStyle/>
-          <a:p>
-            <a:r>
-              <a:rPr lang="en-US" dirty="0"/>
-              <a:t>Execute the Test to See it Pass</a:t>
-            </a:r>
-          </a:p>
-        </p:txBody>
-      </p:sp>
-    </p:spTree>
-    <p:extLst>
-      <p:ext uri="{BB962C8B-B14F-4D97-AF65-F5344CB8AC3E}">
-        <p14:creationId xmlns:p14="http://schemas.microsoft.com/office/powerpoint/2010/main" val="2167840898"/>
-      </p:ext>
-    </p:extLst>
-  </p:cSld>
-  <p:clrMapOvr>
-    <a:masterClrMapping/>
-  </p:clrMapOvr>
-  <p:transition spd="med">
-    <p:fade/>
-  </p:transition>
-</p:sld>
-</file>
-
 <file path=ppt/slides/slide12.xml><?xml version="1.0" encoding="utf-8"?>
 <p:sld xmlns:a="http://schemas.openxmlformats.org/drawingml/2006/main" xmlns:r="http://schemas.openxmlformats.org/officeDocument/2006/relationships" xmlns:p="http://schemas.openxmlformats.org/presentationml/2006/main">
   <p:cSld>
@@ -14056,36 +14485,12 @@
       </p:grpSpPr>
       <p:sp>
         <p:nvSpPr>
-          <p:cNvPr id="2" name="Title 1"/>
-          <p:cNvSpPr>
-            <a:spLocks noGrp="1"/>
-          </p:cNvSpPr>
-          <p:nvPr>
-            <p:ph type="ctrTitle"/>
-          </p:nvPr>
-        </p:nvSpPr>
-        <p:spPr/>
-        <p:txBody>
-          <a:bodyPr>
-            <a:normAutofit fontScale="90000"/>
-          </a:bodyPr>
-          <a:lstStyle/>
-          <a:p>
-            <a:r>
-              <a:rPr lang="en-US" dirty="0"/>
-              <a:t>Testing Remaining Resources</a:t>
-            </a:r>
-          </a:p>
-        </p:txBody>
-      </p:sp>
-      <p:sp>
-        <p:nvSpPr>
-          <p:cNvPr id="3" name="Content Placeholder 2"/>
-          <p:cNvSpPr>
-            <a:spLocks noGrp="1"/>
-          </p:cNvSpPr>
-          <p:nvPr>
-            <p:ph sz="quarter" idx="11"/>
+          <p:cNvPr id="2" name="Content Placeholder 1"/>
+          <p:cNvSpPr>
+            <a:spLocks noGrp="1"/>
+          </p:cNvSpPr>
+          <p:nvPr>
+            <p:ph sz="quarter" idx="10"/>
           </p:nvPr>
         </p:nvSpPr>
         <p:spPr/>
@@ -14095,19 +14500,34 @@
           <a:p>
             <a:r>
               <a:rPr lang="en-US" dirty="0"/>
-              <a:t>No resources left behind!</a:t>
-            </a:r>
-          </a:p>
-        </p:txBody>
-      </p:sp>
-      <p:sp>
-        <p:nvSpPr>
-          <p:cNvPr id="4" name="Text Placeholder 3"/>
-          <p:cNvSpPr>
-            <a:spLocks noGrp="1"/>
-          </p:cNvSpPr>
-          <p:nvPr>
-            <p:ph type="body" sz="quarter" idx="10"/>
+              <a:t>..</a:t>
+            </a:r>
+          </a:p>
+          <a:p>
+            <a:endParaRPr lang="en-US" dirty="0"/>
+          </a:p>
+          <a:p>
+            <a:r>
+              <a:rPr lang="en-US" dirty="0"/>
+              <a:t>Finished in 0.73662 seconds (files took 4.4 seconds to load)</a:t>
+            </a:r>
+          </a:p>
+          <a:p>
+            <a:r>
+              <a:rPr lang="en-US" dirty="0"/>
+              <a:t>2 examples, 0 failures</a:t>
+            </a:r>
+          </a:p>
+        </p:txBody>
+      </p:sp>
+      <p:sp>
+        <p:nvSpPr>
+          <p:cNvPr id="3" name="Text Placeholder 2"/>
+          <p:cNvSpPr>
+            <a:spLocks noGrp="1"/>
+          </p:cNvSpPr>
+          <p:nvPr>
+            <p:ph type="body" sz="quarter" idx="11"/>
           </p:nvPr>
         </p:nvSpPr>
         <p:spPr/>
@@ -14115,23 +14535,68 @@
           <a:bodyPr/>
           <a:lstStyle/>
           <a:p>
-            <a:pPr marL="342900" indent="-342900">
-              <a:buFont typeface="Wingdings" charset="2"/>
-              <a:buChar char="ü"/>
-            </a:pPr>
-            <a:r>
-              <a:rPr lang="en-US" dirty="0"/>
-              <a:t>Write and execute tests for the Install recipe</a:t>
-            </a:r>
-          </a:p>
-          <a:p>
-            <a:pPr marL="342900" indent="-342900">
-              <a:buFont typeface="Wingdings" charset="2"/>
-              <a:buChar char="q"/>
-            </a:pPr>
-            <a:r>
-              <a:rPr lang="en-US" dirty="0"/>
-              <a:t>Verify the test validates the recipe</a:t>
+            <a:r>
+              <a:rPr lang="en-US" dirty="0"/>
+              <a:t>&gt; chef exec </a:t>
+            </a:r>
+            <a:r>
+              <a:rPr lang="en-US" dirty="0" err="1"/>
+              <a:t>rspec</a:t>
+            </a:r>
+            <a:r>
+              <a:rPr lang="en-US" dirty="0"/>
+              <a:t> spec/unit/recipes/</a:t>
+            </a:r>
+            <a:r>
+              <a:rPr lang="en-US" dirty="0" err="1"/>
+              <a:t>install_spec.rb</a:t>
+            </a:r>
+            <a:endParaRPr lang="en-US" dirty="0"/>
+          </a:p>
+        </p:txBody>
+      </p:sp>
+      <p:sp>
+        <p:nvSpPr>
+          <p:cNvPr id="7" name="Content Placeholder 6"/>
+          <p:cNvSpPr>
+            <a:spLocks noGrp="1"/>
+          </p:cNvSpPr>
+          <p:nvPr>
+            <p:ph sz="quarter" idx="12"/>
+          </p:nvPr>
+        </p:nvSpPr>
+        <p:spPr>
+          <a:xfrm>
+            <a:off x="1127883" y="3874099"/>
+            <a:ext cx="14420850" cy="557213"/>
+          </a:xfrm>
+        </p:spPr>
+        <p:txBody>
+          <a:bodyPr/>
+          <a:lstStyle/>
+          <a:p>
+            <a:endParaRPr lang="en-US" dirty="0"/>
+          </a:p>
+        </p:txBody>
+      </p:sp>
+      <p:sp>
+        <p:nvSpPr>
+          <p:cNvPr id="6" name="Title 5"/>
+          <p:cNvSpPr>
+            <a:spLocks noGrp="1"/>
+          </p:cNvSpPr>
+          <p:nvPr>
+            <p:ph type="title"/>
+          </p:nvPr>
+        </p:nvSpPr>
+        <p:spPr/>
+        <p:txBody>
+          <a:bodyPr/>
+          <a:lstStyle/>
+          <a:p>
+            <a:r>
+              <a:rPr lang="en-US" dirty="0"/>
+              <a:t>Execute the Test to See it Pass</a:t>
             </a:r>
           </a:p>
         </p:txBody>
@@ -14139,7 +14604,7 @@
     </p:spTree>
     <p:extLst>
       <p:ext uri="{BB962C8B-B14F-4D97-AF65-F5344CB8AC3E}">
-        <p14:creationId xmlns:p14="http://schemas.microsoft.com/office/powerpoint/2010/main" val="1999692452"/>
+        <p14:creationId xmlns:p14="http://schemas.microsoft.com/office/powerpoint/2010/main" val="2167840898"/>
       </p:ext>
     </p:extLst>
   </p:cSld>
@@ -14188,19 +14653,19 @@
           <a:p>
             <a:r>
               <a:rPr lang="en-US" dirty="0"/>
-              <a:t>It's Quiet. Too Quiet.</a:t>
-            </a:r>
-          </a:p>
-        </p:txBody>
-      </p:sp>
-      <p:sp>
-        <p:nvSpPr>
-          <p:cNvPr id="3" name="Subtitle 2"/>
-          <p:cNvSpPr>
-            <a:spLocks noGrp="1"/>
-          </p:cNvSpPr>
-          <p:nvPr>
-            <p:ph type="subTitle" idx="1"/>
+              <a:t>Testing Remaining Resources</a:t>
+            </a:r>
+          </a:p>
+        </p:txBody>
+      </p:sp>
+      <p:sp>
+        <p:nvSpPr>
+          <p:cNvPr id="3" name="Content Placeholder 2"/>
+          <p:cNvSpPr>
+            <a:spLocks noGrp="1"/>
+          </p:cNvSpPr>
+          <p:nvPr>
+            <p:ph sz="quarter" idx="11"/>
           </p:nvPr>
         </p:nvSpPr>
         <p:spPr/>
@@ -14210,7 +14675,43 @@
           <a:p>
             <a:r>
               <a:rPr lang="en-US" dirty="0"/>
-              <a:t>When a test passes immediately without having to write code (or if the code has already been written) it is time to be concerned. This is one of those moments we should ensure that the tests are working by mutating that code.</a:t>
+              <a:t>No resources left behind!</a:t>
+            </a:r>
+          </a:p>
+        </p:txBody>
+      </p:sp>
+      <p:sp>
+        <p:nvSpPr>
+          <p:cNvPr id="4" name="Text Placeholder 3"/>
+          <p:cNvSpPr>
+            <a:spLocks noGrp="1"/>
+          </p:cNvSpPr>
+          <p:nvPr>
+            <p:ph type="body" sz="quarter" idx="10"/>
+          </p:nvPr>
+        </p:nvSpPr>
+        <p:spPr/>
+        <p:txBody>
+          <a:bodyPr/>
+          <a:lstStyle/>
+          <a:p>
+            <a:pPr marL="342900" indent="-342900">
+              <a:buFont typeface="Wingdings" charset="2"/>
+              <a:buChar char="ü"/>
+            </a:pPr>
+            <a:r>
+              <a:rPr lang="en-US" dirty="0"/>
+              <a:t>Write and execute tests for the Install recipe</a:t>
+            </a:r>
+          </a:p>
+          <a:p>
+            <a:pPr marL="342900" indent="-342900">
+              <a:buFont typeface="Wingdings" charset="2"/>
+              <a:buChar char="q"/>
+            </a:pPr>
+            <a:r>
+              <a:rPr lang="en-US" dirty="0"/>
+              <a:t>Verify the test validates the recipe</a:t>
             </a:r>
           </a:p>
         </p:txBody>
@@ -14218,7 +14719,7 @@
     </p:spTree>
     <p:extLst>
       <p:ext uri="{BB962C8B-B14F-4D97-AF65-F5344CB8AC3E}">
-        <p14:creationId xmlns:p14="http://schemas.microsoft.com/office/powerpoint/2010/main" val="2308369830"/>
+        <p14:creationId xmlns:p14="http://schemas.microsoft.com/office/powerpoint/2010/main" val="1999692452"/>
       </p:ext>
     </p:extLst>
   </p:cSld>
@@ -14255,7 +14756,31 @@
             <a:spLocks noGrp="1"/>
           </p:cNvSpPr>
           <p:nvPr>
-            <p:ph type="title"/>
+            <p:ph type="ctrTitle"/>
+          </p:nvPr>
+        </p:nvSpPr>
+        <p:spPr/>
+        <p:txBody>
+          <a:bodyPr>
+            <a:normAutofit fontScale="90000"/>
+          </a:bodyPr>
+          <a:lstStyle/>
+          <a:p>
+            <a:r>
+              <a:rPr lang="en-US" dirty="0"/>
+              <a:t>It's Quiet. Too Quiet.</a:t>
+            </a:r>
+          </a:p>
+        </p:txBody>
+      </p:sp>
+      <p:sp>
+        <p:nvSpPr>
+          <p:cNvPr id="3" name="Subtitle 2"/>
+          <p:cNvSpPr>
+            <a:spLocks noGrp="1"/>
+          </p:cNvSpPr>
+          <p:nvPr>
+            <p:ph type="subTitle" idx="1"/>
           </p:nvPr>
         </p:nvSpPr>
         <p:spPr/>
@@ -14265,134 +14790,15 @@
           <a:p>
             <a:r>
               <a:rPr lang="en-US" dirty="0"/>
-              <a:t>Comment Out the Resource</a:t>
-            </a:r>
-          </a:p>
-        </p:txBody>
-      </p:sp>
-      <p:sp>
-        <p:nvSpPr>
-          <p:cNvPr id="3" name="Content Placeholder 2"/>
-          <p:cNvSpPr>
-            <a:spLocks noGrp="1"/>
-          </p:cNvSpPr>
-          <p:nvPr>
-            <p:ph sz="quarter" idx="10"/>
-          </p:nvPr>
-        </p:nvSpPr>
-        <p:spPr/>
-        <p:txBody>
-          <a:bodyPr/>
-          <a:lstStyle/>
-          <a:p>
-            <a:r>
-              <a:rPr lang="en-US" dirty="0"/>
-              <a:t>#</a:t>
-            </a:r>
-          </a:p>
-          <a:p>
-            <a:r>
-              <a:rPr lang="en-US" dirty="0"/>
-              <a:t># Cookbook Name:: apache</a:t>
-            </a:r>
-          </a:p>
-          <a:p>
-            <a:r>
-              <a:rPr lang="en-US" dirty="0"/>
-              <a:t># Recipe:: install</a:t>
-            </a:r>
-          </a:p>
-          <a:p>
-            <a:r>
-              <a:rPr lang="en-US" dirty="0"/>
-              <a:t>#</a:t>
-            </a:r>
-          </a:p>
-          <a:p>
-            <a:r>
-              <a:rPr lang="en-US" dirty="0"/>
-              <a:t># Copyright (c) </a:t>
-            </a:r>
-            <a:r>
-              <a:rPr lang="is-IS" dirty="0"/>
-              <a:t>2017</a:t>
-            </a:r>
-            <a:r>
-              <a:rPr lang="en-US" dirty="0"/>
-              <a:t> The Authors, All Rights Reserved.</a:t>
-            </a:r>
-          </a:p>
-          <a:p>
-            <a:r>
-              <a:rPr lang="en-US" dirty="0"/>
-              <a:t># package '</a:t>
-            </a:r>
-            <a:r>
-              <a:rPr lang="en-US" dirty="0" err="1"/>
-              <a:t>httpd</a:t>
-            </a:r>
-            <a:r>
-              <a:rPr lang="en-US" dirty="0"/>
-              <a:t>'</a:t>
-            </a:r>
-          </a:p>
-        </p:txBody>
-      </p:sp>
-      <p:sp>
-        <p:nvSpPr>
-          <p:cNvPr id="4" name="Text Placeholder 3"/>
-          <p:cNvSpPr>
-            <a:spLocks noGrp="1"/>
-          </p:cNvSpPr>
-          <p:nvPr>
-            <p:ph type="body" sz="quarter" idx="11"/>
-          </p:nvPr>
-        </p:nvSpPr>
-        <p:spPr/>
-        <p:txBody>
-          <a:bodyPr/>
-          <a:lstStyle/>
-          <a:p>
-            <a:r>
-              <a:rPr lang="en-US" dirty="0"/>
-              <a:t>~/apache/recipes/</a:t>
-            </a:r>
-            <a:r>
-              <a:rPr lang="en-US" dirty="0" err="1"/>
-              <a:t>install.rb</a:t>
-            </a:r>
-            <a:endParaRPr lang="en-US" dirty="0"/>
-          </a:p>
-        </p:txBody>
-      </p:sp>
-      <p:sp>
-        <p:nvSpPr>
-          <p:cNvPr id="6" name="Text Placeholder 5"/>
-          <p:cNvSpPr>
-            <a:spLocks noGrp="1"/>
-          </p:cNvSpPr>
-          <p:nvPr>
-            <p:ph type="body" sz="quarter" idx="13"/>
-          </p:nvPr>
-        </p:nvSpPr>
-        <p:spPr>
-          <a:xfrm>
-            <a:off x="1135042" y="4741333"/>
-            <a:ext cx="14404273" cy="582084"/>
-          </a:xfrm>
-        </p:spPr>
-        <p:txBody>
-          <a:bodyPr/>
-          <a:lstStyle/>
-          <a:p>
-            <a:endParaRPr lang="en-US" dirty="0"/>
+              <a:t>When a test passes immediately without having to write code (or if the code has already been written) it is time to be concerned. This is one of those moments we should ensure that the tests are working by mutating that code.</a:t>
+            </a:r>
           </a:p>
         </p:txBody>
       </p:sp>
     </p:spTree>
     <p:extLst>
       <p:ext uri="{BB962C8B-B14F-4D97-AF65-F5344CB8AC3E}">
-        <p14:creationId xmlns:p14="http://schemas.microsoft.com/office/powerpoint/2010/main" val="3096191279"/>
+        <p14:creationId xmlns:p14="http://schemas.microsoft.com/office/powerpoint/2010/main" val="2308369830"/>
       </p:ext>
     </p:extLst>
   </p:cSld>
@@ -14424,7 +14830,29 @@
       </p:grpSpPr>
       <p:sp>
         <p:nvSpPr>
-          <p:cNvPr id="2" name="Content Placeholder 1"/>
+          <p:cNvPr id="2" name="Title 1"/>
+          <p:cNvSpPr>
+            <a:spLocks noGrp="1"/>
+          </p:cNvSpPr>
+          <p:nvPr>
+            <p:ph type="title"/>
+          </p:nvPr>
+        </p:nvSpPr>
+        <p:spPr/>
+        <p:txBody>
+          <a:bodyPr/>
+          <a:lstStyle/>
+          <a:p>
+            <a:r>
+              <a:rPr lang="en-US" dirty="0"/>
+              <a:t>Comment Out the Resource</a:t>
+            </a:r>
+          </a:p>
+        </p:txBody>
+      </p:sp>
+      <p:sp>
+        <p:nvSpPr>
+          <p:cNvPr id="3" name="Content Placeholder 2"/>
           <p:cNvSpPr>
             <a:spLocks noGrp="1"/>
           </p:cNvSpPr>
@@ -14439,47 +14867,45 @@
           <a:p>
             <a:r>
               <a:rPr lang="en-US" dirty="0"/>
-              <a:t>.F</a:t>
-            </a:r>
-          </a:p>
-          <a:p>
-            <a:endParaRPr lang="en-US" dirty="0"/>
-          </a:p>
-          <a:p>
-            <a:r>
-              <a:rPr lang="en-US" dirty="0"/>
-              <a:t>Failures:</a:t>
-            </a:r>
-          </a:p>
-          <a:p>
-            <a:endParaRPr lang="en-US" dirty="0"/>
-          </a:p>
-          <a:p>
-            <a:r>
-              <a:rPr lang="en-US" dirty="0"/>
-              <a:t>  1) apache::install When all attributes are default, on an CentOS 6.9 installs the appropriate package</a:t>
-            </a:r>
-          </a:p>
-          <a:p>
-            <a:r>
-              <a:rPr lang="en-US" dirty="0"/>
-              <a:t>     Failure/Error: expect(</a:t>
-            </a:r>
-            <a:r>
-              <a:rPr lang="en-US" dirty="0" err="1"/>
-              <a:t>chef_run</a:t>
-            </a:r>
-            <a:r>
-              <a:rPr lang="en-US" dirty="0"/>
-              <a:t>).to </a:t>
-            </a:r>
-            <a:r>
-              <a:rPr lang="en-US" dirty="0" err="1"/>
-              <a:t>install_package</a:t>
-            </a:r>
-            <a:r>
-              <a:rPr lang="en-US" dirty="0"/>
-              <a:t>('</a:t>
+              <a:t>#</a:t>
+            </a:r>
+          </a:p>
+          <a:p>
+            <a:r>
+              <a:rPr lang="en-US" dirty="0"/>
+              <a:t># Cookbook Name:: apache</a:t>
+            </a:r>
+          </a:p>
+          <a:p>
+            <a:r>
+              <a:rPr lang="en-US" dirty="0"/>
+              <a:t># Recipe:: install</a:t>
+            </a:r>
+          </a:p>
+          <a:p>
+            <a:r>
+              <a:rPr lang="en-US" dirty="0"/>
+              <a:t>#</a:t>
+            </a:r>
+          </a:p>
+          <a:p>
+            <a:r>
+              <a:rPr lang="en-US" dirty="0"/>
+              <a:t># Copyright (c) </a:t>
+            </a:r>
+            <a:r>
+              <a:rPr lang="is-IS" dirty="0"/>
+              <a:t>2017</a:t>
+            </a:r>
+            <a:r>
+              <a:rPr lang="en-US" dirty="0"/>
+              <a:t> The Authors, All Rights Reserved.</a:t>
+            </a:r>
+          </a:p>
+          <a:p>
+            <a:r>
+              <a:rPr lang="en-US" dirty="0"/>
+              <a:t># package '</a:t>
             </a:r>
             <a:r>
               <a:rPr lang="en-US" dirty="0" err="1"/>
@@ -14487,55 +14913,33 @@
             </a:r>
             <a:r>
               <a:rPr lang="en-US" dirty="0"/>
-              <a:t>')</a:t>
-            </a:r>
-          </a:p>
-          <a:p>
-            <a:r>
-              <a:rPr lang="en-US" dirty="0"/>
-              <a:t>       expected "package[</a:t>
+              <a:t>'</a:t>
+            </a:r>
+          </a:p>
+        </p:txBody>
+      </p:sp>
+      <p:sp>
+        <p:nvSpPr>
+          <p:cNvPr id="4" name="Text Placeholder 3"/>
+          <p:cNvSpPr>
+            <a:spLocks noGrp="1"/>
+          </p:cNvSpPr>
+          <p:nvPr>
+            <p:ph type="body" sz="quarter" idx="11"/>
+          </p:nvPr>
+        </p:nvSpPr>
+        <p:spPr/>
+        <p:txBody>
+          <a:bodyPr/>
+          <a:lstStyle/>
+          <a:p>
+            <a:r>
+              <a:rPr lang="en-US" dirty="0"/>
+              <a:t>~/apache/recipes/</a:t>
             </a:r>
             <a:r>
               <a:rPr lang="en-US" dirty="0" err="1"/>
-              <a:t>httpd</a:t>
-            </a:r>
-            <a:r>
-              <a:rPr lang="en-US" dirty="0"/>
-              <a:t>]" with action :install to be in Chef run. Other package resources:</a:t>
-            </a:r>
-          </a:p>
-        </p:txBody>
-      </p:sp>
-      <p:sp>
-        <p:nvSpPr>
-          <p:cNvPr id="3" name="Text Placeholder 2"/>
-          <p:cNvSpPr>
-            <a:spLocks noGrp="1"/>
-          </p:cNvSpPr>
-          <p:nvPr>
-            <p:ph type="body" sz="quarter" idx="11"/>
-          </p:nvPr>
-        </p:nvSpPr>
-        <p:spPr/>
-        <p:txBody>
-          <a:bodyPr/>
-          <a:lstStyle/>
-          <a:p>
-            <a:r>
-              <a:rPr lang="en-US" dirty="0"/>
-              <a:t>&gt; chef exec </a:t>
-            </a:r>
-            <a:r>
-              <a:rPr lang="en-US" dirty="0" err="1"/>
-              <a:t>rspec</a:t>
-            </a:r>
-            <a:r>
-              <a:rPr lang="en-US" dirty="0"/>
-              <a:t> spec/unit/recipes/</a:t>
-            </a:r>
-            <a:r>
-              <a:rPr lang="en-US" dirty="0" err="1"/>
-              <a:t>install_spec.rb</a:t>
+              <a:t>install.rb</a:t>
             </a:r>
             <a:endParaRPr lang="en-US" dirty="0"/>
           </a:p>
@@ -14543,18 +14947,18 @@
       </p:sp>
       <p:sp>
         <p:nvSpPr>
-          <p:cNvPr id="4" name="Content Placeholder 3"/>
-          <p:cNvSpPr>
-            <a:spLocks noGrp="1"/>
-          </p:cNvSpPr>
-          <p:nvPr>
-            <p:ph sz="quarter" idx="12"/>
+          <p:cNvPr id="6" name="Text Placeholder 5"/>
+          <p:cNvSpPr>
+            <a:spLocks noGrp="1"/>
+          </p:cNvSpPr>
+          <p:nvPr>
+            <p:ph type="body" sz="quarter" idx="13"/>
           </p:nvPr>
         </p:nvSpPr>
         <p:spPr>
           <a:xfrm>
-            <a:off x="1127883" y="2318349"/>
-            <a:ext cx="14420850" cy="557213"/>
+            <a:off x="1135042" y="4741333"/>
+            <a:ext cx="14404273" cy="582084"/>
           </a:xfrm>
         </p:spPr>
         <p:txBody>
@@ -14562,35 +14966,13 @@
           <a:lstStyle/>
           <a:p>
             <a:endParaRPr lang="en-US" dirty="0"/>
-          </a:p>
-        </p:txBody>
-      </p:sp>
-      <p:sp>
-        <p:nvSpPr>
-          <p:cNvPr id="5" name="Title 4"/>
-          <p:cNvSpPr>
-            <a:spLocks noGrp="1"/>
-          </p:cNvSpPr>
-          <p:nvPr>
-            <p:ph type="title"/>
-          </p:nvPr>
-        </p:nvSpPr>
-        <p:spPr/>
-        <p:txBody>
-          <a:bodyPr/>
-          <a:lstStyle/>
-          <a:p>
-            <a:r>
-              <a:rPr lang="en-US" dirty="0"/>
-              <a:t>Execute the Test to See it Fail</a:t>
-            </a:r>
           </a:p>
         </p:txBody>
       </p:sp>
     </p:spTree>
     <p:extLst>
       <p:ext uri="{BB962C8B-B14F-4D97-AF65-F5344CB8AC3E}">
-        <p14:creationId xmlns:p14="http://schemas.microsoft.com/office/powerpoint/2010/main" val="3003100816"/>
+        <p14:creationId xmlns:p14="http://schemas.microsoft.com/office/powerpoint/2010/main" val="3096191279"/>
       </p:ext>
     </p:extLst>
   </p:cSld>
@@ -14622,12 +15004,12 @@
       </p:grpSpPr>
       <p:sp>
         <p:nvSpPr>
-          <p:cNvPr id="2" name="Title 1"/>
-          <p:cNvSpPr>
-            <a:spLocks noGrp="1"/>
-          </p:cNvSpPr>
-          <p:nvPr>
-            <p:ph type="title"/>
+          <p:cNvPr id="2" name="Content Placeholder 1"/>
+          <p:cNvSpPr>
+            <a:spLocks noGrp="1"/>
+          </p:cNvSpPr>
+          <p:nvPr>
+            <p:ph sz="quarter" idx="10"/>
           </p:nvPr>
         </p:nvSpPr>
         <p:spPr/>
@@ -14637,67 +15019,47 @@
           <a:p>
             <a:r>
               <a:rPr lang="en-US" dirty="0"/>
-              <a:t>Uncomment Out the Resource</a:t>
-            </a:r>
-          </a:p>
-        </p:txBody>
-      </p:sp>
-      <p:sp>
-        <p:nvSpPr>
-          <p:cNvPr id="3" name="Content Placeholder 2"/>
-          <p:cNvSpPr>
-            <a:spLocks noGrp="1"/>
-          </p:cNvSpPr>
-          <p:nvPr>
-            <p:ph sz="quarter" idx="10"/>
-          </p:nvPr>
-        </p:nvSpPr>
-        <p:spPr/>
-        <p:txBody>
-          <a:bodyPr/>
-          <a:lstStyle/>
-          <a:p>
-            <a:r>
-              <a:rPr lang="en-US" dirty="0"/>
-              <a:t>#</a:t>
-            </a:r>
-          </a:p>
-          <a:p>
-            <a:r>
-              <a:rPr lang="en-US" dirty="0"/>
-              <a:t># Cookbook Name:: apache</a:t>
-            </a:r>
-          </a:p>
-          <a:p>
-            <a:r>
-              <a:rPr lang="en-US" dirty="0"/>
-              <a:t># Recipe:: install</a:t>
-            </a:r>
-          </a:p>
-          <a:p>
-            <a:r>
-              <a:rPr lang="en-US" dirty="0"/>
-              <a:t>#</a:t>
-            </a:r>
-          </a:p>
-          <a:p>
-            <a:r>
-              <a:rPr lang="en-US" dirty="0"/>
-              <a:t># Copyright (c) </a:t>
-            </a:r>
-            <a:r>
-              <a:rPr lang="is-IS" dirty="0"/>
-              <a:t>2017</a:t>
-            </a:r>
-            <a:r>
-              <a:rPr lang="en-US" dirty="0"/>
-              <a:t> The Authors, All Rights Reserved.</a:t>
-            </a:r>
-          </a:p>
-          <a:p>
-            <a:r>
-              <a:rPr lang="en-US" dirty="0"/>
-              <a:t>package '</a:t>
+              <a:t>.F</a:t>
+            </a:r>
+          </a:p>
+          <a:p>
+            <a:endParaRPr lang="en-US" dirty="0"/>
+          </a:p>
+          <a:p>
+            <a:r>
+              <a:rPr lang="en-US" dirty="0"/>
+              <a:t>Failures:</a:t>
+            </a:r>
+          </a:p>
+          <a:p>
+            <a:endParaRPr lang="en-US" dirty="0"/>
+          </a:p>
+          <a:p>
+            <a:r>
+              <a:rPr lang="en-US" dirty="0"/>
+              <a:t>  1) apache::install When all attributes are default, on an CentOS 6.9 installs the appropriate package</a:t>
+            </a:r>
+          </a:p>
+          <a:p>
+            <a:r>
+              <a:rPr lang="en-US" dirty="0"/>
+              <a:t>     Failure/Error: expect(</a:t>
+            </a:r>
+            <a:r>
+              <a:rPr lang="en-US" dirty="0" err="1"/>
+              <a:t>chef_run</a:t>
+            </a:r>
+            <a:r>
+              <a:rPr lang="en-US" dirty="0"/>
+              <a:t>).to </a:t>
+            </a:r>
+            <a:r>
+              <a:rPr lang="en-US" dirty="0" err="1"/>
+              <a:t>install_package</a:t>
+            </a:r>
+            <a:r>
+              <a:rPr lang="en-US" dirty="0"/>
+              <a:t>('</a:t>
             </a:r>
             <a:r>
               <a:rPr lang="en-US" dirty="0" err="1"/>
@@ -14705,14 +15067,28 @@
             </a:r>
             <a:r>
               <a:rPr lang="en-US" dirty="0"/>
-              <a:t>'</a:t>
-            </a:r>
-          </a:p>
-        </p:txBody>
-      </p:sp>
-      <p:sp>
-        <p:nvSpPr>
-          <p:cNvPr id="4" name="Text Placeholder 3"/>
+              <a:t>')</a:t>
+            </a:r>
+          </a:p>
+          <a:p>
+            <a:r>
+              <a:rPr lang="en-US" dirty="0"/>
+              <a:t>       expected "package[</a:t>
+            </a:r>
+            <a:r>
+              <a:rPr lang="en-US" dirty="0" err="1"/>
+              <a:t>httpd</a:t>
+            </a:r>
+            <a:r>
+              <a:rPr lang="en-US" dirty="0"/>
+              <a:t>]" with action :install to be in Chef run. Other package resources:</a:t>
+            </a:r>
+          </a:p>
+        </p:txBody>
+      </p:sp>
+      <p:sp>
+        <p:nvSpPr>
+          <p:cNvPr id="3" name="Text Placeholder 2"/>
           <p:cNvSpPr>
             <a:spLocks noGrp="1"/>
           </p:cNvSpPr>
@@ -14727,11 +15103,19 @@
           <a:p>
             <a:r>
               <a:rPr lang="en-US" dirty="0"/>
-              <a:t>~/apache/recipes/</a:t>
+              <a:t>&gt; chef exec </a:t>
             </a:r>
             <a:r>
               <a:rPr lang="en-US" dirty="0" err="1"/>
-              <a:t>install.rb</a:t>
+              <a:t>rspec</a:t>
+            </a:r>
+            <a:r>
+              <a:rPr lang="en-US" dirty="0"/>
+              <a:t> spec/unit/recipes/</a:t>
+            </a:r>
+            <a:r>
+              <a:rPr lang="en-US" dirty="0" err="1"/>
+              <a:t>install_spec.rb</a:t>
             </a:r>
             <a:endParaRPr lang="en-US" dirty="0"/>
           </a:p>
@@ -14739,18 +15123,18 @@
       </p:sp>
       <p:sp>
         <p:nvSpPr>
-          <p:cNvPr id="6" name="Text Placeholder 5"/>
-          <p:cNvSpPr>
-            <a:spLocks noGrp="1"/>
-          </p:cNvSpPr>
-          <p:nvPr>
-            <p:ph type="body" sz="quarter" idx="13"/>
+          <p:cNvPr id="4" name="Content Placeholder 3"/>
+          <p:cNvSpPr>
+            <a:spLocks noGrp="1"/>
+          </p:cNvSpPr>
+          <p:nvPr>
+            <p:ph sz="quarter" idx="12"/>
           </p:nvPr>
         </p:nvSpPr>
         <p:spPr>
           <a:xfrm>
-            <a:off x="1135042" y="4741333"/>
-            <a:ext cx="14404273" cy="582084"/>
+            <a:off x="1127883" y="2318349"/>
+            <a:ext cx="14420850" cy="557213"/>
           </a:xfrm>
         </p:spPr>
         <p:txBody>
@@ -14758,13 +15142,35 @@
           <a:lstStyle/>
           <a:p>
             <a:endParaRPr lang="en-US" dirty="0"/>
+          </a:p>
+        </p:txBody>
+      </p:sp>
+      <p:sp>
+        <p:nvSpPr>
+          <p:cNvPr id="5" name="Title 4"/>
+          <p:cNvSpPr>
+            <a:spLocks noGrp="1"/>
+          </p:cNvSpPr>
+          <p:nvPr>
+            <p:ph type="title"/>
+          </p:nvPr>
+        </p:nvSpPr>
+        <p:spPr/>
+        <p:txBody>
+          <a:bodyPr/>
+          <a:lstStyle/>
+          <a:p>
+            <a:r>
+              <a:rPr lang="en-US" dirty="0"/>
+              <a:t>Execute the Test to See it Fail</a:t>
+            </a:r>
           </a:p>
         </p:txBody>
       </p:sp>
     </p:spTree>
     <p:extLst>
       <p:ext uri="{BB962C8B-B14F-4D97-AF65-F5344CB8AC3E}">
-        <p14:creationId xmlns:p14="http://schemas.microsoft.com/office/powerpoint/2010/main" val="1221888070"/>
+        <p14:creationId xmlns:p14="http://schemas.microsoft.com/office/powerpoint/2010/main" val="3003100816"/>
       </p:ext>
     </p:extLst>
   </p:cSld>
@@ -14796,7 +15202,29 @@
       </p:grpSpPr>
       <p:sp>
         <p:nvSpPr>
-          <p:cNvPr id="2" name="Content Placeholder 1"/>
+          <p:cNvPr id="2" name="Title 1"/>
+          <p:cNvSpPr>
+            <a:spLocks noGrp="1"/>
+          </p:cNvSpPr>
+          <p:nvPr>
+            <p:ph type="title"/>
+          </p:nvPr>
+        </p:nvSpPr>
+        <p:spPr/>
+        <p:txBody>
+          <a:bodyPr/>
+          <a:lstStyle/>
+          <a:p>
+            <a:r>
+              <a:rPr lang="en-US" dirty="0"/>
+              <a:t>Uncomment Out the Resource</a:t>
+            </a:r>
+          </a:p>
+        </p:txBody>
+      </p:sp>
+      <p:sp>
+        <p:nvSpPr>
+          <p:cNvPr id="3" name="Content Placeholder 2"/>
           <p:cNvSpPr>
             <a:spLocks noGrp="1"/>
           </p:cNvSpPr>
@@ -14811,75 +15239,98 @@
           <a:p>
             <a:r>
               <a:rPr lang="en-US" dirty="0"/>
-              <a:t>..</a:t>
-            </a:r>
-          </a:p>
-          <a:p>
+              <a:t>#</a:t>
+            </a:r>
+          </a:p>
+          <a:p>
+            <a:r>
+              <a:rPr lang="en-US" dirty="0"/>
+              <a:t># Cookbook Name:: apache</a:t>
+            </a:r>
+          </a:p>
+          <a:p>
+            <a:r>
+              <a:rPr lang="en-US" dirty="0"/>
+              <a:t># Recipe:: install</a:t>
+            </a:r>
+          </a:p>
+          <a:p>
+            <a:r>
+              <a:rPr lang="en-US" dirty="0"/>
+              <a:t>#</a:t>
+            </a:r>
+          </a:p>
+          <a:p>
+            <a:r>
+              <a:rPr lang="en-US" dirty="0"/>
+              <a:t># Copyright (c) </a:t>
+            </a:r>
+            <a:r>
+              <a:rPr lang="is-IS" dirty="0"/>
+              <a:t>2017</a:t>
+            </a:r>
+            <a:r>
+              <a:rPr lang="en-US" dirty="0"/>
+              <a:t> The Authors, All Rights Reserved.</a:t>
+            </a:r>
+          </a:p>
+          <a:p>
+            <a:r>
+              <a:rPr lang="en-US" dirty="0"/>
+              <a:t>package '</a:t>
+            </a:r>
+            <a:r>
+              <a:rPr lang="en-US" dirty="0" err="1"/>
+              <a:t>httpd</a:t>
+            </a:r>
+            <a:r>
+              <a:rPr lang="en-US" dirty="0"/>
+              <a:t>'</a:t>
+            </a:r>
+          </a:p>
+        </p:txBody>
+      </p:sp>
+      <p:sp>
+        <p:nvSpPr>
+          <p:cNvPr id="4" name="Text Placeholder 3"/>
+          <p:cNvSpPr>
+            <a:spLocks noGrp="1"/>
+          </p:cNvSpPr>
+          <p:nvPr>
+            <p:ph type="body" sz="quarter" idx="11"/>
+          </p:nvPr>
+        </p:nvSpPr>
+        <p:spPr/>
+        <p:txBody>
+          <a:bodyPr/>
+          <a:lstStyle/>
+          <a:p>
+            <a:r>
+              <a:rPr lang="en-US" dirty="0"/>
+              <a:t>~/apache/recipes/</a:t>
+            </a:r>
+            <a:r>
+              <a:rPr lang="en-US" dirty="0" err="1"/>
+              <a:t>install.rb</a:t>
+            </a:r>
             <a:endParaRPr lang="en-US" dirty="0"/>
           </a:p>
-          <a:p>
-            <a:r>
-              <a:rPr lang="en-US" dirty="0"/>
-              <a:t>Finished in 0.73662 seconds (files took 4.4 seconds to load)</a:t>
-            </a:r>
-          </a:p>
-          <a:p>
-            <a:r>
-              <a:rPr lang="en-US" dirty="0"/>
-              <a:t>2 examples, 0 failures</a:t>
-            </a:r>
-          </a:p>
-        </p:txBody>
-      </p:sp>
-      <p:sp>
-        <p:nvSpPr>
-          <p:cNvPr id="3" name="Text Placeholder 2"/>
-          <p:cNvSpPr>
-            <a:spLocks noGrp="1"/>
-          </p:cNvSpPr>
-          <p:nvPr>
-            <p:ph type="body" sz="quarter" idx="11"/>
-          </p:nvPr>
-        </p:nvSpPr>
-        <p:spPr/>
-        <p:txBody>
-          <a:bodyPr/>
-          <a:lstStyle/>
-          <a:p>
-            <a:r>
-              <a:rPr lang="en-US" dirty="0"/>
-              <a:t>&gt; chef exec </a:t>
-            </a:r>
-            <a:r>
-              <a:rPr lang="en-US" dirty="0" err="1"/>
-              <a:t>rspec</a:t>
-            </a:r>
-            <a:r>
-              <a:rPr lang="en-US" dirty="0"/>
-              <a:t> spec/unit/recipes/</a:t>
-            </a:r>
-            <a:r>
-              <a:rPr lang="en-US" dirty="0" err="1"/>
-              <a:t>install_spec.rb</a:t>
-            </a:r>
-            <a:endParaRPr lang="en-US" dirty="0"/>
-          </a:p>
-        </p:txBody>
-      </p:sp>
-      <p:sp>
-        <p:nvSpPr>
-          <p:cNvPr id="4" name="Content Placeholder 3"/>
-          <p:cNvSpPr>
-            <a:spLocks noGrp="1"/>
-          </p:cNvSpPr>
-          <p:nvPr>
-            <p:ph sz="quarter" idx="12"/>
+        </p:txBody>
+      </p:sp>
+      <p:sp>
+        <p:nvSpPr>
+          <p:cNvPr id="6" name="Text Placeholder 5"/>
+          <p:cNvSpPr>
+            <a:spLocks noGrp="1"/>
+          </p:cNvSpPr>
+          <p:nvPr>
+            <p:ph type="body" sz="quarter" idx="13"/>
           </p:nvPr>
         </p:nvSpPr>
         <p:spPr>
           <a:xfrm>
-            <a:off x="1127883" y="3927015"/>
-            <a:ext cx="14420850" cy="557213"/>
+            <a:off x="1135042" y="4741333"/>
+            <a:ext cx="14404273" cy="582084"/>
           </a:xfrm>
         </p:spPr>
         <p:txBody>
@@ -14887,35 +15338,13 @@
           <a:lstStyle/>
           <a:p>
             <a:endParaRPr lang="en-US" dirty="0"/>
-          </a:p>
-        </p:txBody>
-      </p:sp>
-      <p:sp>
-        <p:nvSpPr>
-          <p:cNvPr id="5" name="Title 4"/>
-          <p:cNvSpPr>
-            <a:spLocks noGrp="1"/>
-          </p:cNvSpPr>
-          <p:nvPr>
-            <p:ph type="title"/>
-          </p:nvPr>
-        </p:nvSpPr>
-        <p:spPr/>
-        <p:txBody>
-          <a:bodyPr/>
-          <a:lstStyle/>
-          <a:p>
-            <a:r>
-              <a:rPr lang="en-US" dirty="0"/>
-              <a:t>Execute the Test to See it Pass</a:t>
-            </a:r>
           </a:p>
         </p:txBody>
       </p:sp>
     </p:spTree>
     <p:extLst>
       <p:ext uri="{BB962C8B-B14F-4D97-AF65-F5344CB8AC3E}">
-        <p14:creationId xmlns:p14="http://schemas.microsoft.com/office/powerpoint/2010/main" val="3010309233"/>
+        <p14:creationId xmlns:p14="http://schemas.microsoft.com/office/powerpoint/2010/main" val="1221888070"/>
       </p:ext>
     </p:extLst>
   </p:cSld>
@@ -14947,36 +15376,12 @@
       </p:grpSpPr>
       <p:sp>
         <p:nvSpPr>
-          <p:cNvPr id="2" name="Title 1"/>
-          <p:cNvSpPr>
-            <a:spLocks noGrp="1"/>
-          </p:cNvSpPr>
-          <p:nvPr>
-            <p:ph type="ctrTitle"/>
-          </p:nvPr>
-        </p:nvSpPr>
-        <p:spPr/>
-        <p:txBody>
-          <a:bodyPr>
-            <a:normAutofit fontScale="90000"/>
-          </a:bodyPr>
-          <a:lstStyle/>
-          <a:p>
-            <a:r>
-              <a:rPr lang="en-US" dirty="0"/>
-              <a:t>Testing Remaining Resources</a:t>
-            </a:r>
-          </a:p>
-        </p:txBody>
-      </p:sp>
-      <p:sp>
-        <p:nvSpPr>
-          <p:cNvPr id="3" name="Content Placeholder 2"/>
-          <p:cNvSpPr>
-            <a:spLocks noGrp="1"/>
-          </p:cNvSpPr>
-          <p:nvPr>
-            <p:ph sz="quarter" idx="11"/>
+          <p:cNvPr id="2" name="Content Placeholder 1"/>
+          <p:cNvSpPr>
+            <a:spLocks noGrp="1"/>
+          </p:cNvSpPr>
+          <p:nvPr>
+            <p:ph sz="quarter" idx="10"/>
           </p:nvPr>
         </p:nvSpPr>
         <p:spPr/>
@@ -14986,19 +15391,34 @@
           <a:p>
             <a:r>
               <a:rPr lang="en-US" dirty="0"/>
-              <a:t>No resources left behind!</a:t>
-            </a:r>
-          </a:p>
-        </p:txBody>
-      </p:sp>
-      <p:sp>
-        <p:nvSpPr>
-          <p:cNvPr id="4" name="Text Placeholder 3"/>
-          <p:cNvSpPr>
-            <a:spLocks noGrp="1"/>
-          </p:cNvSpPr>
-          <p:nvPr>
-            <p:ph type="body" sz="quarter" idx="10"/>
+              <a:t>..</a:t>
+            </a:r>
+          </a:p>
+          <a:p>
+            <a:endParaRPr lang="en-US" dirty="0"/>
+          </a:p>
+          <a:p>
+            <a:r>
+              <a:rPr lang="en-US" dirty="0"/>
+              <a:t>Finished in 0.73662 seconds (files took 4.4 seconds to load)</a:t>
+            </a:r>
+          </a:p>
+          <a:p>
+            <a:r>
+              <a:rPr lang="en-US" dirty="0"/>
+              <a:t>2 examples, 0 failures</a:t>
+            </a:r>
+          </a:p>
+        </p:txBody>
+      </p:sp>
+      <p:sp>
+        <p:nvSpPr>
+          <p:cNvPr id="3" name="Text Placeholder 2"/>
+          <p:cNvSpPr>
+            <a:spLocks noGrp="1"/>
+          </p:cNvSpPr>
+          <p:nvPr>
+            <p:ph type="body" sz="quarter" idx="11"/>
           </p:nvPr>
         </p:nvSpPr>
         <p:spPr/>
@@ -15006,23 +15426,68 @@
           <a:bodyPr/>
           <a:lstStyle/>
           <a:p>
-            <a:pPr marL="342900" indent="-342900">
-              <a:buFont typeface="Wingdings" charset="2"/>
-              <a:buChar char="ü"/>
-            </a:pPr>
-            <a:r>
-              <a:rPr lang="en-US" dirty="0"/>
-              <a:t>Write and execute tests for the Install recipe</a:t>
-            </a:r>
-          </a:p>
-          <a:p>
-            <a:pPr marL="342900" indent="-342900">
-              <a:buFont typeface="Wingdings" charset="2"/>
-              <a:buChar char="ü"/>
-            </a:pPr>
-            <a:r>
-              <a:rPr lang="en-US" dirty="0"/>
-              <a:t>Verify the test validates the recipe</a:t>
+            <a:r>
+              <a:rPr lang="en-US" dirty="0"/>
+              <a:t>&gt; chef exec </a:t>
+            </a:r>
+            <a:r>
+              <a:rPr lang="en-US" dirty="0" err="1"/>
+              <a:t>rspec</a:t>
+            </a:r>
+            <a:r>
+              <a:rPr lang="en-US" dirty="0"/>
+              <a:t> spec/unit/recipes/</a:t>
+            </a:r>
+            <a:r>
+              <a:rPr lang="en-US" dirty="0" err="1"/>
+              <a:t>install_spec.rb</a:t>
+            </a:r>
+            <a:endParaRPr lang="en-US" dirty="0"/>
+          </a:p>
+        </p:txBody>
+      </p:sp>
+      <p:sp>
+        <p:nvSpPr>
+          <p:cNvPr id="4" name="Content Placeholder 3"/>
+          <p:cNvSpPr>
+            <a:spLocks noGrp="1"/>
+          </p:cNvSpPr>
+          <p:nvPr>
+            <p:ph sz="quarter" idx="12"/>
+          </p:nvPr>
+        </p:nvSpPr>
+        <p:spPr>
+          <a:xfrm>
+            <a:off x="1127883" y="3927015"/>
+            <a:ext cx="14420850" cy="557213"/>
+          </a:xfrm>
+        </p:spPr>
+        <p:txBody>
+          <a:bodyPr/>
+          <a:lstStyle/>
+          <a:p>
+            <a:endParaRPr lang="en-US" dirty="0"/>
+          </a:p>
+        </p:txBody>
+      </p:sp>
+      <p:sp>
+        <p:nvSpPr>
+          <p:cNvPr id="5" name="Title 4"/>
+          <p:cNvSpPr>
+            <a:spLocks noGrp="1"/>
+          </p:cNvSpPr>
+          <p:nvPr>
+            <p:ph type="title"/>
+          </p:nvPr>
+        </p:nvSpPr>
+        <p:spPr/>
+        <p:txBody>
+          <a:bodyPr/>
+          <a:lstStyle/>
+          <a:p>
+            <a:r>
+              <a:rPr lang="en-US" dirty="0"/>
+              <a:t>Execute the Test to See it Pass</a:t>
             </a:r>
           </a:p>
         </p:txBody>
@@ -15030,7 +15495,7 @@
     </p:spTree>
     <p:extLst>
       <p:ext uri="{BB962C8B-B14F-4D97-AF65-F5344CB8AC3E}">
-        <p14:creationId xmlns:p14="http://schemas.microsoft.com/office/powerpoint/2010/main" val="2357324613"/>
+        <p14:creationId xmlns:p14="http://schemas.microsoft.com/office/powerpoint/2010/main" val="3010309233"/>
       </p:ext>
     </p:extLst>
   </p:cSld>
@@ -15079,139 +15544,65 @@
           <a:p>
             <a:r>
               <a:rPr lang="en-US" dirty="0"/>
-              <a:t>Test the Remaining Recipes</a:t>
-            </a:r>
-          </a:p>
-        </p:txBody>
-      </p:sp>
-      <p:sp>
-        <p:nvSpPr>
-          <p:cNvPr id="3" name="Subtitle 2"/>
-          <p:cNvSpPr>
-            <a:spLocks noGrp="1"/>
-          </p:cNvSpPr>
-          <p:nvPr>
-            <p:ph type="subTitle" idx="1"/>
-          </p:nvPr>
-        </p:nvSpPr>
-        <p:spPr>
-          <a:xfrm>
-            <a:off x="1671638" y="3260725"/>
-            <a:ext cx="12319000" cy="4359275"/>
-          </a:xfrm>
-        </p:spPr>
+              <a:t>Testing Remaining Resources</a:t>
+            </a:r>
+          </a:p>
+        </p:txBody>
+      </p:sp>
+      <p:sp>
+        <p:nvSpPr>
+          <p:cNvPr id="3" name="Content Placeholder 2"/>
+          <p:cNvSpPr>
+            <a:spLocks noGrp="1"/>
+          </p:cNvSpPr>
+          <p:nvPr>
+            <p:ph sz="quarter" idx="11"/>
+          </p:nvPr>
+        </p:nvSpPr>
+        <p:spPr/>
         <p:txBody>
           <a:bodyPr/>
           <a:lstStyle/>
           <a:p>
-            <a:pPr>
-              <a:lnSpc>
-                <a:spcPct val="150000"/>
-              </a:lnSpc>
+            <a:r>
+              <a:rPr lang="en-US" dirty="0"/>
+              <a:t>No resources left behind!</a:t>
+            </a:r>
+          </a:p>
+        </p:txBody>
+      </p:sp>
+      <p:sp>
+        <p:nvSpPr>
+          <p:cNvPr id="4" name="Text Placeholder 3"/>
+          <p:cNvSpPr>
+            <a:spLocks noGrp="1"/>
+          </p:cNvSpPr>
+          <p:nvPr>
+            <p:ph type="body" sz="quarter" idx="10"/>
+          </p:nvPr>
+        </p:nvSpPr>
+        <p:spPr/>
+        <p:txBody>
+          <a:bodyPr/>
+          <a:lstStyle/>
+          <a:p>
+            <a:pPr marL="342900" indent="-342900">
+              <a:buFont typeface="Wingdings" charset="2"/>
+              <a:buChar char="ü"/>
             </a:pPr>
             <a:r>
               <a:rPr lang="en-US" dirty="0"/>
-              <a:t>Write a pending example</a:t>
-            </a:r>
-          </a:p>
-          <a:p>
-            <a:pPr>
-              <a:lnSpc>
-                <a:spcPct val="150000"/>
-              </a:lnSpc>
+              <a:t>Write and execute tests for the Install recipe</a:t>
+            </a:r>
+          </a:p>
+          <a:p>
+            <a:pPr marL="342900" indent="-342900">
+              <a:buFont typeface="Wingdings" charset="2"/>
+              <a:buChar char="ü"/>
             </a:pPr>
             <a:r>
               <a:rPr lang="en-US" dirty="0"/>
-              <a:t>Find the </a:t>
-            </a:r>
-            <a:r>
-              <a:rPr lang="en-US" dirty="0" err="1"/>
-              <a:t>ChefSpec</a:t>
-            </a:r>
-            <a:r>
-              <a:rPr lang="en-US" dirty="0"/>
-              <a:t> implementation</a:t>
-            </a:r>
-          </a:p>
-          <a:p>
-            <a:pPr>
-              <a:lnSpc>
-                <a:spcPct val="150000"/>
-              </a:lnSpc>
-            </a:pPr>
-            <a:r>
-              <a:rPr lang="en-US" dirty="0"/>
-              <a:t>Verify that the new example passes</a:t>
-            </a:r>
-          </a:p>
-          <a:p>
-            <a:pPr>
-              <a:lnSpc>
-                <a:spcPct val="150000"/>
-              </a:lnSpc>
-            </a:pPr>
-            <a:r>
-              <a:rPr lang="en-US" dirty="0"/>
-              <a:t>Mutate the recipe to generate a failure</a:t>
-            </a:r>
-          </a:p>
-          <a:p>
-            <a:pPr>
-              <a:lnSpc>
-                <a:spcPct val="150000"/>
-              </a:lnSpc>
-            </a:pPr>
-            <a:r>
-              <a:rPr lang="en-US" dirty="0"/>
-              <a:t>Restore the code in the recipe</a:t>
-            </a:r>
-          </a:p>
-          <a:p>
-            <a:pPr>
-              <a:lnSpc>
-                <a:spcPct val="150000"/>
-              </a:lnSpc>
-            </a:pPr>
-            <a:r>
-              <a:rPr lang="en-US" dirty="0"/>
-              <a:t>Verify that all examples pass</a:t>
-            </a:r>
-          </a:p>
-        </p:txBody>
-      </p:sp>
-      <p:sp>
-        <p:nvSpPr>
-          <p:cNvPr id="4" name="TextBox 3"/>
-          <p:cNvSpPr txBox="1"/>
-          <p:nvPr/>
-        </p:nvSpPr>
-        <p:spPr bwMode="white">
-          <a:xfrm>
-            <a:off x="1671638" y="7282069"/>
-            <a:ext cx="12330113" cy="675861"/>
-          </a:xfrm>
-          <a:prstGeom prst="rect">
-            <a:avLst/>
-          </a:prstGeom>
-          <a:solidFill>
-            <a:schemeClr val="bg2">
-              <a:lumMod val="85000"/>
-            </a:schemeClr>
-          </a:solidFill>
-        </p:spPr>
-        <p:txBody>
-          <a:bodyPr vert="horz" wrap="square" lIns="91440" tIns="91440" rIns="91440" bIns="91440" rtlCol="0">
-            <a:normAutofit/>
-          </a:bodyPr>
-          <a:lstStyle/>
-          <a:p>
-            <a:pPr marL="342900" indent="-342900" algn="ctr">
-              <a:buFont typeface="Wingdings" charset="2"/>
-              <a:buChar char="v"/>
-            </a:pPr>
-            <a:r>
-              <a:rPr lang="en-US" b="1" dirty="0"/>
-              <a:t>Repeat this series of steps for the configuration recipe and service recipe</a:t>
+              <a:t>Verify the test validates the recipe</a:t>
             </a:r>
           </a:p>
         </p:txBody>
@@ -15219,7 +15610,7 @@
     </p:spTree>
     <p:extLst>
       <p:ext uri="{BB962C8B-B14F-4D97-AF65-F5344CB8AC3E}">
-        <p14:creationId xmlns:p14="http://schemas.microsoft.com/office/powerpoint/2010/main" val="2089069985"/>
+        <p14:creationId xmlns:p14="http://schemas.microsoft.com/office/powerpoint/2010/main" val="2357324613"/>
       </p:ext>
     </p:extLst>
   </p:cSld>
@@ -15351,17 +15742,62 @@
             <a:spLocks noGrp="1"/>
           </p:cNvSpPr>
           <p:nvPr>
-            <p:ph type="title"/>
-          </p:nvPr>
-        </p:nvSpPr>
-        <p:spPr/>
+            <p:ph type="ctrTitle"/>
+          </p:nvPr>
+        </p:nvSpPr>
+        <p:spPr/>
+        <p:txBody>
+          <a:bodyPr>
+            <a:normAutofit fontScale="90000"/>
+          </a:bodyPr>
+          <a:lstStyle/>
+          <a:p>
+            <a:r>
+              <a:rPr lang="en-US" dirty="0"/>
+              <a:t>Test the Remaining Recipes</a:t>
+            </a:r>
+          </a:p>
+        </p:txBody>
+      </p:sp>
+      <p:sp>
+        <p:nvSpPr>
+          <p:cNvPr id="3" name="Subtitle 2"/>
+          <p:cNvSpPr>
+            <a:spLocks noGrp="1"/>
+          </p:cNvSpPr>
+          <p:nvPr>
+            <p:ph type="subTitle" idx="1"/>
+          </p:nvPr>
+        </p:nvSpPr>
+        <p:spPr>
+          <a:xfrm>
+            <a:off x="1671638" y="3260725"/>
+            <a:ext cx="12319000" cy="4359275"/>
+          </a:xfrm>
+        </p:spPr>
         <p:txBody>
           <a:bodyPr/>
           <a:lstStyle/>
           <a:p>
-            <a:r>
-              <a:rPr lang="en-US" dirty="0"/>
-              <a:t>Update the </a:t>
+            <a:pPr>
+              <a:lnSpc>
+                <a:spcPct val="150000"/>
+              </a:lnSpc>
+            </a:pPr>
+            <a:r>
+              <a:rPr lang="en-US" dirty="0"/>
+              <a:t>Write a pending example</a:t>
+            </a:r>
+          </a:p>
+          <a:p>
+            <a:pPr>
+              <a:lnSpc>
+                <a:spcPct val="150000"/>
+              </a:lnSpc>
+            </a:pPr>
+            <a:r>
+              <a:rPr lang="en-US" dirty="0"/>
+              <a:t>Find the </a:t>
             </a:r>
             <a:r>
               <a:rPr lang="en-US" dirty="0" err="1"/>
@@ -15369,253 +15805,88 @@
             </a:r>
             <a:r>
               <a:rPr lang="en-US" dirty="0"/>
-              <a:t> Platform</a:t>
-            </a:r>
-          </a:p>
-        </p:txBody>
-      </p:sp>
-      <p:sp>
-        <p:nvSpPr>
-          <p:cNvPr id="3" name="Content Placeholder 2"/>
-          <p:cNvSpPr>
-            <a:spLocks noGrp="1"/>
-          </p:cNvSpPr>
-          <p:nvPr>
-            <p:ph sz="quarter" idx="10"/>
-          </p:nvPr>
-        </p:nvSpPr>
-        <p:spPr/>
-        <p:txBody>
-          <a:bodyPr>
-            <a:normAutofit fontScale="85000" lnSpcReduction="20000"/>
+              <a:t> implementation</a:t>
+            </a:r>
+          </a:p>
+          <a:p>
+            <a:pPr>
+              <a:lnSpc>
+                <a:spcPct val="150000"/>
+              </a:lnSpc>
+            </a:pPr>
+            <a:r>
+              <a:rPr lang="en-US" dirty="0"/>
+              <a:t>Verify that the new example passes</a:t>
+            </a:r>
+          </a:p>
+          <a:p>
+            <a:pPr>
+              <a:lnSpc>
+                <a:spcPct val="150000"/>
+              </a:lnSpc>
+            </a:pPr>
+            <a:r>
+              <a:rPr lang="en-US" dirty="0"/>
+              <a:t>Mutate the recipe to generate a failure</a:t>
+            </a:r>
+          </a:p>
+          <a:p>
+            <a:pPr>
+              <a:lnSpc>
+                <a:spcPct val="150000"/>
+              </a:lnSpc>
+            </a:pPr>
+            <a:r>
+              <a:rPr lang="en-US" dirty="0"/>
+              <a:t>Restore the code in the recipe</a:t>
+            </a:r>
+          </a:p>
+          <a:p>
+            <a:pPr>
+              <a:lnSpc>
+                <a:spcPct val="150000"/>
+              </a:lnSpc>
+            </a:pPr>
+            <a:r>
+              <a:rPr lang="en-US" dirty="0"/>
+              <a:t>Verify that all examples pass</a:t>
+            </a:r>
+          </a:p>
+        </p:txBody>
+      </p:sp>
+      <p:sp>
+        <p:nvSpPr>
+          <p:cNvPr id="4" name="TextBox 3"/>
+          <p:cNvSpPr txBox="1"/>
+          <p:nvPr/>
+        </p:nvSpPr>
+        <p:spPr bwMode="white">
+          <a:xfrm>
+            <a:off x="1671638" y="7282069"/>
+            <a:ext cx="12330113" cy="675861"/>
+          </a:xfrm>
+          <a:prstGeom prst="rect">
+            <a:avLst/>
+          </a:prstGeom>
+          <a:solidFill>
+            <a:schemeClr val="bg2">
+              <a:lumMod val="85000"/>
+            </a:schemeClr>
+          </a:solidFill>
+        </p:spPr>
+        <p:txBody>
+          <a:bodyPr vert="horz" wrap="square" lIns="91440" tIns="91440" rIns="91440" bIns="91440" rtlCol="0">
+            <a:normAutofit/>
           </a:bodyPr>
           <a:lstStyle/>
           <a:p>
-            <a:r>
-              <a:rPr lang="en-US" dirty="0"/>
-              <a:t>require '</a:t>
-            </a:r>
-            <a:r>
-              <a:rPr lang="en-US" dirty="0" err="1"/>
-              <a:t>spec_helper</a:t>
-            </a:r>
-            <a:r>
-              <a:rPr lang="en-US" dirty="0"/>
-              <a:t>'</a:t>
-            </a:r>
-          </a:p>
-          <a:p>
-            <a:endParaRPr lang="en-US" dirty="0"/>
-          </a:p>
-          <a:p>
-            <a:r>
-              <a:rPr lang="en-US" dirty="0"/>
-              <a:t>describe 'apache::service' do</a:t>
-            </a:r>
-          </a:p>
-          <a:p>
-            <a:r>
-              <a:rPr lang="en-US" dirty="0"/>
-              <a:t>  context 'When all attributes are default, on an CentOS 6.9' do</a:t>
-            </a:r>
-          </a:p>
-          <a:p>
-            <a:r>
-              <a:rPr lang="en-US" dirty="0"/>
-              <a:t>    let(:</a:t>
-            </a:r>
-            <a:r>
-              <a:rPr lang="en-US" dirty="0" err="1"/>
-              <a:t>chef_run</a:t>
-            </a:r>
-            <a:r>
-              <a:rPr lang="en-US" dirty="0"/>
-              <a:t>) do</a:t>
-            </a:r>
-          </a:p>
-          <a:p>
-            <a:r>
-              <a:rPr lang="en-US" dirty="0"/>
-              <a:t>      runner = </a:t>
-            </a:r>
-            <a:r>
-              <a:rPr lang="en-US" dirty="0" err="1"/>
-              <a:t>ChefSpec</a:t>
-            </a:r>
-            <a:r>
-              <a:rPr lang="en-US" dirty="0"/>
-              <a:t>::</a:t>
-            </a:r>
-            <a:r>
-              <a:rPr lang="en-US" dirty="0" err="1"/>
-              <a:t>ServerRunner.new</a:t>
-            </a:r>
-            <a:r>
-              <a:rPr lang="en-US" dirty="0"/>
-              <a:t>(platform: 'centos', version: '6.9')</a:t>
-            </a:r>
-          </a:p>
-          <a:p>
-            <a:r>
-              <a:rPr lang="en-US" dirty="0"/>
-              <a:t>      </a:t>
-            </a:r>
-            <a:r>
-              <a:rPr lang="en-US" dirty="0" err="1"/>
-              <a:t>runner.converge</a:t>
-            </a:r>
-            <a:r>
-              <a:rPr lang="en-US" dirty="0"/>
-              <a:t>(</a:t>
-            </a:r>
-            <a:r>
-              <a:rPr lang="en-US" dirty="0" err="1"/>
-              <a:t>described_recipe</a:t>
-            </a:r>
-            <a:r>
-              <a:rPr lang="en-US" dirty="0"/>
-              <a:t>)</a:t>
-            </a:r>
-          </a:p>
-          <a:p>
-            <a:r>
-              <a:rPr lang="en-US" dirty="0"/>
-              <a:t>    end</a:t>
-            </a:r>
-          </a:p>
-          <a:p>
-            <a:endParaRPr lang="en-US" dirty="0"/>
-          </a:p>
-          <a:p>
-            <a:r>
-              <a:rPr lang="en-US" dirty="0"/>
-              <a:t>    it 'converges successfully' do</a:t>
-            </a:r>
-          </a:p>
-          <a:p>
-            <a:r>
-              <a:rPr lang="en-US" dirty="0"/>
-              <a:t>      expect { </a:t>
-            </a:r>
-            <a:r>
-              <a:rPr lang="en-US" dirty="0" err="1"/>
-              <a:t>chef_run</a:t>
-            </a:r>
-            <a:r>
-              <a:rPr lang="en-US" dirty="0"/>
-              <a:t> }.</a:t>
-            </a:r>
-            <a:r>
-              <a:rPr lang="en-US" dirty="0" err="1"/>
-              <a:t>to_not</a:t>
-            </a:r>
-            <a:r>
-              <a:rPr lang="en-US" dirty="0"/>
-              <a:t> </a:t>
-            </a:r>
-            <a:r>
-              <a:rPr lang="en-US" dirty="0" err="1"/>
-              <a:t>raise_error</a:t>
-            </a:r>
-            <a:endParaRPr lang="en-US" dirty="0"/>
-          </a:p>
-          <a:p>
-            <a:r>
-              <a:rPr lang="en-US" dirty="0"/>
-              <a:t>    end</a:t>
-            </a:r>
-          </a:p>
-          <a:p>
-            <a:r>
-              <a:rPr lang="en-US" dirty="0"/>
-              <a:t>  end</a:t>
-            </a:r>
-          </a:p>
-          <a:p>
-            <a:r>
-              <a:rPr lang="en-US" dirty="0"/>
-              <a:t>end</a:t>
-            </a:r>
-          </a:p>
-        </p:txBody>
-      </p:sp>
-      <p:sp>
-        <p:nvSpPr>
-          <p:cNvPr id="4" name="Text Placeholder 3"/>
-          <p:cNvSpPr>
-            <a:spLocks noGrp="1"/>
-          </p:cNvSpPr>
-          <p:nvPr>
-            <p:ph type="body" sz="quarter" idx="11"/>
-          </p:nvPr>
-        </p:nvSpPr>
-        <p:spPr/>
-        <p:txBody>
-          <a:bodyPr/>
-          <a:lstStyle/>
-          <a:p>
-            <a:r>
-              <a:rPr lang="en-US" dirty="0"/>
-              <a:t>~/apache/spec/unit/recipes/</a:t>
-            </a:r>
-            <a:r>
-              <a:rPr lang="en-US" dirty="0" err="1"/>
-              <a:t>service_spec.rb</a:t>
-            </a:r>
-            <a:endParaRPr lang="en-US" dirty="0"/>
-          </a:p>
-        </p:txBody>
-      </p:sp>
-      <p:sp>
-        <p:nvSpPr>
-          <p:cNvPr id="6" name="Text Placeholder 5"/>
-          <p:cNvSpPr>
-            <a:spLocks noGrp="1"/>
-          </p:cNvSpPr>
-          <p:nvPr>
-            <p:ph type="body" sz="quarter" idx="13"/>
-          </p:nvPr>
-        </p:nvSpPr>
-        <p:spPr>
-          <a:xfrm>
-            <a:off x="1135042" y="4051300"/>
-            <a:ext cx="14404273" cy="457201"/>
-          </a:xfrm>
-        </p:spPr>
-        <p:txBody>
-          <a:bodyPr/>
-          <a:lstStyle/>
-          <a:p>
-            <a:r>
-              <a:rPr lang="en-US" dirty="0"/>
-              <a:t>+</a:t>
-            </a:r>
-          </a:p>
-        </p:txBody>
-      </p:sp>
-      <p:sp>
-        <p:nvSpPr>
-          <p:cNvPr id="7" name="Text Placeholder 5"/>
-          <p:cNvSpPr>
-            <a:spLocks noGrp="1"/>
-          </p:cNvSpPr>
-          <p:nvPr>
-            <p:ph type="body" sz="quarter" idx="13"/>
-          </p:nvPr>
-        </p:nvSpPr>
-        <p:spPr>
-          <a:xfrm>
-            <a:off x="1135042" y="3238500"/>
-            <a:ext cx="14404273" cy="479840"/>
-          </a:xfrm>
-        </p:spPr>
-        <p:txBody>
-          <a:bodyPr/>
-          <a:lstStyle/>
-          <a:p>
-            <a:r>
-              <a:rPr lang="en-US" dirty="0"/>
-              <a:t>+</a:t>
+            <a:pPr marL="342900" indent="-342900" algn="ctr">
+              <a:buFont typeface="Wingdings" charset="2"/>
+              <a:buChar char="v"/>
+            </a:pPr>
+            <a:r>
+              <a:rPr lang="en-US" b="1" dirty="0"/>
+              <a:t>Repeat this series of steps for the configuration recipe and service recipe</a:t>
             </a:r>
           </a:p>
         </p:txBody>
@@ -15623,7 +15894,7 @@
     </p:spTree>
     <p:extLst>
       <p:ext uri="{BB962C8B-B14F-4D97-AF65-F5344CB8AC3E}">
-        <p14:creationId xmlns:p14="http://schemas.microsoft.com/office/powerpoint/2010/main" val="126084256"/>
+        <p14:creationId xmlns:p14="http://schemas.microsoft.com/office/powerpoint/2010/main" val="2089069985"/>
       </p:ext>
     </p:extLst>
   </p:cSld>
@@ -15670,7 +15941,7 @@
           <a:p>
             <a:r>
               <a:rPr lang="en-US" dirty="0"/>
-              <a:t>Write the Tests to Verify the Service</a:t>
+              <a:t>Delete context for Ubuntu</a:t>
             </a:r>
           </a:p>
         </p:txBody>
@@ -15687,12 +15958,22 @@
         </p:nvSpPr>
         <p:spPr/>
         <p:txBody>
-          <a:bodyPr/>
-          <a:lstStyle/>
-          <a:p>
-            <a:r>
-              <a:rPr lang="en-US" dirty="0"/>
-              <a:t> # ... START OF THE SPEC FILE ...</a:t>
+          <a:bodyPr>
+            <a:normAutofit fontScale="77500" lnSpcReduction="20000"/>
+          </a:bodyPr>
+          <a:lstStyle/>
+          <a:p>
+            <a:r>
+              <a:rPr lang="en-US" dirty="0"/>
+              <a:t>require '</a:t>
+            </a:r>
+            <a:r>
+              <a:rPr lang="en-US" dirty="0" err="1"/>
+              <a:t>spec_helper</a:t>
+            </a:r>
+            <a:r>
+              <a:rPr lang="en-US" dirty="0"/>
+              <a:t>'</a:t>
             </a:r>
           </a:p>
           <a:p>
@@ -15701,13 +15982,19 @@
           <a:p>
             <a:r>
               <a:rPr lang="en-US" dirty="0"/>
-              <a:t>    it 'starts the necessary service' do</a:t>
-            </a:r>
-          </a:p>
-          <a:p>
-            <a:r>
-              <a:rPr lang="en-US" dirty="0"/>
-              <a:t>      expect(</a:t>
+              <a:t>describe 'apache::service' do</a:t>
+            </a:r>
+          </a:p>
+          <a:p>
+            <a:r>
+              <a:rPr lang="en-US" dirty="0"/>
+              <a:t> context 'When all attributes are default, on Ubuntu 16.04' do</a:t>
+            </a:r>
+          </a:p>
+          <a:p>
+            <a:r>
+              <a:rPr lang="en-US" dirty="0"/>
+              <a:t>    let(:</a:t>
             </a:r>
             <a:r>
               <a:rPr lang="en-US" dirty="0" err="1"/>
@@ -15715,23 +16002,63 @@
             </a:r>
             <a:r>
               <a:rPr lang="en-US" dirty="0"/>
-              <a:t>).to </a:t>
+              <a:t>) do</a:t>
+            </a:r>
+          </a:p>
+          <a:p>
+            <a:r>
+              <a:rPr lang="en-US" dirty="0"/>
+              <a:t>      # for a complete list of available platforms and versions see:</a:t>
+            </a:r>
+          </a:p>
+          <a:p>
+            <a:r>
+              <a:rPr lang="en-US" dirty="0"/>
+              <a:t>      # https://github.com/customink/fauxhai/blob/master/PLATFORMS.md</a:t>
+            </a:r>
+          </a:p>
+          <a:p>
+            <a:r>
+              <a:rPr lang="en-US" dirty="0"/>
+              <a:t>      runner = </a:t>
             </a:r>
             <a:r>
               <a:rPr lang="en-US" dirty="0" err="1"/>
-              <a:t>start_service</a:t>
-            </a:r>
-            <a:r>
-              <a:rPr lang="en-US" dirty="0"/>
-              <a:t>('</a:t>
+              <a:t>ChefSpec</a:t>
+            </a:r>
+            <a:r>
+              <a:rPr lang="en-US" dirty="0"/>
+              <a:t>::</a:t>
             </a:r>
             <a:r>
               <a:rPr lang="en-US" dirty="0" err="1"/>
-              <a:t>httpd</a:t>
-            </a:r>
-            <a:r>
-              <a:rPr lang="en-US" dirty="0"/>
-              <a:t>')</a:t>
+              <a:t>ServerRunner.new</a:t>
+            </a:r>
+            <a:r>
+              <a:rPr lang="en-US" dirty="0"/>
+              <a:t>(platform: 'ubuntu', version: '16.04')</a:t>
+            </a:r>
+          </a:p>
+          <a:p>
+            <a:r>
+              <a:rPr lang="en-US" dirty="0"/>
+              <a:t>      </a:t>
+            </a:r>
+            <a:r>
+              <a:rPr lang="en-US" dirty="0" err="1"/>
+              <a:t>runner.converge</a:t>
+            </a:r>
+            <a:r>
+              <a:rPr lang="en-US" dirty="0"/>
+              <a:t>(</a:t>
+            </a:r>
+            <a:r>
+              <a:rPr lang="en-US" dirty="0" err="1"/>
+              <a:t>described_recipe</a:t>
+            </a:r>
+            <a:r>
+              <a:rPr lang="en-US" dirty="0"/>
+              <a:t>)</a:t>
             </a:r>
           </a:p>
           <a:p>
@@ -15746,13 +16073,13 @@
           <a:p>
             <a:r>
               <a:rPr lang="en-US" dirty="0"/>
-              <a:t>    it 'enables the necessary service' do</a:t>
-            </a:r>
-          </a:p>
-          <a:p>
-            <a:r>
-              <a:rPr lang="en-US" dirty="0"/>
-              <a:t>      expect(</a:t>
+              <a:t>    it 'converges successfully' do</a:t>
+            </a:r>
+          </a:p>
+          <a:p>
+            <a:r>
+              <a:rPr lang="en-US" dirty="0"/>
+              <a:t>      expect { </a:t>
             </a:r>
             <a:r>
               <a:rPr lang="en-US" dirty="0" err="1"/>
@@ -15760,24 +16087,21 @@
             </a:r>
             <a:r>
               <a:rPr lang="en-US" dirty="0"/>
-              <a:t>).to </a:t>
+              <a:t> }.</a:t>
             </a:r>
             <a:r>
               <a:rPr lang="en-US" dirty="0" err="1"/>
-              <a:t>enable_service</a:t>
-            </a:r>
-            <a:r>
-              <a:rPr lang="en-US" dirty="0"/>
-              <a:t>('</a:t>
+              <a:t>to_not</a:t>
+            </a:r>
+            <a:r>
+              <a:rPr lang="en-US" dirty="0"/>
+              <a:t> </a:t>
             </a:r>
             <a:r>
               <a:rPr lang="en-US" dirty="0" err="1"/>
-              <a:t>httpd</a:t>
-            </a:r>
-            <a:r>
-              <a:rPr lang="en-US" dirty="0"/>
-              <a:t>')</a:t>
-            </a:r>
+              <a:t>raise_error</a:t>
+            </a:r>
+            <a:endParaRPr lang="en-US" dirty="0"/>
           </a:p>
           <a:p>
             <a:r>
@@ -15789,12 +16113,6 @@
             <a:r>
               <a:rPr lang="en-US" dirty="0"/>
               <a:t>  end</a:t>
-            </a:r>
-          </a:p>
-          <a:p>
-            <a:r>
-              <a:rPr lang="en-US" dirty="0"/>
-              <a:t>end</a:t>
             </a:r>
           </a:p>
         </p:txBody>
@@ -15828,7 +16146,7 @@
       </p:sp>
       <p:sp>
         <p:nvSpPr>
-          <p:cNvPr id="6" name="Text Placeholder 5"/>
+          <p:cNvPr id="7" name="Text Placeholder 5"/>
           <p:cNvSpPr>
             <a:spLocks noGrp="1"/>
           </p:cNvSpPr>
@@ -15838,22 +16156,30 @@
         </p:nvSpPr>
         <p:spPr>
           <a:xfrm>
-            <a:off x="1135042" y="3206750"/>
-            <a:ext cx="14404273" cy="3683000"/>
+            <a:off x="1135042" y="3238500"/>
+            <a:ext cx="14404273" cy="4381500"/>
           </a:xfrm>
+          <a:solidFill>
+            <a:srgbClr val="FF0000">
+              <a:alpha val="25000"/>
+            </a:srgbClr>
+          </a:solidFill>
         </p:spPr>
         <p:txBody>
           <a:bodyPr/>
           <a:lstStyle/>
           <a:p>
-            <a:endParaRPr lang="en-US" dirty="0"/>
+            <a:r>
+              <a:rPr lang="en-US" dirty="0"/>
+              <a:t>+</a:t>
+            </a:r>
           </a:p>
         </p:txBody>
       </p:sp>
     </p:spTree>
     <p:extLst>
       <p:ext uri="{BB962C8B-B14F-4D97-AF65-F5344CB8AC3E}">
-        <p14:creationId xmlns:p14="http://schemas.microsoft.com/office/powerpoint/2010/main" val="1786309457"/>
+        <p14:creationId xmlns:p14="http://schemas.microsoft.com/office/powerpoint/2010/main" val="126084256"/>
       </p:ext>
     </p:extLst>
   </p:cSld>
@@ -15885,7 +16211,37 @@
       </p:grpSpPr>
       <p:sp>
         <p:nvSpPr>
-          <p:cNvPr id="2" name="Content Placeholder 1"/>
+          <p:cNvPr id="2" name="Title 1"/>
+          <p:cNvSpPr>
+            <a:spLocks noGrp="1"/>
+          </p:cNvSpPr>
+          <p:nvPr>
+            <p:ph type="title"/>
+          </p:nvPr>
+        </p:nvSpPr>
+        <p:spPr/>
+        <p:txBody>
+          <a:bodyPr/>
+          <a:lstStyle/>
+          <a:p>
+            <a:r>
+              <a:rPr lang="en-US" dirty="0"/>
+              <a:t>Update the </a:t>
+            </a:r>
+            <a:r>
+              <a:rPr lang="en-US" dirty="0" err="1"/>
+              <a:t>ChefSpec</a:t>
+            </a:r>
+            <a:r>
+              <a:rPr lang="en-US" dirty="0"/>
+              <a:t> Platform</a:t>
+            </a:r>
+          </a:p>
+        </p:txBody>
+      </p:sp>
+      <p:sp>
+        <p:nvSpPr>
+          <p:cNvPr id="3" name="Content Placeholder 2"/>
           <p:cNvSpPr>
             <a:spLocks noGrp="1"/>
           </p:cNvSpPr>
@@ -15895,57 +16251,177 @@
         </p:nvSpPr>
         <p:spPr/>
         <p:txBody>
+          <a:bodyPr>
+            <a:normAutofit fontScale="85000" lnSpcReduction="20000"/>
+          </a:bodyPr>
+          <a:lstStyle/>
+          <a:p>
+            <a:r>
+              <a:rPr lang="en-US" dirty="0"/>
+              <a:t>require '</a:t>
+            </a:r>
+            <a:r>
+              <a:rPr lang="en-US" dirty="0" err="1"/>
+              <a:t>spec_helper</a:t>
+            </a:r>
+            <a:r>
+              <a:rPr lang="en-US" dirty="0"/>
+              <a:t>'</a:t>
+            </a:r>
+          </a:p>
+          <a:p>
+            <a:endParaRPr lang="en-US" dirty="0"/>
+          </a:p>
+          <a:p>
+            <a:r>
+              <a:rPr lang="en-US" dirty="0"/>
+              <a:t>describe 'apache::service' do</a:t>
+            </a:r>
+          </a:p>
+          <a:p>
+            <a:r>
+              <a:rPr lang="en-US" dirty="0"/>
+              <a:t>  context 'When all attributes are default, on an CentOS 6.9' do</a:t>
+            </a:r>
+          </a:p>
+          <a:p>
+            <a:r>
+              <a:rPr lang="en-US" dirty="0"/>
+              <a:t>    let(:</a:t>
+            </a:r>
+            <a:r>
+              <a:rPr lang="en-US" dirty="0" err="1"/>
+              <a:t>chef_run</a:t>
+            </a:r>
+            <a:r>
+              <a:rPr lang="en-US" dirty="0"/>
+              <a:t>) do</a:t>
+            </a:r>
+          </a:p>
+          <a:p>
+            <a:r>
+              <a:rPr lang="en-US" dirty="0"/>
+              <a:t>      runner = </a:t>
+            </a:r>
+            <a:r>
+              <a:rPr lang="en-US" dirty="0" err="1"/>
+              <a:t>ChefSpec</a:t>
+            </a:r>
+            <a:r>
+              <a:rPr lang="en-US" dirty="0"/>
+              <a:t>::</a:t>
+            </a:r>
+            <a:r>
+              <a:rPr lang="en-US" dirty="0" err="1"/>
+              <a:t>ServerRunner.new</a:t>
+            </a:r>
+            <a:r>
+              <a:rPr lang="en-US" dirty="0"/>
+              <a:t>(platform: 'centos', version: '6.9')</a:t>
+            </a:r>
+          </a:p>
+          <a:p>
+            <a:r>
+              <a:rPr lang="en-US" dirty="0"/>
+              <a:t>      </a:t>
+            </a:r>
+            <a:r>
+              <a:rPr lang="en-US" dirty="0" err="1"/>
+              <a:t>runner.converge</a:t>
+            </a:r>
+            <a:r>
+              <a:rPr lang="en-US" dirty="0"/>
+              <a:t>(</a:t>
+            </a:r>
+            <a:r>
+              <a:rPr lang="en-US" dirty="0" err="1"/>
+              <a:t>described_recipe</a:t>
+            </a:r>
+            <a:r>
+              <a:rPr lang="en-US" dirty="0"/>
+              <a:t>)</a:t>
+            </a:r>
+          </a:p>
+          <a:p>
+            <a:r>
+              <a:rPr lang="en-US" dirty="0"/>
+              <a:t>    end</a:t>
+            </a:r>
+          </a:p>
+          <a:p>
+            <a:endParaRPr lang="en-US" dirty="0"/>
+          </a:p>
+          <a:p>
+            <a:r>
+              <a:rPr lang="en-US" dirty="0"/>
+              <a:t>    it 'converges successfully' do</a:t>
+            </a:r>
+          </a:p>
+          <a:p>
+            <a:r>
+              <a:rPr lang="en-US" dirty="0"/>
+              <a:t>      expect { </a:t>
+            </a:r>
+            <a:r>
+              <a:rPr lang="en-US" dirty="0" err="1"/>
+              <a:t>chef_run</a:t>
+            </a:r>
+            <a:r>
+              <a:rPr lang="en-US" dirty="0"/>
+              <a:t> }.</a:t>
+            </a:r>
+            <a:r>
+              <a:rPr lang="en-US" dirty="0" err="1"/>
+              <a:t>to_not</a:t>
+            </a:r>
+            <a:r>
+              <a:rPr lang="en-US" dirty="0"/>
+              <a:t> </a:t>
+            </a:r>
+            <a:r>
+              <a:rPr lang="en-US" dirty="0" err="1"/>
+              <a:t>raise_error</a:t>
+            </a:r>
+            <a:endParaRPr lang="en-US" dirty="0"/>
+          </a:p>
+          <a:p>
+            <a:r>
+              <a:rPr lang="en-US" dirty="0"/>
+              <a:t>    end</a:t>
+            </a:r>
+          </a:p>
+          <a:p>
+            <a:r>
+              <a:rPr lang="en-US" dirty="0"/>
+              <a:t>  end</a:t>
+            </a:r>
+          </a:p>
+          <a:p>
+            <a:r>
+              <a:rPr lang="en-US" dirty="0"/>
+              <a:t>end</a:t>
+            </a:r>
+          </a:p>
+        </p:txBody>
+      </p:sp>
+      <p:sp>
+        <p:nvSpPr>
+          <p:cNvPr id="4" name="Text Placeholder 3"/>
+          <p:cNvSpPr>
+            <a:spLocks noGrp="1"/>
+          </p:cNvSpPr>
+          <p:nvPr>
+            <p:ph type="body" sz="quarter" idx="11"/>
+          </p:nvPr>
+        </p:nvSpPr>
+        <p:spPr/>
+        <p:txBody>
           <a:bodyPr/>
           <a:lstStyle/>
           <a:p>
             <a:r>
               <a:rPr lang="en-US" dirty="0"/>
-              <a:t>...</a:t>
-            </a:r>
-          </a:p>
-          <a:p>
-            <a:endParaRPr lang="en-US" dirty="0"/>
-          </a:p>
-          <a:p>
-            <a:r>
-              <a:rPr lang="en-US" dirty="0"/>
-              <a:t>Finished in 0.93685 seconds (files took 4.28 seconds to load)</a:t>
-            </a:r>
-          </a:p>
-          <a:p>
-            <a:r>
-              <a:rPr lang="en-US" dirty="0"/>
-              <a:t>3 examples, 0 failures</a:t>
-            </a:r>
-          </a:p>
-        </p:txBody>
-      </p:sp>
-      <p:sp>
-        <p:nvSpPr>
-          <p:cNvPr id="3" name="Text Placeholder 2"/>
-          <p:cNvSpPr>
-            <a:spLocks noGrp="1"/>
-          </p:cNvSpPr>
-          <p:nvPr>
-            <p:ph type="body" sz="quarter" idx="11"/>
-          </p:nvPr>
-        </p:nvSpPr>
-        <p:spPr/>
-        <p:txBody>
-          <a:bodyPr/>
-          <a:lstStyle/>
-          <a:p>
-            <a:r>
-              <a:rPr lang="en-US" dirty="0"/>
-              <a:t>&gt; chef exec </a:t>
-            </a:r>
-            <a:r>
-              <a:rPr lang="en-US" dirty="0" err="1"/>
-              <a:t>rspec</a:t>
-            </a:r>
-            <a:r>
-              <a:rPr lang="en-US" dirty="0"/>
-              <a:t> spec/unit/recipes/</a:t>
+              <a:t>~/apache/spec/unit/recipes/</a:t>
             </a:r>
             <a:r>
               <a:rPr lang="en-US" dirty="0" err="1"/>
@@ -15957,54 +16433,54 @@
       </p:sp>
       <p:sp>
         <p:nvSpPr>
-          <p:cNvPr id="4" name="Content Placeholder 3"/>
-          <p:cNvSpPr>
-            <a:spLocks noGrp="1"/>
-          </p:cNvSpPr>
-          <p:nvPr>
-            <p:ph sz="quarter" idx="12"/>
+          <p:cNvPr id="6" name="Text Placeholder 5"/>
+          <p:cNvSpPr>
+            <a:spLocks noGrp="1"/>
+          </p:cNvSpPr>
+          <p:nvPr>
+            <p:ph type="body" sz="quarter" idx="13"/>
           </p:nvPr>
         </p:nvSpPr>
         <p:spPr>
           <a:xfrm>
-            <a:off x="1127883" y="3927015"/>
-            <a:ext cx="14420850" cy="557213"/>
+            <a:off x="1135042" y="4051300"/>
+            <a:ext cx="14404273" cy="457201"/>
           </a:xfrm>
         </p:spPr>
         <p:txBody>
           <a:bodyPr/>
           <a:lstStyle/>
           <a:p>
-            <a:endParaRPr lang="en-US" dirty="0"/>
-          </a:p>
-        </p:txBody>
-      </p:sp>
-      <p:sp>
-        <p:nvSpPr>
-          <p:cNvPr id="5" name="Title 4"/>
-          <p:cNvSpPr>
-            <a:spLocks noGrp="1"/>
-          </p:cNvSpPr>
-          <p:nvPr>
-            <p:ph type="title"/>
-          </p:nvPr>
-        </p:nvSpPr>
-        <p:spPr/>
+            <a:r>
+              <a:rPr lang="en-US" dirty="0"/>
+              <a:t>+</a:t>
+            </a:r>
+          </a:p>
+        </p:txBody>
+      </p:sp>
+      <p:sp>
+        <p:nvSpPr>
+          <p:cNvPr id="7" name="Text Placeholder 5"/>
+          <p:cNvSpPr>
+            <a:spLocks noGrp="1"/>
+          </p:cNvSpPr>
+          <p:nvPr>
+            <p:ph type="body" sz="quarter" idx="13"/>
+          </p:nvPr>
+        </p:nvSpPr>
+        <p:spPr>
+          <a:xfrm>
+            <a:off x="1135042" y="3238500"/>
+            <a:ext cx="14404273" cy="479840"/>
+          </a:xfrm>
+        </p:spPr>
         <p:txBody>
           <a:bodyPr/>
           <a:lstStyle/>
           <a:p>
             <a:r>
               <a:rPr lang="en-US" dirty="0"/>
-              <a:t>Execute </a:t>
-            </a:r>
-            <a:r>
-              <a:rPr lang="en-US"/>
-              <a:t>the Tests to </a:t>
-            </a:r>
-            <a:r>
-              <a:rPr lang="en-US" dirty="0"/>
-              <a:t>See it Pass</a:t>
+              <a:t>+</a:t>
             </a:r>
           </a:p>
         </p:txBody>
@@ -16012,7 +16488,7 @@
     </p:spTree>
     <p:extLst>
       <p:ext uri="{BB962C8B-B14F-4D97-AF65-F5344CB8AC3E}">
-        <p14:creationId xmlns:p14="http://schemas.microsoft.com/office/powerpoint/2010/main" val="41430504"/>
+        <p14:creationId xmlns:p14="http://schemas.microsoft.com/office/powerpoint/2010/main" val="2371747653"/>
       </p:ext>
     </p:extLst>
   </p:cSld>
@@ -16049,31 +16525,7 @@
             <a:spLocks noGrp="1"/>
           </p:cNvSpPr>
           <p:nvPr>
-            <p:ph type="ctrTitle"/>
-          </p:nvPr>
-        </p:nvSpPr>
-        <p:spPr/>
-        <p:txBody>
-          <a:bodyPr>
-            <a:normAutofit fontScale="90000"/>
-          </a:bodyPr>
-          <a:lstStyle/>
-          <a:p>
-            <a:r>
-              <a:rPr lang="en-US" dirty="0"/>
-              <a:t>Test the Remaining Recipes</a:t>
-            </a:r>
-          </a:p>
-        </p:txBody>
-      </p:sp>
-      <p:sp>
-        <p:nvSpPr>
-          <p:cNvPr id="3" name="Subtitle 2"/>
-          <p:cNvSpPr>
-            <a:spLocks noGrp="1"/>
-          </p:cNvSpPr>
-          <p:nvPr>
-            <p:ph type="subTitle" idx="1"/>
+            <p:ph type="title"/>
           </p:nvPr>
         </p:nvSpPr>
         <p:spPr/>
@@ -16081,134 +16533,192 @@
           <a:bodyPr/>
           <a:lstStyle/>
           <a:p>
-            <a:pPr>
-              <a:lnSpc>
-                <a:spcPct val="150000"/>
-              </a:lnSpc>
-              <a:buFont typeface="Wingdings" charset="2"/>
-              <a:buChar char="ü"/>
-            </a:pPr>
-            <a:r>
-              <a:rPr lang="en-US" dirty="0"/>
-              <a:t>Write a pending example</a:t>
-            </a:r>
-          </a:p>
-          <a:p>
-            <a:pPr>
-              <a:lnSpc>
-                <a:spcPct val="150000"/>
-              </a:lnSpc>
-              <a:buFont typeface="Wingdings" charset="2"/>
-              <a:buChar char="ü"/>
-            </a:pPr>
-            <a:r>
-              <a:rPr lang="en-US" dirty="0"/>
-              <a:t>Find the </a:t>
+            <a:r>
+              <a:rPr lang="en-US" dirty="0"/>
+              <a:t>Write the Tests to Verify the Service</a:t>
+            </a:r>
+          </a:p>
+        </p:txBody>
+      </p:sp>
+      <p:sp>
+        <p:nvSpPr>
+          <p:cNvPr id="3" name="Content Placeholder 2"/>
+          <p:cNvSpPr>
+            <a:spLocks noGrp="1"/>
+          </p:cNvSpPr>
+          <p:nvPr>
+            <p:ph sz="quarter" idx="10"/>
+          </p:nvPr>
+        </p:nvSpPr>
+        <p:spPr/>
+        <p:txBody>
+          <a:bodyPr/>
+          <a:lstStyle/>
+          <a:p>
+            <a:r>
+              <a:rPr lang="en-US" dirty="0"/>
+              <a:t> # ... START OF THE SPEC FILE ...</a:t>
+            </a:r>
+          </a:p>
+          <a:p>
+            <a:endParaRPr lang="en-US" dirty="0"/>
+          </a:p>
+          <a:p>
+            <a:r>
+              <a:rPr lang="en-US" dirty="0"/>
+              <a:t>    it 'starts the necessary service' do</a:t>
+            </a:r>
+          </a:p>
+          <a:p>
+            <a:r>
+              <a:rPr lang="en-US" dirty="0"/>
+              <a:t>      expect(</a:t>
             </a:r>
             <a:r>
               <a:rPr lang="en-US" dirty="0" err="1"/>
-              <a:t>ChefSpec</a:t>
-            </a:r>
-            <a:r>
-              <a:rPr lang="en-US" dirty="0"/>
-              <a:t> implementation</a:t>
-            </a:r>
-          </a:p>
-          <a:p>
-            <a:pPr>
-              <a:lnSpc>
-                <a:spcPct val="150000"/>
-              </a:lnSpc>
-              <a:buFont typeface="Wingdings" charset="2"/>
-              <a:buChar char="ü"/>
-            </a:pPr>
-            <a:r>
-              <a:rPr lang="en-US" dirty="0"/>
-              <a:t>Verify that the new example passes</a:t>
-            </a:r>
-          </a:p>
-          <a:p>
-            <a:pPr>
-              <a:lnSpc>
-                <a:spcPct val="150000"/>
-              </a:lnSpc>
-              <a:buFont typeface="Wingdings" charset="2"/>
-              <a:buChar char="ü"/>
-            </a:pPr>
-            <a:r>
-              <a:rPr lang="en-US" dirty="0"/>
-              <a:t>Mutate the recipe to generate a failure</a:t>
-            </a:r>
-          </a:p>
-          <a:p>
-            <a:pPr>
-              <a:lnSpc>
-                <a:spcPct val="150000"/>
-              </a:lnSpc>
-              <a:buFont typeface="Wingdings" charset="2"/>
-              <a:buChar char="ü"/>
-            </a:pPr>
-            <a:r>
-              <a:rPr lang="en-US" dirty="0"/>
-              <a:t>Restore the code in the recipe</a:t>
-            </a:r>
-          </a:p>
-          <a:p>
-            <a:pPr>
-              <a:lnSpc>
-                <a:spcPct val="150000"/>
-              </a:lnSpc>
-              <a:buFont typeface="Wingdings" charset="2"/>
-              <a:buChar char="ü"/>
-            </a:pPr>
-            <a:r>
-              <a:rPr lang="en-US" dirty="0"/>
-              <a:t>Verify that all examples pass</a:t>
-            </a:r>
-          </a:p>
-        </p:txBody>
-      </p:sp>
-      <p:sp>
-        <p:nvSpPr>
-          <p:cNvPr id="4" name="TextBox 3"/>
-          <p:cNvSpPr txBox="1"/>
-          <p:nvPr/>
-        </p:nvSpPr>
-        <p:spPr bwMode="white">
+              <a:t>chef_run</a:t>
+            </a:r>
+            <a:r>
+              <a:rPr lang="en-US" dirty="0"/>
+              <a:t>).to </a:t>
+            </a:r>
+            <a:r>
+              <a:rPr lang="en-US" dirty="0" err="1"/>
+              <a:t>start_service</a:t>
+            </a:r>
+            <a:r>
+              <a:rPr lang="en-US" dirty="0"/>
+              <a:t>('</a:t>
+            </a:r>
+            <a:r>
+              <a:rPr lang="en-US" dirty="0" err="1"/>
+              <a:t>httpd</a:t>
+            </a:r>
+            <a:r>
+              <a:rPr lang="en-US" dirty="0"/>
+              <a:t>')</a:t>
+            </a:r>
+          </a:p>
+          <a:p>
+            <a:r>
+              <a:rPr lang="en-US" dirty="0"/>
+              <a:t>    end</a:t>
+            </a:r>
+          </a:p>
+          <a:p>
+            <a:endParaRPr lang="en-US" dirty="0"/>
+          </a:p>
+          <a:p>
+            <a:r>
+              <a:rPr lang="en-US" dirty="0"/>
+              <a:t>    it 'enables the necessary service' do</a:t>
+            </a:r>
+          </a:p>
+          <a:p>
+            <a:r>
+              <a:rPr lang="en-US" dirty="0"/>
+              <a:t>      expect(</a:t>
+            </a:r>
+            <a:r>
+              <a:rPr lang="en-US" dirty="0" err="1"/>
+              <a:t>chef_run</a:t>
+            </a:r>
+            <a:r>
+              <a:rPr lang="en-US" dirty="0"/>
+              <a:t>).to </a:t>
+            </a:r>
+            <a:r>
+              <a:rPr lang="en-US" dirty="0" err="1"/>
+              <a:t>enable_service</a:t>
+            </a:r>
+            <a:r>
+              <a:rPr lang="en-US" dirty="0"/>
+              <a:t>('</a:t>
+            </a:r>
+            <a:r>
+              <a:rPr lang="en-US" dirty="0" err="1"/>
+              <a:t>httpd</a:t>
+            </a:r>
+            <a:r>
+              <a:rPr lang="en-US" dirty="0"/>
+              <a:t>')</a:t>
+            </a:r>
+          </a:p>
+          <a:p>
+            <a:r>
+              <a:rPr lang="en-US" dirty="0"/>
+              <a:t>    end</a:t>
+            </a:r>
+          </a:p>
+          <a:p>
+            <a:r>
+              <a:rPr lang="en-US" dirty="0"/>
+              <a:t>  end</a:t>
+            </a:r>
+          </a:p>
+          <a:p>
+            <a:r>
+              <a:rPr lang="en-US" dirty="0"/>
+              <a:t>end</a:t>
+            </a:r>
+          </a:p>
+        </p:txBody>
+      </p:sp>
+      <p:sp>
+        <p:nvSpPr>
+          <p:cNvPr id="4" name="Text Placeholder 3"/>
+          <p:cNvSpPr>
+            <a:spLocks noGrp="1"/>
+          </p:cNvSpPr>
+          <p:nvPr>
+            <p:ph type="body" sz="quarter" idx="11"/>
+          </p:nvPr>
+        </p:nvSpPr>
+        <p:spPr/>
+        <p:txBody>
+          <a:bodyPr/>
+          <a:lstStyle/>
+          <a:p>
+            <a:r>
+              <a:rPr lang="en-US" dirty="0"/>
+              <a:t>~/apache/spec/unit/recipes/</a:t>
+            </a:r>
+            <a:r>
+              <a:rPr lang="en-US" dirty="0" err="1"/>
+              <a:t>service_spec.rb</a:t>
+            </a:r>
+            <a:endParaRPr lang="en-US" dirty="0"/>
+          </a:p>
+        </p:txBody>
+      </p:sp>
+      <p:sp>
+        <p:nvSpPr>
+          <p:cNvPr id="6" name="Text Placeholder 5"/>
+          <p:cNvSpPr>
+            <a:spLocks noGrp="1"/>
+          </p:cNvSpPr>
+          <p:nvPr>
+            <p:ph type="body" sz="quarter" idx="13"/>
+          </p:nvPr>
+        </p:nvSpPr>
+        <p:spPr>
           <a:xfrm>
-            <a:off x="1671638" y="7282069"/>
-            <a:ext cx="12330113" cy="675861"/>
+            <a:off x="1135042" y="3206750"/>
+            <a:ext cx="14404273" cy="3683000"/>
           </a:xfrm>
-          <a:prstGeom prst="rect">
-            <a:avLst/>
-          </a:prstGeom>
-          <a:solidFill>
-            <a:schemeClr val="bg2">
-              <a:lumMod val="85000"/>
-            </a:schemeClr>
-          </a:solidFill>
         </p:spPr>
         <p:txBody>
-          <a:bodyPr vert="horz" wrap="square" lIns="91440" tIns="91440" rIns="91440" bIns="91440" rtlCol="0">
-            <a:normAutofit/>
-          </a:bodyPr>
-          <a:lstStyle/>
-          <a:p>
-            <a:pPr marL="342900" indent="-342900" algn="ctr">
-              <a:buFont typeface="Wingdings" charset="2"/>
-              <a:buChar char="v"/>
-            </a:pPr>
-            <a:r>
-              <a:rPr lang="en-US" b="1" dirty="0"/>
-              <a:t>Repeat this series of steps for the configuration recipe and service recipe</a:t>
-            </a:r>
+          <a:bodyPr/>
+          <a:lstStyle/>
+          <a:p>
+            <a:endParaRPr lang="en-US" dirty="0"/>
           </a:p>
         </p:txBody>
       </p:sp>
     </p:spTree>
     <p:extLst>
       <p:ext uri="{BB962C8B-B14F-4D97-AF65-F5344CB8AC3E}">
-        <p14:creationId xmlns:p14="http://schemas.microsoft.com/office/powerpoint/2010/main" val="1140647280"/>
+        <p14:creationId xmlns:p14="http://schemas.microsoft.com/office/powerpoint/2010/main" val="1786309457"/>
       </p:ext>
     </p:extLst>
   </p:cSld>
@@ -16240,12 +16750,12 @@
       </p:grpSpPr>
       <p:sp>
         <p:nvSpPr>
-          <p:cNvPr id="2" name="Title 1"/>
-          <p:cNvSpPr>
-            <a:spLocks noGrp="1"/>
-          </p:cNvSpPr>
-          <p:nvPr>
-            <p:ph type="title"/>
+          <p:cNvPr id="2" name="Content Placeholder 1"/>
+          <p:cNvSpPr>
+            <a:spLocks noGrp="1"/>
+          </p:cNvSpPr>
+          <p:nvPr>
+            <p:ph sz="quarter" idx="10"/>
           </p:nvPr>
         </p:nvSpPr>
         <p:spPr/>
@@ -16255,261 +16765,111 @@
           <a:p>
             <a:r>
               <a:rPr lang="en-US" dirty="0"/>
-              <a:t>Update the </a:t>
+              <a:t>...</a:t>
+            </a:r>
+          </a:p>
+          <a:p>
+            <a:endParaRPr lang="en-US" dirty="0"/>
+          </a:p>
+          <a:p>
+            <a:r>
+              <a:rPr lang="en-US" dirty="0"/>
+              <a:t>Finished in 0.93685 seconds (files took 4.28 seconds to load)</a:t>
+            </a:r>
+          </a:p>
+          <a:p>
+            <a:r>
+              <a:rPr lang="en-US" dirty="0"/>
+              <a:t>3 examples, 0 failures</a:t>
+            </a:r>
+          </a:p>
+        </p:txBody>
+      </p:sp>
+      <p:sp>
+        <p:nvSpPr>
+          <p:cNvPr id="3" name="Text Placeholder 2"/>
+          <p:cNvSpPr>
+            <a:spLocks noGrp="1"/>
+          </p:cNvSpPr>
+          <p:nvPr>
+            <p:ph type="body" sz="quarter" idx="11"/>
+          </p:nvPr>
+        </p:nvSpPr>
+        <p:spPr/>
+        <p:txBody>
+          <a:bodyPr/>
+          <a:lstStyle/>
+          <a:p>
+            <a:r>
+              <a:rPr lang="en-US" dirty="0"/>
+              <a:t>&gt; chef exec </a:t>
             </a:r>
             <a:r>
               <a:rPr lang="en-US" dirty="0" err="1"/>
-              <a:t>ChefSpec</a:t>
-            </a:r>
-            <a:r>
-              <a:rPr lang="en-US" dirty="0"/>
-              <a:t> Platform</a:t>
-            </a:r>
-          </a:p>
-        </p:txBody>
-      </p:sp>
-      <p:sp>
-        <p:nvSpPr>
-          <p:cNvPr id="3" name="Content Placeholder 2"/>
-          <p:cNvSpPr>
-            <a:spLocks noGrp="1"/>
-          </p:cNvSpPr>
-          <p:nvPr>
-            <p:ph sz="quarter" idx="10"/>
-          </p:nvPr>
-        </p:nvSpPr>
-        <p:spPr/>
-        <p:txBody>
-          <a:bodyPr>
-            <a:normAutofit fontScale="85000" lnSpcReduction="20000"/>
-          </a:bodyPr>
-          <a:lstStyle/>
-          <a:p>
-            <a:r>
-              <a:rPr lang="en-US" dirty="0"/>
-              <a:t>require '</a:t>
+              <a:t>rspec</a:t>
+            </a:r>
+            <a:r>
+              <a:rPr lang="en-US" dirty="0"/>
+              <a:t> spec/unit/recipes/</a:t>
             </a:r>
             <a:r>
               <a:rPr lang="en-US" dirty="0" err="1"/>
-              <a:t>spec_helper</a:t>
-            </a:r>
-            <a:r>
-              <a:rPr lang="en-US" dirty="0"/>
-              <a:t>'</a:t>
-            </a:r>
-          </a:p>
-          <a:p>
+              <a:t>service_spec.rb</a:t>
+            </a:r>
             <a:endParaRPr lang="en-US" dirty="0"/>
           </a:p>
-          <a:p>
-            <a:r>
-              <a:rPr lang="en-US" dirty="0"/>
-              <a:t>describe 'apache::configuration' do</a:t>
-            </a:r>
-          </a:p>
-          <a:p>
-            <a:r>
-              <a:rPr lang="en-US" dirty="0"/>
-              <a:t>  context 'When all attributes are default, on an CentOS 6.9' do</a:t>
-            </a:r>
-          </a:p>
-          <a:p>
-            <a:r>
-              <a:rPr lang="en-US" dirty="0"/>
-              <a:t>    let(:</a:t>
-            </a:r>
-            <a:r>
-              <a:rPr lang="en-US" dirty="0" err="1"/>
-              <a:t>chef_run</a:t>
-            </a:r>
-            <a:r>
-              <a:rPr lang="en-US" dirty="0"/>
-              <a:t>) do</a:t>
-            </a:r>
-          </a:p>
-          <a:p>
-            <a:r>
-              <a:rPr lang="en-US" dirty="0"/>
-              <a:t>      runner = </a:t>
-            </a:r>
-            <a:r>
-              <a:rPr lang="en-US" dirty="0" err="1"/>
-              <a:t>ChefSpec</a:t>
-            </a:r>
-            <a:r>
-              <a:rPr lang="en-US" dirty="0"/>
-              <a:t>::</a:t>
-            </a:r>
-            <a:r>
-              <a:rPr lang="en-US" dirty="0" err="1"/>
-              <a:t>ServerRunner.new</a:t>
-            </a:r>
-            <a:r>
-              <a:rPr lang="en-US" dirty="0"/>
-              <a:t>(platform: 'centos', version: '6.9')</a:t>
-            </a:r>
-          </a:p>
-          <a:p>
-            <a:r>
-              <a:rPr lang="en-US" dirty="0"/>
-              <a:t>      </a:t>
-            </a:r>
-            <a:r>
-              <a:rPr lang="en-US" dirty="0" err="1"/>
-              <a:t>runner.converge</a:t>
-            </a:r>
-            <a:r>
-              <a:rPr lang="en-US" dirty="0"/>
-              <a:t>(</a:t>
-            </a:r>
-            <a:r>
-              <a:rPr lang="en-US" dirty="0" err="1"/>
-              <a:t>described_recipe</a:t>
-            </a:r>
-            <a:r>
-              <a:rPr lang="en-US" dirty="0"/>
-              <a:t>)</a:t>
-            </a:r>
-          </a:p>
-          <a:p>
-            <a:r>
-              <a:rPr lang="en-US" dirty="0"/>
-              <a:t>    end</a:t>
-            </a:r>
-          </a:p>
-          <a:p>
-            <a:endParaRPr lang="en-US" dirty="0"/>
-          </a:p>
-          <a:p>
-            <a:r>
-              <a:rPr lang="en-US" dirty="0"/>
-              <a:t>    it 'converges successfully' do</a:t>
-            </a:r>
-          </a:p>
-          <a:p>
-            <a:r>
-              <a:rPr lang="en-US" dirty="0"/>
-              <a:t>      expect { </a:t>
-            </a:r>
-            <a:r>
-              <a:rPr lang="en-US" dirty="0" err="1"/>
-              <a:t>chef_run</a:t>
-            </a:r>
-            <a:r>
-              <a:rPr lang="en-US" dirty="0"/>
-              <a:t> }.</a:t>
-            </a:r>
-            <a:r>
-              <a:rPr lang="en-US" dirty="0" err="1"/>
-              <a:t>to_not</a:t>
-            </a:r>
-            <a:r>
-              <a:rPr lang="en-US" dirty="0"/>
-              <a:t> </a:t>
-            </a:r>
-            <a:r>
-              <a:rPr lang="en-US" dirty="0" err="1"/>
-              <a:t>raise_error</a:t>
-            </a:r>
-            <a:endParaRPr lang="en-US" dirty="0"/>
-          </a:p>
-          <a:p>
-            <a:r>
-              <a:rPr lang="en-US" dirty="0"/>
-              <a:t>    end</a:t>
-            </a:r>
-          </a:p>
-          <a:p>
-            <a:r>
-              <a:rPr lang="en-US" dirty="0"/>
-              <a:t>  end</a:t>
-            </a:r>
-          </a:p>
-          <a:p>
-            <a:r>
-              <a:rPr lang="en-US" dirty="0"/>
-              <a:t>end</a:t>
-            </a:r>
-          </a:p>
-        </p:txBody>
-      </p:sp>
-      <p:sp>
-        <p:nvSpPr>
-          <p:cNvPr id="4" name="Text Placeholder 3"/>
-          <p:cNvSpPr>
-            <a:spLocks noGrp="1"/>
-          </p:cNvSpPr>
-          <p:nvPr>
-            <p:ph type="body" sz="quarter" idx="11"/>
-          </p:nvPr>
-        </p:nvSpPr>
-        <p:spPr/>
-        <p:txBody>
-          <a:bodyPr/>
-          <a:lstStyle/>
-          <a:p>
-            <a:r>
-              <a:rPr lang="en-US" dirty="0"/>
-              <a:t>~/apache/spec/unit/recipes/</a:t>
-            </a:r>
-            <a:r>
-              <a:rPr lang="en-US" dirty="0" err="1"/>
-              <a:t>configuration_spec.rb</a:t>
-            </a:r>
-            <a:endParaRPr lang="en-US" dirty="0"/>
-          </a:p>
-        </p:txBody>
-      </p:sp>
-      <p:sp>
-        <p:nvSpPr>
-          <p:cNvPr id="6" name="Text Placeholder 5"/>
-          <p:cNvSpPr>
-            <a:spLocks noGrp="1"/>
-          </p:cNvSpPr>
-          <p:nvPr>
-            <p:ph type="body" sz="quarter" idx="13"/>
+        </p:txBody>
+      </p:sp>
+      <p:sp>
+        <p:nvSpPr>
+          <p:cNvPr id="4" name="Content Placeholder 3"/>
+          <p:cNvSpPr>
+            <a:spLocks noGrp="1"/>
+          </p:cNvSpPr>
+          <p:nvPr>
+            <p:ph sz="quarter" idx="12"/>
           </p:nvPr>
         </p:nvSpPr>
         <p:spPr>
           <a:xfrm>
-            <a:off x="1135042" y="4051300"/>
-            <a:ext cx="14404273" cy="457201"/>
+            <a:off x="1127883" y="3927015"/>
+            <a:ext cx="14420850" cy="557213"/>
           </a:xfrm>
         </p:spPr>
         <p:txBody>
           <a:bodyPr/>
           <a:lstStyle/>
           <a:p>
-            <a:r>
-              <a:rPr lang="en-US" dirty="0"/>
-              <a:t>+</a:t>
-            </a:r>
-          </a:p>
-        </p:txBody>
-      </p:sp>
-      <p:sp>
-        <p:nvSpPr>
-          <p:cNvPr id="7" name="Text Placeholder 5"/>
-          <p:cNvSpPr>
-            <a:spLocks noGrp="1"/>
-          </p:cNvSpPr>
-          <p:nvPr>
-            <p:ph type="body" sz="quarter" idx="13"/>
-          </p:nvPr>
-        </p:nvSpPr>
-        <p:spPr>
-          <a:xfrm>
-            <a:off x="1135042" y="3238500"/>
-            <a:ext cx="14404273" cy="479840"/>
-          </a:xfrm>
-        </p:spPr>
+            <a:endParaRPr lang="en-US" dirty="0"/>
+          </a:p>
+        </p:txBody>
+      </p:sp>
+      <p:sp>
+        <p:nvSpPr>
+          <p:cNvPr id="5" name="Title 4"/>
+          <p:cNvSpPr>
+            <a:spLocks noGrp="1"/>
+          </p:cNvSpPr>
+          <p:nvPr>
+            <p:ph type="title"/>
+          </p:nvPr>
+        </p:nvSpPr>
+        <p:spPr/>
         <p:txBody>
           <a:bodyPr/>
           <a:lstStyle/>
           <a:p>
             <a:r>
               <a:rPr lang="en-US" dirty="0"/>
-              <a:t>+</a:t>
+              <a:t>Execute </a:t>
+            </a:r>
+            <a:r>
+              <a:rPr lang="en-US"/>
+              <a:t>the Tests to </a:t>
+            </a:r>
+            <a:r>
+              <a:rPr lang="en-US" dirty="0"/>
+              <a:t>See it Pass</a:t>
             </a:r>
           </a:p>
         </p:txBody>
@@ -16517,7 +16877,7 @@
     </p:spTree>
     <p:extLst>
       <p:ext uri="{BB962C8B-B14F-4D97-AF65-F5344CB8AC3E}">
-        <p14:creationId xmlns:p14="http://schemas.microsoft.com/office/powerpoint/2010/main" val="999470467"/>
+        <p14:creationId xmlns:p14="http://schemas.microsoft.com/office/powerpoint/2010/main" val="41430504"/>
       </p:ext>
     </p:extLst>
   </p:cSld>
@@ -16554,7 +16914,31 @@
             <a:spLocks noGrp="1"/>
           </p:cNvSpPr>
           <p:nvPr>
-            <p:ph type="title"/>
+            <p:ph type="ctrTitle"/>
+          </p:nvPr>
+        </p:nvSpPr>
+        <p:spPr/>
+        <p:txBody>
+          <a:bodyPr>
+            <a:normAutofit fontScale="90000"/>
+          </a:bodyPr>
+          <a:lstStyle/>
+          <a:p>
+            <a:r>
+              <a:rPr lang="en-US" dirty="0"/>
+              <a:t>Test the Remaining Recipes</a:t>
+            </a:r>
+          </a:p>
+        </p:txBody>
+      </p:sp>
+      <p:sp>
+        <p:nvSpPr>
+          <p:cNvPr id="3" name="Subtitle 2"/>
+          <p:cNvSpPr>
+            <a:spLocks noGrp="1"/>
+          </p:cNvSpPr>
+          <p:nvPr>
+            <p:ph type="subTitle" idx="1"/>
           </p:nvPr>
         </p:nvSpPr>
         <p:spPr/>
@@ -16562,157 +16946,134 @@
           <a:bodyPr/>
           <a:lstStyle/>
           <a:p>
-            <a:r>
-              <a:rPr lang="en-US" dirty="0"/>
-              <a:t>Write the Tests to Verify the Service</a:t>
-            </a:r>
-          </a:p>
-        </p:txBody>
-      </p:sp>
-      <p:sp>
-        <p:nvSpPr>
-          <p:cNvPr id="3" name="Content Placeholder 2"/>
-          <p:cNvSpPr>
-            <a:spLocks noGrp="1"/>
-          </p:cNvSpPr>
-          <p:nvPr>
-            <p:ph sz="quarter" idx="10"/>
-          </p:nvPr>
-        </p:nvSpPr>
-        <p:spPr/>
-        <p:txBody>
-          <a:bodyPr>
+            <a:pPr>
+              <a:lnSpc>
+                <a:spcPct val="150000"/>
+              </a:lnSpc>
+              <a:buFont typeface="Wingdings" charset="2"/>
+              <a:buChar char="ü"/>
+            </a:pPr>
+            <a:r>
+              <a:rPr lang="en-US" dirty="0"/>
+              <a:t>Write a pending example</a:t>
+            </a:r>
+          </a:p>
+          <a:p>
+            <a:pPr>
+              <a:lnSpc>
+                <a:spcPct val="150000"/>
+              </a:lnSpc>
+              <a:buFont typeface="Wingdings" charset="2"/>
+              <a:buChar char="ü"/>
+            </a:pPr>
+            <a:r>
+              <a:rPr lang="en-US" dirty="0"/>
+              <a:t>Find the </a:t>
+            </a:r>
+            <a:r>
+              <a:rPr lang="en-US" dirty="0" err="1"/>
+              <a:t>ChefSpec</a:t>
+            </a:r>
+            <a:r>
+              <a:rPr lang="en-US" dirty="0"/>
+              <a:t> implementation</a:t>
+            </a:r>
+          </a:p>
+          <a:p>
+            <a:pPr>
+              <a:lnSpc>
+                <a:spcPct val="150000"/>
+              </a:lnSpc>
+              <a:buFont typeface="Wingdings" charset="2"/>
+              <a:buChar char="ü"/>
+            </a:pPr>
+            <a:r>
+              <a:rPr lang="en-US" dirty="0"/>
+              <a:t>Verify that the new example passes</a:t>
+            </a:r>
+          </a:p>
+          <a:p>
+            <a:pPr>
+              <a:lnSpc>
+                <a:spcPct val="150000"/>
+              </a:lnSpc>
+              <a:buFont typeface="Wingdings" charset="2"/>
+              <a:buChar char="ü"/>
+            </a:pPr>
+            <a:r>
+              <a:rPr lang="en-US" dirty="0"/>
+              <a:t>Mutate the recipe to generate a failure</a:t>
+            </a:r>
+          </a:p>
+          <a:p>
+            <a:pPr>
+              <a:lnSpc>
+                <a:spcPct val="150000"/>
+              </a:lnSpc>
+              <a:buFont typeface="Wingdings" charset="2"/>
+              <a:buChar char="ü"/>
+            </a:pPr>
+            <a:r>
+              <a:rPr lang="en-US" dirty="0"/>
+              <a:t>Restore the code in the recipe</a:t>
+            </a:r>
+          </a:p>
+          <a:p>
+            <a:pPr>
+              <a:lnSpc>
+                <a:spcPct val="150000"/>
+              </a:lnSpc>
+              <a:buFont typeface="Wingdings" charset="2"/>
+              <a:buChar char="ü"/>
+            </a:pPr>
+            <a:r>
+              <a:rPr lang="en-US" dirty="0"/>
+              <a:t>Verify that all examples pass</a:t>
+            </a:r>
+          </a:p>
+        </p:txBody>
+      </p:sp>
+      <p:sp>
+        <p:nvSpPr>
+          <p:cNvPr id="4" name="TextBox 3"/>
+          <p:cNvSpPr txBox="1"/>
+          <p:nvPr/>
+        </p:nvSpPr>
+        <p:spPr bwMode="white">
+          <a:xfrm>
+            <a:off x="1671638" y="7282069"/>
+            <a:ext cx="12330113" cy="675861"/>
+          </a:xfrm>
+          <a:prstGeom prst="rect">
+            <a:avLst/>
+          </a:prstGeom>
+          <a:solidFill>
+            <a:schemeClr val="bg2">
+              <a:lumMod val="85000"/>
+            </a:schemeClr>
+          </a:solidFill>
+        </p:spPr>
+        <p:txBody>
+          <a:bodyPr vert="horz" wrap="square" lIns="91440" tIns="91440" rIns="91440" bIns="91440" rtlCol="0">
             <a:normAutofit/>
           </a:bodyPr>
           <a:lstStyle/>
           <a:p>
-            <a:r>
-              <a:rPr lang="en-US" sz="1800" dirty="0"/>
-              <a:t> # ... START OF THE SPEC FILE ...</a:t>
-            </a:r>
-          </a:p>
-          <a:p>
-            <a:endParaRPr lang="en-US" sz="1800" dirty="0"/>
-          </a:p>
-          <a:p>
-            <a:r>
-              <a:rPr lang="en-US" sz="1800" dirty="0"/>
-              <a:t>    it 'creates the index.html' do</a:t>
-            </a:r>
-          </a:p>
-          <a:p>
-            <a:r>
-              <a:rPr lang="en-US" sz="1800" dirty="0"/>
-              <a:t>      expect(</a:t>
-            </a:r>
-            <a:r>
-              <a:rPr lang="en-US" sz="1800" dirty="0" err="1"/>
-              <a:t>chef_run</a:t>
-            </a:r>
-            <a:r>
-              <a:rPr lang="en-US" sz="1800" dirty="0"/>
-              <a:t>).to </a:t>
-            </a:r>
-            <a:r>
-              <a:rPr lang="en-US" sz="1800" dirty="0" err="1"/>
-              <a:t>render_file</a:t>
-            </a:r>
-            <a:r>
-              <a:rPr lang="en-US" sz="1800" dirty="0"/>
-              <a:t>('/</a:t>
-            </a:r>
-            <a:r>
-              <a:rPr lang="en-US" sz="1800" dirty="0" err="1"/>
-              <a:t>var</a:t>
-            </a:r>
-            <a:r>
-              <a:rPr lang="en-US" sz="1800" dirty="0"/>
-              <a:t>/www/html/index.html').</a:t>
-            </a:r>
-            <a:r>
-              <a:rPr lang="en-US" sz="1800" dirty="0" err="1"/>
-              <a:t>with_content</a:t>
-            </a:r>
-            <a:r>
-              <a:rPr lang="en-US" sz="1800" dirty="0"/>
-              <a:t>('&lt;h1&gt;Welcome Home!&lt;/h1&gt;')</a:t>
-            </a:r>
-          </a:p>
-          <a:p>
-            <a:r>
-              <a:rPr lang="en-US" sz="1800" dirty="0"/>
-              <a:t>    end</a:t>
-            </a:r>
-          </a:p>
-          <a:p>
-            <a:r>
-              <a:rPr lang="en-US" sz="1800" dirty="0"/>
-              <a:t>  end</a:t>
-            </a:r>
-          </a:p>
-          <a:p>
-            <a:r>
-              <a:rPr lang="en-US" sz="1800" dirty="0"/>
-              <a:t>end</a:t>
-            </a:r>
-          </a:p>
-        </p:txBody>
-      </p:sp>
-      <p:sp>
-        <p:nvSpPr>
-          <p:cNvPr id="4" name="Text Placeholder 3"/>
-          <p:cNvSpPr>
-            <a:spLocks noGrp="1"/>
-          </p:cNvSpPr>
-          <p:nvPr>
-            <p:ph type="body" sz="quarter" idx="11"/>
-          </p:nvPr>
-        </p:nvSpPr>
-        <p:spPr/>
-        <p:txBody>
-          <a:bodyPr/>
-          <a:lstStyle/>
-          <a:p>
-            <a:r>
-              <a:rPr lang="en-US" dirty="0"/>
-              <a:t>~/apache/spec/unit/recipes/</a:t>
-            </a:r>
-            <a:r>
-              <a:rPr lang="en-US" dirty="0" err="1"/>
-              <a:t>configuration_spec.rb</a:t>
-            </a:r>
-            <a:endParaRPr lang="en-US" dirty="0"/>
-          </a:p>
-        </p:txBody>
-      </p:sp>
-      <p:sp>
-        <p:nvSpPr>
-          <p:cNvPr id="6" name="Text Placeholder 5"/>
-          <p:cNvSpPr>
-            <a:spLocks noGrp="1"/>
-          </p:cNvSpPr>
-          <p:nvPr>
-            <p:ph type="body" sz="quarter" idx="13"/>
-          </p:nvPr>
-        </p:nvSpPr>
-        <p:spPr>
-          <a:xfrm>
-            <a:off x="1139359" y="2884911"/>
-            <a:ext cx="14404273" cy="1110619"/>
-          </a:xfrm>
-        </p:spPr>
-        <p:txBody>
-          <a:bodyPr/>
-          <a:lstStyle/>
-          <a:p>
-            <a:endParaRPr lang="en-US" dirty="0"/>
+            <a:pPr marL="342900" indent="-342900" algn="ctr">
+              <a:buFont typeface="Wingdings" charset="2"/>
+              <a:buChar char="v"/>
+            </a:pPr>
+            <a:r>
+              <a:rPr lang="en-US" b="1" dirty="0"/>
+              <a:t>Repeat this series of steps for the configuration recipe and service recipe</a:t>
+            </a:r>
           </a:p>
         </p:txBody>
       </p:sp>
     </p:spTree>
     <p:extLst>
       <p:ext uri="{BB962C8B-B14F-4D97-AF65-F5344CB8AC3E}">
-        <p14:creationId xmlns:p14="http://schemas.microsoft.com/office/powerpoint/2010/main" val="1850138728"/>
+        <p14:creationId xmlns:p14="http://schemas.microsoft.com/office/powerpoint/2010/main" val="1140647280"/>
       </p:ext>
     </p:extLst>
   </p:cSld>
@@ -16749,32 +17110,200 @@
             <a:spLocks noGrp="1"/>
           </p:cNvSpPr>
           <p:nvPr>
-            <p:ph type="ctrTitle"/>
+            <p:ph type="title"/>
+          </p:nvPr>
+        </p:nvSpPr>
+        <p:spPr/>
+        <p:txBody>
+          <a:bodyPr/>
+          <a:lstStyle/>
+          <a:p>
+            <a:r>
+              <a:rPr lang="en-US" dirty="0"/>
+              <a:t>Delete context for Ubuntu</a:t>
+            </a:r>
+          </a:p>
+        </p:txBody>
+      </p:sp>
+      <p:sp>
+        <p:nvSpPr>
+          <p:cNvPr id="3" name="Content Placeholder 2"/>
+          <p:cNvSpPr>
+            <a:spLocks noGrp="1"/>
+          </p:cNvSpPr>
+          <p:nvPr>
+            <p:ph sz="quarter" idx="10"/>
           </p:nvPr>
         </p:nvSpPr>
         <p:spPr/>
         <p:txBody>
           <a:bodyPr>
-            <a:normAutofit fontScale="90000"/>
+            <a:normAutofit fontScale="77500" lnSpcReduction="20000"/>
           </a:bodyPr>
           <a:lstStyle/>
           <a:p>
             <a:r>
+              <a:rPr lang="en-US" dirty="0"/>
+              <a:t>require '</a:t>
+            </a:r>
+            <a:r>
               <a:rPr lang="en-US" dirty="0" err="1"/>
-              <a:t>rspec</a:t>
-            </a:r>
+              <a:t>spec_helper</a:t>
+            </a:r>
+            <a:r>
+              <a:rPr lang="en-US" dirty="0"/>
+              <a:t>'</a:t>
+            </a:r>
+          </a:p>
+          <a:p>
             <a:endParaRPr lang="en-US" dirty="0"/>
           </a:p>
-        </p:txBody>
-      </p:sp>
-      <p:sp>
-        <p:nvSpPr>
-          <p:cNvPr id="3" name="Subtitle 2"/>
-          <p:cNvSpPr>
-            <a:spLocks noGrp="1"/>
-          </p:cNvSpPr>
-          <p:nvPr>
-            <p:ph type="subTitle" idx="1"/>
+          <a:p>
+            <a:r>
+              <a:rPr lang="en-US" dirty="0"/>
+              <a:t>describe 'apache::configuration' do</a:t>
+            </a:r>
+          </a:p>
+          <a:p>
+            <a:r>
+              <a:rPr lang="en-US" dirty="0"/>
+              <a:t> context 'When all attributes are default, on Ubuntu 16.04' do</a:t>
+            </a:r>
+          </a:p>
+          <a:p>
+            <a:r>
+              <a:rPr lang="en-US" dirty="0"/>
+              <a:t>    let(:</a:t>
+            </a:r>
+            <a:r>
+              <a:rPr lang="en-US" dirty="0" err="1"/>
+              <a:t>chef_run</a:t>
+            </a:r>
+            <a:r>
+              <a:rPr lang="en-US" dirty="0"/>
+              <a:t>) do</a:t>
+            </a:r>
+          </a:p>
+          <a:p>
+            <a:r>
+              <a:rPr lang="en-US" dirty="0"/>
+              <a:t>      # for a complete list of available platforms and versions see:</a:t>
+            </a:r>
+          </a:p>
+          <a:p>
+            <a:r>
+              <a:rPr lang="en-US" dirty="0"/>
+              <a:t>      # https://github.com/customink/fauxhai/blob/master/PLATFORMS.md</a:t>
+            </a:r>
+          </a:p>
+          <a:p>
+            <a:r>
+              <a:rPr lang="en-US" dirty="0"/>
+              <a:t>      runner = </a:t>
+            </a:r>
+            <a:r>
+              <a:rPr lang="en-US" dirty="0" err="1"/>
+              <a:t>ChefSpec</a:t>
+            </a:r>
+            <a:r>
+              <a:rPr lang="en-US" dirty="0"/>
+              <a:t>::</a:t>
+            </a:r>
+            <a:r>
+              <a:rPr lang="en-US" dirty="0" err="1"/>
+              <a:t>ServerRunner.new</a:t>
+            </a:r>
+            <a:r>
+              <a:rPr lang="en-US" dirty="0"/>
+              <a:t>(platform: 'ubuntu', version: '16.04')</a:t>
+            </a:r>
+          </a:p>
+          <a:p>
+            <a:r>
+              <a:rPr lang="en-US" dirty="0"/>
+              <a:t>      </a:t>
+            </a:r>
+            <a:r>
+              <a:rPr lang="en-US" dirty="0" err="1"/>
+              <a:t>runner.converge</a:t>
+            </a:r>
+            <a:r>
+              <a:rPr lang="en-US" dirty="0"/>
+              <a:t>(</a:t>
+            </a:r>
+            <a:r>
+              <a:rPr lang="en-US" dirty="0" err="1"/>
+              <a:t>described_recipe</a:t>
+            </a:r>
+            <a:r>
+              <a:rPr lang="en-US" dirty="0"/>
+              <a:t>)</a:t>
+            </a:r>
+          </a:p>
+          <a:p>
+            <a:r>
+              <a:rPr lang="en-US" dirty="0"/>
+              <a:t>    end</a:t>
+            </a:r>
+          </a:p>
+          <a:p>
+            <a:endParaRPr lang="en-US" dirty="0"/>
+          </a:p>
+          <a:p>
+            <a:r>
+              <a:rPr lang="en-US" dirty="0"/>
+              <a:t>    it 'converges successfully' do</a:t>
+            </a:r>
+          </a:p>
+          <a:p>
+            <a:r>
+              <a:rPr lang="en-US" dirty="0"/>
+              <a:t>      expect { </a:t>
+            </a:r>
+            <a:r>
+              <a:rPr lang="en-US" dirty="0" err="1"/>
+              <a:t>chef_run</a:t>
+            </a:r>
+            <a:r>
+              <a:rPr lang="en-US" dirty="0"/>
+              <a:t> }.</a:t>
+            </a:r>
+            <a:r>
+              <a:rPr lang="en-US" dirty="0" err="1"/>
+              <a:t>to_not</a:t>
+            </a:r>
+            <a:r>
+              <a:rPr lang="en-US" dirty="0"/>
+              <a:t> </a:t>
+            </a:r>
+            <a:r>
+              <a:rPr lang="en-US" dirty="0" err="1"/>
+              <a:t>raise_error</a:t>
+            </a:r>
+            <a:endParaRPr lang="en-US" dirty="0"/>
+          </a:p>
+          <a:p>
+            <a:r>
+              <a:rPr lang="en-US" dirty="0"/>
+              <a:t>    end</a:t>
+            </a:r>
+          </a:p>
+          <a:p>
+            <a:r>
+              <a:rPr lang="en-US" dirty="0"/>
+              <a:t>  end</a:t>
+            </a:r>
+          </a:p>
+        </p:txBody>
+      </p:sp>
+      <p:sp>
+        <p:nvSpPr>
+          <p:cNvPr id="4" name="Text Placeholder 3"/>
+          <p:cNvSpPr>
+            <a:spLocks noGrp="1"/>
+          </p:cNvSpPr>
+          <p:nvPr>
+            <p:ph type="body" sz="quarter" idx="11"/>
           </p:nvPr>
         </p:nvSpPr>
         <p:spPr/>
@@ -16784,42 +17313,44 @@
           <a:p>
             <a:r>
               <a:rPr lang="en-US" dirty="0"/>
-              <a:t>When you run </a:t>
-            </a:r>
-            <a:r>
-              <a:rPr lang="en-US" b="1" dirty="0" err="1">
-                <a:latin typeface="Courier New"/>
-                <a:cs typeface="Courier New"/>
-              </a:rPr>
-              <a:t>rspec</a:t>
-            </a:r>
-            <a:r>
-              <a:rPr lang="en-US" dirty="0"/>
-              <a:t> without any paths it will automatically find and execute all the </a:t>
-            </a:r>
-            <a:r>
-              <a:rPr lang="en-US" i="1" dirty="0"/>
-              <a:t>"_</a:t>
-            </a:r>
-            <a:r>
-              <a:rPr lang="en-US" i="1" dirty="0" err="1"/>
-              <a:t>spec.rb</a:t>
-            </a:r>
-            <a:r>
-              <a:rPr lang="en-US" i="1" dirty="0"/>
-              <a:t>"</a:t>
-            </a:r>
-            <a:r>
-              <a:rPr lang="en-US" dirty="0"/>
-              <a:t> files within the '</a:t>
-            </a:r>
-            <a:r>
-              <a:rPr lang="en-US" i="1" dirty="0"/>
-              <a:t>spec</a:t>
-            </a:r>
-            <a:r>
-              <a:rPr lang="en-US" dirty="0"/>
-              <a:t>' directory.</a:t>
+              <a:t>~/apache/spec/unit/recipes/</a:t>
+            </a:r>
+            <a:r>
+              <a:rPr lang="en-US" dirty="0" err="1"/>
+              <a:t>configuration_spec.rb</a:t>
+            </a:r>
+            <a:endParaRPr lang="en-US" dirty="0"/>
+          </a:p>
+        </p:txBody>
+      </p:sp>
+      <p:sp>
+        <p:nvSpPr>
+          <p:cNvPr id="7" name="Text Placeholder 5"/>
+          <p:cNvSpPr>
+            <a:spLocks noGrp="1"/>
+          </p:cNvSpPr>
+          <p:nvPr>
+            <p:ph type="body" sz="quarter" idx="13"/>
+          </p:nvPr>
+        </p:nvSpPr>
+        <p:spPr>
+          <a:xfrm>
+            <a:off x="1135042" y="3238500"/>
+            <a:ext cx="14404273" cy="4381500"/>
+          </a:xfrm>
+          <a:solidFill>
+            <a:srgbClr val="FF0000">
+              <a:alpha val="25000"/>
+            </a:srgbClr>
+          </a:solidFill>
+        </p:spPr>
+        <p:txBody>
+          <a:bodyPr/>
+          <a:lstStyle/>
+          <a:p>
+            <a:r>
+              <a:rPr lang="en-US" dirty="0"/>
+              <a:t>+</a:t>
             </a:r>
           </a:p>
         </p:txBody>
@@ -16827,7 +17358,7 @@
     </p:spTree>
     <p:extLst>
       <p:ext uri="{BB962C8B-B14F-4D97-AF65-F5344CB8AC3E}">
-        <p14:creationId xmlns:p14="http://schemas.microsoft.com/office/powerpoint/2010/main" val="1420318714"/>
+        <p14:creationId xmlns:p14="http://schemas.microsoft.com/office/powerpoint/2010/main" val="999470467"/>
       </p:ext>
     </p:extLst>
   </p:cSld>
@@ -16859,7 +17390,37 @@
       </p:grpSpPr>
       <p:sp>
         <p:nvSpPr>
-          <p:cNvPr id="2" name="Content Placeholder 1"/>
+          <p:cNvPr id="2" name="Title 1"/>
+          <p:cNvSpPr>
+            <a:spLocks noGrp="1"/>
+          </p:cNvSpPr>
+          <p:nvPr>
+            <p:ph type="title"/>
+          </p:nvPr>
+        </p:nvSpPr>
+        <p:spPr/>
+        <p:txBody>
+          <a:bodyPr/>
+          <a:lstStyle/>
+          <a:p>
+            <a:r>
+              <a:rPr lang="en-US" dirty="0"/>
+              <a:t>Update the </a:t>
+            </a:r>
+            <a:r>
+              <a:rPr lang="en-US" dirty="0" err="1"/>
+              <a:t>ChefSpec</a:t>
+            </a:r>
+            <a:r>
+              <a:rPr lang="en-US" dirty="0"/>
+              <a:t> Platform</a:t>
+            </a:r>
+          </a:p>
+        </p:txBody>
+      </p:sp>
+      <p:sp>
+        <p:nvSpPr>
+          <p:cNvPr id="3" name="Content Placeholder 2"/>
           <p:cNvSpPr>
             <a:spLocks noGrp="1"/>
           </p:cNvSpPr>
@@ -16869,106 +17430,236 @@
         </p:nvSpPr>
         <p:spPr/>
         <p:txBody>
+          <a:bodyPr>
+            <a:normAutofit fontScale="85000" lnSpcReduction="20000"/>
+          </a:bodyPr>
+          <a:lstStyle/>
+          <a:p>
+            <a:r>
+              <a:rPr lang="en-US" dirty="0"/>
+              <a:t>require '</a:t>
+            </a:r>
+            <a:r>
+              <a:rPr lang="en-US" dirty="0" err="1"/>
+              <a:t>spec_helper</a:t>
+            </a:r>
+            <a:r>
+              <a:rPr lang="en-US" dirty="0"/>
+              <a:t>'</a:t>
+            </a:r>
+          </a:p>
+          <a:p>
+            <a:endParaRPr lang="en-US" dirty="0"/>
+          </a:p>
+          <a:p>
+            <a:r>
+              <a:rPr lang="en-US" dirty="0"/>
+              <a:t>describe 'apache::configuration' do</a:t>
+            </a:r>
+          </a:p>
+          <a:p>
+            <a:r>
+              <a:rPr lang="en-US" dirty="0"/>
+              <a:t>  context 'When all attributes are default, on an CentOS 6.9' do</a:t>
+            </a:r>
+          </a:p>
+          <a:p>
+            <a:r>
+              <a:rPr lang="en-US" dirty="0"/>
+              <a:t>    let(:</a:t>
+            </a:r>
+            <a:r>
+              <a:rPr lang="en-US" dirty="0" err="1"/>
+              <a:t>chef_run</a:t>
+            </a:r>
+            <a:r>
+              <a:rPr lang="en-US" dirty="0"/>
+              <a:t>) do</a:t>
+            </a:r>
+          </a:p>
+          <a:p>
+            <a:r>
+              <a:rPr lang="en-US" dirty="0"/>
+              <a:t>      runner = </a:t>
+            </a:r>
+            <a:r>
+              <a:rPr lang="en-US" dirty="0" err="1"/>
+              <a:t>ChefSpec</a:t>
+            </a:r>
+            <a:r>
+              <a:rPr lang="en-US" dirty="0"/>
+              <a:t>::</a:t>
+            </a:r>
+            <a:r>
+              <a:rPr lang="en-US" dirty="0" err="1"/>
+              <a:t>ServerRunner.new</a:t>
+            </a:r>
+            <a:r>
+              <a:rPr lang="en-US" dirty="0"/>
+              <a:t>(platform: 'centos', version: '6.9')</a:t>
+            </a:r>
+          </a:p>
+          <a:p>
+            <a:r>
+              <a:rPr lang="en-US" dirty="0"/>
+              <a:t>      </a:t>
+            </a:r>
+            <a:r>
+              <a:rPr lang="en-US" dirty="0" err="1"/>
+              <a:t>runner.converge</a:t>
+            </a:r>
+            <a:r>
+              <a:rPr lang="en-US" dirty="0"/>
+              <a:t>(</a:t>
+            </a:r>
+            <a:r>
+              <a:rPr lang="en-US" dirty="0" err="1"/>
+              <a:t>described_recipe</a:t>
+            </a:r>
+            <a:r>
+              <a:rPr lang="en-US" dirty="0"/>
+              <a:t>)</a:t>
+            </a:r>
+          </a:p>
+          <a:p>
+            <a:r>
+              <a:rPr lang="en-US" dirty="0"/>
+              <a:t>    end</a:t>
+            </a:r>
+          </a:p>
+          <a:p>
+            <a:endParaRPr lang="en-US" dirty="0"/>
+          </a:p>
+          <a:p>
+            <a:r>
+              <a:rPr lang="en-US" dirty="0"/>
+              <a:t>    it 'converges successfully' do</a:t>
+            </a:r>
+          </a:p>
+          <a:p>
+            <a:r>
+              <a:rPr lang="en-US" dirty="0"/>
+              <a:t>      expect { </a:t>
+            </a:r>
+            <a:r>
+              <a:rPr lang="en-US" dirty="0" err="1"/>
+              <a:t>chef_run</a:t>
+            </a:r>
+            <a:r>
+              <a:rPr lang="en-US" dirty="0"/>
+              <a:t> }.</a:t>
+            </a:r>
+            <a:r>
+              <a:rPr lang="en-US" dirty="0" err="1"/>
+              <a:t>to_not</a:t>
+            </a:r>
+            <a:r>
+              <a:rPr lang="en-US" dirty="0"/>
+              <a:t> </a:t>
+            </a:r>
+            <a:r>
+              <a:rPr lang="en-US" dirty="0" err="1"/>
+              <a:t>raise_error</a:t>
+            </a:r>
+            <a:endParaRPr lang="en-US" dirty="0"/>
+          </a:p>
+          <a:p>
+            <a:r>
+              <a:rPr lang="en-US" dirty="0"/>
+              <a:t>    end</a:t>
+            </a:r>
+          </a:p>
+          <a:p>
+            <a:r>
+              <a:rPr lang="en-US" dirty="0"/>
+              <a:t>  end</a:t>
+            </a:r>
+          </a:p>
+          <a:p>
+            <a:r>
+              <a:rPr lang="en-US" dirty="0"/>
+              <a:t>end</a:t>
+            </a:r>
+          </a:p>
+        </p:txBody>
+      </p:sp>
+      <p:sp>
+        <p:nvSpPr>
+          <p:cNvPr id="4" name="Text Placeholder 3"/>
+          <p:cNvSpPr>
+            <a:spLocks noGrp="1"/>
+          </p:cNvSpPr>
+          <p:nvPr>
+            <p:ph type="body" sz="quarter" idx="11"/>
+          </p:nvPr>
+        </p:nvSpPr>
+        <p:spPr/>
+        <p:txBody>
           <a:bodyPr/>
           <a:lstStyle/>
           <a:p>
             <a:r>
               <a:rPr lang="en-US" dirty="0"/>
-              <a:t>.........</a:t>
-            </a:r>
-          </a:p>
-          <a:p>
+              <a:t>~/apache/spec/unit/recipes/</a:t>
+            </a:r>
+            <a:r>
+              <a:rPr lang="en-US" dirty="0" err="1"/>
+              <a:t>configuration_spec.rb</a:t>
+            </a:r>
             <a:endParaRPr lang="en-US" dirty="0"/>
           </a:p>
-          <a:p>
-            <a:r>
-              <a:rPr lang="en-US" dirty="0"/>
-              <a:t>Finished in 2.39 seconds (files took 4.03 seconds to load)</a:t>
-            </a:r>
-          </a:p>
-          <a:p>
-            <a:r>
-              <a:rPr lang="en-US" dirty="0"/>
-              <a:t>9 examples, 0 failures</a:t>
-            </a:r>
-          </a:p>
-        </p:txBody>
-      </p:sp>
-      <p:sp>
-        <p:nvSpPr>
-          <p:cNvPr id="3" name="Text Placeholder 2"/>
-          <p:cNvSpPr>
-            <a:spLocks noGrp="1"/>
-          </p:cNvSpPr>
-          <p:nvPr>
-            <p:ph type="body" sz="quarter" idx="11"/>
-          </p:nvPr>
-        </p:nvSpPr>
-        <p:spPr/>
-        <p:txBody>
-          <a:bodyPr/>
-          <a:lstStyle/>
-          <a:p>
-            <a:r>
-              <a:rPr lang="en-US" dirty="0"/>
-              <a:t>&gt; chef exec </a:t>
-            </a:r>
-            <a:r>
-              <a:rPr lang="en-US" dirty="0" err="1"/>
-              <a:t>rspec</a:t>
-            </a:r>
-            <a:endParaRPr lang="en-US" dirty="0"/>
-          </a:p>
-        </p:txBody>
-      </p:sp>
-      <p:sp>
-        <p:nvSpPr>
-          <p:cNvPr id="4" name="Content Placeholder 3"/>
-          <p:cNvSpPr>
-            <a:spLocks noGrp="1"/>
-          </p:cNvSpPr>
-          <p:nvPr>
-            <p:ph sz="quarter" idx="12"/>
+        </p:txBody>
+      </p:sp>
+      <p:sp>
+        <p:nvSpPr>
+          <p:cNvPr id="6" name="Text Placeholder 5"/>
+          <p:cNvSpPr>
+            <a:spLocks noGrp="1"/>
+          </p:cNvSpPr>
+          <p:nvPr>
+            <p:ph type="body" sz="quarter" idx="13"/>
           </p:nvPr>
         </p:nvSpPr>
         <p:spPr>
           <a:xfrm>
-            <a:off x="1127883" y="3884682"/>
-            <a:ext cx="14420850" cy="557213"/>
+            <a:off x="1135042" y="4051300"/>
+            <a:ext cx="14404273" cy="457201"/>
           </a:xfrm>
         </p:spPr>
         <p:txBody>
           <a:bodyPr/>
           <a:lstStyle/>
           <a:p>
-            <a:endParaRPr lang="en-US" dirty="0"/>
-          </a:p>
-        </p:txBody>
-      </p:sp>
-      <p:sp>
-        <p:nvSpPr>
-          <p:cNvPr id="5" name="Title 4"/>
-          <p:cNvSpPr>
-            <a:spLocks noGrp="1"/>
-          </p:cNvSpPr>
-          <p:nvPr>
-            <p:ph type="title"/>
-          </p:nvPr>
-        </p:nvSpPr>
-        <p:spPr/>
-        <p:txBody>
-          <a:bodyPr>
-            <a:normAutofit fontScale="90000"/>
-          </a:bodyPr>
-          <a:lstStyle/>
-          <a:p>
-            <a:r>
-              <a:rPr lang="en-US" dirty="0"/>
-              <a:t>Execute All the Tests in the </a:t>
-            </a:r>
-            <a:r>
-              <a:rPr lang="en-US"/>
-              <a:t>Spec Directory</a:t>
+            <a:r>
+              <a:rPr lang="en-US" dirty="0"/>
+              <a:t>+</a:t>
+            </a:r>
+          </a:p>
+        </p:txBody>
+      </p:sp>
+      <p:sp>
+        <p:nvSpPr>
+          <p:cNvPr id="7" name="Text Placeholder 5"/>
+          <p:cNvSpPr>
+            <a:spLocks noGrp="1"/>
+          </p:cNvSpPr>
+          <p:nvPr>
+            <p:ph type="body" sz="quarter" idx="13"/>
+          </p:nvPr>
+        </p:nvSpPr>
+        <p:spPr>
+          <a:xfrm>
+            <a:off x="1135042" y="3238500"/>
+            <a:ext cx="14404273" cy="479840"/>
+          </a:xfrm>
+        </p:spPr>
+        <p:txBody>
+          <a:bodyPr/>
+          <a:lstStyle/>
+          <a:p>
+            <a:r>
+              <a:rPr lang="en-US" dirty="0"/>
+              <a:t>+</a:t>
             </a:r>
           </a:p>
         </p:txBody>
@@ -16976,7 +17667,7 @@
     </p:spTree>
     <p:extLst>
       <p:ext uri="{BB962C8B-B14F-4D97-AF65-F5344CB8AC3E}">
-        <p14:creationId xmlns:p14="http://schemas.microsoft.com/office/powerpoint/2010/main" val="3067141347"/>
+        <p14:creationId xmlns:p14="http://schemas.microsoft.com/office/powerpoint/2010/main" val="932493222"/>
       </p:ext>
     </p:extLst>
   </p:cSld>
@@ -17013,31 +17704,118 @@
             <a:spLocks noGrp="1"/>
           </p:cNvSpPr>
           <p:nvPr>
-            <p:ph type="ctrTitle"/>
+            <p:ph type="title"/>
+          </p:nvPr>
+        </p:nvSpPr>
+        <p:spPr/>
+        <p:txBody>
+          <a:bodyPr/>
+          <a:lstStyle/>
+          <a:p>
+            <a:r>
+              <a:rPr lang="en-US" dirty="0"/>
+              <a:t>Write the Tests to Verify the Service</a:t>
+            </a:r>
+          </a:p>
+        </p:txBody>
+      </p:sp>
+      <p:sp>
+        <p:nvSpPr>
+          <p:cNvPr id="3" name="Content Placeholder 2"/>
+          <p:cNvSpPr>
+            <a:spLocks noGrp="1"/>
+          </p:cNvSpPr>
+          <p:nvPr>
+            <p:ph sz="quarter" idx="10"/>
           </p:nvPr>
         </p:nvSpPr>
         <p:spPr/>
         <p:txBody>
           <a:bodyPr>
-            <a:normAutofit fontScale="90000"/>
+            <a:normAutofit/>
           </a:bodyPr>
           <a:lstStyle/>
           <a:p>
             <a:r>
-              <a:rPr lang="en-US" dirty="0"/>
-              <a:t>Discussion</a:t>
-            </a:r>
-          </a:p>
-        </p:txBody>
-      </p:sp>
-      <p:sp>
-        <p:nvSpPr>
-          <p:cNvPr id="3" name="Subtitle 2"/>
-          <p:cNvSpPr>
-            <a:spLocks noGrp="1"/>
-          </p:cNvSpPr>
-          <p:nvPr>
-            <p:ph type="subTitle" idx="1"/>
+              <a:rPr lang="en-US" sz="1800" dirty="0"/>
+              <a:t> # ... START OF THE SPEC FILE ...</a:t>
+            </a:r>
+          </a:p>
+          <a:p>
+            <a:endParaRPr lang="en-US" sz="1800" dirty="0"/>
+          </a:p>
+          <a:p>
+            <a:r>
+              <a:rPr lang="en-US" sz="1800" dirty="0"/>
+              <a:t>    it 'creates the index.html' do</a:t>
+            </a:r>
+          </a:p>
+          <a:p>
+            <a:r>
+              <a:rPr lang="en-US" sz="1800" dirty="0"/>
+              <a:t>      expect(</a:t>
+            </a:r>
+            <a:r>
+              <a:rPr lang="en-US" sz="1800" dirty="0" err="1"/>
+              <a:t>chef_run</a:t>
+            </a:r>
+            <a:r>
+              <a:rPr lang="en-US" sz="1800" dirty="0"/>
+              <a:t>).to </a:t>
+            </a:r>
+            <a:r>
+              <a:rPr lang="en-US" sz="1800" dirty="0" err="1"/>
+              <a:t>render_file</a:t>
+            </a:r>
+            <a:r>
+              <a:rPr lang="en-US" sz="1800" dirty="0"/>
+              <a:t>('/</a:t>
+            </a:r>
+            <a:r>
+              <a:rPr lang="en-US" sz="1800" dirty="0" err="1"/>
+              <a:t>var</a:t>
+            </a:r>
+            <a:r>
+              <a:rPr lang="en-US" sz="1800" dirty="0"/>
+              <a:t>/www/html/index.html').</a:t>
+            </a:r>
+            <a:r>
+              <a:rPr lang="en-US" sz="1800" dirty="0" err="1"/>
+              <a:t>with_content</a:t>
+            </a:r>
+            <a:r>
+              <a:rPr lang="en-US" sz="1800" dirty="0"/>
+              <a:t>('&lt;h1&gt;Welcome Home!&lt;/h1&gt;')</a:t>
+            </a:r>
+          </a:p>
+          <a:p>
+            <a:r>
+              <a:rPr lang="en-US" sz="1800" dirty="0"/>
+              <a:t>    end</a:t>
+            </a:r>
+          </a:p>
+          <a:p>
+            <a:r>
+              <a:rPr lang="en-US" sz="1800" dirty="0"/>
+              <a:t>  end</a:t>
+            </a:r>
+          </a:p>
+          <a:p>
+            <a:r>
+              <a:rPr lang="en-US" sz="1800" dirty="0"/>
+              <a:t>end</a:t>
+            </a:r>
+          </a:p>
+        </p:txBody>
+      </p:sp>
+      <p:sp>
+        <p:nvSpPr>
+          <p:cNvPr id="4" name="Text Placeholder 3"/>
+          <p:cNvSpPr>
+            <a:spLocks noGrp="1"/>
+          </p:cNvSpPr>
+          <p:nvPr>
+            <p:ph type="body" sz="quarter" idx="11"/>
           </p:nvPr>
         </p:nvSpPr>
         <p:spPr/>
@@ -17047,15 +17825,44 @@
           <a:p>
             <a:r>
               <a:rPr lang="en-US" dirty="0"/>
-              <a:t>What value does it bring to validate that the resources take the appropriate action?</a:t>
-            </a:r>
+              <a:t>~/apache/spec/unit/recipes/</a:t>
+            </a:r>
+            <a:r>
+              <a:rPr lang="en-US" dirty="0" err="1"/>
+              <a:t>configuration_spec.rb</a:t>
+            </a:r>
+            <a:endParaRPr lang="en-US" dirty="0"/>
+          </a:p>
+        </p:txBody>
+      </p:sp>
+      <p:sp>
+        <p:nvSpPr>
+          <p:cNvPr id="6" name="Text Placeholder 5"/>
+          <p:cNvSpPr>
+            <a:spLocks noGrp="1"/>
+          </p:cNvSpPr>
+          <p:nvPr>
+            <p:ph type="body" sz="quarter" idx="13"/>
+          </p:nvPr>
+        </p:nvSpPr>
+        <p:spPr>
+          <a:xfrm>
+            <a:off x="1139359" y="2884911"/>
+            <a:ext cx="14404273" cy="1110619"/>
+          </a:xfrm>
+        </p:spPr>
+        <p:txBody>
+          <a:bodyPr/>
+          <a:lstStyle/>
+          <a:p>
+            <a:endParaRPr lang="en-US" dirty="0"/>
           </a:p>
         </p:txBody>
       </p:sp>
     </p:spTree>
     <p:extLst>
       <p:ext uri="{BB962C8B-B14F-4D97-AF65-F5344CB8AC3E}">
-        <p14:creationId xmlns:p14="http://schemas.microsoft.com/office/powerpoint/2010/main" val="108599519"/>
+        <p14:creationId xmlns:p14="http://schemas.microsoft.com/office/powerpoint/2010/main" val="1850138728"/>
       </p:ext>
     </p:extLst>
   </p:cSld>
@@ -17103,9 +17910,10 @@
           <a:lstStyle/>
           <a:p>
             <a:r>
-              <a:rPr lang="en-US" dirty="0"/>
-              <a:t>Q&amp;A</a:t>
-            </a:r>
+              <a:rPr lang="en-US" dirty="0" err="1"/>
+              <a:t>rspec</a:t>
+            </a:r>
+            <a:endParaRPr lang="en-US" dirty="0"/>
           </a:p>
         </p:txBody>
       </p:sp>
@@ -17126,7 +17934,42 @@
           <a:p>
             <a:r>
               <a:rPr lang="en-US" dirty="0"/>
-              <a:t>What questions can we answer for you?</a:t>
+              <a:t>When you run </a:t>
+            </a:r>
+            <a:r>
+              <a:rPr lang="en-US" b="1" dirty="0" err="1">
+                <a:latin typeface="Courier New"/>
+                <a:cs typeface="Courier New"/>
+              </a:rPr>
+              <a:t>rspec</a:t>
+            </a:r>
+            <a:r>
+              <a:rPr lang="en-US" dirty="0"/>
+              <a:t> without any paths it will automatically find and execute all the </a:t>
+            </a:r>
+            <a:r>
+              <a:rPr lang="en-US" i="1" dirty="0"/>
+              <a:t>"_</a:t>
+            </a:r>
+            <a:r>
+              <a:rPr lang="en-US" i="1" dirty="0" err="1"/>
+              <a:t>spec.rb</a:t>
+            </a:r>
+            <a:r>
+              <a:rPr lang="en-US" i="1" dirty="0"/>
+              <a:t>"</a:t>
+            </a:r>
+            <a:r>
+              <a:rPr lang="en-US" dirty="0"/>
+              <a:t> files within the '</a:t>
+            </a:r>
+            <a:r>
+              <a:rPr lang="en-US" i="1" dirty="0"/>
+              <a:t>spec</a:t>
+            </a:r>
+            <a:r>
+              <a:rPr lang="en-US" dirty="0"/>
+              <a:t>' directory.</a:t>
             </a:r>
           </a:p>
         </p:txBody>
@@ -17134,7 +17977,7 @@
     </p:spTree>
     <p:extLst>
       <p:ext uri="{BB962C8B-B14F-4D97-AF65-F5344CB8AC3E}">
-        <p14:creationId xmlns:p14="http://schemas.microsoft.com/office/powerpoint/2010/main" val="2653257375"/>
+        <p14:creationId xmlns:p14="http://schemas.microsoft.com/office/powerpoint/2010/main" val="1420318714"/>
       </p:ext>
     </p:extLst>
   </p:cSld>
@@ -17286,6 +18129,313 @@
             <a:spLocks noGrp="1"/>
           </p:cNvSpPr>
           <p:nvPr>
+            <p:ph sz="quarter" idx="10"/>
+          </p:nvPr>
+        </p:nvSpPr>
+        <p:spPr/>
+        <p:txBody>
+          <a:bodyPr/>
+          <a:lstStyle/>
+          <a:p>
+            <a:r>
+              <a:rPr lang="en-US" dirty="0"/>
+              <a:t>...........</a:t>
+            </a:r>
+          </a:p>
+          <a:p>
+            <a:endParaRPr lang="en-US" dirty="0"/>
+          </a:p>
+          <a:p>
+            <a:r>
+              <a:rPr lang="en-US" dirty="0"/>
+              <a:t>Finished in 2.31 seconds (files took 1.86 seconds to load)</a:t>
+            </a:r>
+          </a:p>
+          <a:p>
+            <a:r>
+              <a:rPr lang="en-US" dirty="0"/>
+              <a:t>11 examples, 0 failures</a:t>
+            </a:r>
+          </a:p>
+        </p:txBody>
+      </p:sp>
+      <p:sp>
+        <p:nvSpPr>
+          <p:cNvPr id="3" name="Text Placeholder 2"/>
+          <p:cNvSpPr>
+            <a:spLocks noGrp="1"/>
+          </p:cNvSpPr>
+          <p:nvPr>
+            <p:ph type="body" sz="quarter" idx="11"/>
+          </p:nvPr>
+        </p:nvSpPr>
+        <p:spPr/>
+        <p:txBody>
+          <a:bodyPr/>
+          <a:lstStyle/>
+          <a:p>
+            <a:r>
+              <a:rPr lang="en-US" dirty="0"/>
+              <a:t>&gt; chef exec </a:t>
+            </a:r>
+            <a:r>
+              <a:rPr lang="en-US" dirty="0" err="1"/>
+              <a:t>rspec</a:t>
+            </a:r>
+            <a:endParaRPr lang="en-US" dirty="0"/>
+          </a:p>
+        </p:txBody>
+      </p:sp>
+      <p:sp>
+        <p:nvSpPr>
+          <p:cNvPr id="4" name="Content Placeholder 3"/>
+          <p:cNvSpPr>
+            <a:spLocks noGrp="1"/>
+          </p:cNvSpPr>
+          <p:nvPr>
+            <p:ph sz="quarter" idx="12"/>
+          </p:nvPr>
+        </p:nvSpPr>
+        <p:spPr>
+          <a:xfrm>
+            <a:off x="1127883" y="3884682"/>
+            <a:ext cx="14420850" cy="557213"/>
+          </a:xfrm>
+        </p:spPr>
+        <p:txBody>
+          <a:bodyPr/>
+          <a:lstStyle/>
+          <a:p>
+            <a:endParaRPr lang="en-US" dirty="0"/>
+          </a:p>
+        </p:txBody>
+      </p:sp>
+      <p:sp>
+        <p:nvSpPr>
+          <p:cNvPr id="5" name="Title 4"/>
+          <p:cNvSpPr>
+            <a:spLocks noGrp="1"/>
+          </p:cNvSpPr>
+          <p:nvPr>
+            <p:ph type="title"/>
+          </p:nvPr>
+        </p:nvSpPr>
+        <p:spPr/>
+        <p:txBody>
+          <a:bodyPr>
+            <a:normAutofit fontScale="90000"/>
+          </a:bodyPr>
+          <a:lstStyle/>
+          <a:p>
+            <a:r>
+              <a:rPr lang="en-US" dirty="0"/>
+              <a:t>Execute All the Tests in the </a:t>
+            </a:r>
+            <a:r>
+              <a:rPr lang="en-US"/>
+              <a:t>Spec Directory</a:t>
+            </a:r>
+          </a:p>
+        </p:txBody>
+      </p:sp>
+    </p:spTree>
+    <p:extLst>
+      <p:ext uri="{BB962C8B-B14F-4D97-AF65-F5344CB8AC3E}">
+        <p14:creationId xmlns:p14="http://schemas.microsoft.com/office/powerpoint/2010/main" val="3067141347"/>
+      </p:ext>
+    </p:extLst>
+  </p:cSld>
+  <p:clrMapOvr>
+    <a:masterClrMapping/>
+  </p:clrMapOvr>
+  <p:transition spd="med">
+    <p:fade/>
+  </p:transition>
+</p:sld>
+</file>
+
+<file path=ppt/slides/slide31.xml><?xml version="1.0" encoding="utf-8"?>
+<p:sld xmlns:a="http://schemas.openxmlformats.org/drawingml/2006/main" xmlns:r="http://schemas.openxmlformats.org/officeDocument/2006/relationships" xmlns:p="http://schemas.openxmlformats.org/presentationml/2006/main">
+  <p:cSld>
+    <p:spTree>
+      <p:nvGrpSpPr>
+        <p:cNvPr id="1" name=""/>
+        <p:cNvGrpSpPr/>
+        <p:nvPr/>
+      </p:nvGrpSpPr>
+      <p:grpSpPr>
+        <a:xfrm>
+          <a:off x="0" y="0"/>
+          <a:ext cx="0" cy="0"/>
+          <a:chOff x="0" y="0"/>
+          <a:chExt cx="0" cy="0"/>
+        </a:xfrm>
+      </p:grpSpPr>
+      <p:sp>
+        <p:nvSpPr>
+          <p:cNvPr id="2" name="Title 1"/>
+          <p:cNvSpPr>
+            <a:spLocks noGrp="1"/>
+          </p:cNvSpPr>
+          <p:nvPr>
+            <p:ph type="ctrTitle"/>
+          </p:nvPr>
+        </p:nvSpPr>
+        <p:spPr/>
+        <p:txBody>
+          <a:bodyPr>
+            <a:normAutofit fontScale="90000"/>
+          </a:bodyPr>
+          <a:lstStyle/>
+          <a:p>
+            <a:r>
+              <a:rPr lang="en-US" dirty="0"/>
+              <a:t>Discussion</a:t>
+            </a:r>
+          </a:p>
+        </p:txBody>
+      </p:sp>
+      <p:sp>
+        <p:nvSpPr>
+          <p:cNvPr id="3" name="Subtitle 2"/>
+          <p:cNvSpPr>
+            <a:spLocks noGrp="1"/>
+          </p:cNvSpPr>
+          <p:nvPr>
+            <p:ph type="subTitle" idx="1"/>
+          </p:nvPr>
+        </p:nvSpPr>
+        <p:spPr/>
+        <p:txBody>
+          <a:bodyPr/>
+          <a:lstStyle/>
+          <a:p>
+            <a:r>
+              <a:rPr lang="en-US" dirty="0"/>
+              <a:t>What value does it bring to validate that the resources take the appropriate action?</a:t>
+            </a:r>
+          </a:p>
+        </p:txBody>
+      </p:sp>
+    </p:spTree>
+    <p:extLst>
+      <p:ext uri="{BB962C8B-B14F-4D97-AF65-F5344CB8AC3E}">
+        <p14:creationId xmlns:p14="http://schemas.microsoft.com/office/powerpoint/2010/main" val="108599519"/>
+      </p:ext>
+    </p:extLst>
+  </p:cSld>
+  <p:clrMapOvr>
+    <a:masterClrMapping/>
+  </p:clrMapOvr>
+  <p:transition spd="med">
+    <p:fade/>
+  </p:transition>
+</p:sld>
+</file>
+
+<file path=ppt/slides/slide32.xml><?xml version="1.0" encoding="utf-8"?>
+<p:sld xmlns:a="http://schemas.openxmlformats.org/drawingml/2006/main" xmlns:r="http://schemas.openxmlformats.org/officeDocument/2006/relationships" xmlns:p="http://schemas.openxmlformats.org/presentationml/2006/main">
+  <p:cSld>
+    <p:spTree>
+      <p:nvGrpSpPr>
+        <p:cNvPr id="1" name=""/>
+        <p:cNvGrpSpPr/>
+        <p:nvPr/>
+      </p:nvGrpSpPr>
+      <p:grpSpPr>
+        <a:xfrm>
+          <a:off x="0" y="0"/>
+          <a:ext cx="0" cy="0"/>
+          <a:chOff x="0" y="0"/>
+          <a:chExt cx="0" cy="0"/>
+        </a:xfrm>
+      </p:grpSpPr>
+      <p:sp>
+        <p:nvSpPr>
+          <p:cNvPr id="2" name="Title 1"/>
+          <p:cNvSpPr>
+            <a:spLocks noGrp="1"/>
+          </p:cNvSpPr>
+          <p:nvPr>
+            <p:ph type="ctrTitle"/>
+          </p:nvPr>
+        </p:nvSpPr>
+        <p:spPr/>
+        <p:txBody>
+          <a:bodyPr>
+            <a:normAutofit fontScale="90000"/>
+          </a:bodyPr>
+          <a:lstStyle/>
+          <a:p>
+            <a:r>
+              <a:rPr lang="en-US" dirty="0"/>
+              <a:t>Q&amp;A</a:t>
+            </a:r>
+          </a:p>
+        </p:txBody>
+      </p:sp>
+      <p:sp>
+        <p:nvSpPr>
+          <p:cNvPr id="3" name="Subtitle 2"/>
+          <p:cNvSpPr>
+            <a:spLocks noGrp="1"/>
+          </p:cNvSpPr>
+          <p:nvPr>
+            <p:ph type="subTitle" idx="1"/>
+          </p:nvPr>
+        </p:nvSpPr>
+        <p:spPr/>
+        <p:txBody>
+          <a:bodyPr/>
+          <a:lstStyle/>
+          <a:p>
+            <a:r>
+              <a:rPr lang="en-US" dirty="0"/>
+              <a:t>What questions can we answer for you?</a:t>
+            </a:r>
+          </a:p>
+        </p:txBody>
+      </p:sp>
+    </p:spTree>
+    <p:extLst>
+      <p:ext uri="{BB962C8B-B14F-4D97-AF65-F5344CB8AC3E}">
+        <p14:creationId xmlns:p14="http://schemas.microsoft.com/office/powerpoint/2010/main" val="2653257375"/>
+      </p:ext>
+    </p:extLst>
+  </p:cSld>
+  <p:clrMapOvr>
+    <a:masterClrMapping/>
+  </p:clrMapOvr>
+  <p:transition spd="med">
+    <p:fade/>
+  </p:transition>
+</p:sld>
+</file>
+
+<file path=ppt/slides/slide33.xml><?xml version="1.0" encoding="utf-8"?>
+<p:sld xmlns:a="http://schemas.openxmlformats.org/drawingml/2006/main" xmlns:r="http://schemas.openxmlformats.org/officeDocument/2006/relationships" xmlns:p="http://schemas.openxmlformats.org/presentationml/2006/main">
+  <p:cSld>
+    <p:spTree>
+      <p:nvGrpSpPr>
+        <p:cNvPr id="1" name=""/>
+        <p:cNvGrpSpPr/>
+        <p:nvPr/>
+      </p:nvGrpSpPr>
+      <p:grpSpPr>
+        <a:xfrm>
+          <a:off x="0" y="0"/>
+          <a:ext cx="0" cy="0"/>
+          <a:chOff x="0" y="0"/>
+          <a:chExt cx="0" cy="0"/>
+        </a:xfrm>
+      </p:grpSpPr>
+      <p:sp>
+        <p:nvSpPr>
+          <p:cNvPr id="2" name="Content Placeholder 1"/>
+          <p:cNvSpPr>
+            <a:spLocks noGrp="1"/>
+          </p:cNvSpPr>
+          <p:nvPr>
             <p:ph sz="quarter" idx="14"/>
           </p:nvPr>
         </p:nvSpPr>
@@ -17424,7 +18574,7 @@
 </p:sld>
 </file>
 
-<file path=ppt/slides/slide31.xml><?xml version="1.0" encoding="utf-8"?>
+<file path=ppt/slides/slide34.xml><?xml version="1.0" encoding="utf-8"?>
 <p:sld xmlns:a="http://schemas.openxmlformats.org/drawingml/2006/main" xmlns:r="http://schemas.openxmlformats.org/officeDocument/2006/relationships" xmlns:p="http://schemas.openxmlformats.org/presentationml/2006/main">
   <p:cSld>
     <p:spTree>
@@ -17681,7 +18831,7 @@
           <a:p>
             <a:r>
               <a:rPr lang="en-US" dirty="0"/>
-              <a:t>.</a:t>
+              <a:t>..</a:t>
             </a:r>
           </a:p>
           <a:p>
@@ -17690,13 +18840,13 @@
           <a:p>
             <a:r>
               <a:rPr lang="en-US" dirty="0"/>
-              <a:t>Finished in 0.46874 seconds (files took 4.24 seconds to load)</a:t>
-            </a:r>
-          </a:p>
-          <a:p>
-            <a:r>
-              <a:rPr lang="en-US" dirty="0"/>
-              <a:t>1 example, 0 failures</a:t>
+              <a:t>Finished in 0.7663 seconds (files took 1.86 seconds to load)</a:t>
+            </a:r>
+          </a:p>
+          <a:p>
+            <a:r>
+              <a:rPr lang="en-US" dirty="0"/>
+              <a:t>2 examples, 0 failures</a:t>
             </a:r>
           </a:p>
         </p:txBody>
@@ -17832,7 +18982,86 @@
           <a:p>
             <a:r>
               <a:rPr lang="en-US" dirty="0"/>
-              <a:t>Update the </a:t>
+              <a:t>Delete context for Ubuntu</a:t>
+            </a:r>
+          </a:p>
+        </p:txBody>
+      </p:sp>
+      <p:sp>
+        <p:nvSpPr>
+          <p:cNvPr id="3" name="Content Placeholder 2"/>
+          <p:cNvSpPr>
+            <a:spLocks noGrp="1"/>
+          </p:cNvSpPr>
+          <p:nvPr>
+            <p:ph sz="quarter" idx="10"/>
+          </p:nvPr>
+        </p:nvSpPr>
+        <p:spPr/>
+        <p:txBody>
+          <a:bodyPr>
+            <a:normAutofit fontScale="77500" lnSpcReduction="20000"/>
+          </a:bodyPr>
+          <a:lstStyle/>
+          <a:p>
+            <a:r>
+              <a:rPr lang="en-US" dirty="0"/>
+              <a:t>require '</a:t>
+            </a:r>
+            <a:r>
+              <a:rPr lang="en-US" dirty="0" err="1"/>
+              <a:t>spec_helper</a:t>
+            </a:r>
+            <a:r>
+              <a:rPr lang="en-US" dirty="0"/>
+              <a:t>'</a:t>
+            </a:r>
+          </a:p>
+          <a:p>
+            <a:endParaRPr lang="en-US" dirty="0"/>
+          </a:p>
+          <a:p>
+            <a:r>
+              <a:rPr lang="en-US" dirty="0"/>
+              <a:t>describe 'apache::install' do</a:t>
+            </a:r>
+          </a:p>
+          <a:p>
+            <a:r>
+              <a:rPr lang="en-US" dirty="0"/>
+              <a:t> context 'When all attributes are default, on Ubuntu 16.04' do</a:t>
+            </a:r>
+          </a:p>
+          <a:p>
+            <a:r>
+              <a:rPr lang="en-US" dirty="0"/>
+              <a:t>    let(:</a:t>
+            </a:r>
+            <a:r>
+              <a:rPr lang="en-US" dirty="0" err="1"/>
+              <a:t>chef_run</a:t>
+            </a:r>
+            <a:r>
+              <a:rPr lang="en-US" dirty="0"/>
+              <a:t>) do</a:t>
+            </a:r>
+          </a:p>
+          <a:p>
+            <a:r>
+              <a:rPr lang="en-US" dirty="0"/>
+              <a:t>      # for a complete list of available platforms and versions see:</a:t>
+            </a:r>
+          </a:p>
+          <a:p>
+            <a:r>
+              <a:rPr lang="en-US" dirty="0"/>
+              <a:t>      # https://github.com/customink/fauxhai/blob/master/PLATFORMS.md</a:t>
+            </a:r>
+          </a:p>
+          <a:p>
+            <a:r>
+              <a:rPr lang="en-US" dirty="0"/>
+              <a:t>      runner = </a:t>
             </a:r>
             <a:r>
               <a:rPr lang="en-US" dirty="0" err="1"/>
@@ -17840,39 +19069,43 @@
             </a:r>
             <a:r>
               <a:rPr lang="en-US" dirty="0"/>
-              <a:t> Platform</a:t>
-            </a:r>
-          </a:p>
-        </p:txBody>
-      </p:sp>
-      <p:sp>
-        <p:nvSpPr>
-          <p:cNvPr id="3" name="Content Placeholder 2"/>
-          <p:cNvSpPr>
-            <a:spLocks noGrp="1"/>
-          </p:cNvSpPr>
-          <p:nvPr>
-            <p:ph sz="quarter" idx="10"/>
-          </p:nvPr>
-        </p:nvSpPr>
-        <p:spPr/>
-        <p:txBody>
-          <a:bodyPr>
-            <a:normAutofit fontScale="85000" lnSpcReduction="20000"/>
-          </a:bodyPr>
-          <a:lstStyle/>
-          <a:p>
-            <a:r>
-              <a:rPr lang="en-US" dirty="0"/>
-              <a:t>require '</a:t>
+              <a:t>::</a:t>
             </a:r>
             <a:r>
               <a:rPr lang="en-US" dirty="0" err="1"/>
-              <a:t>spec_helper</a:t>
-            </a:r>
-            <a:r>
-              <a:rPr lang="en-US" dirty="0"/>
-              <a:t>'</a:t>
+              <a:t>ServerRunner.new</a:t>
+            </a:r>
+            <a:r>
+              <a:rPr lang="en-US" dirty="0"/>
+              <a:t>(platform: 'ubuntu', version: '16.04')</a:t>
+            </a:r>
+          </a:p>
+          <a:p>
+            <a:r>
+              <a:rPr lang="en-US" dirty="0"/>
+              <a:t>      </a:t>
+            </a:r>
+            <a:r>
+              <a:rPr lang="en-US" dirty="0" err="1"/>
+              <a:t>runner.converge</a:t>
+            </a:r>
+            <a:r>
+              <a:rPr lang="en-US" dirty="0"/>
+              <a:t>(</a:t>
+            </a:r>
+            <a:r>
+              <a:rPr lang="en-US" dirty="0" err="1"/>
+              <a:t>described_recipe</a:t>
+            </a:r>
+            <a:r>
+              <a:rPr lang="en-US" dirty="0"/>
+              <a:t>)</a:t>
+            </a:r>
+          </a:p>
+          <a:p>
+            <a:r>
+              <a:rPr lang="en-US" dirty="0"/>
+              <a:t>    end</a:t>
             </a:r>
           </a:p>
           <a:p>
@@ -17881,19 +19114,13 @@
           <a:p>
             <a:r>
               <a:rPr lang="en-US" dirty="0"/>
-              <a:t>describe 'apache::install' do</a:t>
-            </a:r>
-          </a:p>
-          <a:p>
-            <a:r>
-              <a:rPr lang="en-US" dirty="0"/>
-              <a:t>  context 'When all attributes are default, on an CentOS 6.9' do</a:t>
-            </a:r>
-          </a:p>
-          <a:p>
-            <a:r>
-              <a:rPr lang="en-US" dirty="0"/>
-              <a:t>    let(:</a:t>
+              <a:t>    it 'converges successfully' do</a:t>
+            </a:r>
+          </a:p>
+          <a:p>
+            <a:r>
+              <a:rPr lang="en-US" dirty="0"/>
+              <a:t>      expect { </a:t>
             </a:r>
             <a:r>
               <a:rPr lang="en-US" dirty="0" err="1"/>
@@ -17901,79 +19128,6 @@
             </a:r>
             <a:r>
               <a:rPr lang="en-US" dirty="0"/>
-              <a:t>) do</a:t>
-            </a:r>
-          </a:p>
-          <a:p>
-            <a:r>
-              <a:rPr lang="en-US" dirty="0"/>
-              <a:t>      runner = </a:t>
-            </a:r>
-            <a:r>
-              <a:rPr lang="en-US" dirty="0" err="1"/>
-              <a:t>ChefSpec</a:t>
-            </a:r>
-            <a:r>
-              <a:rPr lang="en-US" dirty="0"/>
-              <a:t>::</a:t>
-            </a:r>
-            <a:r>
-              <a:rPr lang="en-US" dirty="0" err="1"/>
-              <a:t>ServerRunner.new</a:t>
-            </a:r>
-            <a:r>
-              <a:rPr lang="en-US" dirty="0"/>
-              <a:t>(platform: 'centos', version: '6.9')</a:t>
-            </a:r>
-          </a:p>
-          <a:p>
-            <a:r>
-              <a:rPr lang="en-US" dirty="0"/>
-              <a:t>      </a:t>
-            </a:r>
-            <a:r>
-              <a:rPr lang="en-US" dirty="0" err="1"/>
-              <a:t>runner.converge</a:t>
-            </a:r>
-            <a:r>
-              <a:rPr lang="en-US" dirty="0"/>
-              <a:t>(</a:t>
-            </a:r>
-            <a:r>
-              <a:rPr lang="en-US" dirty="0" err="1"/>
-              <a:t>described_recipe</a:t>
-            </a:r>
-            <a:r>
-              <a:rPr lang="en-US" dirty="0"/>
-              <a:t>)</a:t>
-            </a:r>
-          </a:p>
-          <a:p>
-            <a:r>
-              <a:rPr lang="en-US" dirty="0"/>
-              <a:t>    end</a:t>
-            </a:r>
-          </a:p>
-          <a:p>
-            <a:endParaRPr lang="en-US" dirty="0"/>
-          </a:p>
-          <a:p>
-            <a:r>
-              <a:rPr lang="en-US" dirty="0"/>
-              <a:t>    it 'converges successfully' do</a:t>
-            </a:r>
-          </a:p>
-          <a:p>
-            <a:r>
-              <a:rPr lang="en-US" dirty="0"/>
-              <a:t>      expect { </a:t>
-            </a:r>
-            <a:r>
-              <a:rPr lang="en-US" dirty="0" err="1"/>
-              <a:t>chef_run</a:t>
-            </a:r>
-            <a:r>
-              <a:rPr lang="en-US" dirty="0"/>
               <a:t> }.</a:t>
             </a:r>
             <a:r>
@@ -18002,12 +19156,6 @@
               <a:t>  end</a:t>
             </a:r>
           </a:p>
-          <a:p>
-            <a:r>
-              <a:rPr lang="en-US" dirty="0"/>
-              <a:t>end</a:t>
-            </a:r>
-          </a:p>
         </p:txBody>
       </p:sp>
       <p:sp>
@@ -18039,7 +19187,13 @@
       </p:sp>
       <p:sp>
         <p:nvSpPr>
-          <p:cNvPr id="6" name="Text Placeholder 5"/>
+          <p:cNvPr id="8" name="Text Placeholder 7">
+            <a:extLst>
+              <a:ext uri="{FF2B5EF4-FFF2-40B4-BE49-F238E27FC236}">
+                <a16:creationId xmlns:a16="http://schemas.microsoft.com/office/drawing/2014/main" id="{D78CB3A6-20B2-4E5B-ABFE-754BB7090143}"/>
+              </a:ext>
+            </a:extLst>
+          </p:cNvPr>
           <p:cNvSpPr>
             <a:spLocks noGrp="1"/>
           </p:cNvSpPr>
@@ -18049,45 +19203,20 @@
         </p:nvSpPr>
         <p:spPr>
           <a:xfrm>
-            <a:off x="1135042" y="4051300"/>
-            <a:ext cx="14404273" cy="457201"/>
+            <a:off x="1135042" y="3149600"/>
+            <a:ext cx="14404273" cy="4657250"/>
           </a:xfrm>
+          <a:solidFill>
+            <a:srgbClr val="FF0000">
+              <a:alpha val="25000"/>
+            </a:srgbClr>
+          </a:solidFill>
         </p:spPr>
         <p:txBody>
           <a:bodyPr/>
           <a:lstStyle/>
           <a:p>
-            <a:r>
-              <a:rPr lang="en-US" dirty="0"/>
-              <a:t>+</a:t>
-            </a:r>
-          </a:p>
-        </p:txBody>
-      </p:sp>
-      <p:sp>
-        <p:nvSpPr>
-          <p:cNvPr id="7" name="Text Placeholder 5"/>
-          <p:cNvSpPr>
-            <a:spLocks noGrp="1"/>
-          </p:cNvSpPr>
-          <p:nvPr>
-            <p:ph type="body" sz="quarter" idx="13"/>
-          </p:nvPr>
-        </p:nvSpPr>
-        <p:spPr>
-          <a:xfrm>
-            <a:off x="1135042" y="3238500"/>
-            <a:ext cx="14404273" cy="479840"/>
-          </a:xfrm>
-        </p:spPr>
-        <p:txBody>
-          <a:bodyPr/>
-          <a:lstStyle/>
-          <a:p>
-            <a:r>
-              <a:rPr lang="en-US" dirty="0"/>
-              <a:t>+</a:t>
-            </a:r>
+            <a:endParaRPr lang="en-US" dirty="0"/>
           </a:p>
         </p:txBody>
       </p:sp>
@@ -18141,7 +19270,15 @@
           <a:p>
             <a:r>
               <a:rPr lang="en-US" dirty="0"/>
-              <a:t>Add a Pending Test to Verify the Package</a:t>
+              <a:t>Update the </a:t>
+            </a:r>
+            <a:r>
+              <a:rPr lang="en-US" dirty="0" err="1"/>
+              <a:t>ChefSpec</a:t>
+            </a:r>
+            <a:r>
+              <a:rPr lang="en-US" dirty="0"/>
+              <a:t> Platform</a:t>
             </a:r>
           </a:p>
         </p:txBody>
@@ -18159,13 +19296,21 @@
         <p:spPr/>
         <p:txBody>
           <a:bodyPr>
-            <a:normAutofit/>
+            <a:normAutofit fontScale="85000" lnSpcReduction="20000"/>
           </a:bodyPr>
           <a:lstStyle/>
           <a:p>
             <a:r>
               <a:rPr lang="en-US" dirty="0"/>
-              <a:t>    # ... START OF THE SPEC FILE ...</a:t>
+              <a:t>require '</a:t>
+            </a:r>
+            <a:r>
+              <a:rPr lang="en-US" dirty="0" err="1"/>
+              <a:t>spec_helper</a:t>
+            </a:r>
+            <a:r>
+              <a:rPr lang="en-US" dirty="0"/>
+              <a:t>'</a:t>
             </a:r>
           </a:p>
           <a:p>
@@ -18174,13 +19319,19 @@
           <a:p>
             <a:r>
               <a:rPr lang="en-US" dirty="0"/>
-              <a:t>    it 'converges successfully' do</a:t>
-            </a:r>
-          </a:p>
-          <a:p>
-            <a:r>
-              <a:rPr lang="en-US" dirty="0"/>
-              <a:t>      expect { </a:t>
+              <a:t>describe 'apache::install' do</a:t>
+            </a:r>
+          </a:p>
+          <a:p>
+            <a:r>
+              <a:rPr lang="en-US" dirty="0"/>
+              <a:t>  context 'When all attributes are default, on an CentOS 6.9' do</a:t>
+            </a:r>
+          </a:p>
+          <a:p>
+            <a:r>
+              <a:rPr lang="en-US" dirty="0"/>
+              <a:t>    let(:</a:t>
             </a:r>
             <a:r>
               <a:rPr lang="en-US" dirty="0" err="1"/>
@@ -18188,6 +19339,79 @@
             </a:r>
             <a:r>
               <a:rPr lang="en-US" dirty="0"/>
+              <a:t>) do</a:t>
+            </a:r>
+          </a:p>
+          <a:p>
+            <a:r>
+              <a:rPr lang="en-US" dirty="0"/>
+              <a:t>      runner = </a:t>
+            </a:r>
+            <a:r>
+              <a:rPr lang="en-US" dirty="0" err="1"/>
+              <a:t>ChefSpec</a:t>
+            </a:r>
+            <a:r>
+              <a:rPr lang="en-US" dirty="0"/>
+              <a:t>::</a:t>
+            </a:r>
+            <a:r>
+              <a:rPr lang="en-US" dirty="0" err="1"/>
+              <a:t>ServerRunner.new</a:t>
+            </a:r>
+            <a:r>
+              <a:rPr lang="en-US" dirty="0"/>
+              <a:t>(platform: 'centos', version: '6.9')</a:t>
+            </a:r>
+          </a:p>
+          <a:p>
+            <a:r>
+              <a:rPr lang="en-US" dirty="0"/>
+              <a:t>      </a:t>
+            </a:r>
+            <a:r>
+              <a:rPr lang="en-US" dirty="0" err="1"/>
+              <a:t>runner.converge</a:t>
+            </a:r>
+            <a:r>
+              <a:rPr lang="en-US" dirty="0"/>
+              <a:t>(</a:t>
+            </a:r>
+            <a:r>
+              <a:rPr lang="en-US" dirty="0" err="1"/>
+              <a:t>described_recipe</a:t>
+            </a:r>
+            <a:r>
+              <a:rPr lang="en-US" dirty="0"/>
+              <a:t>)</a:t>
+            </a:r>
+          </a:p>
+          <a:p>
+            <a:r>
+              <a:rPr lang="en-US" dirty="0"/>
+              <a:t>    end</a:t>
+            </a:r>
+          </a:p>
+          <a:p>
+            <a:endParaRPr lang="en-US" dirty="0"/>
+          </a:p>
+          <a:p>
+            <a:r>
+              <a:rPr lang="en-US" dirty="0"/>
+              <a:t>    it 'converges successfully' do</a:t>
+            </a:r>
+          </a:p>
+          <a:p>
+            <a:r>
+              <a:rPr lang="en-US" dirty="0"/>
+              <a:t>      expect { </a:t>
+            </a:r>
+            <a:r>
+              <a:rPr lang="en-US" dirty="0" err="1"/>
+              <a:t>chef_run</a:t>
+            </a:r>
+            <a:r>
+              <a:rPr lang="en-US" dirty="0"/>
               <a:t> }.</a:t>
             </a:r>
             <a:r>
@@ -18211,15 +19435,6 @@
             </a:r>
           </a:p>
           <a:p>
-            <a:endParaRPr lang="en-US" dirty="0"/>
-          </a:p>
-          <a:p>
-            <a:r>
-              <a:rPr lang="en-US" dirty="0"/>
-              <a:t>    it 'installs the necessary package'</a:t>
-            </a:r>
-          </a:p>
-          <a:p>
             <a:r>
               <a:rPr lang="en-US" dirty="0"/>
               <a:t>  end</a:t>
@@ -18272,8 +19487,35 @@
         </p:nvSpPr>
         <p:spPr>
           <a:xfrm>
-            <a:off x="1135042" y="5265316"/>
-            <a:ext cx="14404273" cy="626533"/>
+            <a:off x="1135042" y="4051300"/>
+            <a:ext cx="14404273" cy="457201"/>
+          </a:xfrm>
+        </p:spPr>
+        <p:txBody>
+          <a:bodyPr/>
+          <a:lstStyle/>
+          <a:p>
+            <a:r>
+              <a:rPr lang="en-US" dirty="0"/>
+              <a:t>+</a:t>
+            </a:r>
+          </a:p>
+        </p:txBody>
+      </p:sp>
+      <p:sp>
+        <p:nvSpPr>
+          <p:cNvPr id="7" name="Text Placeholder 5"/>
+          <p:cNvSpPr>
+            <a:spLocks noGrp="1"/>
+          </p:cNvSpPr>
+          <p:nvPr>
+            <p:ph type="body" sz="quarter" idx="13"/>
+          </p:nvPr>
+        </p:nvSpPr>
+        <p:spPr>
+          <a:xfrm>
+            <a:off x="1135042" y="3238500"/>
+            <a:ext cx="14404273" cy="479840"/>
           </a:xfrm>
         </p:spPr>
         <p:txBody>
@@ -18290,7 +19532,7 @@
     </p:spTree>
     <p:extLst>
       <p:ext uri="{BB962C8B-B14F-4D97-AF65-F5344CB8AC3E}">
-        <p14:creationId xmlns:p14="http://schemas.microsoft.com/office/powerpoint/2010/main" val="1835354892"/>
+        <p14:creationId xmlns:p14="http://schemas.microsoft.com/office/powerpoint/2010/main" val="2254000348"/>
       </p:ext>
     </p:extLst>
   </p:cSld>
@@ -18327,35 +19569,116 @@
             <a:spLocks noGrp="1"/>
           </p:cNvSpPr>
           <p:nvPr>
-            <p:ph type="ctrTitle"/>
+            <p:ph type="title"/>
+          </p:nvPr>
+        </p:nvSpPr>
+        <p:spPr/>
+        <p:txBody>
+          <a:bodyPr/>
+          <a:lstStyle/>
+          <a:p>
+            <a:r>
+              <a:rPr lang="en-US" dirty="0"/>
+              <a:t>Add a Pending Test to Verify the Package</a:t>
+            </a:r>
+          </a:p>
+        </p:txBody>
+      </p:sp>
+      <p:sp>
+        <p:nvSpPr>
+          <p:cNvPr id="3" name="Content Placeholder 2"/>
+          <p:cNvSpPr>
+            <a:spLocks noGrp="1"/>
+          </p:cNvSpPr>
+          <p:nvPr>
+            <p:ph sz="quarter" idx="10"/>
           </p:nvPr>
         </p:nvSpPr>
         <p:spPr/>
         <p:txBody>
           <a:bodyPr>
-            <a:normAutofit fontScale="90000"/>
+            <a:normAutofit/>
           </a:bodyPr>
           <a:lstStyle/>
           <a:p>
             <a:r>
+              <a:rPr lang="en-US" dirty="0"/>
+              <a:t>    # ... START OF THE SPEC FILE ...</a:t>
+            </a:r>
+          </a:p>
+          <a:p>
+            <a:endParaRPr lang="en-US" dirty="0"/>
+          </a:p>
+          <a:p>
+            <a:r>
+              <a:rPr lang="en-US" dirty="0"/>
+              <a:t>    it 'converges successfully' do</a:t>
+            </a:r>
+          </a:p>
+          <a:p>
+            <a:r>
+              <a:rPr lang="en-US" dirty="0"/>
+              <a:t>      expect { </a:t>
+            </a:r>
+            <a:r>
               <a:rPr lang="en-US" dirty="0" err="1"/>
-              <a:t>ChefSpec</a:t>
-            </a:r>
-            <a:r>
-              <a:rPr lang="en-US" dirty="0"/>
-              <a:t> Documentation</a:t>
-            </a:r>
-          </a:p>
-        </p:txBody>
-      </p:sp>
-      <p:sp>
-        <p:nvSpPr>
-          <p:cNvPr id="3" name="Subtitle 2"/>
-          <p:cNvSpPr>
-            <a:spLocks noGrp="1"/>
-          </p:cNvSpPr>
-          <p:nvPr>
-            <p:ph type="subTitle" idx="1"/>
+              <a:t>chef_run</a:t>
+            </a:r>
+            <a:r>
+              <a:rPr lang="en-US" dirty="0"/>
+              <a:t> }.</a:t>
+            </a:r>
+            <a:r>
+              <a:rPr lang="en-US" dirty="0" err="1"/>
+              <a:t>to_not</a:t>
+            </a:r>
+            <a:r>
+              <a:rPr lang="en-US" dirty="0"/>
+              <a:t> </a:t>
+            </a:r>
+            <a:r>
+              <a:rPr lang="en-US" dirty="0" err="1"/>
+              <a:t>raise_error</a:t>
+            </a:r>
+            <a:endParaRPr lang="en-US" dirty="0"/>
+          </a:p>
+          <a:p>
+            <a:r>
+              <a:rPr lang="en-US" dirty="0"/>
+              <a:t>    end</a:t>
+            </a:r>
+          </a:p>
+          <a:p>
+            <a:endParaRPr lang="en-US" dirty="0"/>
+          </a:p>
+          <a:p>
+            <a:r>
+              <a:rPr lang="en-US" dirty="0"/>
+              <a:t>    it 'installs the necessary package'</a:t>
+            </a:r>
+          </a:p>
+          <a:p>
+            <a:r>
+              <a:rPr lang="en-US" dirty="0"/>
+              <a:t>  end</a:t>
+            </a:r>
+          </a:p>
+          <a:p>
+            <a:r>
+              <a:rPr lang="en-US" dirty="0"/>
+              <a:t>end</a:t>
+            </a:r>
+          </a:p>
+        </p:txBody>
+      </p:sp>
+      <p:sp>
+        <p:nvSpPr>
+          <p:cNvPr id="4" name="Text Placeholder 3"/>
+          <p:cNvSpPr>
+            <a:spLocks noGrp="1"/>
+          </p:cNvSpPr>
+          <p:nvPr>
+            <p:ph type="body" sz="quarter" idx="11"/>
           </p:nvPr>
         </p:nvSpPr>
         <p:spPr/>
@@ -18365,25 +19688,30 @@
           <a:p>
             <a:r>
               <a:rPr lang="en-US" dirty="0"/>
-              <a:t>Find within the documentation examples of testing packages</a:t>
-            </a:r>
-          </a:p>
-        </p:txBody>
-      </p:sp>
-      <p:sp>
-        <p:nvSpPr>
-          <p:cNvPr id="4" name="Content Placeholder 3"/>
-          <p:cNvSpPr>
-            <a:spLocks noGrp="1"/>
-          </p:cNvSpPr>
-          <p:nvPr>
-            <p:ph sz="quarter" idx="13"/>
+              <a:t>~/apache/spec/unit/recipes/</a:t>
+            </a:r>
+            <a:r>
+              <a:rPr lang="en-US" dirty="0" err="1"/>
+              <a:t>install_spec.rb</a:t>
+            </a:r>
+            <a:endParaRPr lang="en-US" dirty="0"/>
+          </a:p>
+        </p:txBody>
+      </p:sp>
+      <p:sp>
+        <p:nvSpPr>
+          <p:cNvPr id="6" name="Text Placeholder 5"/>
+          <p:cNvSpPr>
+            <a:spLocks noGrp="1"/>
+          </p:cNvSpPr>
+          <p:nvPr>
+            <p:ph type="body" sz="quarter" idx="13"/>
           </p:nvPr>
         </p:nvSpPr>
         <p:spPr>
           <a:xfrm>
-            <a:off x="3110754" y="7164200"/>
-            <a:ext cx="10034492" cy="524133"/>
+            <a:off x="1135042" y="5265316"/>
+            <a:ext cx="14404273" cy="626533"/>
           </a:xfrm>
         </p:spPr>
         <p:txBody>
@@ -18392,31 +19720,7 @@
           <a:p>
             <a:r>
               <a:rPr lang="en-US" dirty="0"/>
-              <a:t>https://</a:t>
-            </a:r>
-            <a:r>
-              <a:rPr lang="en-US" dirty="0" err="1"/>
-              <a:t>github.com</a:t>
-            </a:r>
-            <a:r>
-              <a:rPr lang="en-US" dirty="0"/>
-              <a:t>/</a:t>
-            </a:r>
-            <a:r>
-              <a:rPr lang="en-US" dirty="0" err="1"/>
-              <a:t>sethvargo</a:t>
-            </a:r>
-            <a:r>
-              <a:rPr lang="en-US" dirty="0"/>
-              <a:t>/</a:t>
-            </a:r>
-            <a:r>
-              <a:rPr lang="en-US" dirty="0" err="1"/>
-              <a:t>chefspec</a:t>
-            </a:r>
-            <a:r>
-              <a:rPr lang="en-US" dirty="0"/>
-              <a:t>/tree/master/examples/package</a:t>
+              <a:t>+</a:t>
             </a:r>
           </a:p>
         </p:txBody>
@@ -18424,7 +19728,7 @@
     </p:spTree>
     <p:extLst>
       <p:ext uri="{BB962C8B-B14F-4D97-AF65-F5344CB8AC3E}">
-        <p14:creationId xmlns:p14="http://schemas.microsoft.com/office/powerpoint/2010/main" val="1174766988"/>
+        <p14:creationId xmlns:p14="http://schemas.microsoft.com/office/powerpoint/2010/main" val="1835354892"/>
       </p:ext>
     </p:extLst>
   </p:cSld>
@@ -18456,12 +19760,40 @@
       </p:grpSpPr>
       <p:sp>
         <p:nvSpPr>
-          <p:cNvPr id="5" name="Title 4"/>
-          <p:cNvSpPr>
-            <a:spLocks noGrp="1"/>
-          </p:cNvSpPr>
-          <p:nvPr>
-            <p:ph type="title"/>
+          <p:cNvPr id="2" name="Title 1"/>
+          <p:cNvSpPr>
+            <a:spLocks noGrp="1"/>
+          </p:cNvSpPr>
+          <p:nvPr>
+            <p:ph type="ctrTitle"/>
+          </p:nvPr>
+        </p:nvSpPr>
+        <p:spPr/>
+        <p:txBody>
+          <a:bodyPr>
+            <a:normAutofit fontScale="90000"/>
+          </a:bodyPr>
+          <a:lstStyle/>
+          <a:p>
+            <a:r>
+              <a:rPr lang="en-US" dirty="0" err="1"/>
+              <a:t>ChefSpec</a:t>
+            </a:r>
+            <a:r>
+              <a:rPr lang="en-US" dirty="0"/>
+              <a:t> Documentation</a:t>
+            </a:r>
+          </a:p>
+        </p:txBody>
+      </p:sp>
+      <p:sp>
+        <p:nvSpPr>
+          <p:cNvPr id="3" name="Subtitle 2"/>
+          <p:cNvSpPr>
+            <a:spLocks noGrp="1"/>
+          </p:cNvSpPr>
+          <p:nvPr>
+            <p:ph type="subTitle" idx="1"/>
           </p:nvPr>
         </p:nvSpPr>
         <p:spPr/>
@@ -18471,181 +19803,37 @@
           <a:p>
             <a:r>
               <a:rPr lang="en-US" dirty="0"/>
-              <a:t>Write the Test to Verify the Package</a:t>
-            </a:r>
-          </a:p>
-        </p:txBody>
-      </p:sp>
-      <p:sp>
-        <p:nvSpPr>
-          <p:cNvPr id="3" name="Content Placeholder 2"/>
-          <p:cNvSpPr>
-            <a:spLocks noGrp="1"/>
-          </p:cNvSpPr>
-          <p:nvPr>
-            <p:ph sz="quarter" idx="10"/>
-          </p:nvPr>
-        </p:nvSpPr>
-        <p:spPr/>
-        <p:txBody>
-          <a:bodyPr>
-            <a:normAutofit/>
-          </a:bodyPr>
-          <a:lstStyle/>
-          <a:p>
-            <a:r>
-              <a:rPr lang="en-US" dirty="0"/>
-              <a:t>    # ... START OF THE SPEC FILE ...</a:t>
-            </a:r>
-          </a:p>
-          <a:p>
-            <a:endParaRPr lang="en-US" dirty="0"/>
-          </a:p>
-          <a:p>
-            <a:r>
-              <a:rPr lang="en-US" dirty="0"/>
-              <a:t>    it 'converges successfully' do</a:t>
-            </a:r>
-          </a:p>
-          <a:p>
-            <a:r>
-              <a:rPr lang="en-US" dirty="0"/>
-              <a:t>      expect { </a:t>
-            </a:r>
-            <a:r>
-              <a:rPr lang="en-US" dirty="0" err="1"/>
-              <a:t>chef_run</a:t>
-            </a:r>
-            <a:r>
-              <a:rPr lang="en-US" dirty="0"/>
-              <a:t> }.</a:t>
-            </a:r>
-            <a:r>
-              <a:rPr lang="en-US" dirty="0" err="1"/>
-              <a:t>to_not</a:t>
-            </a:r>
-            <a:r>
-              <a:rPr lang="en-US" dirty="0"/>
-              <a:t> </a:t>
-            </a:r>
-            <a:r>
-              <a:rPr lang="en-US" dirty="0" err="1"/>
-              <a:t>raise_error</a:t>
-            </a:r>
-            <a:endParaRPr lang="en-US" dirty="0"/>
-          </a:p>
-          <a:p>
-            <a:r>
-              <a:rPr lang="en-US" dirty="0"/>
-              <a:t>    end</a:t>
-            </a:r>
-          </a:p>
-          <a:p>
-            <a:endParaRPr lang="en-US" dirty="0"/>
-          </a:p>
-          <a:p>
-            <a:r>
-              <a:rPr lang="en-US" dirty="0"/>
-              <a:t>    it 'installs the necessary package' do</a:t>
-            </a:r>
-          </a:p>
-          <a:p>
-            <a:r>
-              <a:rPr lang="en-US" dirty="0"/>
-              <a:t>      expect(</a:t>
-            </a:r>
-            <a:r>
-              <a:rPr lang="en-US" dirty="0" err="1"/>
-              <a:t>chef_run</a:t>
-            </a:r>
-            <a:r>
-              <a:rPr lang="en-US" dirty="0"/>
-              <a:t>).to </a:t>
-            </a:r>
-            <a:r>
-              <a:rPr lang="en-US" dirty="0" err="1"/>
-              <a:t>install_package</a:t>
-            </a:r>
-            <a:r>
-              <a:rPr lang="en-US" dirty="0"/>
-              <a:t>('</a:t>
-            </a:r>
-            <a:r>
-              <a:rPr lang="en-US" dirty="0" err="1"/>
-              <a:t>httpd</a:t>
-            </a:r>
-            <a:r>
-              <a:rPr lang="en-US" dirty="0"/>
-              <a:t>')</a:t>
-            </a:r>
-          </a:p>
-          <a:p>
-            <a:r>
-              <a:rPr lang="en-US" dirty="0"/>
-              <a:t>    end</a:t>
-            </a:r>
-          </a:p>
-          <a:p>
-            <a:r>
-              <a:rPr lang="en-US" dirty="0"/>
-              <a:t>  end</a:t>
-            </a:r>
-          </a:p>
-          <a:p>
-            <a:r>
-              <a:rPr lang="en-US" dirty="0"/>
-              <a:t>end</a:t>
-            </a:r>
-          </a:p>
-        </p:txBody>
-      </p:sp>
-      <p:sp>
-        <p:nvSpPr>
-          <p:cNvPr id="4" name="Text Placeholder 3"/>
-          <p:cNvSpPr>
-            <a:spLocks noGrp="1"/>
-          </p:cNvSpPr>
-          <p:nvPr>
-            <p:ph type="body" sz="quarter" idx="11"/>
-          </p:nvPr>
-        </p:nvSpPr>
-        <p:spPr/>
-        <p:txBody>
-          <a:bodyPr/>
-          <a:lstStyle/>
-          <a:p>
-            <a:r>
-              <a:rPr lang="en-US" dirty="0"/>
-              <a:t>~/apache/spec/unit/recipes/</a:t>
-            </a:r>
-            <a:r>
-              <a:rPr lang="en-US" dirty="0" err="1"/>
-              <a:t>install_spec.rb</a:t>
-            </a:r>
-            <a:endParaRPr lang="en-US" dirty="0"/>
-          </a:p>
-        </p:txBody>
-      </p:sp>
-      <p:sp>
-        <p:nvSpPr>
-          <p:cNvPr id="7" name="Text Placeholder 6"/>
-          <p:cNvSpPr>
-            <a:spLocks noGrp="1"/>
-          </p:cNvSpPr>
-          <p:nvPr>
-            <p:ph type="body" sz="quarter" idx="13"/>
+              <a:t>Find within the documentation examples of testing packages</a:t>
+            </a:r>
+          </a:p>
+        </p:txBody>
+      </p:sp>
+      <p:sp>
+        <p:nvSpPr>
+          <p:cNvPr id="4" name="Content Placeholder 3"/>
+          <p:cNvSpPr>
+            <a:spLocks noGrp="1"/>
+          </p:cNvSpPr>
+          <p:nvPr>
+            <p:ph sz="quarter" idx="13"/>
           </p:nvPr>
         </p:nvSpPr>
         <p:spPr>
           <a:xfrm>
-            <a:off x="1135042" y="5318232"/>
-            <a:ext cx="14404273" cy="1529185"/>
+            <a:off x="3110754" y="7164200"/>
+            <a:ext cx="10034492" cy="524133"/>
           </a:xfrm>
         </p:spPr>
         <p:txBody>
           <a:bodyPr/>
           <a:lstStyle/>
           <a:p>
+            <a:r>
+              <a:rPr lang="en-US" dirty="0">
+                <a:hlinkClick r:id="rId3"/>
+              </a:rPr>
+              <a:t>https://github.com/chefspec/chefspec/tree/master/examples/package</a:t>
+            </a:r>
             <a:endParaRPr lang="en-US" dirty="0"/>
           </a:p>
         </p:txBody>
@@ -18653,7 +19841,7 @@
     </p:spTree>
     <p:extLst>
       <p:ext uri="{BB962C8B-B14F-4D97-AF65-F5344CB8AC3E}">
-        <p14:creationId xmlns:p14="http://schemas.microsoft.com/office/powerpoint/2010/main" val="860134783"/>
+        <p14:creationId xmlns:p14="http://schemas.microsoft.com/office/powerpoint/2010/main" val="1174766988"/>
       </p:ext>
     </p:extLst>
   </p:cSld>
@@ -19997,52 +21185,6 @@
 </file>
 
 <file path=customXml/item1.xml><?xml version="1.0" encoding="utf-8"?>
-<?mso-contentType ?>
-<spe:Receivers xmlns:spe="http://schemas.microsoft.com/sharepoint/events">
-  <Receiver>
-    <Name>Document ID Generator</Name>
-    <Synchronization>Synchronous</Synchronization>
-    <Type>10001</Type>
-    <SequenceNumber>1000</SequenceNumber>
-    <Assembly>Microsoft.Office.DocumentManagement, Version=14.0.0.0, Culture=neutral, PublicKeyToken=71e9bce111e9429c</Assembly>
-    <Class>Microsoft.Office.DocumentManagement.Internal.DocIdHandler</Class>
-    <Data/>
-    <Filter/>
-  </Receiver>
-  <Receiver>
-    <Name>Document ID Generator</Name>
-    <Synchronization>Synchronous</Synchronization>
-    <Type>10002</Type>
-    <SequenceNumber>1001</SequenceNumber>
-    <Assembly>Microsoft.Office.DocumentManagement, Version=14.0.0.0, Culture=neutral, PublicKeyToken=71e9bce111e9429c</Assembly>
-    <Class>Microsoft.Office.DocumentManagement.Internal.DocIdHandler</Class>
-    <Data/>
-    <Filter/>
-  </Receiver>
-  <Receiver>
-    <Name>Document ID Generator</Name>
-    <Synchronization>Synchronous</Synchronization>
-    <Type>10004</Type>
-    <SequenceNumber>1002</SequenceNumber>
-    <Assembly>Microsoft.Office.DocumentManagement, Version=14.0.0.0, Culture=neutral, PublicKeyToken=71e9bce111e9429c</Assembly>
-    <Class>Microsoft.Office.DocumentManagement.Internal.DocIdHandler</Class>
-    <Data/>
-    <Filter/>
-  </Receiver>
-  <Receiver>
-    <Name>Document ID Generator</Name>
-    <Synchronization>Synchronous</Synchronization>
-    <Type>10006</Type>
-    <SequenceNumber>1003</SequenceNumber>
-    <Assembly>Microsoft.Office.DocumentManagement, Version=14.0.0.0, Culture=neutral, PublicKeyToken=71e9bce111e9429c</Assembly>
-    <Class>Microsoft.Office.DocumentManagement.Internal.DocIdHandler</Class>
-    <Data/>
-    <Filter/>
-  </Receiver>
-</spe:Receivers>
-</file>
-
-<file path=customXml/item2.xml><?xml version="1.0" encoding="utf-8"?>
 <ct:contentTypeSchema xmlns:ct="http://schemas.microsoft.com/office/2006/metadata/contentType" xmlns:ma="http://schemas.microsoft.com/office/2006/metadata/properties/metaAttributes" ct:_="" ma:_="" ma:contentTypeName="Document" ma:contentTypeID="0x0101000812F700BE7F874999720E88173FE491" ma:contentTypeVersion="0" ma:contentTypeDescription="Create a new document." ma:contentTypeScope="" ma:versionID="3f79f408e2ca720b7aba6e0e32464d0c">
   <xsd:schema xmlns:xsd="http://www.w3.org/2001/XMLSchema" xmlns:xs="http://www.w3.org/2001/XMLSchema" xmlns:p="http://schemas.microsoft.com/office/2006/metadata/properties" xmlns:ns2="7bb5d761-a2ea-4873-95f7-7a6658fb3ef0" targetNamespace="http://schemas.microsoft.com/office/2006/metadata/properties" ma:root="true" ma:fieldsID="1e062cd38ba31e406bfc4340fbc7f87a" ns2:_="">
     <xsd:import namespace="7bb5d761-a2ea-4873-95f7-7a6658fb3ef0"/>
@@ -20187,7 +21329,62 @@
 </ct:contentTypeSchema>
 </file>
 
+<file path=customXml/item2.xml><?xml version="1.0" encoding="utf-8"?>
+<?mso-contentType ?>
+<spe:Receivers xmlns:spe="http://schemas.microsoft.com/sharepoint/events">
+  <Receiver>
+    <Name>Document ID Generator</Name>
+    <Synchronization>Synchronous</Synchronization>
+    <Type>10001</Type>
+    <SequenceNumber>1000</SequenceNumber>
+    <Assembly>Microsoft.Office.DocumentManagement, Version=14.0.0.0, Culture=neutral, PublicKeyToken=71e9bce111e9429c</Assembly>
+    <Class>Microsoft.Office.DocumentManagement.Internal.DocIdHandler</Class>
+    <Data/>
+    <Filter/>
+  </Receiver>
+  <Receiver>
+    <Name>Document ID Generator</Name>
+    <Synchronization>Synchronous</Synchronization>
+    <Type>10002</Type>
+    <SequenceNumber>1001</SequenceNumber>
+    <Assembly>Microsoft.Office.DocumentManagement, Version=14.0.0.0, Culture=neutral, PublicKeyToken=71e9bce111e9429c</Assembly>
+    <Class>Microsoft.Office.DocumentManagement.Internal.DocIdHandler</Class>
+    <Data/>
+    <Filter/>
+  </Receiver>
+  <Receiver>
+    <Name>Document ID Generator</Name>
+    <Synchronization>Synchronous</Synchronization>
+    <Type>10004</Type>
+    <SequenceNumber>1002</SequenceNumber>
+    <Assembly>Microsoft.Office.DocumentManagement, Version=14.0.0.0, Culture=neutral, PublicKeyToken=71e9bce111e9429c</Assembly>
+    <Class>Microsoft.Office.DocumentManagement.Internal.DocIdHandler</Class>
+    <Data/>
+    <Filter/>
+  </Receiver>
+  <Receiver>
+    <Name>Document ID Generator</Name>
+    <Synchronization>Synchronous</Synchronization>
+    <Type>10006</Type>
+    <SequenceNumber>1003</SequenceNumber>
+    <Assembly>Microsoft.Office.DocumentManagement, Version=14.0.0.0, Culture=neutral, PublicKeyToken=71e9bce111e9429c</Assembly>
+    <Class>Microsoft.Office.DocumentManagement.Internal.DocIdHandler</Class>
+    <Data/>
+    <Filter/>
+  </Receiver>
+</spe:Receivers>
+</file>
+
 <file path=customXml/item3.xml><?xml version="1.0" encoding="utf-8"?>
+<?mso-contentType ?>
+<FormTemplates xmlns="http://schemas.microsoft.com/sharepoint/v3/contenttype/forms">
+  <Display>DocumentLibraryForm</Display>
+  <Edit>DocumentLibraryForm</Edit>
+  <New>DocumentLibraryForm</New>
+</FormTemplates>
+</file>
+
+<file path=customXml/item4.xml><?xml version="1.0" encoding="utf-8"?>
 <p:properties xmlns:p="http://schemas.microsoft.com/office/2006/metadata/properties" xmlns:xsi="http://www.w3.org/2001/XMLSchema-instance" xmlns:pc="http://schemas.microsoft.com/office/infopath/2007/PartnerControls">
   <documentManagement>
     <_dlc_DocId xmlns="7bb5d761-a2ea-4873-95f7-7a6658fb3ef0">M4CWTKMW727E-592-73</_dlc_DocId>
@@ -20199,24 +21396,7 @@
 </p:properties>
 </file>
 
-<file path=customXml/item4.xml><?xml version="1.0" encoding="utf-8"?>
-<?mso-contentType ?>
-<FormTemplates xmlns="http://schemas.microsoft.com/sharepoint/v3/contenttype/forms">
-  <Display>DocumentLibraryForm</Display>
-  <Edit>DocumentLibraryForm</Edit>
-  <New>DocumentLibraryForm</New>
-</FormTemplates>
-</file>
-
 <file path=customXml/itemProps1.xml><?xml version="1.0" encoding="utf-8"?>
-<ds:datastoreItem xmlns:ds="http://schemas.openxmlformats.org/officeDocument/2006/customXml" ds:itemID="{B13EBC30-FE27-4C6A-B723-23FC2188F7DC}">
-  <ds:schemaRefs>
-    <ds:schemaRef ds:uri="http://schemas.microsoft.com/sharepoint/events"/>
-  </ds:schemaRefs>
-</ds:datastoreItem>
-</file>
-
-<file path=customXml/itemProps2.xml><?xml version="1.0" encoding="utf-8"?>
 <ds:datastoreItem xmlns:ds="http://schemas.openxmlformats.org/officeDocument/2006/customXml" ds:itemID="{164479E5-0B02-49AC-B79E-EC1D6164DDD3}">
   <ds:schemaRefs>
     <ds:schemaRef ds:uri="http://schemas.microsoft.com/office/2006/metadata/contentType"/>
@@ -20234,7 +21414,23 @@
 </ds:datastoreItem>
 </file>
 
+<file path=customXml/itemProps2.xml><?xml version="1.0" encoding="utf-8"?>
+<ds:datastoreItem xmlns:ds="http://schemas.openxmlformats.org/officeDocument/2006/customXml" ds:itemID="{B13EBC30-FE27-4C6A-B723-23FC2188F7DC}">
+  <ds:schemaRefs>
+    <ds:schemaRef ds:uri="http://schemas.microsoft.com/sharepoint/events"/>
+  </ds:schemaRefs>
+</ds:datastoreItem>
+</file>
+
 <file path=customXml/itemProps3.xml><?xml version="1.0" encoding="utf-8"?>
+<ds:datastoreItem xmlns:ds="http://schemas.openxmlformats.org/officeDocument/2006/customXml" ds:itemID="{5CDEB364-43EC-4510-9881-539C2A3FCE9E}">
+  <ds:schemaRefs>
+    <ds:schemaRef ds:uri="http://schemas.microsoft.com/sharepoint/v3/contenttype/forms"/>
+  </ds:schemaRefs>
+</ds:datastoreItem>
+</file>
+
+<file path=customXml/itemProps4.xml><?xml version="1.0" encoding="utf-8"?>
 <ds:datastoreItem xmlns:ds="http://schemas.openxmlformats.org/officeDocument/2006/customXml" ds:itemID="{6921749B-AEB7-461B-845F-603CABD25259}">
   <ds:schemaRefs>
     <ds:schemaRef ds:uri="7bb5d761-a2ea-4873-95f7-7a6658fb3ef0"/>
@@ -20248,12 +21444,4 @@
     <ds:schemaRef ds:uri="http://www.w3.org/XML/1998/namespace"/>
   </ds:schemaRefs>
 </ds:datastoreItem>
-</file>
-
-<file path=customXml/itemProps4.xml><?xml version="1.0" encoding="utf-8"?>
-<ds:datastoreItem xmlns:ds="http://schemas.openxmlformats.org/officeDocument/2006/customXml" ds:itemID="{5CDEB364-43EC-4510-9881-539C2A3FCE9E}">
-  <ds:schemaRefs>
-    <ds:schemaRef ds:uri="http://schemas.microsoft.com/sharepoint/v3/contenttype/forms"/>
-  </ds:schemaRefs>
-</ds:datastoreItem>
 </file>